--- a/vitess/MySQL Index & Orchestrator.pptx
+++ b/vitess/MySQL Index & Orchestrator.pptx
@@ -8,8 +8,20 @@
     <p:sldId id="256" r:id="rId2"/>
     <p:sldId id="257" r:id="rId3"/>
     <p:sldId id="258" r:id="rId4"/>
-    <p:sldId id="259" r:id="rId5"/>
-    <p:sldId id="260" r:id="rId6"/>
+    <p:sldId id="262" r:id="rId5"/>
+    <p:sldId id="263" r:id="rId6"/>
+    <p:sldId id="264" r:id="rId7"/>
+    <p:sldId id="265" r:id="rId8"/>
+    <p:sldId id="266" r:id="rId9"/>
+    <p:sldId id="267" r:id="rId10"/>
+    <p:sldId id="259" r:id="rId11"/>
+    <p:sldId id="260" r:id="rId12"/>
+    <p:sldId id="261" r:id="rId13"/>
+    <p:sldId id="268" r:id="rId14"/>
+    <p:sldId id="269" r:id="rId15"/>
+    <p:sldId id="270" r:id="rId16"/>
+    <p:sldId id="271" r:id="rId17"/>
+    <p:sldId id="272" r:id="rId18"/>
   </p:sldIdLst>
   <p:sldSz cx="12192000" cy="6858000"/>
   <p:notesSz cx="6858000" cy="9144000"/>
@@ -247,7 +259,7 @@
           <a:p>
             <a:fld id="{41C6453F-079A-4B23-A386-11F56ABE5436}" type="datetimeFigureOut">
               <a:rPr lang="zh-CN" altLang="en-US" smtClean="0"/>
-              <a:t>2018/8/10</a:t>
+              <a:t>2018/8/13</a:t>
             </a:fld>
             <a:endParaRPr lang="zh-CN" altLang="en-US"/>
           </a:p>
@@ -417,7 +429,7 @@
           <a:p>
             <a:fld id="{41C6453F-079A-4B23-A386-11F56ABE5436}" type="datetimeFigureOut">
               <a:rPr lang="zh-CN" altLang="en-US" smtClean="0"/>
-              <a:t>2018/8/10</a:t>
+              <a:t>2018/8/13</a:t>
             </a:fld>
             <a:endParaRPr lang="zh-CN" altLang="en-US"/>
           </a:p>
@@ -597,7 +609,7 @@
           <a:p>
             <a:fld id="{41C6453F-079A-4B23-A386-11F56ABE5436}" type="datetimeFigureOut">
               <a:rPr lang="zh-CN" altLang="en-US" smtClean="0"/>
-              <a:t>2018/8/10</a:t>
+              <a:t>2018/8/13</a:t>
             </a:fld>
             <a:endParaRPr lang="zh-CN" altLang="en-US"/>
           </a:p>
@@ -767,7 +779,7 @@
           <a:p>
             <a:fld id="{41C6453F-079A-4B23-A386-11F56ABE5436}" type="datetimeFigureOut">
               <a:rPr lang="zh-CN" altLang="en-US" smtClean="0"/>
-              <a:t>2018/8/10</a:t>
+              <a:t>2018/8/13</a:t>
             </a:fld>
             <a:endParaRPr lang="zh-CN" altLang="en-US"/>
           </a:p>
@@ -1013,7 +1025,7 @@
           <a:p>
             <a:fld id="{41C6453F-079A-4B23-A386-11F56ABE5436}" type="datetimeFigureOut">
               <a:rPr lang="zh-CN" altLang="en-US" smtClean="0"/>
-              <a:t>2018/8/10</a:t>
+              <a:t>2018/8/13</a:t>
             </a:fld>
             <a:endParaRPr lang="zh-CN" altLang="en-US"/>
           </a:p>
@@ -1245,7 +1257,7 @@
           <a:p>
             <a:fld id="{41C6453F-079A-4B23-A386-11F56ABE5436}" type="datetimeFigureOut">
               <a:rPr lang="zh-CN" altLang="en-US" smtClean="0"/>
-              <a:t>2018/8/10</a:t>
+              <a:t>2018/8/13</a:t>
             </a:fld>
             <a:endParaRPr lang="zh-CN" altLang="en-US"/>
           </a:p>
@@ -1612,7 +1624,7 @@
           <a:p>
             <a:fld id="{41C6453F-079A-4B23-A386-11F56ABE5436}" type="datetimeFigureOut">
               <a:rPr lang="zh-CN" altLang="en-US" smtClean="0"/>
-              <a:t>2018/8/10</a:t>
+              <a:t>2018/8/13</a:t>
             </a:fld>
             <a:endParaRPr lang="zh-CN" altLang="en-US"/>
           </a:p>
@@ -1730,7 +1742,7 @@
           <a:p>
             <a:fld id="{41C6453F-079A-4B23-A386-11F56ABE5436}" type="datetimeFigureOut">
               <a:rPr lang="zh-CN" altLang="en-US" smtClean="0"/>
-              <a:t>2018/8/10</a:t>
+              <a:t>2018/8/13</a:t>
             </a:fld>
             <a:endParaRPr lang="zh-CN" altLang="en-US"/>
           </a:p>
@@ -1825,7 +1837,7 @@
           <a:p>
             <a:fld id="{41C6453F-079A-4B23-A386-11F56ABE5436}" type="datetimeFigureOut">
               <a:rPr lang="zh-CN" altLang="en-US" smtClean="0"/>
-              <a:t>2018/8/10</a:t>
+              <a:t>2018/8/13</a:t>
             </a:fld>
             <a:endParaRPr lang="zh-CN" altLang="en-US"/>
           </a:p>
@@ -2102,7 +2114,7 @@
           <a:p>
             <a:fld id="{41C6453F-079A-4B23-A386-11F56ABE5436}" type="datetimeFigureOut">
               <a:rPr lang="zh-CN" altLang="en-US" smtClean="0"/>
-              <a:t>2018/8/10</a:t>
+              <a:t>2018/8/13</a:t>
             </a:fld>
             <a:endParaRPr lang="zh-CN" altLang="en-US"/>
           </a:p>
@@ -2355,7 +2367,7 @@
           <a:p>
             <a:fld id="{41C6453F-079A-4B23-A386-11F56ABE5436}" type="datetimeFigureOut">
               <a:rPr lang="zh-CN" altLang="en-US" smtClean="0"/>
-              <a:t>2018/8/10</a:t>
+              <a:t>2018/8/13</a:t>
             </a:fld>
             <a:endParaRPr lang="zh-CN" altLang="en-US"/>
           </a:p>
@@ -2568,7 +2580,7 @@
           <a:p>
             <a:fld id="{41C6453F-079A-4B23-A386-11F56ABE5436}" type="datetimeFigureOut">
               <a:rPr lang="zh-CN" altLang="en-US" smtClean="0"/>
-              <a:t>2018/8/10</a:t>
+              <a:t>2018/8/13</a:t>
             </a:fld>
             <a:endParaRPr lang="zh-CN" altLang="en-US"/>
           </a:p>
@@ -3011,10 +3023,6 @@
           <a:bodyPr/>
           <a:lstStyle/>
           <a:p>
-            <a:r>
-              <a:rPr lang="en-US" altLang="zh-CN" dirty="0" smtClean="0"/>
-              <a:t>Hong Wei</a:t>
-            </a:r>
             <a:endParaRPr lang="zh-CN" altLang="en-US" dirty="0"/>
           </a:p>
         </p:txBody>
@@ -3036,6 +3044,1137 @@
       </p:par>
     </p:tnLst>
   </p:timing>
+</p:sld>
+</file>
+
+<file path=ppt/slides/slide10.xml><?xml version="1.0" encoding="utf-8"?>
+<p:sld xmlns:a="http://schemas.openxmlformats.org/drawingml/2006/main" xmlns:r="http://schemas.openxmlformats.org/officeDocument/2006/relationships" xmlns:p="http://schemas.openxmlformats.org/presentationml/2006/main">
+  <p:cSld>
+    <p:spTree>
+      <p:nvGrpSpPr>
+        <p:cNvPr id="1" name=""/>
+        <p:cNvGrpSpPr/>
+        <p:nvPr/>
+      </p:nvGrpSpPr>
+      <p:grpSpPr>
+        <a:xfrm>
+          <a:off x="0" y="0"/>
+          <a:ext cx="0" cy="0"/>
+          <a:chOff x="0" y="0"/>
+          <a:chExt cx="0" cy="0"/>
+        </a:xfrm>
+      </p:grpSpPr>
+      <p:sp>
+        <p:nvSpPr>
+          <p:cNvPr id="2" name="Title 1"/>
+          <p:cNvSpPr>
+            <a:spLocks noGrp="1"/>
+          </p:cNvSpPr>
+          <p:nvPr>
+            <p:ph type="title"/>
+          </p:nvPr>
+        </p:nvSpPr>
+        <p:spPr/>
+        <p:txBody>
+          <a:bodyPr/>
+          <a:lstStyle/>
+          <a:p>
+            <a:r>
+              <a:rPr lang="en-US" altLang="zh-CN" dirty="0"/>
+              <a:t>Benefits of Indexes</a:t>
+            </a:r>
+            <a:endParaRPr lang="zh-CN" altLang="en-US" dirty="0"/>
+          </a:p>
+        </p:txBody>
+      </p:sp>
+      <p:sp>
+        <p:nvSpPr>
+          <p:cNvPr id="3" name="Content Placeholder 2"/>
+          <p:cNvSpPr>
+            <a:spLocks noGrp="1"/>
+          </p:cNvSpPr>
+          <p:nvPr>
+            <p:ph idx="1"/>
+          </p:nvPr>
+        </p:nvSpPr>
+        <p:spPr/>
+        <p:txBody>
+          <a:bodyPr/>
+          <a:lstStyle/>
+          <a:p>
+            <a:r>
+              <a:rPr lang="en-US" altLang="zh-CN" dirty="0"/>
+              <a:t>Indexes reduce the amount of data the server has to examine</a:t>
+            </a:r>
+            <a:r>
+              <a:rPr lang="en-US" altLang="zh-CN" dirty="0" smtClean="0"/>
+              <a:t>.</a:t>
+            </a:r>
+          </a:p>
+          <a:p>
+            <a:r>
+              <a:rPr lang="en-US" altLang="zh-CN" dirty="0"/>
+              <a:t>Indexes help the server avoid sorting and temporary tables</a:t>
+            </a:r>
+            <a:r>
+              <a:rPr lang="en-US" altLang="zh-CN" dirty="0" smtClean="0"/>
+              <a:t>.</a:t>
+            </a:r>
+          </a:p>
+          <a:p>
+            <a:r>
+              <a:rPr lang="en-US" altLang="zh-CN" dirty="0"/>
+              <a:t>Indexes turn random I/O into sequential I/O</a:t>
+            </a:r>
+            <a:r>
+              <a:rPr lang="en-US" altLang="zh-CN" dirty="0" smtClean="0"/>
+              <a:t>.</a:t>
+            </a:r>
+          </a:p>
+          <a:p>
+            <a:pPr marL="0" indent="0">
+              <a:buNone/>
+            </a:pPr>
+            <a:endParaRPr lang="en-US" altLang="zh-CN" dirty="0"/>
+          </a:p>
+          <a:p>
+            <a:pPr marL="0" indent="0">
+              <a:buNone/>
+            </a:pPr>
+            <a:r>
+              <a:rPr lang="en-US" altLang="zh-CN" dirty="0" smtClean="0"/>
+              <a:t>Note : An index isn’t always the right tool.</a:t>
+            </a:r>
+            <a:endParaRPr lang="zh-CN" altLang="en-US" dirty="0"/>
+          </a:p>
+        </p:txBody>
+      </p:sp>
+    </p:spTree>
+    <p:extLst>
+      <p:ext uri="{BB962C8B-B14F-4D97-AF65-F5344CB8AC3E}">
+        <p14:creationId xmlns:p14="http://schemas.microsoft.com/office/powerpoint/2010/main" val="1689291681"/>
+      </p:ext>
+    </p:extLst>
+  </p:cSld>
+  <p:clrMapOvr>
+    <a:masterClrMapping/>
+  </p:clrMapOvr>
+</p:sld>
+</file>
+
+<file path=ppt/slides/slide11.xml><?xml version="1.0" encoding="utf-8"?>
+<p:sld xmlns:a="http://schemas.openxmlformats.org/drawingml/2006/main" xmlns:r="http://schemas.openxmlformats.org/officeDocument/2006/relationships" xmlns:p="http://schemas.openxmlformats.org/presentationml/2006/main">
+  <p:cSld>
+    <p:spTree>
+      <p:nvGrpSpPr>
+        <p:cNvPr id="1" name=""/>
+        <p:cNvGrpSpPr/>
+        <p:nvPr/>
+      </p:nvGrpSpPr>
+      <p:grpSpPr>
+        <a:xfrm>
+          <a:off x="0" y="0"/>
+          <a:ext cx="0" cy="0"/>
+          <a:chOff x="0" y="0"/>
+          <a:chExt cx="0" cy="0"/>
+        </a:xfrm>
+      </p:grpSpPr>
+      <p:sp>
+        <p:nvSpPr>
+          <p:cNvPr id="2" name="Title 1"/>
+          <p:cNvSpPr>
+            <a:spLocks noGrp="1"/>
+          </p:cNvSpPr>
+          <p:nvPr>
+            <p:ph type="title"/>
+          </p:nvPr>
+        </p:nvSpPr>
+        <p:spPr/>
+        <p:txBody>
+          <a:bodyPr/>
+          <a:lstStyle/>
+          <a:p>
+            <a:r>
+              <a:rPr lang="en-US" altLang="zh-CN" dirty="0"/>
+              <a:t>Indexing Strategies for High Performance</a:t>
+            </a:r>
+            <a:endParaRPr lang="zh-CN" altLang="en-US" dirty="0"/>
+          </a:p>
+        </p:txBody>
+      </p:sp>
+      <p:sp>
+        <p:nvSpPr>
+          <p:cNvPr id="3" name="Content Placeholder 2"/>
+          <p:cNvSpPr>
+            <a:spLocks noGrp="1"/>
+          </p:cNvSpPr>
+          <p:nvPr>
+            <p:ph idx="1"/>
+          </p:nvPr>
+        </p:nvSpPr>
+        <p:spPr/>
+        <p:txBody>
+          <a:bodyPr/>
+          <a:lstStyle/>
+          <a:p>
+            <a:r>
+              <a:rPr lang="en-US" altLang="zh-CN" dirty="0"/>
+              <a:t>Isolating the </a:t>
+            </a:r>
+            <a:r>
+              <a:rPr lang="en-US" altLang="zh-CN" dirty="0" smtClean="0"/>
+              <a:t>Column</a:t>
+            </a:r>
+          </a:p>
+          <a:p>
+            <a:r>
+              <a:rPr lang="en-US" altLang="zh-CN" dirty="0"/>
+              <a:t>Prefix Indexes and Index </a:t>
+            </a:r>
+            <a:r>
+              <a:rPr lang="en-US" altLang="zh-CN" dirty="0" smtClean="0"/>
+              <a:t>Selectivity</a:t>
+            </a:r>
+          </a:p>
+          <a:p>
+            <a:r>
+              <a:rPr lang="en-US" altLang="zh-CN" dirty="0"/>
+              <a:t>Multicolumn </a:t>
+            </a:r>
+            <a:r>
+              <a:rPr lang="en-US" altLang="zh-CN" dirty="0" smtClean="0"/>
+              <a:t>Indexes</a:t>
+            </a:r>
+          </a:p>
+          <a:p>
+            <a:r>
+              <a:rPr lang="en-US" altLang="zh-CN" dirty="0"/>
+              <a:t>Choosing a Good Column </a:t>
+            </a:r>
+            <a:r>
+              <a:rPr lang="en-US" altLang="zh-CN" dirty="0" smtClean="0"/>
+              <a:t>Order</a:t>
+            </a:r>
+          </a:p>
+          <a:p>
+            <a:r>
+              <a:rPr lang="en-US" altLang="zh-CN" dirty="0"/>
+              <a:t>Clustered Indexes</a:t>
+            </a:r>
+            <a:endParaRPr lang="zh-CN" altLang="en-US" dirty="0"/>
+          </a:p>
+        </p:txBody>
+      </p:sp>
+    </p:spTree>
+    <p:extLst>
+      <p:ext uri="{BB962C8B-B14F-4D97-AF65-F5344CB8AC3E}">
+        <p14:creationId xmlns:p14="http://schemas.microsoft.com/office/powerpoint/2010/main" val="1251968835"/>
+      </p:ext>
+    </p:extLst>
+  </p:cSld>
+  <p:clrMapOvr>
+    <a:masterClrMapping/>
+  </p:clrMapOvr>
+</p:sld>
+</file>
+
+<file path=ppt/slides/slide12.xml><?xml version="1.0" encoding="utf-8"?>
+<p:sld xmlns:a="http://schemas.openxmlformats.org/drawingml/2006/main" xmlns:r="http://schemas.openxmlformats.org/officeDocument/2006/relationships" xmlns:p="http://schemas.openxmlformats.org/presentationml/2006/main">
+  <p:cSld>
+    <p:spTree>
+      <p:nvGrpSpPr>
+        <p:cNvPr id="1" name=""/>
+        <p:cNvGrpSpPr/>
+        <p:nvPr/>
+      </p:nvGrpSpPr>
+      <p:grpSpPr>
+        <a:xfrm>
+          <a:off x="0" y="0"/>
+          <a:ext cx="0" cy="0"/>
+          <a:chOff x="0" y="0"/>
+          <a:chExt cx="0" cy="0"/>
+        </a:xfrm>
+      </p:grpSpPr>
+      <p:sp>
+        <p:nvSpPr>
+          <p:cNvPr id="2" name="Title 1"/>
+          <p:cNvSpPr>
+            <a:spLocks noGrp="1"/>
+          </p:cNvSpPr>
+          <p:nvPr>
+            <p:ph type="title"/>
+          </p:nvPr>
+        </p:nvSpPr>
+        <p:spPr/>
+        <p:txBody>
+          <a:bodyPr/>
+          <a:lstStyle/>
+          <a:p>
+            <a:r>
+              <a:rPr lang="en-US" altLang="zh-CN" dirty="0"/>
+              <a:t>Isolating the Column</a:t>
+            </a:r>
+            <a:endParaRPr lang="zh-CN" altLang="en-US" dirty="0"/>
+          </a:p>
+        </p:txBody>
+      </p:sp>
+      <p:pic>
+        <p:nvPicPr>
+          <p:cNvPr id="4" name="Content Placeholder 3"/>
+          <p:cNvPicPr>
+            <a:picLocks noGrp="1" noChangeAspect="1"/>
+          </p:cNvPicPr>
+          <p:nvPr>
+            <p:ph idx="1"/>
+          </p:nvPr>
+        </p:nvPicPr>
+        <p:blipFill>
+          <a:blip r:embed="rId2"/>
+          <a:stretch>
+            <a:fillRect/>
+          </a:stretch>
+        </p:blipFill>
+        <p:spPr>
+          <a:xfrm>
+            <a:off x="838200" y="2203704"/>
+            <a:ext cx="7650279" cy="728135"/>
+          </a:xfrm>
+          <a:prstGeom prst="rect">
+            <a:avLst/>
+          </a:prstGeom>
+        </p:spPr>
+      </p:pic>
+      <p:pic>
+        <p:nvPicPr>
+          <p:cNvPr id="5" name="Picture 4"/>
+          <p:cNvPicPr>
+            <a:picLocks noChangeAspect="1"/>
+          </p:cNvPicPr>
+          <p:nvPr/>
+        </p:nvPicPr>
+        <p:blipFill>
+          <a:blip r:embed="rId3"/>
+          <a:stretch>
+            <a:fillRect/>
+          </a:stretch>
+        </p:blipFill>
+        <p:spPr>
+          <a:xfrm>
+            <a:off x="838200" y="3442422"/>
+            <a:ext cx="7464552" cy="846114"/>
+          </a:xfrm>
+          <a:prstGeom prst="rect">
+            <a:avLst/>
+          </a:prstGeom>
+        </p:spPr>
+      </p:pic>
+    </p:spTree>
+    <p:extLst>
+      <p:ext uri="{BB962C8B-B14F-4D97-AF65-F5344CB8AC3E}">
+        <p14:creationId xmlns:p14="http://schemas.microsoft.com/office/powerpoint/2010/main" val="1061452991"/>
+      </p:ext>
+    </p:extLst>
+  </p:cSld>
+  <p:clrMapOvr>
+    <a:masterClrMapping/>
+  </p:clrMapOvr>
+</p:sld>
+</file>
+
+<file path=ppt/slides/slide13.xml><?xml version="1.0" encoding="utf-8"?>
+<p:sld xmlns:a="http://schemas.openxmlformats.org/drawingml/2006/main" xmlns:r="http://schemas.openxmlformats.org/officeDocument/2006/relationships" xmlns:p="http://schemas.openxmlformats.org/presentationml/2006/main">
+  <p:cSld>
+    <p:spTree>
+      <p:nvGrpSpPr>
+        <p:cNvPr id="1" name=""/>
+        <p:cNvGrpSpPr/>
+        <p:nvPr/>
+      </p:nvGrpSpPr>
+      <p:grpSpPr>
+        <a:xfrm>
+          <a:off x="0" y="0"/>
+          <a:ext cx="0" cy="0"/>
+          <a:chOff x="0" y="0"/>
+          <a:chExt cx="0" cy="0"/>
+        </a:xfrm>
+      </p:grpSpPr>
+      <p:sp>
+        <p:nvSpPr>
+          <p:cNvPr id="2" name="Title 1"/>
+          <p:cNvSpPr>
+            <a:spLocks noGrp="1"/>
+          </p:cNvSpPr>
+          <p:nvPr>
+            <p:ph type="title"/>
+          </p:nvPr>
+        </p:nvSpPr>
+        <p:spPr/>
+        <p:txBody>
+          <a:bodyPr/>
+          <a:lstStyle/>
+          <a:p>
+            <a:r>
+              <a:rPr lang="en-US" altLang="zh-CN" dirty="0"/>
+              <a:t>Prefix Indexes and Index Selectivity</a:t>
+            </a:r>
+            <a:endParaRPr lang="zh-CN" altLang="en-US" dirty="0"/>
+          </a:p>
+        </p:txBody>
+      </p:sp>
+      <p:sp>
+        <p:nvSpPr>
+          <p:cNvPr id="3" name="Content Placeholder 2"/>
+          <p:cNvSpPr>
+            <a:spLocks noGrp="1"/>
+          </p:cNvSpPr>
+          <p:nvPr>
+            <p:ph idx="1"/>
+          </p:nvPr>
+        </p:nvSpPr>
+        <p:spPr/>
+        <p:txBody>
+          <a:bodyPr>
+            <a:normAutofit/>
+          </a:bodyPr>
+          <a:lstStyle/>
+          <a:p>
+            <a:r>
+              <a:rPr lang="en-US" altLang="zh-CN" dirty="0"/>
+              <a:t>A prefix of the column is often selective enough to give good performance. If </a:t>
+            </a:r>
+            <a:r>
+              <a:rPr lang="en-US" altLang="zh-CN" dirty="0" smtClean="0"/>
+              <a:t>you’re indexing </a:t>
+            </a:r>
+            <a:r>
+              <a:rPr lang="en-US" altLang="zh-CN" dirty="0"/>
+              <a:t>BLOB or TEXT columns, or very long VARCHAR columns, you </a:t>
+            </a:r>
+            <a:r>
+              <a:rPr lang="en-US" altLang="zh-CN" i="1" dirty="0"/>
+              <a:t>must </a:t>
+            </a:r>
+            <a:r>
+              <a:rPr lang="en-US" altLang="zh-CN" dirty="0"/>
+              <a:t>define </a:t>
+            </a:r>
+            <a:r>
+              <a:rPr lang="en-US" altLang="zh-CN" dirty="0" smtClean="0"/>
+              <a:t>prefix indexes</a:t>
+            </a:r>
+            <a:r>
+              <a:rPr lang="en-US" altLang="zh-CN" dirty="0"/>
+              <a:t>, because MySQL disallows indexing their full length</a:t>
+            </a:r>
+            <a:r>
+              <a:rPr lang="en-US" altLang="zh-CN" dirty="0" smtClean="0"/>
+              <a:t>.</a:t>
+            </a:r>
+          </a:p>
+          <a:p>
+            <a:r>
+              <a:rPr lang="en-US" altLang="zh-CN" dirty="0"/>
+              <a:t>The trick is to choose a prefix that’s long enough to give good selectivity, but </a:t>
+            </a:r>
+            <a:r>
+              <a:rPr lang="en-US" altLang="zh-CN" dirty="0" smtClean="0"/>
+              <a:t>short enough </a:t>
+            </a:r>
+            <a:r>
+              <a:rPr lang="en-US" altLang="zh-CN" dirty="0"/>
+              <a:t>to save space. The prefix should be long enough to make the index nearly </a:t>
+            </a:r>
+            <a:r>
+              <a:rPr lang="en-US" altLang="zh-CN" dirty="0" smtClean="0"/>
+              <a:t>as useful </a:t>
+            </a:r>
+            <a:r>
+              <a:rPr lang="en-US" altLang="zh-CN" dirty="0"/>
+              <a:t>as it would be if you’d indexed the whole column. In other words, you’d like </a:t>
+            </a:r>
+            <a:r>
+              <a:rPr lang="en-US" altLang="zh-CN" dirty="0" smtClean="0"/>
+              <a:t>the prefix’s </a:t>
+            </a:r>
+            <a:r>
+              <a:rPr lang="en-US" altLang="zh-CN" dirty="0"/>
+              <a:t>cardinality to be close to the full column’s cardinality.</a:t>
+            </a:r>
+            <a:endParaRPr lang="zh-CN" altLang="en-US" dirty="0"/>
+          </a:p>
+        </p:txBody>
+      </p:sp>
+    </p:spTree>
+    <p:extLst>
+      <p:ext uri="{BB962C8B-B14F-4D97-AF65-F5344CB8AC3E}">
+        <p14:creationId xmlns:p14="http://schemas.microsoft.com/office/powerpoint/2010/main" val="3408773351"/>
+      </p:ext>
+    </p:extLst>
+  </p:cSld>
+  <p:clrMapOvr>
+    <a:masterClrMapping/>
+  </p:clrMapOvr>
+</p:sld>
+</file>
+
+<file path=ppt/slides/slide14.xml><?xml version="1.0" encoding="utf-8"?>
+<p:sld xmlns:a="http://schemas.openxmlformats.org/drawingml/2006/main" xmlns:r="http://schemas.openxmlformats.org/officeDocument/2006/relationships" xmlns:p="http://schemas.openxmlformats.org/presentationml/2006/main">
+  <p:cSld>
+    <p:spTree>
+      <p:nvGrpSpPr>
+        <p:cNvPr id="1" name=""/>
+        <p:cNvGrpSpPr/>
+        <p:nvPr/>
+      </p:nvGrpSpPr>
+      <p:grpSpPr>
+        <a:xfrm>
+          <a:off x="0" y="0"/>
+          <a:ext cx="0" cy="0"/>
+          <a:chOff x="0" y="0"/>
+          <a:chExt cx="0" cy="0"/>
+        </a:xfrm>
+      </p:grpSpPr>
+      <p:sp>
+        <p:nvSpPr>
+          <p:cNvPr id="2" name="Title 1"/>
+          <p:cNvSpPr>
+            <a:spLocks noGrp="1"/>
+          </p:cNvSpPr>
+          <p:nvPr>
+            <p:ph type="title"/>
+          </p:nvPr>
+        </p:nvSpPr>
+        <p:spPr/>
+        <p:txBody>
+          <a:bodyPr/>
+          <a:lstStyle/>
+          <a:p>
+            <a:r>
+              <a:rPr lang="en-US" altLang="zh-CN" dirty="0" smtClean="0"/>
+              <a:t>Index Selectivity case</a:t>
+            </a:r>
+            <a:endParaRPr lang="zh-CN" altLang="en-US" dirty="0"/>
+          </a:p>
+        </p:txBody>
+      </p:sp>
+      <p:pic>
+        <p:nvPicPr>
+          <p:cNvPr id="4" name="Content Placeholder 3"/>
+          <p:cNvPicPr>
+            <a:picLocks noGrp="1" noChangeAspect="1"/>
+          </p:cNvPicPr>
+          <p:nvPr>
+            <p:ph idx="1"/>
+          </p:nvPr>
+        </p:nvPicPr>
+        <p:blipFill>
+          <a:blip r:embed="rId2"/>
+          <a:stretch>
+            <a:fillRect/>
+          </a:stretch>
+        </p:blipFill>
+        <p:spPr>
+          <a:xfrm>
+            <a:off x="838200" y="1690688"/>
+            <a:ext cx="5041392" cy="1068374"/>
+          </a:xfrm>
+          <a:prstGeom prst="rect">
+            <a:avLst/>
+          </a:prstGeom>
+        </p:spPr>
+      </p:pic>
+      <p:pic>
+        <p:nvPicPr>
+          <p:cNvPr id="5" name="Picture 4"/>
+          <p:cNvPicPr>
+            <a:picLocks noChangeAspect="1"/>
+          </p:cNvPicPr>
+          <p:nvPr/>
+        </p:nvPicPr>
+        <p:blipFill>
+          <a:blip r:embed="rId3"/>
+          <a:stretch>
+            <a:fillRect/>
+          </a:stretch>
+        </p:blipFill>
+        <p:spPr>
+          <a:xfrm>
+            <a:off x="6962217" y="1510762"/>
+            <a:ext cx="5130410" cy="2149128"/>
+          </a:xfrm>
+          <a:prstGeom prst="rect">
+            <a:avLst/>
+          </a:prstGeom>
+        </p:spPr>
+      </p:pic>
+      <p:pic>
+        <p:nvPicPr>
+          <p:cNvPr id="7" name="Picture 6"/>
+          <p:cNvPicPr>
+            <a:picLocks noChangeAspect="1"/>
+          </p:cNvPicPr>
+          <p:nvPr/>
+        </p:nvPicPr>
+        <p:blipFill>
+          <a:blip r:embed="rId4"/>
+          <a:stretch>
+            <a:fillRect/>
+          </a:stretch>
+        </p:blipFill>
+        <p:spPr>
+          <a:xfrm>
+            <a:off x="6844156" y="3794689"/>
+            <a:ext cx="4953255" cy="2743341"/>
+          </a:xfrm>
+          <a:prstGeom prst="rect">
+            <a:avLst/>
+          </a:prstGeom>
+        </p:spPr>
+      </p:pic>
+      <p:pic>
+        <p:nvPicPr>
+          <p:cNvPr id="8" name="Picture 7"/>
+          <p:cNvPicPr>
+            <a:picLocks noChangeAspect="1"/>
+          </p:cNvPicPr>
+          <p:nvPr/>
+        </p:nvPicPr>
+        <p:blipFill>
+          <a:blip r:embed="rId5"/>
+          <a:stretch>
+            <a:fillRect/>
+          </a:stretch>
+        </p:blipFill>
+        <p:spPr>
+          <a:xfrm>
+            <a:off x="900936" y="3794689"/>
+            <a:ext cx="4978656" cy="1822544"/>
+          </a:xfrm>
+          <a:prstGeom prst="rect">
+            <a:avLst/>
+          </a:prstGeom>
+        </p:spPr>
+      </p:pic>
+      <p:pic>
+        <p:nvPicPr>
+          <p:cNvPr id="9" name="Picture 8"/>
+          <p:cNvPicPr>
+            <a:picLocks noChangeAspect="1"/>
+          </p:cNvPicPr>
+          <p:nvPr/>
+        </p:nvPicPr>
+        <p:blipFill>
+          <a:blip r:embed="rId6"/>
+          <a:stretch>
+            <a:fillRect/>
+          </a:stretch>
+        </p:blipFill>
+        <p:spPr>
+          <a:xfrm>
+            <a:off x="838200" y="6055605"/>
+            <a:ext cx="4330923" cy="342918"/>
+          </a:xfrm>
+          <a:prstGeom prst="rect">
+            <a:avLst/>
+          </a:prstGeom>
+        </p:spPr>
+      </p:pic>
+    </p:spTree>
+    <p:extLst>
+      <p:ext uri="{BB962C8B-B14F-4D97-AF65-F5344CB8AC3E}">
+        <p14:creationId xmlns:p14="http://schemas.microsoft.com/office/powerpoint/2010/main" val="3590613934"/>
+      </p:ext>
+    </p:extLst>
+  </p:cSld>
+  <p:clrMapOvr>
+    <a:masterClrMapping/>
+  </p:clrMapOvr>
+</p:sld>
+</file>
+
+<file path=ppt/slides/slide15.xml><?xml version="1.0" encoding="utf-8"?>
+<p:sld xmlns:a="http://schemas.openxmlformats.org/drawingml/2006/main" xmlns:r="http://schemas.openxmlformats.org/officeDocument/2006/relationships" xmlns:p="http://schemas.openxmlformats.org/presentationml/2006/main">
+  <p:cSld>
+    <p:spTree>
+      <p:nvGrpSpPr>
+        <p:cNvPr id="1" name=""/>
+        <p:cNvGrpSpPr/>
+        <p:nvPr/>
+      </p:nvGrpSpPr>
+      <p:grpSpPr>
+        <a:xfrm>
+          <a:off x="0" y="0"/>
+          <a:ext cx="0" cy="0"/>
+          <a:chOff x="0" y="0"/>
+          <a:chExt cx="0" cy="0"/>
+        </a:xfrm>
+      </p:grpSpPr>
+      <p:sp>
+        <p:nvSpPr>
+          <p:cNvPr id="2" name="Title 1"/>
+          <p:cNvSpPr>
+            <a:spLocks noGrp="1"/>
+          </p:cNvSpPr>
+          <p:nvPr>
+            <p:ph type="title"/>
+          </p:nvPr>
+        </p:nvSpPr>
+        <p:spPr/>
+        <p:txBody>
+          <a:bodyPr/>
+          <a:lstStyle/>
+          <a:p>
+            <a:r>
+              <a:rPr lang="en-US" altLang="zh-CN" dirty="0"/>
+              <a:t>Multicolumn Indexes</a:t>
+            </a:r>
+            <a:endParaRPr lang="zh-CN" altLang="en-US" dirty="0"/>
+          </a:p>
+        </p:txBody>
+      </p:sp>
+      <p:sp>
+        <p:nvSpPr>
+          <p:cNvPr id="3" name="Content Placeholder 2"/>
+          <p:cNvSpPr>
+            <a:spLocks noGrp="1"/>
+          </p:cNvSpPr>
+          <p:nvPr>
+            <p:ph idx="1"/>
+          </p:nvPr>
+        </p:nvSpPr>
+        <p:spPr>
+          <a:xfrm>
+            <a:off x="838200" y="1825625"/>
+            <a:ext cx="2773680" cy="4351338"/>
+          </a:xfrm>
+        </p:spPr>
+        <p:txBody>
+          <a:bodyPr/>
+          <a:lstStyle/>
+          <a:p>
+            <a:pPr marL="0" indent="0">
+              <a:buNone/>
+            </a:pPr>
+            <a:r>
+              <a:rPr lang="en-US" altLang="zh-CN" dirty="0"/>
+              <a:t>CREATE TABLE t (</a:t>
+            </a:r>
+          </a:p>
+          <a:p>
+            <a:pPr marL="457200" lvl="1" indent="0">
+              <a:buNone/>
+            </a:pPr>
+            <a:r>
+              <a:rPr lang="en-US" altLang="zh-CN" dirty="0"/>
+              <a:t>c1 INT,</a:t>
+            </a:r>
+          </a:p>
+          <a:p>
+            <a:pPr marL="457200" lvl="1" indent="0">
+              <a:buNone/>
+            </a:pPr>
+            <a:r>
+              <a:rPr lang="en-US" altLang="zh-CN" dirty="0"/>
+              <a:t>c2 INT</a:t>
+            </a:r>
+            <a:r>
+              <a:rPr lang="en-US" altLang="zh-CN" dirty="0" smtClean="0"/>
+              <a:t>,</a:t>
+            </a:r>
+            <a:r>
+              <a:rPr lang="en-US" altLang="zh-CN" dirty="0"/>
+              <a:t> </a:t>
+            </a:r>
+            <a:endParaRPr lang="en-US" altLang="zh-CN" dirty="0" smtClean="0"/>
+          </a:p>
+          <a:p>
+            <a:pPr marL="457200" lvl="1" indent="0">
+              <a:buNone/>
+            </a:pPr>
+            <a:r>
+              <a:rPr lang="en-US" altLang="zh-CN" dirty="0" smtClean="0"/>
+              <a:t>c3 </a:t>
+            </a:r>
+            <a:r>
+              <a:rPr lang="en-US" altLang="zh-CN" dirty="0"/>
+              <a:t>INT,</a:t>
+            </a:r>
+          </a:p>
+          <a:p>
+            <a:pPr marL="457200" lvl="1" indent="0">
+              <a:buNone/>
+            </a:pPr>
+            <a:r>
+              <a:rPr lang="en-US" altLang="zh-CN" dirty="0"/>
+              <a:t>KEY(c1</a:t>
+            </a:r>
+            <a:r>
+              <a:rPr lang="en-US" altLang="zh-CN" dirty="0" smtClean="0"/>
+              <a:t>),  </a:t>
+            </a:r>
+            <a:endParaRPr lang="en-US" altLang="zh-CN" dirty="0"/>
+          </a:p>
+          <a:p>
+            <a:pPr marL="457200" lvl="1" indent="0">
+              <a:buNone/>
+            </a:pPr>
+            <a:r>
+              <a:rPr lang="en-US" altLang="zh-CN" dirty="0"/>
+              <a:t>KEY(c2),</a:t>
+            </a:r>
+          </a:p>
+          <a:p>
+            <a:pPr marL="457200" lvl="1" indent="0">
+              <a:buNone/>
+            </a:pPr>
+            <a:r>
+              <a:rPr lang="en-US" altLang="zh-CN" dirty="0"/>
+              <a:t>KEY(c3)</a:t>
+            </a:r>
+          </a:p>
+          <a:p>
+            <a:pPr marL="0" indent="0">
+              <a:buNone/>
+            </a:pPr>
+            <a:r>
+              <a:rPr lang="en-US" altLang="zh-CN" dirty="0" smtClean="0"/>
+              <a:t>);</a:t>
+            </a:r>
+          </a:p>
+        </p:txBody>
+      </p:sp>
+      <p:sp>
+        <p:nvSpPr>
+          <p:cNvPr id="4" name="TextBox 3"/>
+          <p:cNvSpPr txBox="1"/>
+          <p:nvPr/>
+        </p:nvSpPr>
+        <p:spPr>
+          <a:xfrm>
+            <a:off x="3922776" y="1825625"/>
+            <a:ext cx="6956135" cy="738664"/>
+          </a:xfrm>
+          <a:prstGeom prst="rect">
+            <a:avLst/>
+          </a:prstGeom>
+          <a:noFill/>
+        </p:spPr>
+        <p:txBody>
+          <a:bodyPr wrap="none" rtlCol="0">
+            <a:spAutoFit/>
+          </a:bodyPr>
+          <a:lstStyle/>
+          <a:p>
+            <a:r>
+              <a:rPr lang="en-US" altLang="zh-CN" dirty="0"/>
+              <a:t>“</a:t>
+            </a:r>
+            <a:r>
+              <a:rPr lang="en-US" altLang="zh-CN" sz="2400" dirty="0"/>
+              <a:t>create</a:t>
+            </a:r>
+            <a:r>
+              <a:rPr lang="en-US" altLang="zh-CN" dirty="0"/>
+              <a:t> indexes on columns that appear in the WHERE clause.” -wrong</a:t>
+            </a:r>
+          </a:p>
+          <a:p>
+            <a:endParaRPr lang="zh-CN" altLang="en-US" dirty="0"/>
+          </a:p>
+        </p:txBody>
+      </p:sp>
+      <p:pic>
+        <p:nvPicPr>
+          <p:cNvPr id="5" name="Picture 4"/>
+          <p:cNvPicPr>
+            <a:picLocks noChangeAspect="1"/>
+          </p:cNvPicPr>
+          <p:nvPr/>
+        </p:nvPicPr>
+        <p:blipFill>
+          <a:blip r:embed="rId2"/>
+          <a:stretch>
+            <a:fillRect/>
+          </a:stretch>
+        </p:blipFill>
+        <p:spPr>
+          <a:xfrm>
+            <a:off x="3831336" y="3062183"/>
+            <a:ext cx="7661946" cy="1921297"/>
+          </a:xfrm>
+          <a:prstGeom prst="rect">
+            <a:avLst/>
+          </a:prstGeom>
+        </p:spPr>
+      </p:pic>
+    </p:spTree>
+    <p:extLst>
+      <p:ext uri="{BB962C8B-B14F-4D97-AF65-F5344CB8AC3E}">
+        <p14:creationId xmlns:p14="http://schemas.microsoft.com/office/powerpoint/2010/main" val="2446203449"/>
+      </p:ext>
+    </p:extLst>
+  </p:cSld>
+  <p:clrMapOvr>
+    <a:masterClrMapping/>
+  </p:clrMapOvr>
+</p:sld>
+</file>
+
+<file path=ppt/slides/slide16.xml><?xml version="1.0" encoding="utf-8"?>
+<p:sld xmlns:a="http://schemas.openxmlformats.org/drawingml/2006/main" xmlns:r="http://schemas.openxmlformats.org/officeDocument/2006/relationships" xmlns:p="http://schemas.openxmlformats.org/presentationml/2006/main">
+  <p:cSld>
+    <p:spTree>
+      <p:nvGrpSpPr>
+        <p:cNvPr id="1" name=""/>
+        <p:cNvGrpSpPr/>
+        <p:nvPr/>
+      </p:nvGrpSpPr>
+      <p:grpSpPr>
+        <a:xfrm>
+          <a:off x="0" y="0"/>
+          <a:ext cx="0" cy="0"/>
+          <a:chOff x="0" y="0"/>
+          <a:chExt cx="0" cy="0"/>
+        </a:xfrm>
+      </p:grpSpPr>
+      <p:sp>
+        <p:nvSpPr>
+          <p:cNvPr id="2" name="Title 1"/>
+          <p:cNvSpPr>
+            <a:spLocks noGrp="1"/>
+          </p:cNvSpPr>
+          <p:nvPr>
+            <p:ph type="title"/>
+          </p:nvPr>
+        </p:nvSpPr>
+        <p:spPr/>
+        <p:txBody>
+          <a:bodyPr/>
+          <a:lstStyle/>
+          <a:p>
+            <a:r>
+              <a:rPr lang="en-US" altLang="zh-CN" dirty="0"/>
+              <a:t>Choosing a Good Column Order</a:t>
+            </a:r>
+            <a:endParaRPr lang="zh-CN" altLang="en-US" dirty="0"/>
+          </a:p>
+        </p:txBody>
+      </p:sp>
+      <p:sp>
+        <p:nvSpPr>
+          <p:cNvPr id="3" name="Content Placeholder 2"/>
+          <p:cNvSpPr>
+            <a:spLocks noGrp="1"/>
+          </p:cNvSpPr>
+          <p:nvPr>
+            <p:ph idx="1"/>
+          </p:nvPr>
+        </p:nvSpPr>
+        <p:spPr/>
+        <p:txBody>
+          <a:bodyPr/>
+          <a:lstStyle/>
+          <a:p>
+            <a:r>
+              <a:rPr lang="en-US" altLang="zh-CN" sz="2400" dirty="0"/>
+              <a:t>Placing the most selective columns first can be a good idea when there is no </a:t>
+            </a:r>
+            <a:r>
+              <a:rPr lang="en-US" altLang="zh-CN" sz="2400" dirty="0" smtClean="0"/>
+              <a:t>sorting or </a:t>
+            </a:r>
+            <a:r>
+              <a:rPr lang="en-US" altLang="zh-CN" sz="2400" dirty="0"/>
+              <a:t>grouping to consider, and thus the purpose of the index is only to optimize </a:t>
+            </a:r>
+            <a:r>
+              <a:rPr lang="en-US" altLang="zh-CN" sz="2400" dirty="0" smtClean="0"/>
+              <a:t>WHERE lookups</a:t>
+            </a:r>
+            <a:r>
+              <a:rPr lang="en-US" altLang="zh-CN" sz="2400" dirty="0"/>
+              <a:t>. In such cases, it might indeed work well to design the index so that it </a:t>
+            </a:r>
+            <a:r>
+              <a:rPr lang="en-US" altLang="zh-CN" sz="2400" dirty="0" smtClean="0"/>
+              <a:t>filters out </a:t>
+            </a:r>
+            <a:r>
+              <a:rPr lang="en-US" altLang="zh-CN" sz="2400" dirty="0"/>
+              <a:t>rows as quickly as possible, so it’s more selective for queries that specify only </a:t>
+            </a:r>
+            <a:r>
+              <a:rPr lang="en-US" altLang="zh-CN" sz="2400" dirty="0" smtClean="0"/>
+              <a:t>a prefix </a:t>
+            </a:r>
+            <a:r>
+              <a:rPr lang="en-US" altLang="zh-CN" sz="2400" dirty="0"/>
+              <a:t>of the index in the WHERE clause</a:t>
+            </a:r>
+            <a:r>
+              <a:rPr lang="en-US" altLang="zh-CN" sz="2400" dirty="0" smtClean="0"/>
+              <a:t>.</a:t>
+            </a:r>
+          </a:p>
+          <a:p>
+            <a:endParaRPr lang="zh-CN" altLang="en-US" dirty="0"/>
+          </a:p>
+        </p:txBody>
+      </p:sp>
+      <p:pic>
+        <p:nvPicPr>
+          <p:cNvPr id="4" name="Picture 3"/>
+          <p:cNvPicPr>
+            <a:picLocks noChangeAspect="1"/>
+          </p:cNvPicPr>
+          <p:nvPr/>
+        </p:nvPicPr>
+        <p:blipFill>
+          <a:blip r:embed="rId2"/>
+          <a:stretch>
+            <a:fillRect/>
+          </a:stretch>
+        </p:blipFill>
+        <p:spPr>
+          <a:xfrm>
+            <a:off x="1070104" y="3588473"/>
+            <a:ext cx="6791576" cy="825642"/>
+          </a:xfrm>
+          <a:prstGeom prst="rect">
+            <a:avLst/>
+          </a:prstGeom>
+        </p:spPr>
+      </p:pic>
+      <p:pic>
+        <p:nvPicPr>
+          <p:cNvPr id="5" name="Picture 4"/>
+          <p:cNvPicPr>
+            <a:picLocks noChangeAspect="1"/>
+          </p:cNvPicPr>
+          <p:nvPr/>
+        </p:nvPicPr>
+        <p:blipFill>
+          <a:blip r:embed="rId3"/>
+          <a:stretch>
+            <a:fillRect/>
+          </a:stretch>
+        </p:blipFill>
+        <p:spPr>
+          <a:xfrm>
+            <a:off x="1070104" y="4422440"/>
+            <a:ext cx="6614160" cy="1950120"/>
+          </a:xfrm>
+          <a:prstGeom prst="rect">
+            <a:avLst/>
+          </a:prstGeom>
+        </p:spPr>
+      </p:pic>
+      <p:pic>
+        <p:nvPicPr>
+          <p:cNvPr id="6" name="Picture 5"/>
+          <p:cNvPicPr>
+            <a:picLocks noChangeAspect="1"/>
+          </p:cNvPicPr>
+          <p:nvPr/>
+        </p:nvPicPr>
+        <p:blipFill>
+          <a:blip r:embed="rId4"/>
+          <a:stretch>
+            <a:fillRect/>
+          </a:stretch>
+        </p:blipFill>
+        <p:spPr>
+          <a:xfrm>
+            <a:off x="949090" y="6311900"/>
+            <a:ext cx="5636484" cy="366116"/>
+          </a:xfrm>
+          <a:prstGeom prst="rect">
+            <a:avLst/>
+          </a:prstGeom>
+        </p:spPr>
+      </p:pic>
+    </p:spTree>
+    <p:extLst>
+      <p:ext uri="{BB962C8B-B14F-4D97-AF65-F5344CB8AC3E}">
+        <p14:creationId xmlns:p14="http://schemas.microsoft.com/office/powerpoint/2010/main" val="1269706326"/>
+      </p:ext>
+    </p:extLst>
+  </p:cSld>
+  <p:clrMapOvr>
+    <a:masterClrMapping/>
+  </p:clrMapOvr>
+</p:sld>
+</file>
+
+<file path=ppt/slides/slide17.xml><?xml version="1.0" encoding="utf-8"?>
+<p:sld xmlns:a="http://schemas.openxmlformats.org/drawingml/2006/main" xmlns:r="http://schemas.openxmlformats.org/officeDocument/2006/relationships" xmlns:p="http://schemas.openxmlformats.org/presentationml/2006/main">
+  <p:cSld>
+    <p:spTree>
+      <p:nvGrpSpPr>
+        <p:cNvPr id="1" name=""/>
+        <p:cNvGrpSpPr/>
+        <p:nvPr/>
+      </p:nvGrpSpPr>
+      <p:grpSpPr>
+        <a:xfrm>
+          <a:off x="0" y="0"/>
+          <a:ext cx="0" cy="0"/>
+          <a:chOff x="0" y="0"/>
+          <a:chExt cx="0" cy="0"/>
+        </a:xfrm>
+      </p:grpSpPr>
+      <p:sp>
+        <p:nvSpPr>
+          <p:cNvPr id="2" name="Title 1"/>
+          <p:cNvSpPr>
+            <a:spLocks noGrp="1"/>
+          </p:cNvSpPr>
+          <p:nvPr>
+            <p:ph type="title"/>
+          </p:nvPr>
+        </p:nvSpPr>
+        <p:spPr/>
+        <p:txBody>
+          <a:bodyPr/>
+          <a:lstStyle/>
+          <a:p>
+            <a:r>
+              <a:rPr lang="en-US" altLang="zh-CN" dirty="0"/>
+              <a:t>Clustered Indexes</a:t>
+            </a:r>
+            <a:endParaRPr lang="zh-CN" altLang="en-US" dirty="0"/>
+          </a:p>
+        </p:txBody>
+      </p:sp>
+      <p:sp>
+        <p:nvSpPr>
+          <p:cNvPr id="3" name="Content Placeholder 2"/>
+          <p:cNvSpPr>
+            <a:spLocks noGrp="1"/>
+          </p:cNvSpPr>
+          <p:nvPr>
+            <p:ph idx="1"/>
+          </p:nvPr>
+        </p:nvSpPr>
+        <p:spPr/>
+        <p:txBody>
+          <a:bodyPr/>
+          <a:lstStyle/>
+          <a:p>
+            <a:endParaRPr lang="zh-CN" altLang="en-US" dirty="0"/>
+          </a:p>
+        </p:txBody>
+      </p:sp>
+    </p:spTree>
+    <p:extLst>
+      <p:ext uri="{BB962C8B-B14F-4D97-AF65-F5344CB8AC3E}">
+        <p14:creationId xmlns:p14="http://schemas.microsoft.com/office/powerpoint/2010/main" val="4284441688"/>
+      </p:ext>
+    </p:extLst>
+  </p:cSld>
+  <p:clrMapOvr>
+    <a:masterClrMapping/>
+  </p:clrMapOvr>
 </p:sld>
 </file>
 
@@ -3269,7 +4408,11 @@
           <a:p>
             <a:r>
               <a:rPr lang="en-US" altLang="zh-CN" dirty="0"/>
-              <a:t>Benefits of Indexes</a:t>
+              <a:t>B-Tree </a:t>
+            </a:r>
+            <a:r>
+              <a:rPr lang="en-US" altLang="zh-CN" dirty="0" smtClean="0"/>
+              <a:t>index query types</a:t>
             </a:r>
             <a:endParaRPr lang="zh-CN" altLang="en-US" dirty="0"/>
           </a:p>
@@ -3291,47 +4434,58 @@
           <a:lstStyle/>
           <a:p>
             <a:r>
-              <a:rPr lang="en-US" altLang="zh-CN" dirty="0"/>
-              <a:t>Indexes reduce the amount of data the server has to examine</a:t>
-            </a:r>
-            <a:r>
-              <a:rPr lang="en-US" altLang="zh-CN" dirty="0" smtClean="0"/>
-              <a:t>.</a:t>
-            </a:r>
-          </a:p>
-          <a:p>
-            <a:r>
-              <a:rPr lang="en-US" altLang="zh-CN" dirty="0"/>
-              <a:t>Indexes help the server avoid sorting and temporary tables</a:t>
-            </a:r>
-            <a:r>
-              <a:rPr lang="en-US" altLang="zh-CN" dirty="0" smtClean="0"/>
-              <a:t>.</a:t>
-            </a:r>
-          </a:p>
-          <a:p>
-            <a:r>
-              <a:rPr lang="en-US" altLang="zh-CN" dirty="0"/>
-              <a:t>Indexes turn random I/O into sequential I/O</a:t>
-            </a:r>
-            <a:r>
-              <a:rPr lang="en-US" altLang="zh-CN" dirty="0" smtClean="0"/>
-              <a:t>.</a:t>
-            </a:r>
-          </a:p>
-          <a:p>
-            <a:pPr marL="0" indent="0">
-              <a:buNone/>
-            </a:pPr>
-            <a:endParaRPr lang="en-US" altLang="zh-CN" dirty="0"/>
-          </a:p>
-          <a:p>
-            <a:pPr marL="0" indent="0">
-              <a:buNone/>
-            </a:pPr>
-            <a:r>
-              <a:rPr lang="en-US" altLang="zh-CN" dirty="0" smtClean="0"/>
-              <a:t>Note : An index isn’t always the right tool.</a:t>
+              <a:rPr lang="en-US" altLang="zh-CN" i="1" dirty="0"/>
+              <a:t>Match the full </a:t>
+            </a:r>
+            <a:r>
+              <a:rPr lang="en-US" altLang="zh-CN" i="1" dirty="0" smtClean="0"/>
+              <a:t>value</a:t>
+            </a:r>
+          </a:p>
+          <a:p>
+            <a:r>
+              <a:rPr lang="en-US" altLang="zh-CN" i="1" dirty="0"/>
+              <a:t>Match a leftmost </a:t>
+            </a:r>
+            <a:r>
+              <a:rPr lang="en-US" altLang="zh-CN" i="1" dirty="0" smtClean="0"/>
+              <a:t>prefix</a:t>
+            </a:r>
+          </a:p>
+          <a:p>
+            <a:r>
+              <a:rPr lang="en-US" altLang="zh-CN" i="1" dirty="0"/>
+              <a:t>Match a column </a:t>
+            </a:r>
+            <a:r>
+              <a:rPr lang="en-US" altLang="zh-CN" i="1" dirty="0" smtClean="0"/>
+              <a:t>prefix</a:t>
+            </a:r>
+          </a:p>
+          <a:p>
+            <a:r>
+              <a:rPr lang="en-US" altLang="zh-CN" i="1" dirty="0"/>
+              <a:t>Match a range of </a:t>
+            </a:r>
+            <a:r>
+              <a:rPr lang="en-US" altLang="zh-CN" i="1" dirty="0" smtClean="0"/>
+              <a:t>values</a:t>
+            </a:r>
+          </a:p>
+          <a:p>
+            <a:r>
+              <a:rPr lang="en-US" altLang="zh-CN" i="1" dirty="0"/>
+              <a:t>Match one part exactly and match a range on another </a:t>
+            </a:r>
+            <a:r>
+              <a:rPr lang="en-US" altLang="zh-CN" i="1" dirty="0" smtClean="0"/>
+              <a:t>part</a:t>
+            </a:r>
+          </a:p>
+          <a:p>
+            <a:r>
+              <a:rPr lang="en-US" altLang="zh-CN" i="1" dirty="0"/>
+              <a:t>Index-only queries</a:t>
             </a:r>
             <a:endParaRPr lang="zh-CN" altLang="en-US" dirty="0"/>
           </a:p>
@@ -3340,7 +4494,7 @@
     </p:spTree>
     <p:extLst>
       <p:ext uri="{BB962C8B-B14F-4D97-AF65-F5344CB8AC3E}">
-        <p14:creationId xmlns:p14="http://schemas.microsoft.com/office/powerpoint/2010/main" val="1689291681"/>
+        <p14:creationId xmlns:p14="http://schemas.microsoft.com/office/powerpoint/2010/main" val="869989301"/>
       </p:ext>
     </p:extLst>
   </p:cSld>
@@ -3384,7 +4538,11 @@
           <a:p>
             <a:r>
               <a:rPr lang="en-US" altLang="zh-CN" dirty="0"/>
-              <a:t>Indexing Strategies for High Performance</a:t>
+              <a:t>B-Tree </a:t>
+            </a:r>
+            <a:r>
+              <a:rPr lang="en-US" altLang="zh-CN" dirty="0" smtClean="0"/>
+              <a:t>index limitations</a:t>
             </a:r>
             <a:endParaRPr lang="zh-CN" altLang="en-US" dirty="0"/>
           </a:p>
@@ -3406,49 +4564,133 @@
           <a:lstStyle/>
           <a:p>
             <a:r>
-              <a:rPr lang="en-US" altLang="zh-CN" dirty="0"/>
-              <a:t>Isolating the </a:t>
-            </a:r>
-            <a:r>
-              <a:rPr lang="en-US" altLang="zh-CN" dirty="0" smtClean="0"/>
-              <a:t>Column</a:t>
-            </a:r>
-          </a:p>
-          <a:p>
-            <a:r>
-              <a:rPr lang="en-US" altLang="zh-CN" dirty="0"/>
-              <a:t>Prefix Indexes and Index </a:t>
-            </a:r>
-            <a:r>
-              <a:rPr lang="en-US" altLang="zh-CN" dirty="0" smtClean="0"/>
-              <a:t>Selectivity</a:t>
-            </a:r>
-          </a:p>
-          <a:p>
-            <a:r>
-              <a:rPr lang="en-US" altLang="zh-CN" dirty="0"/>
-              <a:t>Multicolumn </a:t>
-            </a:r>
-            <a:r>
-              <a:rPr lang="en-US" altLang="zh-CN" dirty="0" smtClean="0"/>
-              <a:t>Indexes</a:t>
-            </a:r>
-          </a:p>
-          <a:p>
-            <a:r>
-              <a:rPr lang="en-US" altLang="zh-CN" dirty="0"/>
-              <a:t>Choosing a Good Column </a:t>
-            </a:r>
-            <a:r>
-              <a:rPr lang="en-US" altLang="zh-CN" dirty="0" smtClean="0"/>
-              <a:t>Order</a:t>
-            </a:r>
-          </a:p>
-          <a:p>
-            <a:r>
-              <a:rPr lang="en-US" altLang="zh-CN" dirty="0"/>
-              <a:t>Clustered Indexes</a:t>
-            </a:r>
+              <a:rPr lang="en-US" altLang="zh-CN" dirty="0" smtClean="0"/>
+              <a:t>Not useful for the lookup </a:t>
+            </a:r>
+            <a:r>
+              <a:rPr lang="en-US" altLang="zh-CN" dirty="0"/>
+              <a:t>does not start from the leftmost side of the </a:t>
+            </a:r>
+            <a:r>
+              <a:rPr lang="en-US" altLang="zh-CN" dirty="0" smtClean="0"/>
+              <a:t>indexed columns</a:t>
+            </a:r>
+            <a:endParaRPr lang="en-US" altLang="zh-CN" dirty="0"/>
+          </a:p>
+          <a:p>
+            <a:r>
+              <a:rPr lang="en-US" altLang="zh-CN" dirty="0"/>
+              <a:t>C</a:t>
+            </a:r>
+            <a:r>
+              <a:rPr lang="en-US" altLang="zh-CN" dirty="0" smtClean="0"/>
+              <a:t>an’t </a:t>
+            </a:r>
+            <a:r>
+              <a:rPr lang="en-US" altLang="zh-CN" dirty="0"/>
+              <a:t>skip columns in the </a:t>
+            </a:r>
+            <a:r>
+              <a:rPr lang="en-US" altLang="zh-CN" dirty="0" smtClean="0"/>
+              <a:t>index</a:t>
+            </a:r>
+          </a:p>
+          <a:p>
+            <a:r>
+              <a:rPr lang="en-US" altLang="zh-CN" dirty="0"/>
+              <a:t>storage engine can’t optimize accesses with any columns to the right of </a:t>
+            </a:r>
+            <a:r>
+              <a:rPr lang="en-US" altLang="zh-CN" dirty="0" smtClean="0"/>
+              <a:t>the first </a:t>
+            </a:r>
+            <a:r>
+              <a:rPr lang="en-US" altLang="zh-CN" dirty="0"/>
+              <a:t>range </a:t>
+            </a:r>
+            <a:r>
+              <a:rPr lang="en-US" altLang="zh-CN" dirty="0" smtClean="0"/>
+              <a:t>condition </a:t>
+            </a:r>
+          </a:p>
+          <a:p>
+            <a:pPr marL="0" indent="0">
+              <a:buNone/>
+            </a:pPr>
+            <a:r>
+              <a:rPr lang="en-US" altLang="zh-CN" dirty="0" err="1" smtClean="0"/>
+              <a:t>eg</a:t>
+            </a:r>
+            <a:r>
+              <a:rPr lang="en-US" altLang="zh-CN" dirty="0" smtClean="0"/>
+              <a:t>.</a:t>
+            </a:r>
+            <a:r>
+              <a:rPr lang="en-US" altLang="zh-CN" dirty="0"/>
+              <a:t> WHERE </a:t>
+            </a:r>
+            <a:r>
+              <a:rPr lang="en-US" altLang="zh-CN" dirty="0" err="1"/>
+              <a:t>last_name</a:t>
+            </a:r>
+            <a:r>
+              <a:rPr lang="en-US" altLang="zh-CN" dirty="0" smtClean="0"/>
+              <a:t>=“Smith” AND </a:t>
+            </a:r>
+            <a:r>
+              <a:rPr lang="en-US" altLang="zh-CN" dirty="0" err="1" smtClean="0"/>
+              <a:t>first_name</a:t>
+            </a:r>
+            <a:r>
+              <a:rPr lang="en-US" altLang="zh-CN" dirty="0" smtClean="0"/>
+              <a:t> </a:t>
+            </a:r>
+            <a:r>
+              <a:rPr lang="en-US" altLang="zh-CN" dirty="0"/>
+              <a:t>LIKE </a:t>
+            </a:r>
+            <a:r>
+              <a:rPr lang="en-US" altLang="zh-CN" dirty="0" smtClean="0"/>
+              <a:t>‘J%’ </a:t>
+            </a:r>
+            <a:r>
+              <a:rPr lang="en-US" altLang="zh-CN" dirty="0"/>
+              <a:t>AND </a:t>
+            </a:r>
+            <a:r>
+              <a:rPr lang="en-US" altLang="zh-CN" dirty="0" err="1"/>
+              <a:t>dob</a:t>
+            </a:r>
+            <a:r>
+              <a:rPr lang="en-US" altLang="zh-CN" dirty="0" smtClean="0"/>
+              <a:t>=‘1976-12-23’ the </a:t>
+            </a:r>
+            <a:r>
+              <a:rPr lang="en-US" altLang="zh-CN" dirty="0"/>
+              <a:t>index access will use only </a:t>
+            </a:r>
+            <a:r>
+              <a:rPr lang="en-US" altLang="zh-CN" dirty="0" err="1" smtClean="0"/>
+              <a:t>thefirst</a:t>
+            </a:r>
+            <a:r>
+              <a:rPr lang="en-US" altLang="zh-CN" dirty="0" smtClean="0"/>
+              <a:t> </a:t>
+            </a:r>
+            <a:r>
+              <a:rPr lang="en-US" altLang="zh-CN" dirty="0"/>
+              <a:t>two columns in the index, because the LIKE is a range </a:t>
+            </a:r>
+            <a:r>
+              <a:rPr lang="en-US" altLang="zh-CN" dirty="0" smtClean="0"/>
+              <a:t>condition.</a:t>
+            </a:r>
+            <a:endParaRPr lang="en-US" altLang="zh-CN" dirty="0"/>
+          </a:p>
+          <a:p>
+            <a:endParaRPr lang="en-US" altLang="zh-CN" dirty="0" smtClean="0"/>
+          </a:p>
+          <a:p>
             <a:endParaRPr lang="zh-CN" altLang="en-US" dirty="0"/>
           </a:p>
         </p:txBody>
@@ -3456,7 +4698,848 @@
     </p:spTree>
     <p:extLst>
       <p:ext uri="{BB962C8B-B14F-4D97-AF65-F5344CB8AC3E}">
-        <p14:creationId xmlns:p14="http://schemas.microsoft.com/office/powerpoint/2010/main" val="1251968835"/>
+        <p14:creationId xmlns:p14="http://schemas.microsoft.com/office/powerpoint/2010/main" val="2933433419"/>
+      </p:ext>
+    </p:extLst>
+  </p:cSld>
+  <p:clrMapOvr>
+    <a:masterClrMapping/>
+  </p:clrMapOvr>
+</p:sld>
+</file>
+
+<file path=ppt/slides/slide6.xml><?xml version="1.0" encoding="utf-8"?>
+<p:sld xmlns:a="http://schemas.openxmlformats.org/drawingml/2006/main" xmlns:r="http://schemas.openxmlformats.org/officeDocument/2006/relationships" xmlns:p="http://schemas.openxmlformats.org/presentationml/2006/main">
+  <p:cSld>
+    <p:spTree>
+      <p:nvGrpSpPr>
+        <p:cNvPr id="1" name=""/>
+        <p:cNvGrpSpPr/>
+        <p:nvPr/>
+      </p:nvGrpSpPr>
+      <p:grpSpPr>
+        <a:xfrm>
+          <a:off x="0" y="0"/>
+          <a:ext cx="0" cy="0"/>
+          <a:chOff x="0" y="0"/>
+          <a:chExt cx="0" cy="0"/>
+        </a:xfrm>
+      </p:grpSpPr>
+      <p:sp>
+        <p:nvSpPr>
+          <p:cNvPr id="2" name="Title 1"/>
+          <p:cNvSpPr>
+            <a:spLocks noGrp="1"/>
+          </p:cNvSpPr>
+          <p:nvPr>
+            <p:ph type="title"/>
+          </p:nvPr>
+        </p:nvSpPr>
+        <p:spPr/>
+        <p:txBody>
+          <a:bodyPr/>
+          <a:lstStyle/>
+          <a:p>
+            <a:r>
+              <a:rPr lang="en-US" altLang="zh-CN" dirty="0"/>
+              <a:t>Hash indexes</a:t>
+            </a:r>
+            <a:endParaRPr lang="zh-CN" altLang="en-US" dirty="0"/>
+          </a:p>
+        </p:txBody>
+      </p:sp>
+      <p:sp>
+        <p:nvSpPr>
+          <p:cNvPr id="3" name="Content Placeholder 2"/>
+          <p:cNvSpPr>
+            <a:spLocks noGrp="1"/>
+          </p:cNvSpPr>
+          <p:nvPr>
+            <p:ph idx="1"/>
+          </p:nvPr>
+        </p:nvSpPr>
+        <p:spPr/>
+        <p:txBody>
+          <a:bodyPr>
+            <a:normAutofit/>
+          </a:bodyPr>
+          <a:lstStyle/>
+          <a:p>
+            <a:r>
+              <a:rPr lang="en-US" altLang="zh-CN" dirty="0"/>
+              <a:t>A </a:t>
+            </a:r>
+            <a:r>
+              <a:rPr lang="en-US" altLang="zh-CN" i="1" dirty="0"/>
+              <a:t>hash index </a:t>
+            </a:r>
+            <a:r>
+              <a:rPr lang="en-US" altLang="zh-CN" dirty="0"/>
+              <a:t>is built on a hash table and is useful only for exact lookups that use </a:t>
+            </a:r>
+            <a:r>
+              <a:rPr lang="en-US" altLang="zh-CN" dirty="0" smtClean="0"/>
+              <a:t>every column </a:t>
+            </a:r>
+            <a:r>
+              <a:rPr lang="en-US" altLang="zh-CN" dirty="0"/>
+              <a:t>in the </a:t>
+            </a:r>
+            <a:r>
+              <a:rPr lang="en-US" altLang="zh-CN" dirty="0" smtClean="0"/>
+              <a:t>index. For </a:t>
+            </a:r>
+            <a:r>
+              <a:rPr lang="en-US" altLang="zh-CN" dirty="0"/>
+              <a:t>each row, the storage engine computes a </a:t>
+            </a:r>
+            <a:r>
+              <a:rPr lang="en-US" altLang="zh-CN" i="1" dirty="0"/>
+              <a:t>hash code </a:t>
+            </a:r>
+            <a:r>
+              <a:rPr lang="en-US" altLang="zh-CN" dirty="0"/>
+              <a:t>of </a:t>
+            </a:r>
+            <a:r>
+              <a:rPr lang="en-US" altLang="zh-CN" dirty="0" smtClean="0"/>
+              <a:t>the indexed </a:t>
+            </a:r>
+            <a:r>
+              <a:rPr lang="en-US" altLang="zh-CN" dirty="0"/>
+              <a:t>columns, which is a small value that will probably differ from the hash </a:t>
+            </a:r>
+            <a:r>
+              <a:rPr lang="en-US" altLang="zh-CN" dirty="0" smtClean="0"/>
+              <a:t>codes computed </a:t>
+            </a:r>
+            <a:r>
+              <a:rPr lang="en-US" altLang="zh-CN" dirty="0"/>
+              <a:t>for other rows with different key values. It stores the hash codes in the </a:t>
+            </a:r>
+            <a:r>
+              <a:rPr lang="en-US" altLang="zh-CN" dirty="0" smtClean="0"/>
+              <a:t>index and </a:t>
+            </a:r>
+            <a:r>
+              <a:rPr lang="en-US" altLang="zh-CN" dirty="0"/>
+              <a:t>stores a pointer to each row in a hash table</a:t>
+            </a:r>
+            <a:r>
+              <a:rPr lang="en-US" altLang="zh-CN" dirty="0" smtClean="0"/>
+              <a:t>.</a:t>
+            </a:r>
+          </a:p>
+          <a:p>
+            <a:r>
+              <a:rPr lang="en-US" altLang="zh-CN" dirty="0"/>
+              <a:t>In MySQL, only the Memory storage engine supports explicit hash indexes. They </a:t>
+            </a:r>
+            <a:r>
+              <a:rPr lang="en-US" altLang="zh-CN" dirty="0" smtClean="0"/>
+              <a:t>are the </a:t>
+            </a:r>
+            <a:r>
+              <a:rPr lang="en-US" altLang="zh-CN" dirty="0"/>
+              <a:t>default index type for Memory tables, though Memory tables can have B-Tree </a:t>
+            </a:r>
+            <a:r>
+              <a:rPr lang="en-US" altLang="zh-CN" dirty="0" smtClean="0"/>
+              <a:t>indexes, too</a:t>
+            </a:r>
+            <a:r>
+              <a:rPr lang="en-US" altLang="zh-CN" dirty="0"/>
+              <a:t>.</a:t>
+            </a:r>
+            <a:endParaRPr lang="zh-CN" altLang="en-US" dirty="0"/>
+          </a:p>
+        </p:txBody>
+      </p:sp>
+    </p:spTree>
+    <p:extLst>
+      <p:ext uri="{BB962C8B-B14F-4D97-AF65-F5344CB8AC3E}">
+        <p14:creationId xmlns:p14="http://schemas.microsoft.com/office/powerpoint/2010/main" val="2219012635"/>
+      </p:ext>
+    </p:extLst>
+  </p:cSld>
+  <p:clrMapOvr>
+    <a:masterClrMapping/>
+  </p:clrMapOvr>
+</p:sld>
+</file>
+
+<file path=ppt/slides/slide7.xml><?xml version="1.0" encoding="utf-8"?>
+<p:sld xmlns:a="http://schemas.openxmlformats.org/drawingml/2006/main" xmlns:r="http://schemas.openxmlformats.org/officeDocument/2006/relationships" xmlns:p="http://schemas.openxmlformats.org/presentationml/2006/main">
+  <p:cSld>
+    <p:spTree>
+      <p:nvGrpSpPr>
+        <p:cNvPr id="1" name=""/>
+        <p:cNvGrpSpPr/>
+        <p:nvPr/>
+      </p:nvGrpSpPr>
+      <p:grpSpPr>
+        <a:xfrm>
+          <a:off x="0" y="0"/>
+          <a:ext cx="0" cy="0"/>
+          <a:chOff x="0" y="0"/>
+          <a:chExt cx="0" cy="0"/>
+        </a:xfrm>
+      </p:grpSpPr>
+      <p:sp>
+        <p:nvSpPr>
+          <p:cNvPr id="2" name="Title 1"/>
+          <p:cNvSpPr>
+            <a:spLocks noGrp="1"/>
+          </p:cNvSpPr>
+          <p:nvPr>
+            <p:ph type="title"/>
+          </p:nvPr>
+        </p:nvSpPr>
+        <p:spPr/>
+        <p:txBody>
+          <a:bodyPr/>
+          <a:lstStyle/>
+          <a:p>
+            <a:r>
+              <a:rPr lang="en-US" altLang="zh-CN" dirty="0" smtClean="0"/>
+              <a:t>Hash index table</a:t>
+            </a:r>
+            <a:endParaRPr lang="zh-CN" altLang="en-US" dirty="0"/>
+          </a:p>
+        </p:txBody>
+      </p:sp>
+      <p:sp>
+        <p:nvSpPr>
+          <p:cNvPr id="3" name="Content Placeholder 2"/>
+          <p:cNvSpPr>
+            <a:spLocks noGrp="1"/>
+          </p:cNvSpPr>
+          <p:nvPr>
+            <p:ph idx="1"/>
+          </p:nvPr>
+        </p:nvSpPr>
+        <p:spPr/>
+        <p:txBody>
+          <a:bodyPr/>
+          <a:lstStyle/>
+          <a:p>
+            <a:pPr marL="0" indent="0">
+              <a:buNone/>
+            </a:pPr>
+            <a:r>
+              <a:rPr lang="en-US" altLang="zh-CN" dirty="0"/>
+              <a:t>CREATE TABLE </a:t>
+            </a:r>
+            <a:r>
+              <a:rPr lang="en-US" altLang="zh-CN" dirty="0" err="1"/>
+              <a:t>testhash</a:t>
+            </a:r>
+            <a:r>
+              <a:rPr lang="en-US" altLang="zh-CN" dirty="0"/>
+              <a:t> (</a:t>
+            </a:r>
+          </a:p>
+          <a:p>
+            <a:pPr marL="457200" lvl="1" indent="0">
+              <a:buNone/>
+            </a:pPr>
+            <a:r>
+              <a:rPr lang="en-US" altLang="zh-CN" dirty="0" err="1"/>
+              <a:t>fname</a:t>
+            </a:r>
+            <a:r>
+              <a:rPr lang="en-US" altLang="zh-CN" dirty="0"/>
+              <a:t> VARCHAR(50) NOT NULL,</a:t>
+            </a:r>
+          </a:p>
+          <a:p>
+            <a:pPr marL="457200" lvl="1" indent="0">
+              <a:buNone/>
+            </a:pPr>
+            <a:r>
+              <a:rPr lang="en-US" altLang="zh-CN" dirty="0" err="1"/>
+              <a:t>lname</a:t>
+            </a:r>
+            <a:r>
+              <a:rPr lang="en-US" altLang="zh-CN" dirty="0"/>
+              <a:t> VARCHAR(50) NOT NULL,</a:t>
+            </a:r>
+          </a:p>
+          <a:p>
+            <a:pPr marL="457200" lvl="1" indent="0">
+              <a:buNone/>
+            </a:pPr>
+            <a:r>
+              <a:rPr lang="en-US" altLang="zh-CN" dirty="0" smtClean="0"/>
+              <a:t>KEY </a:t>
+            </a:r>
+            <a:r>
+              <a:rPr lang="en-US" altLang="zh-CN" dirty="0"/>
+              <a:t>USING HASH(</a:t>
+            </a:r>
+            <a:r>
+              <a:rPr lang="en-US" altLang="zh-CN" dirty="0" err="1"/>
+              <a:t>fname</a:t>
+            </a:r>
+            <a:r>
+              <a:rPr lang="en-US" altLang="zh-CN" dirty="0"/>
+              <a:t>)</a:t>
+            </a:r>
+          </a:p>
+          <a:p>
+            <a:pPr marL="0" indent="0">
+              <a:buNone/>
+            </a:pPr>
+            <a:r>
+              <a:rPr lang="en-US" altLang="zh-CN" dirty="0"/>
+              <a:t>) ENGINE=MEMORY</a:t>
+            </a:r>
+            <a:r>
+              <a:rPr lang="en-US" altLang="zh-CN" dirty="0" smtClean="0"/>
+              <a:t>;</a:t>
+            </a:r>
+          </a:p>
+          <a:p>
+            <a:pPr marL="0" indent="0">
+              <a:buNone/>
+            </a:pPr>
+            <a:endParaRPr lang="zh-CN" altLang="en-US" dirty="0"/>
+          </a:p>
+        </p:txBody>
+      </p:sp>
+      <p:pic>
+        <p:nvPicPr>
+          <p:cNvPr id="4" name="Picture 3"/>
+          <p:cNvPicPr>
+            <a:picLocks noChangeAspect="1"/>
+          </p:cNvPicPr>
+          <p:nvPr/>
+        </p:nvPicPr>
+        <p:blipFill>
+          <a:blip r:embed="rId2"/>
+          <a:stretch>
+            <a:fillRect/>
+          </a:stretch>
+        </p:blipFill>
+        <p:spPr>
+          <a:xfrm>
+            <a:off x="7376160" y="1402724"/>
+            <a:ext cx="3003494" cy="2070456"/>
+          </a:xfrm>
+          <a:prstGeom prst="rect">
+            <a:avLst/>
+          </a:prstGeom>
+        </p:spPr>
+      </p:pic>
+      <p:pic>
+        <p:nvPicPr>
+          <p:cNvPr id="5" name="Picture 4"/>
+          <p:cNvPicPr>
+            <a:picLocks noChangeAspect="1"/>
+          </p:cNvPicPr>
+          <p:nvPr/>
+        </p:nvPicPr>
+        <p:blipFill>
+          <a:blip r:embed="rId3"/>
+          <a:stretch>
+            <a:fillRect/>
+          </a:stretch>
+        </p:blipFill>
+        <p:spPr>
+          <a:xfrm>
+            <a:off x="543214" y="4001294"/>
+            <a:ext cx="3762693" cy="2110380"/>
+          </a:xfrm>
+          <a:prstGeom prst="rect">
+            <a:avLst/>
+          </a:prstGeom>
+        </p:spPr>
+      </p:pic>
+      <p:pic>
+        <p:nvPicPr>
+          <p:cNvPr id="6" name="Picture 5"/>
+          <p:cNvPicPr>
+            <a:picLocks noChangeAspect="1"/>
+          </p:cNvPicPr>
+          <p:nvPr/>
+        </p:nvPicPr>
+        <p:blipFill>
+          <a:blip r:embed="rId4"/>
+          <a:stretch>
+            <a:fillRect/>
+          </a:stretch>
+        </p:blipFill>
+        <p:spPr>
+          <a:xfrm>
+            <a:off x="4506777" y="3728270"/>
+            <a:ext cx="2690410" cy="2448693"/>
+          </a:xfrm>
+          <a:prstGeom prst="rect">
+            <a:avLst/>
+          </a:prstGeom>
+        </p:spPr>
+      </p:pic>
+      <p:sp>
+        <p:nvSpPr>
+          <p:cNvPr id="7" name="TextBox 6"/>
+          <p:cNvSpPr txBox="1"/>
+          <p:nvPr/>
+        </p:nvSpPr>
+        <p:spPr>
+          <a:xfrm>
+            <a:off x="7376160" y="3931920"/>
+            <a:ext cx="4465320" cy="2585323"/>
+          </a:xfrm>
+          <a:prstGeom prst="rect">
+            <a:avLst/>
+          </a:prstGeom>
+          <a:noFill/>
+        </p:spPr>
+        <p:txBody>
+          <a:bodyPr wrap="square" rtlCol="0">
+            <a:spAutoFit/>
+          </a:bodyPr>
+          <a:lstStyle/>
+          <a:p>
+            <a:r>
+              <a:rPr lang="en-US" altLang="zh-CN" dirty="0" err="1"/>
+              <a:t>mysql</a:t>
+            </a:r>
+            <a:r>
+              <a:rPr lang="en-US" altLang="zh-CN" dirty="0"/>
+              <a:t>&gt; </a:t>
+            </a:r>
+            <a:r>
+              <a:rPr lang="en-US" altLang="zh-CN" b="1" dirty="0" smtClean="0"/>
+              <a:t>SELECT </a:t>
+            </a:r>
+            <a:r>
+              <a:rPr lang="en-US" altLang="zh-CN" b="1" dirty="0" err="1"/>
+              <a:t>lname</a:t>
+            </a:r>
+            <a:r>
+              <a:rPr lang="en-US" altLang="zh-CN" b="1" dirty="0"/>
+              <a:t> FROM </a:t>
+            </a:r>
+            <a:r>
+              <a:rPr lang="en-US" altLang="zh-CN" b="1" dirty="0" err="1"/>
+              <a:t>testhash</a:t>
+            </a:r>
+            <a:r>
+              <a:rPr lang="en-US" altLang="zh-CN" b="1" dirty="0"/>
+              <a:t> WHERE </a:t>
+            </a:r>
+            <a:r>
+              <a:rPr lang="en-US" altLang="zh-CN" b="1" dirty="0" err="1"/>
+              <a:t>fname</a:t>
+            </a:r>
+            <a:r>
+              <a:rPr lang="en-US" altLang="zh-CN" b="1" dirty="0"/>
+              <a:t>='Peter</a:t>
+            </a:r>
+            <a:r>
+              <a:rPr lang="en-US" altLang="zh-CN" b="1" dirty="0" smtClean="0"/>
+              <a:t>';</a:t>
+            </a:r>
+          </a:p>
+          <a:p>
+            <a:r>
+              <a:rPr lang="en-US" altLang="zh-CN" dirty="0"/>
+              <a:t>MySQL will calculate the hash of 'Peter' and use that to look up the pointer in the</a:t>
+            </a:r>
+          </a:p>
+          <a:p>
+            <a:r>
+              <a:rPr lang="en-US" altLang="zh-CN" dirty="0"/>
+              <a:t>index. Because f('Peter') = 8784, MySQL will look in the index for 8784 and find the</a:t>
+            </a:r>
+          </a:p>
+          <a:p>
+            <a:r>
+              <a:rPr lang="en-US" altLang="zh-CN" dirty="0"/>
+              <a:t>pointer to row 3. The final step is to compare the value in row 3 to 'Peter', to make</a:t>
+            </a:r>
+          </a:p>
+          <a:p>
+            <a:r>
+              <a:rPr lang="en-US" altLang="zh-CN" dirty="0"/>
+              <a:t>sure it’s the right row.</a:t>
+            </a:r>
+            <a:endParaRPr lang="zh-CN" altLang="en-US" dirty="0"/>
+          </a:p>
+        </p:txBody>
+      </p:sp>
+    </p:spTree>
+    <p:extLst>
+      <p:ext uri="{BB962C8B-B14F-4D97-AF65-F5344CB8AC3E}">
+        <p14:creationId xmlns:p14="http://schemas.microsoft.com/office/powerpoint/2010/main" val="1511965213"/>
+      </p:ext>
+    </p:extLst>
+  </p:cSld>
+  <p:clrMapOvr>
+    <a:masterClrMapping/>
+  </p:clrMapOvr>
+</p:sld>
+</file>
+
+<file path=ppt/slides/slide8.xml><?xml version="1.0" encoding="utf-8"?>
+<p:sld xmlns:a="http://schemas.openxmlformats.org/drawingml/2006/main" xmlns:r="http://schemas.openxmlformats.org/officeDocument/2006/relationships" xmlns:p="http://schemas.openxmlformats.org/presentationml/2006/main">
+  <p:cSld>
+    <p:spTree>
+      <p:nvGrpSpPr>
+        <p:cNvPr id="1" name=""/>
+        <p:cNvGrpSpPr/>
+        <p:nvPr/>
+      </p:nvGrpSpPr>
+      <p:grpSpPr>
+        <a:xfrm>
+          <a:off x="0" y="0"/>
+          <a:ext cx="0" cy="0"/>
+          <a:chOff x="0" y="0"/>
+          <a:chExt cx="0" cy="0"/>
+        </a:xfrm>
+      </p:grpSpPr>
+      <p:sp>
+        <p:nvSpPr>
+          <p:cNvPr id="2" name="Title 1"/>
+          <p:cNvSpPr>
+            <a:spLocks noGrp="1"/>
+          </p:cNvSpPr>
+          <p:nvPr>
+            <p:ph type="title"/>
+          </p:nvPr>
+        </p:nvSpPr>
+        <p:spPr/>
+        <p:txBody>
+          <a:bodyPr/>
+          <a:lstStyle/>
+          <a:p>
+            <a:r>
+              <a:rPr lang="en-US" altLang="zh-CN" dirty="0"/>
+              <a:t>Building your own hash indexes</a:t>
+            </a:r>
+            <a:endParaRPr lang="zh-CN" altLang="en-US" dirty="0"/>
+          </a:p>
+        </p:txBody>
+      </p:sp>
+      <p:sp>
+        <p:nvSpPr>
+          <p:cNvPr id="3" name="Content Placeholder 2"/>
+          <p:cNvSpPr>
+            <a:spLocks noGrp="1"/>
+          </p:cNvSpPr>
+          <p:nvPr>
+            <p:ph idx="1"/>
+          </p:nvPr>
+        </p:nvSpPr>
+        <p:spPr/>
+        <p:txBody>
+          <a:bodyPr>
+            <a:normAutofit/>
+          </a:bodyPr>
+          <a:lstStyle/>
+          <a:p>
+            <a:r>
+              <a:rPr lang="en-US" altLang="zh-CN" dirty="0"/>
+              <a:t>If your storage engine doesn’t support hash indexes, </a:t>
+            </a:r>
+            <a:r>
+              <a:rPr lang="en-US" altLang="zh-CN" dirty="0" smtClean="0"/>
+              <a:t>you can </a:t>
+            </a:r>
+            <a:r>
+              <a:rPr lang="en-US" altLang="zh-CN" dirty="0"/>
+              <a:t>emulate them yourself in a manner similar to that </a:t>
+            </a:r>
+            <a:r>
+              <a:rPr lang="en-US" altLang="zh-CN" dirty="0" err="1"/>
+              <a:t>InnoDB</a:t>
+            </a:r>
+            <a:r>
+              <a:rPr lang="en-US" altLang="zh-CN" dirty="0"/>
+              <a:t> uses. This will give </a:t>
+            </a:r>
+            <a:r>
+              <a:rPr lang="en-US" altLang="zh-CN" dirty="0" smtClean="0"/>
+              <a:t>you access </a:t>
+            </a:r>
+            <a:r>
+              <a:rPr lang="en-US" altLang="zh-CN" dirty="0"/>
+              <a:t>to some of the desirable properties of hash indexes, such as a very small </a:t>
+            </a:r>
+            <a:r>
+              <a:rPr lang="en-US" altLang="zh-CN" dirty="0" smtClean="0"/>
+              <a:t>index size </a:t>
+            </a:r>
+            <a:r>
+              <a:rPr lang="en-US" altLang="zh-CN" dirty="0"/>
+              <a:t>for very long keys</a:t>
+            </a:r>
+            <a:r>
+              <a:rPr lang="en-US" altLang="zh-CN" dirty="0" smtClean="0"/>
+              <a:t>.</a:t>
+            </a:r>
+          </a:p>
+          <a:p>
+            <a:r>
+              <a:rPr lang="en-US" altLang="zh-CN" dirty="0"/>
+              <a:t>The idea is simple: create a </a:t>
+            </a:r>
+            <a:r>
+              <a:rPr lang="en-US" altLang="zh-CN" dirty="0" err="1"/>
+              <a:t>pseudohash</a:t>
+            </a:r>
+            <a:r>
+              <a:rPr lang="en-US" altLang="zh-CN" dirty="0"/>
+              <a:t> index on top of a standard B-Tree index. It </a:t>
+            </a:r>
+            <a:r>
+              <a:rPr lang="en-US" altLang="zh-CN" dirty="0" smtClean="0"/>
+              <a:t>will not </a:t>
+            </a:r>
+            <a:r>
+              <a:rPr lang="en-US" altLang="zh-CN" dirty="0"/>
+              <a:t>be exactly the same thing as a real hash index, because it will still use the </a:t>
+            </a:r>
+            <a:r>
+              <a:rPr lang="en-US" altLang="zh-CN" dirty="0" smtClean="0"/>
+              <a:t>B-Tree index </a:t>
+            </a:r>
+            <a:r>
+              <a:rPr lang="en-US" altLang="zh-CN" dirty="0"/>
+              <a:t>for lookups. However, it will use the keys’ hash values for lookups, instead </a:t>
+            </a:r>
+            <a:r>
+              <a:rPr lang="en-US" altLang="zh-CN" dirty="0" smtClean="0"/>
+              <a:t>of the </a:t>
+            </a:r>
+            <a:r>
+              <a:rPr lang="en-US" altLang="zh-CN" dirty="0"/>
+              <a:t>keys themselves. All you need to do is specify the hash function manually in </a:t>
+            </a:r>
+            <a:r>
+              <a:rPr lang="en-US" altLang="zh-CN" dirty="0" smtClean="0"/>
+              <a:t>the query’s </a:t>
+            </a:r>
+            <a:r>
+              <a:rPr lang="en-US" altLang="zh-CN" dirty="0"/>
+              <a:t>WHERE clause.</a:t>
+            </a:r>
+            <a:endParaRPr lang="zh-CN" altLang="en-US" dirty="0"/>
+          </a:p>
+        </p:txBody>
+      </p:sp>
+    </p:spTree>
+    <p:extLst>
+      <p:ext uri="{BB962C8B-B14F-4D97-AF65-F5344CB8AC3E}">
+        <p14:creationId xmlns:p14="http://schemas.microsoft.com/office/powerpoint/2010/main" val="1186350161"/>
+      </p:ext>
+    </p:extLst>
+  </p:cSld>
+  <p:clrMapOvr>
+    <a:masterClrMapping/>
+  </p:clrMapOvr>
+</p:sld>
+</file>
+
+<file path=ppt/slides/slide9.xml><?xml version="1.0" encoding="utf-8"?>
+<p:sld xmlns:a="http://schemas.openxmlformats.org/drawingml/2006/main" xmlns:r="http://schemas.openxmlformats.org/officeDocument/2006/relationships" xmlns:p="http://schemas.openxmlformats.org/presentationml/2006/main">
+  <p:cSld>
+    <p:spTree>
+      <p:nvGrpSpPr>
+        <p:cNvPr id="1" name=""/>
+        <p:cNvGrpSpPr/>
+        <p:nvPr/>
+      </p:nvGrpSpPr>
+      <p:grpSpPr>
+        <a:xfrm>
+          <a:off x="0" y="0"/>
+          <a:ext cx="0" cy="0"/>
+          <a:chOff x="0" y="0"/>
+          <a:chExt cx="0" cy="0"/>
+        </a:xfrm>
+      </p:grpSpPr>
+      <p:sp>
+        <p:nvSpPr>
+          <p:cNvPr id="2" name="Title 1"/>
+          <p:cNvSpPr>
+            <a:spLocks noGrp="1"/>
+          </p:cNvSpPr>
+          <p:nvPr>
+            <p:ph type="title"/>
+          </p:nvPr>
+        </p:nvSpPr>
+        <p:spPr/>
+        <p:txBody>
+          <a:bodyPr/>
+          <a:lstStyle/>
+          <a:p>
+            <a:r>
+              <a:rPr lang="en-US" altLang="zh-CN" dirty="0"/>
+              <a:t>Building </a:t>
+            </a:r>
+            <a:r>
+              <a:rPr lang="en-US" altLang="zh-CN" dirty="0" smtClean="0"/>
+              <a:t>custom index case</a:t>
+            </a:r>
+            <a:endParaRPr lang="zh-CN" altLang="en-US" dirty="0"/>
+          </a:p>
+        </p:txBody>
+      </p:sp>
+      <p:pic>
+        <p:nvPicPr>
+          <p:cNvPr id="5" name="Content Placeholder 4"/>
+          <p:cNvPicPr>
+            <a:picLocks noGrp="1" noChangeAspect="1"/>
+          </p:cNvPicPr>
+          <p:nvPr>
+            <p:ph idx="1"/>
+          </p:nvPr>
+        </p:nvPicPr>
+        <p:blipFill>
+          <a:blip r:embed="rId2"/>
+          <a:stretch>
+            <a:fillRect/>
+          </a:stretch>
+        </p:blipFill>
+        <p:spPr>
+          <a:xfrm>
+            <a:off x="951831" y="1881688"/>
+            <a:ext cx="5019201" cy="374567"/>
+          </a:xfrm>
+          <a:prstGeom prst="rect">
+            <a:avLst/>
+          </a:prstGeom>
+        </p:spPr>
+      </p:pic>
+      <p:pic>
+        <p:nvPicPr>
+          <p:cNvPr id="4" name="Picture 3"/>
+          <p:cNvPicPr>
+            <a:picLocks noChangeAspect="1"/>
+          </p:cNvPicPr>
+          <p:nvPr/>
+        </p:nvPicPr>
+        <p:blipFill>
+          <a:blip r:embed="rId3"/>
+          <a:stretch>
+            <a:fillRect/>
+          </a:stretch>
+        </p:blipFill>
+        <p:spPr>
+          <a:xfrm>
+            <a:off x="7153275" y="1953479"/>
+            <a:ext cx="4112318" cy="1446178"/>
+          </a:xfrm>
+          <a:prstGeom prst="rect">
+            <a:avLst/>
+          </a:prstGeom>
+        </p:spPr>
+      </p:pic>
+      <p:pic>
+        <p:nvPicPr>
+          <p:cNvPr id="6" name="Picture 5"/>
+          <p:cNvPicPr>
+            <a:picLocks noChangeAspect="1"/>
+          </p:cNvPicPr>
+          <p:nvPr/>
+        </p:nvPicPr>
+        <p:blipFill>
+          <a:blip r:embed="rId4"/>
+          <a:stretch>
+            <a:fillRect/>
+          </a:stretch>
+        </p:blipFill>
+        <p:spPr>
+          <a:xfrm>
+            <a:off x="838200" y="2887770"/>
+            <a:ext cx="5243525" cy="478825"/>
+          </a:xfrm>
+          <a:prstGeom prst="rect">
+            <a:avLst/>
+          </a:prstGeom>
+        </p:spPr>
+      </p:pic>
+      <p:sp>
+        <p:nvSpPr>
+          <p:cNvPr id="7" name="TextBox 6"/>
+          <p:cNvSpPr txBox="1"/>
+          <p:nvPr/>
+        </p:nvSpPr>
+        <p:spPr>
+          <a:xfrm>
+            <a:off x="1019175" y="3998110"/>
+            <a:ext cx="8309690" cy="1749373"/>
+          </a:xfrm>
+          <a:prstGeom prst="rect">
+            <a:avLst/>
+          </a:prstGeom>
+          <a:noFill/>
+        </p:spPr>
+        <p:txBody>
+          <a:bodyPr wrap="square" rtlCol="0">
+            <a:spAutoFit/>
+          </a:bodyPr>
+          <a:lstStyle/>
+          <a:p>
+            <a:r>
+              <a:rPr lang="en-US" altLang="zh-CN" dirty="0"/>
+              <a:t>This works well because the MySQL query optimizer notices there’s a small, highly</a:t>
+            </a:r>
+          </a:p>
+          <a:p>
+            <a:r>
+              <a:rPr lang="en-US" altLang="zh-CN" dirty="0"/>
+              <a:t>selective index on the </a:t>
+            </a:r>
+            <a:r>
+              <a:rPr lang="en-US" altLang="zh-CN" dirty="0" err="1"/>
+              <a:t>url_crc</a:t>
+            </a:r>
+            <a:r>
+              <a:rPr lang="en-US" altLang="zh-CN" dirty="0"/>
+              <a:t> column and does an index lookup for entries with that</a:t>
+            </a:r>
+          </a:p>
+          <a:p>
+            <a:r>
+              <a:rPr lang="en-US" altLang="zh-CN" dirty="0"/>
+              <a:t>value (1560514994, in this case). Even if several rows have the same </a:t>
+            </a:r>
+            <a:r>
+              <a:rPr lang="en-US" altLang="zh-CN" dirty="0" err="1"/>
+              <a:t>url_crc</a:t>
+            </a:r>
+            <a:r>
+              <a:rPr lang="en-US" altLang="zh-CN" dirty="0"/>
+              <a:t> value, it’s</a:t>
+            </a:r>
+          </a:p>
+          <a:p>
+            <a:r>
+              <a:rPr lang="en-US" altLang="zh-CN" dirty="0"/>
+              <a:t>very easy to find these rows with a fast integer comparison and then examine them to</a:t>
+            </a:r>
+          </a:p>
+          <a:p>
+            <a:r>
+              <a:rPr lang="en-US" altLang="zh-CN" dirty="0"/>
+              <a:t>find the one that matches the full URL exactly. The alternative is to index the full URL</a:t>
+            </a:r>
+          </a:p>
+          <a:p>
+            <a:r>
+              <a:rPr lang="en-US" altLang="zh-CN" dirty="0"/>
+              <a:t>as a string, which is much slower.</a:t>
+            </a:r>
+            <a:endParaRPr lang="zh-CN" altLang="en-US" dirty="0"/>
+          </a:p>
+        </p:txBody>
+      </p:sp>
+    </p:spTree>
+    <p:extLst>
+      <p:ext uri="{BB962C8B-B14F-4D97-AF65-F5344CB8AC3E}">
+        <p14:creationId xmlns:p14="http://schemas.microsoft.com/office/powerpoint/2010/main" val="3746179449"/>
       </p:ext>
     </p:extLst>
   </p:cSld>

--- a/vitess/MySQL Index & Orchestrator.pptx
+++ b/vitess/MySQL Index & Orchestrator.pptx
@@ -1,6 +1,6 @@
 
 <file path=ppt/presentation.xml><?xml version="1.0" encoding="utf-8"?>
-<p:presentation xmlns:a="http://schemas.openxmlformats.org/drawingml/2006/main" xmlns:r="http://schemas.openxmlformats.org/officeDocument/2006/relationships" xmlns:p="http://schemas.openxmlformats.org/presentationml/2006/main" showSpecialPlsOnTitleSld="0" saveSubsetFonts="1">
+<p:presentation xmlns:a="http://schemas.openxmlformats.org/drawingml/2006/main" xmlns:r="http://schemas.openxmlformats.org/officeDocument/2006/relationships" xmlns:p="http://schemas.openxmlformats.org/presentationml/2006/main" saveSubsetFonts="1">
   <p:sldMasterIdLst>
     <p:sldMasterId id="2147483924" r:id="rId1"/>
     <p:sldMasterId id="2147483937" r:id="rId2"/>
@@ -177,87 +177,133 @@
       </p:grpSpPr>
       <p:sp>
         <p:nvSpPr>
-          <p:cNvPr id="5" name="Slide Number Placeholder 4"/>
+          <p:cNvPr id="2" name="Header Placeholder 1"/>
           <p:cNvSpPr>
             <a:spLocks noGrp="1"/>
           </p:cNvSpPr>
           <p:nvPr>
-            <p:ph type="sldNum" sz="quarter" idx="3"/>
+            <p:ph type="hdr" sz="quarter"/>
           </p:nvPr>
         </p:nvSpPr>
         <p:spPr>
           <a:xfrm>
-            <a:off x="177800" y="8763000"/>
-            <a:ext cx="127000" cy="127000"/>
+            <a:off x="0" y="0"/>
+            <a:ext cx="2971800" cy="458788"/>
           </a:xfrm>
           <a:prstGeom prst="rect">
             <a:avLst/>
           </a:prstGeom>
         </p:spPr>
         <p:txBody>
-          <a:bodyPr vert="horz" lIns="0" tIns="0" rIns="0" bIns="0" rtlCol="0" anchor="b"/>
+          <a:bodyPr vert="horz" lIns="91440" tIns="45720" rIns="91440" bIns="45720" rtlCol="0"/>
+          <a:lstStyle>
+            <a:lvl1pPr algn="l">
+              <a:defRPr sz="1200"/>
+            </a:lvl1pPr>
+          </a:lstStyle>
+          <a:p>
+            <a:endParaRPr lang="zh-CN" altLang="en-US"/>
+          </a:p>
+        </p:txBody>
+      </p:sp>
+      <p:sp>
+        <p:nvSpPr>
+          <p:cNvPr id="3" name="Date Placeholder 2"/>
+          <p:cNvSpPr>
+            <a:spLocks noGrp="1"/>
+          </p:cNvSpPr>
+          <p:nvPr>
+            <p:ph type="dt" sz="quarter" idx="1"/>
+          </p:nvPr>
+        </p:nvSpPr>
+        <p:spPr>
+          <a:xfrm>
+            <a:off x="3884613" y="0"/>
+            <a:ext cx="2971800" cy="458788"/>
+          </a:xfrm>
+          <a:prstGeom prst="rect">
+            <a:avLst/>
+          </a:prstGeom>
+        </p:spPr>
+        <p:txBody>
+          <a:bodyPr vert="horz" lIns="91440" tIns="45720" rIns="91440" bIns="45720" rtlCol="0"/>
           <a:lstStyle>
             <a:lvl1pPr algn="r">
               <a:defRPr sz="1200"/>
             </a:lvl1pPr>
           </a:lstStyle>
           <a:p>
-            <a:fld id="{F95E12C1-B19D-4D76-8AF9-34635084DD4B}" type="slidenum">
-              <a:rPr lang="zh-CN" altLang="en-US" sz="800" smtClean="0">
-                <a:solidFill>
-                  <a:srgbClr val="000000"/>
-                </a:solidFill>
-                <a:latin typeface="Arial" panose="020B0604020202020204" pitchFamily="34" charset="0"/>
-              </a:rPr>
-              <a:pPr/>
-              <a:t>‹#›</a:t>
+            <a:fld id="{4BD4AD5A-3C79-4C81-81A6-615F3C28CB68}" type="datetimeFigureOut">
+              <a:rPr lang="zh-CN" altLang="en-US" smtClean="0"/>
+              <a:t>2018/8/14</a:t>
             </a:fld>
-            <a:endParaRPr lang="zh-CN" altLang="en-US" sz="800">
-              <a:solidFill>
-                <a:srgbClr val="000000"/>
-              </a:solidFill>
-              <a:latin typeface="Arial" panose="020B0604020202020204" pitchFamily="34" charset="0"/>
-            </a:endParaRPr>
-          </a:p>
-        </p:txBody>
-      </p:sp>
-      <p:sp>
-        <p:nvSpPr>
-          <p:cNvPr id="7" name="TextBox 6"/>
-          <p:cNvSpPr txBox="1"/>
-          <p:nvPr/>
+            <a:endParaRPr lang="zh-CN" altLang="en-US"/>
+          </a:p>
+        </p:txBody>
+      </p:sp>
+      <p:sp>
+        <p:nvSpPr>
+          <p:cNvPr id="4" name="Footer Placeholder 3"/>
+          <p:cNvSpPr>
+            <a:spLocks noGrp="1"/>
+          </p:cNvSpPr>
+          <p:nvPr>
+            <p:ph type="ftr" sz="quarter" idx="2"/>
+          </p:nvPr>
         </p:nvSpPr>
         <p:spPr>
-          <a:xfrm rot="16200000">
-            <a:off x="5689600" y="7886700"/>
-            <a:ext cx="1866900" cy="127000"/>
+          <a:xfrm>
+            <a:off x="0" y="8685213"/>
+            <a:ext cx="2971800" cy="458787"/>
           </a:xfrm>
           <a:prstGeom prst="rect">
             <a:avLst/>
           </a:prstGeom>
-          <a:noFill/>
         </p:spPr>
         <p:txBody>
-          <a:bodyPr vert="horz" wrap="none" lIns="0" tIns="0" rIns="0" bIns="0" rtlCol="0" anchor="t">
-            <a:spAutoFit/>
-          </a:bodyPr>
-          <a:lstStyle/>
-          <a:p>
-            <a:r>
-              <a:rPr lang="en-US" altLang="zh-CN" sz="800" smtClean="0">
-                <a:solidFill>
-                  <a:srgbClr val="000000"/>
-                </a:solidFill>
-                <a:latin typeface="Arial" panose="020B0604020202020204" pitchFamily="34" charset="0"/>
-              </a:rPr>
-              <a:t>© 2018 Tieto Corporation</a:t>
-            </a:r>
-            <a:endParaRPr lang="zh-CN" altLang="en-US" sz="800">
-              <a:solidFill>
-                <a:srgbClr val="000000"/>
-              </a:solidFill>
-              <a:latin typeface="Arial" panose="020B0604020202020204" pitchFamily="34" charset="0"/>
-            </a:endParaRPr>
+          <a:bodyPr vert="horz" lIns="91440" tIns="45720" rIns="91440" bIns="45720" rtlCol="0" anchor="b"/>
+          <a:lstStyle>
+            <a:lvl1pPr algn="l">
+              <a:defRPr sz="1200"/>
+            </a:lvl1pPr>
+          </a:lstStyle>
+          <a:p>
+            <a:endParaRPr lang="zh-CN" altLang="en-US"/>
+          </a:p>
+        </p:txBody>
+      </p:sp>
+      <p:sp>
+        <p:nvSpPr>
+          <p:cNvPr id="5" name="Slide Number Placeholder 4"/>
+          <p:cNvSpPr>
+            <a:spLocks noGrp="1"/>
+          </p:cNvSpPr>
+          <p:nvPr>
+            <p:ph type="sldNum" sz="quarter" idx="3"/>
+          </p:nvPr>
+        </p:nvSpPr>
+        <p:spPr>
+          <a:xfrm>
+            <a:off x="3884613" y="8685213"/>
+            <a:ext cx="2971800" cy="458787"/>
+          </a:xfrm>
+          <a:prstGeom prst="rect">
+            <a:avLst/>
+          </a:prstGeom>
+        </p:spPr>
+        <p:txBody>
+          <a:bodyPr vert="horz" lIns="91440" tIns="45720" rIns="91440" bIns="45720" rtlCol="0" anchor="b"/>
+          <a:lstStyle>
+            <a:lvl1pPr algn="r">
+              <a:defRPr sz="1200"/>
+            </a:lvl1pPr>
+          </a:lstStyle>
+          <a:p>
+            <a:fld id="{F95E12C1-B19D-4D76-8AF9-34635084DD4B}" type="slidenum">
+              <a:rPr lang="zh-CN" altLang="en-US" smtClean="0"/>
+              <a:t>‹#›</a:t>
+            </a:fld>
+            <a:endParaRPr lang="zh-CN" altLang="en-US"/>
           </a:p>
         </p:txBody>
       </p:sp>
@@ -297,18 +343,84 @@
       </p:grpSpPr>
       <p:sp>
         <p:nvSpPr>
-          <p:cNvPr id="4" name="Slide Image Placeholder 3"/>
-          <p:cNvSpPr>
-            <a:spLocks noGrp="1" noRot="1" noChangeAspect="1"/>
-          </p:cNvSpPr>
-          <p:nvPr>
-            <p:ph type="sldImg" idx="2"/>
+          <p:cNvPr id="2" name="Header Placeholder 1"/>
+          <p:cNvSpPr>
+            <a:spLocks noGrp="1"/>
+          </p:cNvSpPr>
+          <p:nvPr>
+            <p:ph type="hdr" sz="quarter"/>
           </p:nvPr>
         </p:nvSpPr>
         <p:spPr>
           <a:xfrm>
-            <a:off x="500380" y="690325"/>
-            <a:ext cx="5930900" cy="3336131"/>
+            <a:off x="0" y="0"/>
+            <a:ext cx="2971800" cy="458788"/>
+          </a:xfrm>
+          <a:prstGeom prst="rect">
+            <a:avLst/>
+          </a:prstGeom>
+        </p:spPr>
+        <p:txBody>
+          <a:bodyPr vert="horz" lIns="91440" tIns="45720" rIns="91440" bIns="45720" rtlCol="0"/>
+          <a:lstStyle>
+            <a:lvl1pPr algn="l">
+              <a:defRPr sz="1200"/>
+            </a:lvl1pPr>
+          </a:lstStyle>
+          <a:p>
+            <a:endParaRPr lang="zh-CN" altLang="en-US"/>
+          </a:p>
+        </p:txBody>
+      </p:sp>
+      <p:sp>
+        <p:nvSpPr>
+          <p:cNvPr id="3" name="Date Placeholder 2"/>
+          <p:cNvSpPr>
+            <a:spLocks noGrp="1"/>
+          </p:cNvSpPr>
+          <p:nvPr>
+            <p:ph type="dt" idx="1"/>
+          </p:nvPr>
+        </p:nvSpPr>
+        <p:spPr>
+          <a:xfrm>
+            <a:off x="3884613" y="0"/>
+            <a:ext cx="2971800" cy="458788"/>
+          </a:xfrm>
+          <a:prstGeom prst="rect">
+            <a:avLst/>
+          </a:prstGeom>
+        </p:spPr>
+        <p:txBody>
+          <a:bodyPr vert="horz" lIns="91440" tIns="45720" rIns="91440" bIns="45720" rtlCol="0"/>
+          <a:lstStyle>
+            <a:lvl1pPr algn="r">
+              <a:defRPr sz="1200"/>
+            </a:lvl1pPr>
+          </a:lstStyle>
+          <a:p>
+            <a:fld id="{ECB65501-F968-4A9F-99EE-A10D6BC145F0}" type="datetimeFigureOut">
+              <a:rPr lang="zh-CN" altLang="en-US" smtClean="0"/>
+              <a:t>2018/8/14</a:t>
+            </a:fld>
+            <a:endParaRPr lang="zh-CN" altLang="en-US"/>
+          </a:p>
+        </p:txBody>
+      </p:sp>
+      <p:sp>
+        <p:nvSpPr>
+          <p:cNvPr id="4" name="Slide Image Placeholder 3"/>
+          <p:cNvSpPr>
+            <a:spLocks noGrp="1" noRot="1" noChangeAspect="1"/>
+          </p:cNvSpPr>
+          <p:nvPr>
+            <p:ph type="sldImg" idx="2"/>
+          </p:nvPr>
+        </p:nvSpPr>
+        <p:spPr>
+          <a:xfrm>
+            <a:off x="685800" y="1143000"/>
+            <a:ext cx="5486400" cy="3086100"/>
           </a:xfrm>
           <a:prstGeom prst="rect">
             <a:avLst/>
@@ -340,15 +452,15 @@
         </p:nvSpPr>
         <p:spPr>
           <a:xfrm>
-            <a:off x="431800" y="4716018"/>
-            <a:ext cx="5994400" cy="3852037"/>
+            <a:off x="685800" y="4400550"/>
+            <a:ext cx="5486400" cy="3600450"/>
           </a:xfrm>
           <a:prstGeom prst="rect">
             <a:avLst/>
           </a:prstGeom>
         </p:spPr>
         <p:txBody>
-          <a:bodyPr vert="horz" lIns="0" tIns="0" rIns="0" bIns="0" rtlCol="0"/>
+          <a:bodyPr vert="horz" lIns="91440" tIns="45720" rIns="91440" bIns="45720" rtlCol="0"/>
           <a:lstStyle/>
           <a:p>
             <a:pPr lvl="0"/>
@@ -390,83 +502,67 @@
       </p:sp>
       <p:sp>
         <p:nvSpPr>
-          <p:cNvPr id="7" name="Slide Number Placeholder 6"/>
+          <p:cNvPr id="6" name="Footer Placeholder 5"/>
           <p:cNvSpPr>
             <a:spLocks noGrp="1"/>
           </p:cNvSpPr>
           <p:nvPr>
-            <p:ph type="sldNum" sz="quarter" idx="5"/>
+            <p:ph type="ftr" sz="quarter" idx="4"/>
           </p:nvPr>
         </p:nvSpPr>
         <p:spPr>
           <a:xfrm>
-            <a:off x="177800" y="8763000"/>
-            <a:ext cx="127000" cy="127000"/>
+            <a:off x="0" y="8685213"/>
+            <a:ext cx="2971800" cy="458787"/>
           </a:xfrm>
           <a:prstGeom prst="rect">
             <a:avLst/>
           </a:prstGeom>
         </p:spPr>
         <p:txBody>
-          <a:bodyPr vert="horz" lIns="0" tIns="0" rIns="0" bIns="0" rtlCol="0" anchor="b"/>
+          <a:bodyPr vert="horz" lIns="91440" tIns="45720" rIns="91440" bIns="45720" rtlCol="0" anchor="b"/>
           <a:lstStyle>
-            <a:lvl1pPr algn="r">
-              <a:defRPr sz="800">
-                <a:solidFill>
-                  <a:srgbClr val="000000"/>
-                </a:solidFill>
-                <a:latin typeface="Arial" panose="020B0604020202020204" pitchFamily="34" charset="0"/>
-              </a:defRPr>
+            <a:lvl1pPr algn="l">
+              <a:defRPr sz="1200"/>
             </a:lvl1pPr>
           </a:lstStyle>
           <a:p>
-            <a:fld id="{0B717049-D788-427F-AE9A-835D4377C935}" type="slidenum">
-              <a:rPr lang="zh-CN" altLang="en-US" smtClean="0"/>
-              <a:pPr/>
-              <a:t>‹#›</a:t>
-            </a:fld>
             <a:endParaRPr lang="zh-CN" altLang="en-US"/>
           </a:p>
         </p:txBody>
       </p:sp>
       <p:sp>
         <p:nvSpPr>
-          <p:cNvPr id="9" name="TextBox 8"/>
-          <p:cNvSpPr txBox="1"/>
-          <p:nvPr/>
+          <p:cNvPr id="7" name="Slide Number Placeholder 6"/>
+          <p:cNvSpPr>
+            <a:spLocks noGrp="1"/>
+          </p:cNvSpPr>
+          <p:nvPr>
+            <p:ph type="sldNum" sz="quarter" idx="5"/>
+          </p:nvPr>
         </p:nvSpPr>
         <p:spPr>
-          <a:xfrm rot="16200000">
-            <a:off x="5689600" y="7886700"/>
-            <a:ext cx="1866900" cy="127000"/>
+          <a:xfrm>
+            <a:off x="3884613" y="8685213"/>
+            <a:ext cx="2971800" cy="458787"/>
           </a:xfrm>
           <a:prstGeom prst="rect">
             <a:avLst/>
           </a:prstGeom>
-          <a:noFill/>
         </p:spPr>
         <p:txBody>
-          <a:bodyPr vert="horz" wrap="none" lIns="0" tIns="0" rIns="0" bIns="0" rtlCol="0" anchor="t">
-            <a:spAutoFit/>
-          </a:bodyPr>
-          <a:lstStyle/>
-          <a:p>
-            <a:pPr algn="l"/>
-            <a:r>
-              <a:rPr lang="en-US" altLang="zh-CN" sz="800" smtClean="0">
-                <a:solidFill>
-                  <a:srgbClr val="000000"/>
-                </a:solidFill>
-                <a:latin typeface="Arial" panose="020B0604020202020204" pitchFamily="34" charset="0"/>
-              </a:rPr>
-              <a:t>© 2018 Tieto Corporation</a:t>
-            </a:r>
-            <a:endParaRPr lang="zh-CN" altLang="en-US" sz="800">
-              <a:solidFill>
-                <a:srgbClr val="000000"/>
-              </a:solidFill>
-              <a:latin typeface="Arial" panose="020B0604020202020204" pitchFamily="34" charset="0"/>
-            </a:endParaRPr>
+          <a:bodyPr vert="horz" lIns="91440" tIns="45720" rIns="91440" bIns="45720" rtlCol="0" anchor="b"/>
+          <a:lstStyle>
+            <a:lvl1pPr algn="r">
+              <a:defRPr sz="1200"/>
+            </a:lvl1pPr>
+          </a:lstStyle>
+          <a:p>
+            <a:fld id="{0B717049-D788-427F-AE9A-835D4377C935}" type="slidenum">
+              <a:rPr lang="zh-CN" altLang="en-US" smtClean="0"/>
+              <a:t>‹#›</a:t>
+            </a:fld>
+            <a:endParaRPr lang="zh-CN" altLang="en-US"/>
           </a:p>
         </p:txBody>
       </p:sp>
@@ -480,72 +576,52 @@
   <p:clrMap bg1="lt1" tx1="dk1" bg2="lt2" tx2="dk2" accent1="accent1" accent2="accent2" accent3="accent3" accent4="accent4" accent5="accent5" accent6="accent6" hlink="hlink" folHlink="folHlink"/>
   <p:hf hdr="0" ftr="0" dt="0"/>
   <p:notesStyle>
-    <a:lvl1pPr marL="228600" indent="-228600" algn="l" defTabSz="914400" rtl="0" eaLnBrk="1" latinLnBrk="0" hangingPunct="1">
-      <a:buClr>
-        <a:srgbClr val="000000"/>
-      </a:buClr>
-      <a:buChar char="•"/>
+    <a:lvl1pPr marL="0" algn="l" defTabSz="914400" rtl="0" eaLnBrk="1" latinLnBrk="0" hangingPunct="1">
       <a:defRPr sz="1200" kern="1200">
         <a:solidFill>
-          <a:srgbClr val="000000"/>
+          <a:schemeClr val="tx1"/>
         </a:solidFill>
-        <a:latin typeface="Arial" panose="020B0604020202020204" pitchFamily="34" charset="0"/>
+        <a:latin typeface="+mn-lt"/>
         <a:ea typeface="+mn-ea"/>
         <a:cs typeface="+mn-cs"/>
       </a:defRPr>
     </a:lvl1pPr>
-    <a:lvl2pPr marL="685800" indent="-228600" algn="l" defTabSz="914400" rtl="0" eaLnBrk="1" latinLnBrk="0" hangingPunct="1">
-      <a:buClr>
-        <a:srgbClr val="000000"/>
-      </a:buClr>
-      <a:buChar char="•"/>
+    <a:lvl2pPr marL="457200" algn="l" defTabSz="914400" rtl="0" eaLnBrk="1" latinLnBrk="0" hangingPunct="1">
       <a:defRPr sz="1200" kern="1200">
         <a:solidFill>
-          <a:srgbClr val="000000"/>
+          <a:schemeClr val="tx1"/>
         </a:solidFill>
-        <a:latin typeface="Arial" panose="020B0604020202020204" pitchFamily="34" charset="0"/>
+        <a:latin typeface="+mn-lt"/>
         <a:ea typeface="+mn-ea"/>
         <a:cs typeface="+mn-cs"/>
       </a:defRPr>
     </a:lvl2pPr>
-    <a:lvl3pPr marL="1143000" indent="-228600" algn="l" defTabSz="914400" rtl="0" eaLnBrk="1" latinLnBrk="0" hangingPunct="1">
-      <a:buClr>
-        <a:srgbClr val="000000"/>
-      </a:buClr>
-      <a:buChar char="•"/>
+    <a:lvl3pPr marL="914400" algn="l" defTabSz="914400" rtl="0" eaLnBrk="1" latinLnBrk="0" hangingPunct="1">
       <a:defRPr sz="1200" kern="1200">
         <a:solidFill>
-          <a:srgbClr val="000000"/>
+          <a:schemeClr val="tx1"/>
         </a:solidFill>
-        <a:latin typeface="Arial" panose="020B0604020202020204" pitchFamily="34" charset="0"/>
+        <a:latin typeface="+mn-lt"/>
         <a:ea typeface="+mn-ea"/>
         <a:cs typeface="+mn-cs"/>
       </a:defRPr>
     </a:lvl3pPr>
-    <a:lvl4pPr marL="1600200" indent="-228600" algn="l" defTabSz="914400" rtl="0" eaLnBrk="1" latinLnBrk="0" hangingPunct="1">
-      <a:buClr>
-        <a:srgbClr val="000000"/>
-      </a:buClr>
-      <a:buChar char="•"/>
+    <a:lvl4pPr marL="1371600" algn="l" defTabSz="914400" rtl="0" eaLnBrk="1" latinLnBrk="0" hangingPunct="1">
       <a:defRPr sz="1200" kern="1200">
         <a:solidFill>
-          <a:srgbClr val="000000"/>
+          <a:schemeClr val="tx1"/>
         </a:solidFill>
-        <a:latin typeface="Arial" panose="020B0604020202020204" pitchFamily="34" charset="0"/>
+        <a:latin typeface="+mn-lt"/>
         <a:ea typeface="+mn-ea"/>
         <a:cs typeface="+mn-cs"/>
       </a:defRPr>
     </a:lvl4pPr>
-    <a:lvl5pPr marL="2057400" indent="-228600" algn="l" defTabSz="914400" rtl="0" eaLnBrk="1" latinLnBrk="0" hangingPunct="1">
-      <a:buClr>
-        <a:srgbClr val="000000"/>
-      </a:buClr>
-      <a:buChar char="•"/>
+    <a:lvl5pPr marL="1828800" algn="l" defTabSz="914400" rtl="0" eaLnBrk="1" latinLnBrk="0" hangingPunct="1">
       <a:defRPr sz="1200" kern="1200">
         <a:solidFill>
-          <a:srgbClr val="000000"/>
+          <a:schemeClr val="tx1"/>
         </a:solidFill>
-        <a:latin typeface="Arial" panose="020B0604020202020204" pitchFamily="34" charset="0"/>
+        <a:latin typeface="+mn-lt"/>
         <a:ea typeface="+mn-ea"/>
         <a:cs typeface="+mn-cs"/>
       </a:defRPr>
@@ -747,47 +823,6 @@
           </a:p>
         </p:txBody>
       </p:sp>
-      <p:sp>
-        <p:nvSpPr>
-          <p:cNvPr id="2" name="TIETOCOPYRIGHT"/>
-          <p:cNvSpPr txBox="1"/>
-          <p:nvPr userDrawn="1"/>
-        </p:nvSpPr>
-        <p:spPr>
-          <a:xfrm rot="16200000">
-            <a:off x="-330200" y="4013200"/>
-            <a:ext cx="1447800" cy="127000"/>
-          </a:xfrm>
-          <a:prstGeom prst="rect">
-            <a:avLst/>
-          </a:prstGeom>
-          <a:noFill/>
-        </p:spPr>
-        <p:txBody>
-          <a:bodyPr vert="horz" wrap="none" lIns="0" tIns="0" rIns="0" bIns="0" rtlCol="0" anchor="t">
-            <a:spAutoFit/>
-          </a:bodyPr>
-          <a:lstStyle/>
-          <a:p>
-            <a:pPr algn="l"/>
-            <a:r>
-              <a:rPr lang="en-US" altLang="zh-CN" sz="800" smtClean="0">
-                <a:solidFill>
-                  <a:srgbClr val="FFFFFF"/>
-                </a:solidFill>
-                <a:latin typeface="Arial" panose="020B0604020202020204" pitchFamily="34" charset="0"/>
-              </a:rPr>
-              <a:t>© 2018 Tieto Corporation</a:t>
-            </a:r>
-            <a:endParaRPr lang="zh-CN" altLang="en-US" sz="800">
-              <a:solidFill>
-                <a:srgbClr val="FFFFFF"/>
-              </a:solidFill>
-              <a:latin typeface="Arial" panose="020B0604020202020204" pitchFamily="34" charset="0"/>
-            </a:endParaRPr>
-          </a:p>
-        </p:txBody>
-      </p:sp>
     </p:spTree>
     <p:extLst>
       <p:ext uri="{BB962C8B-B14F-4D97-AF65-F5344CB8AC3E}">
@@ -829,12 +864,7 @@
             <p:ph type="sldNum" sz="quarter" idx="10"/>
           </p:nvPr>
         </p:nvSpPr>
-        <p:spPr>
-          <a:xfrm>
-            <a:off x="393700" y="4826000"/>
-            <a:ext cx="355600" cy="152400"/>
-          </a:xfrm>
-        </p:spPr>
+        <p:spPr/>
         <p:txBody>
           <a:bodyPr/>
           <a:lstStyle/>
@@ -888,12 +918,7 @@
             <p:ph type="sldNum" sz="quarter" idx="14"/>
           </p:nvPr>
         </p:nvSpPr>
-        <p:spPr>
-          <a:xfrm>
-            <a:off x="393700" y="4826000"/>
-            <a:ext cx="355600" cy="152400"/>
-          </a:xfrm>
-        </p:spPr>
+        <p:spPr/>
         <p:txBody>
           <a:bodyPr/>
           <a:lstStyle/>
@@ -1034,47 +1059,6 @@
           </a:prstGeom>
         </p:spPr>
       </p:pic>
-      <p:sp>
-        <p:nvSpPr>
-          <p:cNvPr id="2" name="TIETOCOPYRIGHT"/>
-          <p:cNvSpPr txBox="1"/>
-          <p:nvPr userDrawn="1"/>
-        </p:nvSpPr>
-        <p:spPr>
-          <a:xfrm rot="16200000">
-            <a:off x="-330200" y="4013200"/>
-            <a:ext cx="1447800" cy="127000"/>
-          </a:xfrm>
-          <a:prstGeom prst="rect">
-            <a:avLst/>
-          </a:prstGeom>
-          <a:noFill/>
-        </p:spPr>
-        <p:txBody>
-          <a:bodyPr vert="horz" wrap="none" lIns="0" tIns="0" rIns="0" bIns="0" rtlCol="0" anchor="t">
-            <a:spAutoFit/>
-          </a:bodyPr>
-          <a:lstStyle/>
-          <a:p>
-            <a:pPr algn="l"/>
-            <a:r>
-              <a:rPr lang="en-US" altLang="zh-CN" sz="800" smtClean="0">
-                <a:solidFill>
-                  <a:srgbClr val="FFFFFF"/>
-                </a:solidFill>
-                <a:latin typeface="Arial" panose="020B0604020202020204" pitchFamily="34" charset="0"/>
-              </a:rPr>
-              <a:t>© 2018 Tieto Corporation</a:t>
-            </a:r>
-            <a:endParaRPr lang="zh-CN" altLang="en-US" sz="800">
-              <a:solidFill>
-                <a:srgbClr val="FFFFFF"/>
-              </a:solidFill>
-              <a:latin typeface="Arial" panose="020B0604020202020204" pitchFamily="34" charset="0"/>
-            </a:endParaRPr>
-          </a:p>
-        </p:txBody>
-      </p:sp>
     </p:spTree>
     <p:extLst>
       <p:ext uri="{BB962C8B-B14F-4D97-AF65-F5344CB8AC3E}">
@@ -1242,47 +1226,6 @@
           </a:p>
         </p:txBody>
       </p:sp>
-      <p:sp>
-        <p:nvSpPr>
-          <p:cNvPr id="2" name="TIETOCOPYRIGHT"/>
-          <p:cNvSpPr txBox="1"/>
-          <p:nvPr userDrawn="1"/>
-        </p:nvSpPr>
-        <p:spPr>
-          <a:xfrm rot="16200000">
-            <a:off x="-330200" y="4013200"/>
-            <a:ext cx="1447800" cy="127000"/>
-          </a:xfrm>
-          <a:prstGeom prst="rect">
-            <a:avLst/>
-          </a:prstGeom>
-          <a:noFill/>
-        </p:spPr>
-        <p:txBody>
-          <a:bodyPr vert="horz" wrap="none" lIns="0" tIns="0" rIns="0" bIns="0" rtlCol="0" anchor="t">
-            <a:spAutoFit/>
-          </a:bodyPr>
-          <a:lstStyle/>
-          <a:p>
-            <a:pPr algn="l"/>
-            <a:r>
-              <a:rPr lang="en-US" altLang="zh-CN" sz="800" smtClean="0">
-                <a:solidFill>
-                  <a:srgbClr val="FFFFFF"/>
-                </a:solidFill>
-                <a:latin typeface="Arial" panose="020B0604020202020204" pitchFamily="34" charset="0"/>
-              </a:rPr>
-              <a:t>© 2018 Tieto Corporation</a:t>
-            </a:r>
-            <a:endParaRPr lang="zh-CN" altLang="en-US" sz="800">
-              <a:solidFill>
-                <a:srgbClr val="FFFFFF"/>
-              </a:solidFill>
-              <a:latin typeface="Arial" panose="020B0604020202020204" pitchFamily="34" charset="0"/>
-            </a:endParaRPr>
-          </a:p>
-        </p:txBody>
-      </p:sp>
     </p:spTree>
     <p:extLst>
       <p:ext uri="{BB962C8B-B14F-4D97-AF65-F5344CB8AC3E}">
@@ -1450,47 +1393,6 @@
           </a:p>
         </p:txBody>
       </p:sp>
-      <p:sp>
-        <p:nvSpPr>
-          <p:cNvPr id="2" name="TIETOCOPYRIGHT"/>
-          <p:cNvSpPr txBox="1"/>
-          <p:nvPr userDrawn="1"/>
-        </p:nvSpPr>
-        <p:spPr>
-          <a:xfrm rot="16200000">
-            <a:off x="-330200" y="4013200"/>
-            <a:ext cx="1447800" cy="127000"/>
-          </a:xfrm>
-          <a:prstGeom prst="rect">
-            <a:avLst/>
-          </a:prstGeom>
-          <a:noFill/>
-        </p:spPr>
-        <p:txBody>
-          <a:bodyPr vert="horz" wrap="none" lIns="0" tIns="0" rIns="0" bIns="0" rtlCol="0" anchor="t">
-            <a:spAutoFit/>
-          </a:bodyPr>
-          <a:lstStyle/>
-          <a:p>
-            <a:pPr algn="l"/>
-            <a:r>
-              <a:rPr lang="en-US" altLang="zh-CN" sz="800" smtClean="0">
-                <a:solidFill>
-                  <a:srgbClr val="FFFFFF"/>
-                </a:solidFill>
-                <a:latin typeface="Arial" panose="020B0604020202020204" pitchFamily="34" charset="0"/>
-              </a:rPr>
-              <a:t>© 2018 Tieto Corporation</a:t>
-            </a:r>
-            <a:endParaRPr lang="zh-CN" altLang="en-US" sz="800">
-              <a:solidFill>
-                <a:srgbClr val="FFFFFF"/>
-              </a:solidFill>
-              <a:latin typeface="Arial" panose="020B0604020202020204" pitchFamily="34" charset="0"/>
-            </a:endParaRPr>
-          </a:p>
-        </p:txBody>
-      </p:sp>
     </p:spTree>
     <p:extLst>
       <p:ext uri="{BB962C8B-B14F-4D97-AF65-F5344CB8AC3E}">
@@ -1651,47 +1553,6 @@
           </a:p>
         </p:txBody>
       </p:sp>
-      <p:sp>
-        <p:nvSpPr>
-          <p:cNvPr id="2" name="TIETOCOPYRIGHT"/>
-          <p:cNvSpPr txBox="1"/>
-          <p:nvPr userDrawn="1"/>
-        </p:nvSpPr>
-        <p:spPr>
-          <a:xfrm rot="16200000">
-            <a:off x="-330200" y="4013200"/>
-            <a:ext cx="1447800" cy="127000"/>
-          </a:xfrm>
-          <a:prstGeom prst="rect">
-            <a:avLst/>
-          </a:prstGeom>
-          <a:noFill/>
-        </p:spPr>
-        <p:txBody>
-          <a:bodyPr vert="horz" wrap="none" lIns="0" tIns="0" rIns="0" bIns="0" rtlCol="0" anchor="t">
-            <a:spAutoFit/>
-          </a:bodyPr>
-          <a:lstStyle/>
-          <a:p>
-            <a:pPr algn="l"/>
-            <a:r>
-              <a:rPr lang="en-US" altLang="zh-CN" sz="800" smtClean="0">
-                <a:solidFill>
-                  <a:srgbClr val="FFFFFF"/>
-                </a:solidFill>
-                <a:latin typeface="Arial" panose="020B0604020202020204" pitchFamily="34" charset="0"/>
-              </a:rPr>
-              <a:t>© 2018 Tieto Corporation</a:t>
-            </a:r>
-            <a:endParaRPr lang="zh-CN" altLang="en-US" sz="800">
-              <a:solidFill>
-                <a:srgbClr val="FFFFFF"/>
-              </a:solidFill>
-              <a:latin typeface="Arial" panose="020B0604020202020204" pitchFamily="34" charset="0"/>
-            </a:endParaRPr>
-          </a:p>
-        </p:txBody>
-      </p:sp>
     </p:spTree>
     <p:extLst>
       <p:ext uri="{BB962C8B-B14F-4D97-AF65-F5344CB8AC3E}">
@@ -2121,12 +1982,7 @@
             <p:ph type="sldNum" sz="quarter" idx="10"/>
           </p:nvPr>
         </p:nvSpPr>
-        <p:spPr>
-          <a:xfrm>
-            <a:off x="393700" y="4826000"/>
-            <a:ext cx="355600" cy="152400"/>
-          </a:xfrm>
-        </p:spPr>
+        <p:spPr/>
         <p:txBody>
           <a:bodyPr/>
           <a:lstStyle/>
@@ -2374,12 +2230,7 @@
             <p:ph type="sldNum" sz="quarter" idx="10"/>
           </p:nvPr>
         </p:nvSpPr>
-        <p:spPr>
-          <a:xfrm>
-            <a:off x="393700" y="4826000"/>
-            <a:ext cx="355600" cy="152400"/>
-          </a:xfrm>
-        </p:spPr>
+        <p:spPr/>
         <p:txBody>
           <a:bodyPr/>
           <a:lstStyle/>
@@ -2560,47 +2411,6 @@
           </a:p>
         </p:txBody>
       </p:sp>
-      <p:sp>
-        <p:nvSpPr>
-          <p:cNvPr id="2" name="TIETOCOPYRIGHT"/>
-          <p:cNvSpPr txBox="1"/>
-          <p:nvPr userDrawn="1"/>
-        </p:nvSpPr>
-        <p:spPr>
-          <a:xfrm rot="16200000">
-            <a:off x="-330200" y="4013200"/>
-            <a:ext cx="1447800" cy="127000"/>
-          </a:xfrm>
-          <a:prstGeom prst="rect">
-            <a:avLst/>
-          </a:prstGeom>
-          <a:noFill/>
-        </p:spPr>
-        <p:txBody>
-          <a:bodyPr vert="horz" wrap="none" lIns="0" tIns="0" rIns="0" bIns="0" rtlCol="0" anchor="t">
-            <a:spAutoFit/>
-          </a:bodyPr>
-          <a:lstStyle/>
-          <a:p>
-            <a:pPr algn="l"/>
-            <a:r>
-              <a:rPr lang="en-US" altLang="zh-CN" sz="800" smtClean="0">
-                <a:solidFill>
-                  <a:srgbClr val="FFFFFF"/>
-                </a:solidFill>
-                <a:latin typeface="Arial" panose="020B0604020202020204" pitchFamily="34" charset="0"/>
-              </a:rPr>
-              <a:t>© 2018 Tieto Corporation</a:t>
-            </a:r>
-            <a:endParaRPr lang="zh-CN" altLang="en-US" sz="800">
-              <a:solidFill>
-                <a:srgbClr val="FFFFFF"/>
-              </a:solidFill>
-              <a:latin typeface="Arial" panose="020B0604020202020204" pitchFamily="34" charset="0"/>
-            </a:endParaRPr>
-          </a:p>
-        </p:txBody>
-      </p:sp>
     </p:spTree>
     <p:extLst>
       <p:ext uri="{BB962C8B-B14F-4D97-AF65-F5344CB8AC3E}">
@@ -2665,12 +2475,7 @@
             <p:ph type="sldNum" sz="quarter" idx="10"/>
           </p:nvPr>
         </p:nvSpPr>
-        <p:spPr>
-          <a:xfrm>
-            <a:off x="393700" y="4826000"/>
-            <a:ext cx="355600" cy="152400"/>
-          </a:xfrm>
-        </p:spPr>
+        <p:spPr/>
         <p:txBody>
           <a:bodyPr/>
           <a:lstStyle/>
@@ -2786,12 +2591,7 @@
             <p:ph type="sldNum" sz="quarter" idx="14"/>
           </p:nvPr>
         </p:nvSpPr>
-        <p:spPr>
-          <a:xfrm>
-            <a:off x="393700" y="4826000"/>
-            <a:ext cx="355600" cy="152400"/>
-          </a:xfrm>
-        </p:spPr>
+        <p:spPr/>
         <p:txBody>
           <a:bodyPr/>
           <a:lstStyle/>
@@ -2846,12 +2646,7 @@
             <p:ph type="sldNum" sz="quarter" idx="10"/>
           </p:nvPr>
         </p:nvSpPr>
-        <p:spPr>
-          <a:xfrm>
-            <a:off x="393700" y="4826000"/>
-            <a:ext cx="355600" cy="152400"/>
-          </a:xfrm>
-        </p:spPr>
+        <p:spPr/>
         <p:txBody>
           <a:bodyPr/>
           <a:lstStyle/>
@@ -2906,12 +2701,7 @@
             <p:ph type="sldNum" sz="quarter" idx="14"/>
           </p:nvPr>
         </p:nvSpPr>
-        <p:spPr>
-          <a:xfrm>
-            <a:off x="393700" y="4826000"/>
-            <a:ext cx="355600" cy="152400"/>
-          </a:xfrm>
-        </p:spPr>
+        <p:spPr/>
         <p:txBody>
           <a:bodyPr/>
           <a:lstStyle/>
@@ -3053,47 +2843,6 @@
           </a:prstGeom>
         </p:spPr>
       </p:pic>
-      <p:sp>
-        <p:nvSpPr>
-          <p:cNvPr id="2" name="TIETOCOPYRIGHT"/>
-          <p:cNvSpPr txBox="1"/>
-          <p:nvPr userDrawn="1"/>
-        </p:nvSpPr>
-        <p:spPr>
-          <a:xfrm rot="16200000">
-            <a:off x="-330200" y="4013200"/>
-            <a:ext cx="1447800" cy="127000"/>
-          </a:xfrm>
-          <a:prstGeom prst="rect">
-            <a:avLst/>
-          </a:prstGeom>
-          <a:noFill/>
-        </p:spPr>
-        <p:txBody>
-          <a:bodyPr vert="horz" wrap="none" lIns="0" tIns="0" rIns="0" bIns="0" rtlCol="0" anchor="t">
-            <a:spAutoFit/>
-          </a:bodyPr>
-          <a:lstStyle/>
-          <a:p>
-            <a:pPr algn="l"/>
-            <a:r>
-              <a:rPr lang="en-US" altLang="zh-CN" sz="800" smtClean="0">
-                <a:solidFill>
-                  <a:srgbClr val="FFFFFF"/>
-                </a:solidFill>
-                <a:latin typeface="Arial" panose="020B0604020202020204" pitchFamily="34" charset="0"/>
-              </a:rPr>
-              <a:t>© 2018 Tieto Corporation</a:t>
-            </a:r>
-            <a:endParaRPr lang="zh-CN" altLang="en-US" sz="800">
-              <a:solidFill>
-                <a:srgbClr val="FFFFFF"/>
-              </a:solidFill>
-              <a:latin typeface="Arial" panose="020B0604020202020204" pitchFamily="34" charset="0"/>
-            </a:endParaRPr>
-          </a:p>
-        </p:txBody>
-      </p:sp>
     </p:spTree>
     <p:extLst>
       <p:ext uri="{BB962C8B-B14F-4D97-AF65-F5344CB8AC3E}">
@@ -3261,47 +3010,6 @@
           </a:p>
         </p:txBody>
       </p:sp>
-      <p:sp>
-        <p:nvSpPr>
-          <p:cNvPr id="2" name="TIETOCOPYRIGHT"/>
-          <p:cNvSpPr txBox="1"/>
-          <p:nvPr userDrawn="1"/>
-        </p:nvSpPr>
-        <p:spPr>
-          <a:xfrm rot="16200000">
-            <a:off x="-330200" y="4013200"/>
-            <a:ext cx="1447800" cy="127000"/>
-          </a:xfrm>
-          <a:prstGeom prst="rect">
-            <a:avLst/>
-          </a:prstGeom>
-          <a:noFill/>
-        </p:spPr>
-        <p:txBody>
-          <a:bodyPr vert="horz" wrap="none" lIns="0" tIns="0" rIns="0" bIns="0" rtlCol="0" anchor="t">
-            <a:spAutoFit/>
-          </a:bodyPr>
-          <a:lstStyle/>
-          <a:p>
-            <a:pPr algn="l"/>
-            <a:r>
-              <a:rPr lang="en-US" altLang="zh-CN" sz="800" smtClean="0">
-                <a:solidFill>
-                  <a:srgbClr val="FFFFFF"/>
-                </a:solidFill>
-                <a:latin typeface="Arial" panose="020B0604020202020204" pitchFamily="34" charset="0"/>
-              </a:rPr>
-              <a:t>© 2018 Tieto Corporation</a:t>
-            </a:r>
-            <a:endParaRPr lang="zh-CN" altLang="en-US" sz="800">
-              <a:solidFill>
-                <a:srgbClr val="FFFFFF"/>
-              </a:solidFill>
-              <a:latin typeface="Arial" panose="020B0604020202020204" pitchFamily="34" charset="0"/>
-            </a:endParaRPr>
-          </a:p>
-        </p:txBody>
-      </p:sp>
     </p:spTree>
     <p:extLst>
       <p:ext uri="{BB962C8B-B14F-4D97-AF65-F5344CB8AC3E}">
@@ -3469,47 +3177,6 @@
           </a:p>
         </p:txBody>
       </p:sp>
-      <p:sp>
-        <p:nvSpPr>
-          <p:cNvPr id="3" name="TIETOCOPYRIGHT"/>
-          <p:cNvSpPr txBox="1"/>
-          <p:nvPr userDrawn="1"/>
-        </p:nvSpPr>
-        <p:spPr>
-          <a:xfrm rot="16200000">
-            <a:off x="-330200" y="4013200"/>
-            <a:ext cx="1447800" cy="127000"/>
-          </a:xfrm>
-          <a:prstGeom prst="rect">
-            <a:avLst/>
-          </a:prstGeom>
-          <a:noFill/>
-        </p:spPr>
-        <p:txBody>
-          <a:bodyPr vert="horz" wrap="none" lIns="0" tIns="0" rIns="0" bIns="0" rtlCol="0" anchor="t">
-            <a:spAutoFit/>
-          </a:bodyPr>
-          <a:lstStyle/>
-          <a:p>
-            <a:pPr algn="l"/>
-            <a:r>
-              <a:rPr lang="en-US" altLang="zh-CN" sz="800" smtClean="0">
-                <a:solidFill>
-                  <a:srgbClr val="FFFFFF"/>
-                </a:solidFill>
-                <a:latin typeface="Arial" panose="020B0604020202020204" pitchFamily="34" charset="0"/>
-              </a:rPr>
-              <a:t>© 2018 Tieto Corporation</a:t>
-            </a:r>
-            <a:endParaRPr lang="zh-CN" altLang="en-US" sz="800">
-              <a:solidFill>
-                <a:srgbClr val="FFFFFF"/>
-              </a:solidFill>
-              <a:latin typeface="Arial" panose="020B0604020202020204" pitchFamily="34" charset="0"/>
-            </a:endParaRPr>
-          </a:p>
-        </p:txBody>
-      </p:sp>
     </p:spTree>
     <p:extLst>
       <p:ext uri="{BB962C8B-B14F-4D97-AF65-F5344CB8AC3E}">
@@ -3670,47 +3337,6 @@
           </a:p>
         </p:txBody>
       </p:sp>
-      <p:sp>
-        <p:nvSpPr>
-          <p:cNvPr id="2" name="TIETOCOPYRIGHT"/>
-          <p:cNvSpPr txBox="1"/>
-          <p:nvPr userDrawn="1"/>
-        </p:nvSpPr>
-        <p:spPr>
-          <a:xfrm rot="16200000">
-            <a:off x="-330200" y="4013200"/>
-            <a:ext cx="1447800" cy="127000"/>
-          </a:xfrm>
-          <a:prstGeom prst="rect">
-            <a:avLst/>
-          </a:prstGeom>
-          <a:noFill/>
-        </p:spPr>
-        <p:txBody>
-          <a:bodyPr vert="horz" wrap="none" lIns="0" tIns="0" rIns="0" bIns="0" rtlCol="0" anchor="t">
-            <a:spAutoFit/>
-          </a:bodyPr>
-          <a:lstStyle/>
-          <a:p>
-            <a:pPr algn="l"/>
-            <a:r>
-              <a:rPr lang="en-US" altLang="zh-CN" sz="800" smtClean="0">
-                <a:solidFill>
-                  <a:srgbClr val="FFFFFF"/>
-                </a:solidFill>
-                <a:latin typeface="Arial" panose="020B0604020202020204" pitchFamily="34" charset="0"/>
-              </a:rPr>
-              <a:t>© 2018 Tieto Corporation</a:t>
-            </a:r>
-            <a:endParaRPr lang="zh-CN" altLang="en-US" sz="800">
-              <a:solidFill>
-                <a:srgbClr val="FFFFFF"/>
-              </a:solidFill>
-              <a:latin typeface="Arial" panose="020B0604020202020204" pitchFamily="34" charset="0"/>
-            </a:endParaRPr>
-          </a:p>
-        </p:txBody>
-      </p:sp>
     </p:spTree>
     <p:extLst>
       <p:ext uri="{BB962C8B-B14F-4D97-AF65-F5344CB8AC3E}">
@@ -4175,47 +3801,6 @@
           </a:p>
         </p:txBody>
       </p:sp>
-      <p:sp>
-        <p:nvSpPr>
-          <p:cNvPr id="3" name="TIETOCOPYRIGHT"/>
-          <p:cNvSpPr txBox="1"/>
-          <p:nvPr userDrawn="1"/>
-        </p:nvSpPr>
-        <p:spPr>
-          <a:xfrm rot="16200000">
-            <a:off x="-330200" y="4013200"/>
-            <a:ext cx="1447800" cy="127000"/>
-          </a:xfrm>
-          <a:prstGeom prst="rect">
-            <a:avLst/>
-          </a:prstGeom>
-          <a:noFill/>
-        </p:spPr>
-        <p:txBody>
-          <a:bodyPr vert="horz" wrap="none" lIns="0" tIns="0" rIns="0" bIns="0" rtlCol="0" anchor="t">
-            <a:spAutoFit/>
-          </a:bodyPr>
-          <a:lstStyle/>
-          <a:p>
-            <a:pPr algn="l"/>
-            <a:r>
-              <a:rPr lang="en-US" altLang="zh-CN" sz="800" smtClean="0">
-                <a:solidFill>
-                  <a:srgbClr val="FFFFFF"/>
-                </a:solidFill>
-                <a:latin typeface="Arial" panose="020B0604020202020204" pitchFamily="34" charset="0"/>
-              </a:rPr>
-              <a:t>© 2018 Tieto Corporation</a:t>
-            </a:r>
-            <a:endParaRPr lang="zh-CN" altLang="en-US" sz="800">
-              <a:solidFill>
-                <a:srgbClr val="FFFFFF"/>
-              </a:solidFill>
-              <a:latin typeface="Arial" panose="020B0604020202020204" pitchFamily="34" charset="0"/>
-            </a:endParaRPr>
-          </a:p>
-        </p:txBody>
-      </p:sp>
     </p:spTree>
     <p:extLst>
       <p:ext uri="{BB962C8B-B14F-4D97-AF65-F5344CB8AC3E}">
@@ -4336,12 +3921,7 @@
             <p:ph type="sldNum" sz="quarter" idx="10"/>
           </p:nvPr>
         </p:nvSpPr>
-        <p:spPr>
-          <a:xfrm>
-            <a:off x="393700" y="4826000"/>
-            <a:ext cx="355600" cy="152400"/>
-          </a:xfrm>
-        </p:spPr>
+        <p:spPr/>
         <p:txBody>
           <a:bodyPr/>
           <a:lstStyle/>
@@ -4589,12 +4169,7 @@
             <p:ph type="sldNum" sz="quarter" idx="10"/>
           </p:nvPr>
         </p:nvSpPr>
-        <p:spPr>
-          <a:xfrm>
-            <a:off x="393700" y="4826000"/>
-            <a:ext cx="355600" cy="152400"/>
-          </a:xfrm>
-        </p:spPr>
+        <p:spPr/>
         <p:txBody>
           <a:bodyPr/>
           <a:lstStyle/>
@@ -4672,12 +4247,7 @@
             <p:ph type="sldNum" sz="quarter" idx="10"/>
           </p:nvPr>
         </p:nvSpPr>
-        <p:spPr>
-          <a:xfrm>
-            <a:off x="393700" y="4826000"/>
-            <a:ext cx="355600" cy="152400"/>
-          </a:xfrm>
-        </p:spPr>
+        <p:spPr/>
         <p:txBody>
           <a:bodyPr/>
           <a:lstStyle/>
@@ -4793,12 +4363,7 @@
             <p:ph type="sldNum" sz="quarter" idx="14"/>
           </p:nvPr>
         </p:nvSpPr>
-        <p:spPr>
-          <a:xfrm>
-            <a:off x="393700" y="4826000"/>
-            <a:ext cx="355600" cy="152400"/>
-          </a:xfrm>
-        </p:spPr>
+        <p:spPr/>
         <p:txBody>
           <a:bodyPr/>
           <a:lstStyle/>
@@ -4853,12 +4418,7 @@
             <p:ph type="sldNum" sz="quarter" idx="10"/>
           </p:nvPr>
         </p:nvSpPr>
-        <p:spPr>
-          <a:xfrm>
-            <a:off x="393700" y="4826000"/>
-            <a:ext cx="355600" cy="152400"/>
-          </a:xfrm>
-        </p:spPr>
+        <p:spPr/>
         <p:txBody>
           <a:bodyPr/>
           <a:lstStyle/>
@@ -4913,12 +4473,7 @@
             <p:ph type="sldNum" sz="quarter" idx="14"/>
           </p:nvPr>
         </p:nvSpPr>
-        <p:spPr>
-          <a:xfrm>
-            <a:off x="393700" y="4826000"/>
-            <a:ext cx="355600" cy="152400"/>
-          </a:xfrm>
-        </p:spPr>
+        <p:spPr/>
         <p:txBody>
           <a:bodyPr/>
           <a:lstStyle/>
@@ -5060,47 +4615,6 @@
           </a:prstGeom>
         </p:spPr>
       </p:pic>
-      <p:sp>
-        <p:nvSpPr>
-          <p:cNvPr id="2" name="TIETOCOPYRIGHT"/>
-          <p:cNvSpPr txBox="1"/>
-          <p:nvPr userDrawn="1"/>
-        </p:nvSpPr>
-        <p:spPr>
-          <a:xfrm rot="16200000">
-            <a:off x="-330200" y="4013200"/>
-            <a:ext cx="1447800" cy="127000"/>
-          </a:xfrm>
-          <a:prstGeom prst="rect">
-            <a:avLst/>
-          </a:prstGeom>
-          <a:noFill/>
-        </p:spPr>
-        <p:txBody>
-          <a:bodyPr vert="horz" wrap="none" lIns="0" tIns="0" rIns="0" bIns="0" rtlCol="0" anchor="t">
-            <a:spAutoFit/>
-          </a:bodyPr>
-          <a:lstStyle/>
-          <a:p>
-            <a:pPr algn="l"/>
-            <a:r>
-              <a:rPr lang="en-US" altLang="zh-CN" sz="800" smtClean="0">
-                <a:solidFill>
-                  <a:srgbClr val="FFFFFF"/>
-                </a:solidFill>
-                <a:latin typeface="Arial" panose="020B0604020202020204" pitchFamily="34" charset="0"/>
-              </a:rPr>
-              <a:t>© 2018 Tieto Corporation</a:t>
-            </a:r>
-            <a:endParaRPr lang="zh-CN" altLang="en-US" sz="800">
-              <a:solidFill>
-                <a:srgbClr val="FFFFFF"/>
-              </a:solidFill>
-              <a:latin typeface="Arial" panose="020B0604020202020204" pitchFamily="34" charset="0"/>
-            </a:endParaRPr>
-          </a:p>
-        </p:txBody>
-      </p:sp>
     </p:spTree>
     <p:extLst>
       <p:ext uri="{BB962C8B-B14F-4D97-AF65-F5344CB8AC3E}">
@@ -5268,47 +4782,6 @@
           </a:p>
         </p:txBody>
       </p:sp>
-      <p:sp>
-        <p:nvSpPr>
-          <p:cNvPr id="2" name="TIETOCOPYRIGHT"/>
-          <p:cNvSpPr txBox="1"/>
-          <p:nvPr userDrawn="1"/>
-        </p:nvSpPr>
-        <p:spPr>
-          <a:xfrm rot="16200000">
-            <a:off x="-330200" y="4013200"/>
-            <a:ext cx="1447800" cy="127000"/>
-          </a:xfrm>
-          <a:prstGeom prst="rect">
-            <a:avLst/>
-          </a:prstGeom>
-          <a:noFill/>
-        </p:spPr>
-        <p:txBody>
-          <a:bodyPr vert="horz" wrap="none" lIns="0" tIns="0" rIns="0" bIns="0" rtlCol="0" anchor="t">
-            <a:spAutoFit/>
-          </a:bodyPr>
-          <a:lstStyle/>
-          <a:p>
-            <a:pPr algn="l"/>
-            <a:r>
-              <a:rPr lang="en-US" altLang="zh-CN" sz="800" smtClean="0">
-                <a:solidFill>
-                  <a:srgbClr val="FFFFFF"/>
-                </a:solidFill>
-                <a:latin typeface="Arial" panose="020B0604020202020204" pitchFamily="34" charset="0"/>
-              </a:rPr>
-              <a:t>© 2018 Tieto Corporation</a:t>
-            </a:r>
-            <a:endParaRPr lang="zh-CN" altLang="en-US" sz="800">
-              <a:solidFill>
-                <a:srgbClr val="FFFFFF"/>
-              </a:solidFill>
-              <a:latin typeface="Arial" panose="020B0604020202020204" pitchFamily="34" charset="0"/>
-            </a:endParaRPr>
-          </a:p>
-        </p:txBody>
-      </p:sp>
     </p:spTree>
     <p:extLst>
       <p:ext uri="{BB962C8B-B14F-4D97-AF65-F5344CB8AC3E}">
@@ -5476,47 +4949,6 @@
           </a:p>
         </p:txBody>
       </p:sp>
-      <p:sp>
-        <p:nvSpPr>
-          <p:cNvPr id="2" name="TIETOCOPYRIGHT"/>
-          <p:cNvSpPr txBox="1"/>
-          <p:nvPr userDrawn="1"/>
-        </p:nvSpPr>
-        <p:spPr>
-          <a:xfrm rot="16200000">
-            <a:off x="-330200" y="4013200"/>
-            <a:ext cx="1447800" cy="127000"/>
-          </a:xfrm>
-          <a:prstGeom prst="rect">
-            <a:avLst/>
-          </a:prstGeom>
-          <a:noFill/>
-        </p:spPr>
-        <p:txBody>
-          <a:bodyPr vert="horz" wrap="none" lIns="0" tIns="0" rIns="0" bIns="0" rtlCol="0" anchor="t">
-            <a:spAutoFit/>
-          </a:bodyPr>
-          <a:lstStyle/>
-          <a:p>
-            <a:pPr algn="l"/>
-            <a:r>
-              <a:rPr lang="en-US" altLang="zh-CN" sz="800" smtClean="0">
-                <a:solidFill>
-                  <a:srgbClr val="FFFFFF"/>
-                </a:solidFill>
-                <a:latin typeface="Arial" panose="020B0604020202020204" pitchFamily="34" charset="0"/>
-              </a:rPr>
-              <a:t>© 2018 Tieto Corporation</a:t>
-            </a:r>
-            <a:endParaRPr lang="zh-CN" altLang="en-US" sz="800">
-              <a:solidFill>
-                <a:srgbClr val="FFFFFF"/>
-              </a:solidFill>
-              <a:latin typeface="Arial" panose="020B0604020202020204" pitchFamily="34" charset="0"/>
-            </a:endParaRPr>
-          </a:p>
-        </p:txBody>
-      </p:sp>
     </p:spTree>
     <p:extLst>
       <p:ext uri="{BB962C8B-B14F-4D97-AF65-F5344CB8AC3E}">
@@ -5677,47 +5109,6 @@
           </a:p>
         </p:txBody>
       </p:sp>
-      <p:sp>
-        <p:nvSpPr>
-          <p:cNvPr id="2" name="TIETOCOPYRIGHT"/>
-          <p:cNvSpPr txBox="1"/>
-          <p:nvPr userDrawn="1"/>
-        </p:nvSpPr>
-        <p:spPr>
-          <a:xfrm rot="16200000">
-            <a:off x="-330200" y="4013200"/>
-            <a:ext cx="1447800" cy="127000"/>
-          </a:xfrm>
-          <a:prstGeom prst="rect">
-            <a:avLst/>
-          </a:prstGeom>
-          <a:noFill/>
-        </p:spPr>
-        <p:txBody>
-          <a:bodyPr vert="horz" wrap="none" lIns="0" tIns="0" rIns="0" bIns="0" rtlCol="0" anchor="t">
-            <a:spAutoFit/>
-          </a:bodyPr>
-          <a:lstStyle/>
-          <a:p>
-            <a:pPr algn="l"/>
-            <a:r>
-              <a:rPr lang="en-US" altLang="zh-CN" sz="800" smtClean="0">
-                <a:solidFill>
-                  <a:srgbClr val="FFFFFF"/>
-                </a:solidFill>
-                <a:latin typeface="Arial" panose="020B0604020202020204" pitchFamily="34" charset="0"/>
-              </a:rPr>
-              <a:t>© 2018 Tieto Corporation</a:t>
-            </a:r>
-            <a:endParaRPr lang="zh-CN" altLang="en-US" sz="800">
-              <a:solidFill>
-                <a:srgbClr val="FFFFFF"/>
-              </a:solidFill>
-              <a:latin typeface="Arial" panose="020B0604020202020204" pitchFamily="34" charset="0"/>
-            </a:endParaRPr>
-          </a:p>
-        </p:txBody>
-      </p:sp>
     </p:spTree>
     <p:extLst>
       <p:ext uri="{BB962C8B-B14F-4D97-AF65-F5344CB8AC3E}">
@@ -6294,12 +5685,7 @@
             <p:ph type="sldNum" sz="quarter" idx="10"/>
           </p:nvPr>
         </p:nvSpPr>
-        <p:spPr>
-          <a:xfrm>
-            <a:off x="393700" y="4826000"/>
-            <a:ext cx="355600" cy="152400"/>
-          </a:xfrm>
-        </p:spPr>
+        <p:spPr/>
         <p:txBody>
           <a:bodyPr/>
           <a:lstStyle/>
@@ -6547,12 +5933,7 @@
             <p:ph type="sldNum" sz="quarter" idx="10"/>
           </p:nvPr>
         </p:nvSpPr>
-        <p:spPr>
-          <a:xfrm>
-            <a:off x="393700" y="4826000"/>
-            <a:ext cx="355600" cy="152400"/>
-          </a:xfrm>
-        </p:spPr>
+        <p:spPr/>
         <p:txBody>
           <a:bodyPr/>
           <a:lstStyle/>
@@ -6630,12 +6011,7 @@
             <p:ph type="sldNum" sz="quarter" idx="10"/>
           </p:nvPr>
         </p:nvSpPr>
-        <p:spPr>
-          <a:xfrm>
-            <a:off x="393700" y="4826000"/>
-            <a:ext cx="355600" cy="152400"/>
-          </a:xfrm>
-        </p:spPr>
+        <p:spPr/>
         <p:txBody>
           <a:bodyPr/>
           <a:lstStyle/>
@@ -6751,12 +6127,7 @@
             <p:ph type="sldNum" sz="quarter" idx="14"/>
           </p:nvPr>
         </p:nvSpPr>
-        <p:spPr>
-          <a:xfrm>
-            <a:off x="393700" y="4826000"/>
-            <a:ext cx="355600" cy="152400"/>
-          </a:xfrm>
-        </p:spPr>
+        <p:spPr/>
         <p:txBody>
           <a:bodyPr/>
           <a:lstStyle/>
@@ -6811,12 +6182,7 @@
             <p:ph type="sldNum" sz="quarter" idx="10"/>
           </p:nvPr>
         </p:nvSpPr>
-        <p:spPr>
-          <a:xfrm>
-            <a:off x="393700" y="4826000"/>
-            <a:ext cx="355600" cy="152400"/>
-          </a:xfrm>
-        </p:spPr>
+        <p:spPr/>
         <p:txBody>
           <a:bodyPr/>
           <a:lstStyle/>
@@ -6871,12 +6237,7 @@
             <p:ph type="sldNum" sz="quarter" idx="14"/>
           </p:nvPr>
         </p:nvSpPr>
-        <p:spPr>
-          <a:xfrm>
-            <a:off x="393700" y="4826000"/>
-            <a:ext cx="355600" cy="152400"/>
-          </a:xfrm>
-        </p:spPr>
+        <p:spPr/>
         <p:txBody>
           <a:bodyPr/>
           <a:lstStyle/>
@@ -7018,47 +6379,6 @@
           </a:prstGeom>
         </p:spPr>
       </p:pic>
-      <p:sp>
-        <p:nvSpPr>
-          <p:cNvPr id="2" name="TIETOCOPYRIGHT"/>
-          <p:cNvSpPr txBox="1"/>
-          <p:nvPr userDrawn="1"/>
-        </p:nvSpPr>
-        <p:spPr>
-          <a:xfrm rot="16200000">
-            <a:off x="-330200" y="4013200"/>
-            <a:ext cx="1447800" cy="127000"/>
-          </a:xfrm>
-          <a:prstGeom prst="rect">
-            <a:avLst/>
-          </a:prstGeom>
-          <a:noFill/>
-        </p:spPr>
-        <p:txBody>
-          <a:bodyPr vert="horz" wrap="none" lIns="0" tIns="0" rIns="0" bIns="0" rtlCol="0" anchor="t">
-            <a:spAutoFit/>
-          </a:bodyPr>
-          <a:lstStyle/>
-          <a:p>
-            <a:pPr algn="l"/>
-            <a:r>
-              <a:rPr lang="en-US" altLang="zh-CN" sz="800" smtClean="0">
-                <a:solidFill>
-                  <a:srgbClr val="FFFFFF"/>
-                </a:solidFill>
-                <a:latin typeface="Arial" panose="020B0604020202020204" pitchFamily="34" charset="0"/>
-              </a:rPr>
-              <a:t>© 2018 Tieto Corporation</a:t>
-            </a:r>
-            <a:endParaRPr lang="zh-CN" altLang="en-US" sz="800">
-              <a:solidFill>
-                <a:srgbClr val="FFFFFF"/>
-              </a:solidFill>
-              <a:latin typeface="Arial" panose="020B0604020202020204" pitchFamily="34" charset="0"/>
-            </a:endParaRPr>
-          </a:p>
-        </p:txBody>
-      </p:sp>
     </p:spTree>
     <p:extLst>
       <p:ext uri="{BB962C8B-B14F-4D97-AF65-F5344CB8AC3E}">
@@ -7336,12 +6656,7 @@
             <p:ph type="sldNum" sz="quarter" idx="10"/>
           </p:nvPr>
         </p:nvSpPr>
-        <p:spPr>
-          <a:xfrm>
-            <a:off x="393700" y="4826000"/>
-            <a:ext cx="355600" cy="152400"/>
-          </a:xfrm>
-        </p:spPr>
+        <p:spPr/>
         <p:txBody>
           <a:bodyPr/>
           <a:lstStyle/>
@@ -7593,12 +6908,7 @@
             <p:ph type="sldNum" sz="quarter" idx="10"/>
           </p:nvPr>
         </p:nvSpPr>
-        <p:spPr>
-          <a:xfrm>
-            <a:off x="393700" y="4826000"/>
-            <a:ext cx="355600" cy="152400"/>
-          </a:xfrm>
-        </p:spPr>
+        <p:spPr/>
         <p:txBody>
           <a:bodyPr/>
           <a:lstStyle/>
@@ -7680,12 +6990,7 @@
             <p:ph type="sldNum" sz="quarter" idx="10"/>
           </p:nvPr>
         </p:nvSpPr>
-        <p:spPr>
-          <a:xfrm>
-            <a:off x="393700" y="4826000"/>
-            <a:ext cx="355600" cy="152400"/>
-          </a:xfrm>
-        </p:spPr>
+        <p:spPr/>
         <p:txBody>
           <a:bodyPr/>
           <a:lstStyle/>
@@ -7800,12 +7105,7 @@
             <p:ph type="sldNum" sz="quarter" idx="14"/>
           </p:nvPr>
         </p:nvSpPr>
-        <p:spPr>
-          <a:xfrm>
-            <a:off x="393700" y="4826000"/>
-            <a:ext cx="355600" cy="152400"/>
-          </a:xfrm>
-        </p:spPr>
+        <p:spPr/>
         <p:txBody>
           <a:bodyPr/>
           <a:lstStyle/>
@@ -7984,8 +7284,8 @@
         </p:nvSpPr>
         <p:spPr bwMode="auto">
           <a:xfrm>
-            <a:off x="393700" y="4826000"/>
-            <a:ext cx="355600" cy="152400"/>
+            <a:off x="396000" y="4820400"/>
+            <a:ext cx="360000" cy="151200"/>
           </a:xfrm>
           <a:prstGeom prst="rect">
             <a:avLst/>
@@ -8022,6 +7322,69 @@
               <a:t>‹#›</a:t>
             </a:fld>
             <a:endParaRPr lang="zh-CN" altLang="en-US"/>
+          </a:p>
+        </p:txBody>
+      </p:sp>
+      <p:sp>
+        <p:nvSpPr>
+          <p:cNvPr id="12" name="TIETOCOPYRIGHT"/>
+          <p:cNvSpPr txBox="1">
+            <a:spLocks noChangeArrowheads="1"/>
+          </p:cNvSpPr>
+          <p:nvPr userDrawn="1"/>
+        </p:nvSpPr>
+        <p:spPr bwMode="auto">
+          <a:xfrm>
+            <a:off x="766800" y="4801481"/>
+            <a:ext cx="1135247" cy="169277"/>
+          </a:xfrm>
+          <a:prstGeom prst="rect">
+            <a:avLst/>
+          </a:prstGeom>
+          <a:noFill/>
+          <a:ln w="9525">
+            <a:noFill/>
+            <a:miter lim="800000"/>
+            <a:headEnd/>
+            <a:tailEnd/>
+          </a:ln>
+        </p:spPr>
+        <p:txBody>
+          <a:bodyPr wrap="none" lIns="0" tIns="0" rIns="0" bIns="0" anchor="b">
+            <a:spAutoFit/>
+          </a:bodyPr>
+          <a:lstStyle/>
+          <a:p>
+            <a:pPr algn="l" defTabSz="457200"/>
+            <a:r>
+              <a:rPr lang="en-US" sz="1100" spc="-40" baseline="0" dirty="0">
+                <a:solidFill>
+                  <a:srgbClr val="62B3E5"/>
+                </a:solidFill>
+              </a:rPr>
+              <a:t>© </a:t>
+            </a:r>
+            <a:r>
+              <a:rPr lang="en-US" sz="1100" spc="-40" baseline="0" dirty="0" smtClean="0">
+                <a:solidFill>
+                  <a:srgbClr val="62B3E5"/>
+                </a:solidFill>
+              </a:rPr>
+              <a:t>Tieto </a:t>
+            </a:r>
+            <a:r>
+              <a:rPr lang="en-US" sz="1100" spc="-40" baseline="0" dirty="0">
+                <a:solidFill>
+                  <a:srgbClr val="62B3E5"/>
+                </a:solidFill>
+              </a:rPr>
+              <a:t>Corporation</a:t>
+            </a:r>
+            <a:endParaRPr lang="en-GB" sz="1100" spc="-40" baseline="0" dirty="0">
+              <a:solidFill>
+                <a:srgbClr val="62B3E5"/>
+              </a:solidFill>
+            </a:endParaRPr>
           </a:p>
         </p:txBody>
       </p:sp>
@@ -8117,47 +7480,6 @@
           </a:prstGeom>
         </p:spPr>
       </p:pic>
-      <p:sp>
-        <p:nvSpPr>
-          <p:cNvPr id="2" name="TIETOCOPYRIGHT"/>
-          <p:cNvSpPr txBox="1"/>
-          <p:nvPr userDrawn="1"/>
-        </p:nvSpPr>
-        <p:spPr>
-          <a:xfrm>
-            <a:off x="762000" y="4813300"/>
-            <a:ext cx="1397000" cy="165100"/>
-          </a:xfrm>
-          <a:prstGeom prst="rect">
-            <a:avLst/>
-          </a:prstGeom>
-          <a:noFill/>
-        </p:spPr>
-        <p:txBody>
-          <a:bodyPr vert="horz" wrap="none" lIns="0" tIns="0" rIns="0" bIns="0" rtlCol="0" anchor="t">
-            <a:spAutoFit/>
-          </a:bodyPr>
-          <a:lstStyle/>
-          <a:p>
-            <a:pPr algn="l"/>
-            <a:r>
-              <a:rPr lang="en-US" altLang="zh-CN" sz="1100" smtClean="0">
-                <a:solidFill>
-                  <a:srgbClr val="62B3E5"/>
-                </a:solidFill>
-                <a:latin typeface="Arial" panose="020B0604020202020204" pitchFamily="34" charset="0"/>
-              </a:rPr>
-              <a:t>© 2018 Tieto Corporation</a:t>
-            </a:r>
-            <a:endParaRPr lang="zh-CN" altLang="en-US" sz="1100">
-              <a:solidFill>
-                <a:srgbClr val="62B3E5"/>
-              </a:solidFill>
-              <a:latin typeface="Arial" panose="020B0604020202020204" pitchFamily="34" charset="0"/>
-            </a:endParaRPr>
-          </a:p>
-        </p:txBody>
-      </p:sp>
     </p:spTree>
     <p:extLst>
       <p:ext uri="{BB962C8B-B14F-4D97-AF65-F5344CB8AC3E}">
@@ -8717,8 +8039,8 @@
         </p:nvSpPr>
         <p:spPr bwMode="auto">
           <a:xfrm>
-            <a:off x="393700" y="4826000"/>
-            <a:ext cx="355600" cy="152400"/>
+            <a:off x="396000" y="4820401"/>
+            <a:ext cx="360000" cy="151200"/>
           </a:xfrm>
           <a:prstGeom prst="rect">
             <a:avLst/>
@@ -8756,6 +8078,69 @@
               <a:t>‹#›</a:t>
             </a:fld>
             <a:endParaRPr lang="en-GB" dirty="0"/>
+          </a:p>
+        </p:txBody>
+      </p:sp>
+      <p:sp>
+        <p:nvSpPr>
+          <p:cNvPr id="12" name="TIETOCOPYRIGHT"/>
+          <p:cNvSpPr txBox="1">
+            <a:spLocks noChangeArrowheads="1"/>
+          </p:cNvSpPr>
+          <p:nvPr userDrawn="1"/>
+        </p:nvSpPr>
+        <p:spPr bwMode="auto">
+          <a:xfrm>
+            <a:off x="766800" y="4801481"/>
+            <a:ext cx="1135247" cy="169277"/>
+          </a:xfrm>
+          <a:prstGeom prst="rect">
+            <a:avLst/>
+          </a:prstGeom>
+          <a:noFill/>
+          <a:ln w="9525">
+            <a:noFill/>
+            <a:miter lim="800000"/>
+            <a:headEnd/>
+            <a:tailEnd/>
+          </a:ln>
+        </p:spPr>
+        <p:txBody>
+          <a:bodyPr wrap="none" lIns="0" tIns="0" rIns="0" bIns="0" anchor="b">
+            <a:spAutoFit/>
+          </a:bodyPr>
+          <a:lstStyle/>
+          <a:p>
+            <a:pPr algn="l" defTabSz="457200"/>
+            <a:r>
+              <a:rPr lang="en-US" sz="1100" spc="-40" baseline="0" dirty="0">
+                <a:solidFill>
+                  <a:srgbClr val="62B3E5"/>
+                </a:solidFill>
+              </a:rPr>
+              <a:t>© </a:t>
+            </a:r>
+            <a:r>
+              <a:rPr lang="en-US" sz="1100" spc="-40" baseline="0" dirty="0" smtClean="0">
+                <a:solidFill>
+                  <a:srgbClr val="62B3E5"/>
+                </a:solidFill>
+              </a:rPr>
+              <a:t>Tieto </a:t>
+            </a:r>
+            <a:r>
+              <a:rPr lang="en-US" sz="1100" spc="-40" baseline="0" dirty="0">
+                <a:solidFill>
+                  <a:srgbClr val="62B3E5"/>
+                </a:solidFill>
+              </a:rPr>
+              <a:t>Corporation</a:t>
+            </a:r>
+            <a:endParaRPr lang="en-GB" sz="1100" spc="-40" baseline="0" dirty="0">
+              <a:solidFill>
+                <a:srgbClr val="62B3E5"/>
+              </a:solidFill>
+            </a:endParaRPr>
           </a:p>
         </p:txBody>
       </p:sp>
@@ -8851,47 +8236,6 @@
           </a:prstGeom>
         </p:spPr>
       </p:pic>
-      <p:sp>
-        <p:nvSpPr>
-          <p:cNvPr id="2" name="TIETOCOPYRIGHT"/>
-          <p:cNvSpPr txBox="1"/>
-          <p:nvPr userDrawn="1"/>
-        </p:nvSpPr>
-        <p:spPr>
-          <a:xfrm>
-            <a:off x="762000" y="4813300"/>
-            <a:ext cx="1397000" cy="165100"/>
-          </a:xfrm>
-          <a:prstGeom prst="rect">
-            <a:avLst/>
-          </a:prstGeom>
-          <a:noFill/>
-        </p:spPr>
-        <p:txBody>
-          <a:bodyPr vert="horz" wrap="none" lIns="0" tIns="0" rIns="0" bIns="0" rtlCol="0" anchor="t">
-            <a:spAutoFit/>
-          </a:bodyPr>
-          <a:lstStyle/>
-          <a:p>
-            <a:pPr algn="l"/>
-            <a:r>
-              <a:rPr lang="en-US" altLang="zh-CN" sz="1100" smtClean="0">
-                <a:solidFill>
-                  <a:srgbClr val="62B3E5"/>
-                </a:solidFill>
-                <a:latin typeface="Arial" panose="020B0604020202020204" pitchFamily="34" charset="0"/>
-              </a:rPr>
-              <a:t>© 2018 Tieto Corporation</a:t>
-            </a:r>
-            <a:endParaRPr lang="zh-CN" altLang="en-US" sz="1100">
-              <a:solidFill>
-                <a:srgbClr val="62B3E5"/>
-              </a:solidFill>
-              <a:latin typeface="Arial" panose="020B0604020202020204" pitchFamily="34" charset="0"/>
-            </a:endParaRPr>
-          </a:p>
-        </p:txBody>
-      </p:sp>
     </p:spTree>
     <p:extLst>
       <p:ext uri="{BB962C8B-B14F-4D97-AF65-F5344CB8AC3E}">
@@ -9451,8 +8795,8 @@
         </p:nvSpPr>
         <p:spPr bwMode="auto">
           <a:xfrm>
-            <a:off x="393700" y="4826000"/>
-            <a:ext cx="355600" cy="152400"/>
+            <a:off x="396000" y="4820401"/>
+            <a:ext cx="360000" cy="151200"/>
           </a:xfrm>
           <a:prstGeom prst="rect">
             <a:avLst/>
@@ -9490,6 +8834,69 @@
               <a:t>‹#›</a:t>
             </a:fld>
             <a:endParaRPr lang="en-GB" dirty="0"/>
+          </a:p>
+        </p:txBody>
+      </p:sp>
+      <p:sp>
+        <p:nvSpPr>
+          <p:cNvPr id="12" name="TIETOCOPYRIGHT"/>
+          <p:cNvSpPr txBox="1">
+            <a:spLocks noChangeArrowheads="1"/>
+          </p:cNvSpPr>
+          <p:nvPr userDrawn="1"/>
+        </p:nvSpPr>
+        <p:spPr bwMode="auto">
+          <a:xfrm>
+            <a:off x="766800" y="4801481"/>
+            <a:ext cx="1135247" cy="169277"/>
+          </a:xfrm>
+          <a:prstGeom prst="rect">
+            <a:avLst/>
+          </a:prstGeom>
+          <a:noFill/>
+          <a:ln w="9525">
+            <a:noFill/>
+            <a:miter lim="800000"/>
+            <a:headEnd/>
+            <a:tailEnd/>
+          </a:ln>
+        </p:spPr>
+        <p:txBody>
+          <a:bodyPr wrap="none" lIns="0" tIns="0" rIns="0" bIns="0" anchor="b">
+            <a:spAutoFit/>
+          </a:bodyPr>
+          <a:lstStyle/>
+          <a:p>
+            <a:pPr algn="l" defTabSz="457200"/>
+            <a:r>
+              <a:rPr lang="en-US" sz="1100" spc="-40" baseline="0" dirty="0">
+                <a:solidFill>
+                  <a:srgbClr val="62B3E5"/>
+                </a:solidFill>
+              </a:rPr>
+              <a:t>© </a:t>
+            </a:r>
+            <a:r>
+              <a:rPr lang="en-US" sz="1100" spc="-40" baseline="0" dirty="0" smtClean="0">
+                <a:solidFill>
+                  <a:srgbClr val="62B3E5"/>
+                </a:solidFill>
+              </a:rPr>
+              <a:t>Tieto </a:t>
+            </a:r>
+            <a:r>
+              <a:rPr lang="en-US" sz="1100" spc="-40" baseline="0" dirty="0">
+                <a:solidFill>
+                  <a:srgbClr val="62B3E5"/>
+                </a:solidFill>
+              </a:rPr>
+              <a:t>Corporation</a:t>
+            </a:r>
+            <a:endParaRPr lang="en-GB" sz="1100" spc="-40" baseline="0" dirty="0">
+              <a:solidFill>
+                <a:srgbClr val="62B3E5"/>
+              </a:solidFill>
+            </a:endParaRPr>
           </a:p>
         </p:txBody>
       </p:sp>
@@ -9585,47 +8992,6 @@
           </a:prstGeom>
         </p:spPr>
       </p:pic>
-      <p:sp>
-        <p:nvSpPr>
-          <p:cNvPr id="2" name="TIETOCOPYRIGHT"/>
-          <p:cNvSpPr txBox="1"/>
-          <p:nvPr userDrawn="1"/>
-        </p:nvSpPr>
-        <p:spPr>
-          <a:xfrm>
-            <a:off x="762000" y="4813300"/>
-            <a:ext cx="1397000" cy="165100"/>
-          </a:xfrm>
-          <a:prstGeom prst="rect">
-            <a:avLst/>
-          </a:prstGeom>
-          <a:noFill/>
-        </p:spPr>
-        <p:txBody>
-          <a:bodyPr vert="horz" wrap="none" lIns="0" tIns="0" rIns="0" bIns="0" rtlCol="0" anchor="t">
-            <a:spAutoFit/>
-          </a:bodyPr>
-          <a:lstStyle/>
-          <a:p>
-            <a:pPr algn="l"/>
-            <a:r>
-              <a:rPr lang="en-US" altLang="zh-CN" sz="1100" smtClean="0">
-                <a:solidFill>
-                  <a:srgbClr val="62B3E5"/>
-                </a:solidFill>
-                <a:latin typeface="Arial" panose="020B0604020202020204" pitchFamily="34" charset="0"/>
-              </a:rPr>
-              <a:t>© 2018 Tieto Corporation</a:t>
-            </a:r>
-            <a:endParaRPr lang="zh-CN" altLang="en-US" sz="1100">
-              <a:solidFill>
-                <a:srgbClr val="62B3E5"/>
-              </a:solidFill>
-              <a:latin typeface="Arial" panose="020B0604020202020204" pitchFamily="34" charset="0"/>
-            </a:endParaRPr>
-          </a:p>
-        </p:txBody>
-      </p:sp>
     </p:spTree>
     <p:extLst>
       <p:ext uri="{BB962C8B-B14F-4D97-AF65-F5344CB8AC3E}">
@@ -10185,8 +9551,8 @@
         </p:nvSpPr>
         <p:spPr bwMode="auto">
           <a:xfrm>
-            <a:off x="393700" y="4826000"/>
-            <a:ext cx="355600" cy="152400"/>
+            <a:off x="396000" y="4820401"/>
+            <a:ext cx="360000" cy="151200"/>
           </a:xfrm>
           <a:prstGeom prst="rect">
             <a:avLst/>
@@ -10224,6 +9590,69 @@
               <a:t>‹#›</a:t>
             </a:fld>
             <a:endParaRPr lang="en-GB" dirty="0"/>
+          </a:p>
+        </p:txBody>
+      </p:sp>
+      <p:sp>
+        <p:nvSpPr>
+          <p:cNvPr id="12" name="TIETOCOPYRIGHT"/>
+          <p:cNvSpPr txBox="1">
+            <a:spLocks noChangeArrowheads="1"/>
+          </p:cNvSpPr>
+          <p:nvPr userDrawn="1"/>
+        </p:nvSpPr>
+        <p:spPr bwMode="auto">
+          <a:xfrm>
+            <a:off x="766800" y="4801481"/>
+            <a:ext cx="1135247" cy="169277"/>
+          </a:xfrm>
+          <a:prstGeom prst="rect">
+            <a:avLst/>
+          </a:prstGeom>
+          <a:noFill/>
+          <a:ln w="9525">
+            <a:noFill/>
+            <a:miter lim="800000"/>
+            <a:headEnd/>
+            <a:tailEnd/>
+          </a:ln>
+        </p:spPr>
+        <p:txBody>
+          <a:bodyPr wrap="none" lIns="0" tIns="0" rIns="0" bIns="0" anchor="b">
+            <a:spAutoFit/>
+          </a:bodyPr>
+          <a:lstStyle/>
+          <a:p>
+            <a:pPr algn="l" defTabSz="457200"/>
+            <a:r>
+              <a:rPr lang="en-US" sz="1100" spc="-40" baseline="0" dirty="0">
+                <a:solidFill>
+                  <a:srgbClr val="62B3E5"/>
+                </a:solidFill>
+              </a:rPr>
+              <a:t>© </a:t>
+            </a:r>
+            <a:r>
+              <a:rPr lang="en-US" sz="1100" spc="-40" baseline="0" dirty="0" smtClean="0">
+                <a:solidFill>
+                  <a:srgbClr val="62B3E5"/>
+                </a:solidFill>
+              </a:rPr>
+              <a:t>Tieto </a:t>
+            </a:r>
+            <a:r>
+              <a:rPr lang="en-US" sz="1100" spc="-40" baseline="0" dirty="0">
+                <a:solidFill>
+                  <a:srgbClr val="62B3E5"/>
+                </a:solidFill>
+              </a:rPr>
+              <a:t>Corporation</a:t>
+            </a:r>
+            <a:endParaRPr lang="en-GB" sz="1100" spc="-40" baseline="0" dirty="0">
+              <a:solidFill>
+                <a:srgbClr val="62B3E5"/>
+              </a:solidFill>
+            </a:endParaRPr>
           </a:p>
         </p:txBody>
       </p:sp>
@@ -10319,47 +9748,6 @@
           </a:prstGeom>
         </p:spPr>
       </p:pic>
-      <p:sp>
-        <p:nvSpPr>
-          <p:cNvPr id="2" name="TIETOCOPYRIGHT"/>
-          <p:cNvSpPr txBox="1"/>
-          <p:nvPr userDrawn="1"/>
-        </p:nvSpPr>
-        <p:spPr>
-          <a:xfrm>
-            <a:off x="762000" y="4813300"/>
-            <a:ext cx="1397000" cy="165100"/>
-          </a:xfrm>
-          <a:prstGeom prst="rect">
-            <a:avLst/>
-          </a:prstGeom>
-          <a:noFill/>
-        </p:spPr>
-        <p:txBody>
-          <a:bodyPr vert="horz" wrap="none" lIns="0" tIns="0" rIns="0" bIns="0" rtlCol="0" anchor="t">
-            <a:spAutoFit/>
-          </a:bodyPr>
-          <a:lstStyle/>
-          <a:p>
-            <a:pPr algn="l"/>
-            <a:r>
-              <a:rPr lang="en-US" altLang="zh-CN" sz="1100" smtClean="0">
-                <a:solidFill>
-                  <a:srgbClr val="62B3E5"/>
-                </a:solidFill>
-                <a:latin typeface="Arial" panose="020B0604020202020204" pitchFamily="34" charset="0"/>
-              </a:rPr>
-              <a:t>© 2018 Tieto Corporation</a:t>
-            </a:r>
-            <a:endParaRPr lang="zh-CN" altLang="en-US" sz="1100">
-              <a:solidFill>
-                <a:srgbClr val="62B3E5"/>
-              </a:solidFill>
-              <a:latin typeface="Arial" panose="020B0604020202020204" pitchFamily="34" charset="0"/>
-            </a:endParaRPr>
-          </a:p>
-        </p:txBody>
-      </p:sp>
     </p:spTree>
     <p:extLst>
       <p:ext uri="{BB962C8B-B14F-4D97-AF65-F5344CB8AC3E}">
@@ -10801,6 +10189,10 @@
           </a:bodyPr>
           <a:lstStyle/>
           <a:p>
+            <a:r>
+              <a:rPr lang="en-US" altLang="zh-CN" dirty="0" smtClean="0"/>
+              <a:t>MySQL Index &amp; Orchestrator</a:t>
+            </a:r>
             <a:endParaRPr lang="zh-CN" altLang="en-US" dirty="0"/>
           </a:p>
         </p:txBody>
@@ -10820,82 +10212,15 @@
           <a:bodyPr/>
           <a:lstStyle/>
           <a:p>
+            <a:r>
+              <a:rPr lang="en-US" altLang="zh-CN" dirty="0" smtClean="0"/>
+              <a:t>Hong </a:t>
+            </a:r>
+            <a:r>
+              <a:rPr lang="en-US" altLang="zh-CN" dirty="0" err="1" smtClean="0"/>
+              <a:t>wei</a:t>
+            </a:r>
             <a:endParaRPr lang="zh-CN" altLang="en-US" dirty="0"/>
-          </a:p>
-        </p:txBody>
-      </p:sp>
-      <p:sp>
-        <p:nvSpPr>
-          <p:cNvPr id="11" name="CONTACTINFO"/>
-          <p:cNvSpPr txBox="1"/>
-          <p:nvPr/>
-        </p:nvSpPr>
-        <p:spPr>
-          <a:xfrm>
-            <a:off x="406400" y="4025900"/>
-            <a:ext cx="318998" cy="677108"/>
-          </a:xfrm>
-          <a:prstGeom prst="rect">
-            <a:avLst/>
-          </a:prstGeom>
-          <a:noFill/>
-        </p:spPr>
-        <p:txBody>
-          <a:bodyPr vert="horz" wrap="none" lIns="0" tIns="0" rIns="0" bIns="0" rtlCol="0" anchor="b">
-            <a:spAutoFit/>
-          </a:bodyPr>
-          <a:lstStyle/>
-          <a:p>
-            <a:r>
-              <a:rPr lang="en-US" altLang="zh-CN" sz="1400" b="1" dirty="0" smtClean="0">
-                <a:solidFill>
-                  <a:schemeClr val="bg1"/>
-                </a:solidFill>
-                <a:latin typeface="Arial" panose="020B0604020202020204" pitchFamily="34" charset="0"/>
-                <a:sym typeface="Arial" panose="020B0604020202020204" pitchFamily="34" charset="0"/>
-              </a:rPr>
-              <a:t> </a:t>
-            </a:r>
-          </a:p>
-          <a:p>
-            <a:endParaRPr lang="en-US" altLang="zh-CN" sz="1000" dirty="0" smtClean="0">
-              <a:solidFill>
-                <a:schemeClr val="bg1"/>
-              </a:solidFill>
-              <a:latin typeface="Arial" panose="020B0604020202020204" pitchFamily="34" charset="0"/>
-              <a:sym typeface="Arial" panose="020B0604020202020204" pitchFamily="34" charset="0"/>
-            </a:endParaRPr>
-          </a:p>
-          <a:p>
-            <a:r>
-              <a:rPr lang="en-US" altLang="zh-CN" sz="1000" dirty="0" err="1" smtClean="0">
-                <a:solidFill>
-                  <a:schemeClr val="bg1"/>
-                </a:solidFill>
-                <a:latin typeface="Arial" panose="020B0604020202020204" pitchFamily="34" charset="0"/>
-                <a:sym typeface="Arial" panose="020B0604020202020204" pitchFamily="34" charset="0"/>
-              </a:rPr>
-              <a:t>Tieto</a:t>
-            </a:r>
-            <a:r>
-              <a:rPr lang="en-US" altLang="zh-CN" sz="1000" dirty="0" smtClean="0">
-                <a:solidFill>
-                  <a:schemeClr val="bg1"/>
-                </a:solidFill>
-                <a:latin typeface="Arial" panose="020B0604020202020204" pitchFamily="34" charset="0"/>
-                <a:sym typeface="Arial" panose="020B0604020202020204" pitchFamily="34" charset="0"/>
-              </a:rPr>
-              <a:t>,</a:t>
-            </a:r>
-          </a:p>
-          <a:p>
-            <a:endParaRPr lang="zh-CN" altLang="en-US" sz="1000" dirty="0">
-              <a:solidFill>
-                <a:schemeClr val="bg1"/>
-              </a:solidFill>
-              <a:latin typeface="Arial" panose="020B0604020202020204" pitchFamily="34" charset="0"/>
-              <a:sym typeface="Arial" panose="020B0604020202020204" pitchFamily="34" charset="0"/>
-            </a:endParaRPr>
           </a:p>
         </p:txBody>
       </p:sp>
@@ -12116,6 +11441,13 @@
   <p:clrMapOvr>
     <a:masterClrMapping/>
   </p:clrMapOvr>
+  <p:timing>
+    <p:tnLst>
+      <p:par>
+        <p:cTn id="1" dur="indefinite" restart="never" nodeType="tmRoot"/>
+      </p:par>
+    </p:tnLst>
+  </p:timing>
 </p:sld>
 </file>
 
@@ -12228,6 +11560,13 @@
   <p:clrMapOvr>
     <a:masterClrMapping/>
   </p:clrMapOvr>
+  <p:timing>
+    <p:tnLst>
+      <p:par>
+        <p:cTn id="1" dur="indefinite" restart="never" nodeType="tmRoot"/>
+      </p:par>
+    </p:tnLst>
+  </p:timing>
 </p:sld>
 </file>
 
@@ -12435,6 +11774,13 @@
   <p:clrMapOvr>
     <a:masterClrMapping/>
   </p:clrMapOvr>
+  <p:timing>
+    <p:tnLst>
+      <p:par>
+        <p:cTn id="1" dur="indefinite" restart="never" nodeType="tmRoot"/>
+      </p:par>
+    </p:tnLst>
+  </p:timing>
 </p:sld>
 </file>
 
@@ -12656,7 +12002,7 @@
       </p:grpSpPr>
       <p:sp>
         <p:nvSpPr>
-          <p:cNvPr id="17" name="Title 16"/>
+          <p:cNvPr id="14" name="Title 13"/>
           <p:cNvSpPr>
             <a:spLocks noGrp="1"/>
           </p:cNvSpPr>
@@ -12923,6 +12269,13 @@
   <p:clrMapOvr>
     <a:masterClrMapping/>
   </p:clrMapOvr>
+  <p:timing>
+    <p:tnLst>
+      <p:par>
+        <p:cTn id="1" dur="indefinite" restart="never" nodeType="tmRoot"/>
+      </p:par>
+    </p:tnLst>
+  </p:timing>
 </p:sld>
 </file>
 
@@ -13077,6 +12430,13 @@
   <p:clrMapOvr>
     <a:masterClrMapping/>
   </p:clrMapOvr>
+  <p:timing>
+    <p:tnLst>
+      <p:par>
+        <p:cTn id="1" dur="indefinite" restart="never" nodeType="tmRoot"/>
+      </p:par>
+    </p:tnLst>
+  </p:timing>
 </p:sld>
 </file>
 
@@ -13668,7 +13028,7 @@
           <a:lstStyle/>
           <a:p>
             <a:r>
-              <a:rPr lang="en-US" altLang="zh-CN" smtClean="0"/>
+              <a:rPr lang="en-US" altLang="zh-CN" dirty="0" smtClean="0"/>
               <a:t>MySQL Index</a:t>
             </a:r>
             <a:endParaRPr lang="zh-CN" altLang="en-US" dirty="0"/>
@@ -13691,31 +13051,31 @@
           <a:lstStyle/>
           <a:p>
             <a:r>
-              <a:rPr lang="en-US" altLang="zh-CN" smtClean="0"/>
+              <a:rPr lang="en-US" altLang="zh-CN" dirty="0" smtClean="0"/>
               <a:t>B-Tree indexes</a:t>
             </a:r>
           </a:p>
           <a:p>
             <a:r>
-              <a:rPr lang="en-US" altLang="zh-CN" smtClean="0"/>
+              <a:rPr lang="en-US" altLang="zh-CN" dirty="0" smtClean="0"/>
               <a:t>Hash indexes</a:t>
             </a:r>
           </a:p>
           <a:p>
             <a:r>
-              <a:rPr lang="en-US" altLang="zh-CN" smtClean="0"/>
+              <a:rPr lang="en-US" altLang="zh-CN" dirty="0" smtClean="0"/>
               <a:t>Spatial (R-Tree) indexes</a:t>
             </a:r>
           </a:p>
           <a:p>
             <a:r>
-              <a:rPr lang="en-US" altLang="zh-CN" smtClean="0"/>
+              <a:rPr lang="en-US" altLang="zh-CN" dirty="0" smtClean="0"/>
               <a:t>Full-text indexes</a:t>
             </a:r>
           </a:p>
           <a:p>
             <a:r>
-              <a:rPr lang="en-US" altLang="zh-CN" smtClean="0"/>
+              <a:rPr lang="en-US" altLang="zh-CN" dirty="0" smtClean="0"/>
               <a:t>Other types of index</a:t>
             </a:r>
             <a:endParaRPr lang="zh-CN" altLang="en-US" dirty="0"/>
@@ -13929,7 +13289,7 @@
       </p:sp>
       <p:sp>
         <p:nvSpPr>
-          <p:cNvPr id="12" name="Content Placeholder 11"/>
+          <p:cNvPr id="7" name="Content Placeholder 6"/>
           <p:cNvSpPr>
             <a:spLocks noGrp="1"/>
           </p:cNvSpPr>
@@ -14322,7 +13682,7 @@
       </p:sp>
       <p:sp>
         <p:nvSpPr>
-          <p:cNvPr id="14" name="Content Placeholder 13"/>
+          <p:cNvPr id="9" name="Content Placeholder 8"/>
           <p:cNvSpPr>
             <a:spLocks noGrp="1"/>
           </p:cNvSpPr>
@@ -14930,7 +14290,7 @@
           <a:lstStyle/>
           <a:p>
             <a:r>
-              <a:rPr lang="en-US" altLang="zh-CN" smtClean="0"/>
+              <a:rPr lang="en-US" altLang="zh-CN" dirty="0" smtClean="0"/>
               <a:t>B-Tree index query types</a:t>
             </a:r>
             <a:endParaRPr lang="zh-CN" altLang="en-US" dirty="0"/>
@@ -14953,37 +14313,37 @@
           <a:lstStyle/>
           <a:p>
             <a:r>
-              <a:rPr lang="en-US" altLang="zh-CN" smtClean="0"/>
+              <a:rPr lang="en-US" altLang="zh-CN" dirty="0" smtClean="0"/>
               <a:t>Match the full value</a:t>
             </a:r>
           </a:p>
           <a:p>
             <a:r>
-              <a:rPr lang="en-US" altLang="zh-CN" smtClean="0"/>
+              <a:rPr lang="en-US" altLang="zh-CN" dirty="0" smtClean="0"/>
               <a:t>Match a leftmost prefix</a:t>
             </a:r>
           </a:p>
           <a:p>
             <a:r>
-              <a:rPr lang="en-US" altLang="zh-CN" smtClean="0"/>
+              <a:rPr lang="en-US" altLang="zh-CN" dirty="0" smtClean="0"/>
               <a:t>Match a column prefix</a:t>
             </a:r>
           </a:p>
           <a:p>
             <a:r>
-              <a:rPr lang="en-US" altLang="zh-CN" smtClean="0"/>
+              <a:rPr lang="en-US" altLang="zh-CN" dirty="0" smtClean="0"/>
               <a:t>Match a range of values</a:t>
             </a:r>
           </a:p>
           <a:p>
             <a:r>
-              <a:rPr lang="en-US" altLang="zh-CN" smtClean="0"/>
+              <a:rPr lang="en-US" altLang="zh-CN" dirty="0" smtClean="0"/>
               <a:t>Match one part exactly and match a range on another part</a:t>
             </a:r>
           </a:p>
           <a:p>
             <a:r>
-              <a:rPr lang="en-US" altLang="zh-CN" smtClean="0"/>
+              <a:rPr lang="en-US" altLang="zh-CN" dirty="0" smtClean="0"/>
               <a:t>Index-only queries</a:t>
             </a:r>
             <a:endParaRPr lang="zh-CN" altLang="en-US" dirty="0"/>
@@ -15043,7 +14403,7 @@
           <a:lstStyle/>
           <a:p>
             <a:r>
-              <a:rPr lang="en-US" altLang="zh-CN" smtClean="0"/>
+              <a:rPr lang="en-US" altLang="zh-CN" dirty="0" smtClean="0"/>
               <a:t>B-Tree index limitations</a:t>
             </a:r>
             <a:endParaRPr lang="zh-CN" altLang="en-US" dirty="0"/>
@@ -15066,30 +14426,66 @@
           <a:lstStyle/>
           <a:p>
             <a:r>
-              <a:rPr lang="en-US" altLang="zh-CN" smtClean="0"/>
+              <a:rPr lang="en-US" altLang="zh-CN" dirty="0" smtClean="0"/>
               <a:t>Not useful for the lookup does not start from the leftmost side of the indexed columns</a:t>
             </a:r>
           </a:p>
           <a:p>
             <a:r>
-              <a:rPr lang="en-US" altLang="zh-CN" smtClean="0"/>
+              <a:rPr lang="en-US" altLang="zh-CN" dirty="0" smtClean="0"/>
               <a:t>Can’t skip columns in the index</a:t>
             </a:r>
           </a:p>
           <a:p>
             <a:r>
-              <a:rPr lang="en-US" altLang="zh-CN" smtClean="0"/>
+              <a:rPr lang="en-US" altLang="zh-CN" dirty="0" smtClean="0"/>
               <a:t>storage engine can’t optimize accesses with any columns to the right of the first range condition </a:t>
             </a:r>
           </a:p>
           <a:p>
             <a:r>
-              <a:rPr lang="en-US" altLang="zh-CN" smtClean="0"/>
-              <a:t>eg. WHERE last_name=“Smith” AND first_name LIKE ‘J%’ AND dob=‘1976-12-23’ the index access will use only thefirst two columns in the index, because the LIKE is a range condition.</a:t>
-            </a:r>
-          </a:p>
-          <a:p>
-            <a:endParaRPr lang="en-US" altLang="zh-CN" smtClean="0"/>
+              <a:rPr lang="en-US" altLang="zh-CN" dirty="0" err="1" smtClean="0"/>
+              <a:t>eg</a:t>
+            </a:r>
+            <a:r>
+              <a:rPr lang="en-US" altLang="zh-CN" dirty="0" smtClean="0"/>
+              <a:t>. WHERE </a:t>
+            </a:r>
+            <a:r>
+              <a:rPr lang="en-US" altLang="zh-CN" dirty="0" err="1" smtClean="0"/>
+              <a:t>last_name</a:t>
+            </a:r>
+            <a:r>
+              <a:rPr lang="en-US" altLang="zh-CN" dirty="0" smtClean="0"/>
+              <a:t>=“Smith” AND </a:t>
+            </a:r>
+            <a:r>
+              <a:rPr lang="en-US" altLang="zh-CN" dirty="0" err="1" smtClean="0"/>
+              <a:t>first_name</a:t>
+            </a:r>
+            <a:r>
+              <a:rPr lang="en-US" altLang="zh-CN" dirty="0" smtClean="0"/>
+              <a:t> LIKE ‘J%’ AND </a:t>
+            </a:r>
+            <a:r>
+              <a:rPr lang="en-US" altLang="zh-CN" dirty="0" err="1" smtClean="0"/>
+              <a:t>dob</a:t>
+            </a:r>
+            <a:r>
+              <a:rPr lang="en-US" altLang="zh-CN" dirty="0" smtClean="0"/>
+              <a:t>=‘1976-12-23’ the index access will use only </a:t>
+            </a:r>
+            <a:r>
+              <a:rPr lang="en-US" altLang="zh-CN" dirty="0" err="1" smtClean="0"/>
+              <a:t>thefirst</a:t>
+            </a:r>
+            <a:r>
+              <a:rPr lang="en-US" altLang="zh-CN" dirty="0" smtClean="0"/>
+              <a:t> two columns in the index, because the LIKE is a range condition.</a:t>
+            </a:r>
+          </a:p>
+          <a:p>
+            <a:endParaRPr lang="en-US" altLang="zh-CN" dirty="0" smtClean="0"/>
           </a:p>
           <a:p>
             <a:endParaRPr lang="zh-CN" altLang="en-US" dirty="0"/>
@@ -17354,42 +16750,42 @@
 <file path=ppt/theme/theme5.xml><?xml version="1.0" encoding="utf-8"?>
 <a:theme xmlns:a="http://schemas.openxmlformats.org/drawingml/2006/main" name="Office Theme">
   <a:themeElements>
-    <a:clrScheme name="">
+    <a:clrScheme name="Office">
       <a:dk1>
-        <a:srgbClr val="7F7F7F"/>
+        <a:sysClr val="windowText" lastClr="000000"/>
       </a:dk1>
       <a:lt1>
-        <a:srgbClr val="FFFFFF"/>
+        <a:sysClr val="window" lastClr="FFFFFF"/>
       </a:lt1>
       <a:dk2>
-        <a:srgbClr val="000000"/>
+        <a:srgbClr val="44546A"/>
       </a:dk2>
       <a:lt2>
-        <a:srgbClr val="FFFFFF"/>
+        <a:srgbClr val="E7E6E6"/>
       </a:lt2>
       <a:accent1>
-        <a:srgbClr val="62B3E5"/>
+        <a:srgbClr val="5B9BD5"/>
       </a:accent1>
       <a:accent2>
-        <a:srgbClr val="E56385"/>
+        <a:srgbClr val="ED7D31"/>
       </a:accent2>
       <a:accent3>
-        <a:srgbClr val="FFFFFF"/>
+        <a:srgbClr val="A5A5A5"/>
       </a:accent3>
       <a:accent4>
-        <a:srgbClr val="6C6C6C"/>
+        <a:srgbClr val="FFC000"/>
       </a:accent4>
       <a:accent5>
-        <a:srgbClr val="B7D6F0"/>
+        <a:srgbClr val="4472C4"/>
       </a:accent5>
       <a:accent6>
-        <a:srgbClr val="CF5978"/>
+        <a:srgbClr val="70AD47"/>
       </a:accent6>
       <a:hlink>
-        <a:srgbClr val="62B3E5"/>
+        <a:srgbClr val="0563C1"/>
       </a:hlink>
       <a:folHlink>
-        <a:srgbClr val="62B3E5"/>
+        <a:srgbClr val="954F72"/>
       </a:folHlink>
     </a:clrScheme>
     <a:fontScheme name="Office">
@@ -17615,42 +17011,42 @@
 <file path=ppt/theme/theme6.xml><?xml version="1.0" encoding="utf-8"?>
 <a:theme xmlns:a="http://schemas.openxmlformats.org/drawingml/2006/main" name="Office Theme">
   <a:themeElements>
-    <a:clrScheme name="">
+    <a:clrScheme name="Office">
       <a:dk1>
-        <a:srgbClr val="7F7F7F"/>
+        <a:sysClr val="windowText" lastClr="000000"/>
       </a:dk1>
       <a:lt1>
-        <a:srgbClr val="FFFFFF"/>
+        <a:sysClr val="window" lastClr="FFFFFF"/>
       </a:lt1>
       <a:dk2>
-        <a:srgbClr val="000000"/>
+        <a:srgbClr val="44546A"/>
       </a:dk2>
       <a:lt2>
-        <a:srgbClr val="FFFFFF"/>
+        <a:srgbClr val="E7E6E6"/>
       </a:lt2>
       <a:accent1>
-        <a:srgbClr val="62B3E5"/>
+        <a:srgbClr val="5B9BD5"/>
       </a:accent1>
       <a:accent2>
-        <a:srgbClr val="E56385"/>
+        <a:srgbClr val="ED7D31"/>
       </a:accent2>
       <a:accent3>
-        <a:srgbClr val="FFFFFF"/>
+        <a:srgbClr val="A5A5A5"/>
       </a:accent3>
       <a:accent4>
-        <a:srgbClr val="6C6C6C"/>
+        <a:srgbClr val="FFC000"/>
       </a:accent4>
       <a:accent5>
-        <a:srgbClr val="B7D6F0"/>
+        <a:srgbClr val="4472C4"/>
       </a:accent5>
       <a:accent6>
-        <a:srgbClr val="CF5978"/>
+        <a:srgbClr val="70AD47"/>
       </a:accent6>
       <a:hlink>
-        <a:srgbClr val="62B3E5"/>
+        <a:srgbClr val="0563C1"/>
       </a:hlink>
       <a:folHlink>
-        <a:srgbClr val="62B3E5"/>
+        <a:srgbClr val="954F72"/>
       </a:folHlink>
     </a:clrScheme>
     <a:fontScheme name="Office">

--- a/vitess/MySQL Index & Orchestrator.pptx
+++ b/vitess/MySQL Index & Orchestrator.pptx
@@ -149,8 +149,15 @@
     <p:ext uri="{EFAFB233-063F-42B5-8137-9DF3F51BA10A}">
       <p15:sldGuideLst xmlns:p15="http://schemas.microsoft.com/office/powerpoint/2012/main"/>
     </p:ext>
+    <p:ext uri="{2D200454-40CA-4A62-9FC3-DE9A4176ACB9}">
+      <p15:notesGuideLst xmlns:p15="http://schemas.microsoft.com/office/powerpoint/2012/main"/>
+    </p:ext>
   </p:extLst>
 </p:presentation>
+</file>
+
+<file path=ppt/revisionInfo.xml><?xml version="1.0" encoding="utf-8"?>
+<p1510:revInfo xmlns:a="http://schemas.openxmlformats.org/drawingml/2006/main" xmlns:r="http://schemas.openxmlformats.org/officeDocument/2006/relationships" xmlns:p1510="http://schemas.microsoft.com/office/powerpoint/2015/10/main"/>
 </file>
 
 <file path=ppt/handoutMasters/handoutMaster1.xml><?xml version="1.0" encoding="utf-8"?>
@@ -235,7 +242,7 @@
           <a:p>
             <a:fld id="{4BD4AD5A-3C79-4C81-81A6-615F3C28CB68}" type="datetimeFigureOut">
               <a:rPr lang="zh-CN" altLang="en-US" smtClean="0"/>
-              <a:t>2018/8/14</a:t>
+              <a:t>2018-08-14</a:t>
             </a:fld>
             <a:endParaRPr lang="zh-CN" altLang="en-US"/>
           </a:p>
@@ -401,7 +408,7 @@
           <a:p>
             <a:fld id="{ECB65501-F968-4A9F-99EE-A10D6BC145F0}" type="datetimeFigureOut">
               <a:rPr lang="zh-CN" altLang="en-US" smtClean="0"/>
-              <a:t>2018/8/14</a:t>
+              <a:t>2018-08-14</a:t>
             </a:fld>
             <a:endParaRPr lang="zh-CN" altLang="en-US"/>
           </a:p>
@@ -465,35 +472,35 @@
           <a:p>
             <a:pPr lvl="0"/>
             <a:r>
-              <a:rPr lang="en-US" altLang="zh-CN" smtClean="0"/>
+              <a:rPr lang="en-US" altLang="zh-CN"/>
               <a:t>Click to edit Master text styles</a:t>
             </a:r>
           </a:p>
           <a:p>
             <a:pPr lvl="1"/>
             <a:r>
-              <a:rPr lang="en-US" altLang="zh-CN" smtClean="0"/>
+              <a:rPr lang="en-US" altLang="zh-CN"/>
               <a:t>Second level</a:t>
             </a:r>
           </a:p>
           <a:p>
             <a:pPr lvl="2"/>
             <a:r>
-              <a:rPr lang="en-US" altLang="zh-CN" smtClean="0"/>
+              <a:rPr lang="en-US" altLang="zh-CN"/>
               <a:t>Third level</a:t>
             </a:r>
           </a:p>
           <a:p>
             <a:pPr lvl="3"/>
             <a:r>
-              <a:rPr lang="en-US" altLang="zh-CN" smtClean="0"/>
+              <a:rPr lang="en-US" altLang="zh-CN"/>
               <a:t>Fourth level</a:t>
             </a:r>
           </a:p>
           <a:p>
             <a:pPr lvl="4"/>
             <a:r>
-              <a:rPr lang="en-US" altLang="zh-CN" smtClean="0"/>
+              <a:rPr lang="en-US" altLang="zh-CN"/>
               <a:t>Fifth level</a:t>
             </a:r>
             <a:endParaRPr lang="zh-CN" altLang="en-US"/>
@@ -771,10 +778,9 @@
           <a:p>
             <a:pPr marL="0" lvl="0" indent="0" defTabSz="457200"/>
             <a:r>
-              <a:rPr lang="en-GB" noProof="0" dirty="0" smtClean="0"/>
+              <a:rPr lang="en-GB" noProof="0" dirty="0"/>
               <a:t>Click to add front page headline</a:t>
             </a:r>
-            <a:endParaRPr lang="en-GB" noProof="0" dirty="0"/>
           </a:p>
         </p:txBody>
       </p:sp>
@@ -816,10 +822,9 @@
           <a:p>
             <a:pPr marL="0" lvl="0" indent="0" defTabSz="457200"/>
             <a:r>
-              <a:rPr lang="en-GB" noProof="0" dirty="0" smtClean="0"/>
+              <a:rPr lang="en-GB" noProof="0" dirty="0"/>
               <a:t>Click to add subtitle</a:t>
             </a:r>
-            <a:endParaRPr lang="en-GB" noProof="0" dirty="0"/>
           </a:p>
         </p:txBody>
       </p:sp>
@@ -984,17 +989,17 @@
           <a:p>
             <a:pPr lvl="0"/>
             <a:r>
-              <a:rPr lang="en-GB" dirty="0" smtClean="0"/>
+              <a:rPr lang="en-GB" dirty="0"/>
               <a:t>Click to add quote or</a:t>
             </a:r>
             <a:br>
-              <a:rPr lang="en-GB" dirty="0" smtClean="0"/>
+              <a:rPr lang="en-GB" dirty="0"/>
             </a:br>
             <a:r>
-              <a:rPr lang="en-GB" dirty="0" smtClean="0"/>
+              <a:rPr lang="en-GB" dirty="0"/>
               <a:t>big text</a:t>
             </a:r>
-            <a:endParaRPr lang="en-US" dirty="0" smtClean="0"/>
+            <a:endParaRPr lang="en-US" dirty="0"/>
           </a:p>
         </p:txBody>
       </p:sp>
@@ -1174,10 +1179,9 @@
           <a:p>
             <a:pPr marL="0" lvl="0" indent="0" defTabSz="457200"/>
             <a:r>
-              <a:rPr lang="en-GB" noProof="0" dirty="0" smtClean="0"/>
+              <a:rPr lang="en-GB" noProof="0" dirty="0"/>
               <a:t>Click to add front page headline</a:t>
             </a:r>
-            <a:endParaRPr lang="en-GB" noProof="0" dirty="0"/>
           </a:p>
         </p:txBody>
       </p:sp>
@@ -1219,10 +1223,9 @@
           <a:p>
             <a:pPr marL="0" lvl="0" indent="0" defTabSz="457200"/>
             <a:r>
-              <a:rPr lang="en-GB" noProof="0" dirty="0" smtClean="0"/>
+              <a:rPr lang="en-GB" noProof="0" dirty="0"/>
               <a:t>Click to add subtitle</a:t>
             </a:r>
-            <a:endParaRPr lang="en-GB" noProof="0" dirty="0"/>
           </a:p>
         </p:txBody>
       </p:sp>
@@ -1341,10 +1344,9 @@
           <a:p>
             <a:pPr marL="0" lvl="0" indent="0" defTabSz="457200"/>
             <a:r>
-              <a:rPr lang="en-GB" noProof="0" dirty="0" smtClean="0"/>
+              <a:rPr lang="en-GB" noProof="0" dirty="0"/>
               <a:t>Click to add headline</a:t>
             </a:r>
-            <a:endParaRPr lang="en-GB" noProof="0" dirty="0"/>
           </a:p>
         </p:txBody>
       </p:sp>
@@ -1386,10 +1388,9 @@
           <a:p>
             <a:pPr marL="0" lvl="0" indent="0" defTabSz="457200"/>
             <a:r>
-              <a:rPr lang="en-GB" noProof="0" dirty="0" smtClean="0"/>
+              <a:rPr lang="en-GB" noProof="0" dirty="0"/>
               <a:t>Click to add subtitle</a:t>
             </a:r>
-            <a:endParaRPr lang="en-GB" noProof="0" dirty="0"/>
           </a:p>
         </p:txBody>
       </p:sp>
@@ -1500,7 +1501,7 @@
           <a:p>
             <a:pPr marL="0" lvl="0" indent="0" defTabSz="457200"/>
             <a:r>
-              <a:rPr lang="en-GB" noProof="0" dirty="0" smtClean="0"/>
+              <a:rPr lang="en-GB" noProof="0" dirty="0"/>
               <a:t>Click to add title</a:t>
             </a:r>
           </a:p>
@@ -1546,10 +1547,9 @@
           <a:p>
             <a:pPr marL="0" lvl="0" indent="0" defTabSz="457200"/>
             <a:r>
-              <a:rPr lang="en-GB" noProof="0" dirty="0" smtClean="0"/>
+              <a:rPr lang="en-GB" noProof="0" dirty="0"/>
               <a:t>Click to add subtitle</a:t>
             </a:r>
-            <a:endParaRPr lang="en-GB" noProof="0" dirty="0"/>
           </a:p>
         </p:txBody>
       </p:sp>
@@ -1650,10 +1650,9 @@
               </a:lnSpc>
             </a:pPr>
             <a:r>
-              <a:rPr lang="en-GB" noProof="0" dirty="0" smtClean="0"/>
+              <a:rPr lang="en-GB" noProof="0" dirty="0"/>
               <a:t>Click to add title</a:t>
             </a:r>
-            <a:endParaRPr lang="en-GB" noProof="0" dirty="0"/>
           </a:p>
         </p:txBody>
       </p:sp>
@@ -1698,10 +1697,9 @@
           <a:p>
             <a:pPr lvl="0"/>
             <a:r>
-              <a:rPr lang="en-GB" noProof="0" dirty="0" smtClean="0"/>
+              <a:rPr lang="en-GB" noProof="0" dirty="0"/>
               <a:t>Click to add text</a:t>
             </a:r>
-            <a:endParaRPr lang="en-GB" noProof="0" dirty="0"/>
           </a:p>
         </p:txBody>
       </p:sp>
@@ -1802,10 +1800,9 @@
               </a:lnSpc>
             </a:pPr>
             <a:r>
-              <a:rPr lang="en-GB" noProof="0" dirty="0" smtClean="0"/>
+              <a:rPr lang="en-GB" noProof="0" dirty="0"/>
               <a:t>Click to add title</a:t>
             </a:r>
-            <a:endParaRPr lang="en-GB" noProof="0" dirty="0"/>
           </a:p>
         </p:txBody>
       </p:sp>
@@ -1850,10 +1847,9 @@
           <a:p>
             <a:pPr lvl="0"/>
             <a:r>
-              <a:rPr lang="en-GB" noProof="0" dirty="0" smtClean="0"/>
+              <a:rPr lang="en-GB" noProof="0" dirty="0"/>
               <a:t>Click to add text</a:t>
             </a:r>
-            <a:endParaRPr lang="en-GB" noProof="0" dirty="0"/>
           </a:p>
         </p:txBody>
       </p:sp>
@@ -1908,10 +1904,9 @@
           </a:lstStyle>
           <a:p>
             <a:r>
-              <a:rPr lang="en-GB" noProof="0" dirty="0" smtClean="0"/>
+              <a:rPr lang="en-GB" noProof="0" dirty="0"/>
               <a:t>Click to add title</a:t>
             </a:r>
-            <a:endParaRPr lang="en-GB" noProof="0" dirty="0"/>
           </a:p>
         </p:txBody>
       </p:sp>
@@ -1937,35 +1932,35 @@
           <a:p>
             <a:pPr lvl="0"/>
             <a:r>
-              <a:rPr lang="en-US" altLang="zh-CN" noProof="0" smtClean="0"/>
+              <a:rPr lang="en-US" altLang="zh-CN" noProof="0"/>
               <a:t>Click to edit Master text styles</a:t>
             </a:r>
           </a:p>
           <a:p>
             <a:pPr lvl="1"/>
             <a:r>
-              <a:rPr lang="en-US" altLang="zh-CN" noProof="0" smtClean="0"/>
+              <a:rPr lang="en-US" altLang="zh-CN" noProof="0"/>
               <a:t>Second level</a:t>
             </a:r>
           </a:p>
           <a:p>
             <a:pPr lvl="2"/>
             <a:r>
-              <a:rPr lang="en-US" altLang="zh-CN" noProof="0" smtClean="0"/>
+              <a:rPr lang="en-US" altLang="zh-CN" noProof="0"/>
               <a:t>Third level</a:t>
             </a:r>
           </a:p>
           <a:p>
             <a:pPr lvl="3"/>
             <a:r>
-              <a:rPr lang="en-US" altLang="zh-CN" noProof="0" smtClean="0"/>
+              <a:rPr lang="en-US" altLang="zh-CN" noProof="0"/>
               <a:t>Fourth level</a:t>
             </a:r>
           </a:p>
           <a:p>
             <a:pPr lvl="4"/>
             <a:r>
-              <a:rPr lang="en-US" altLang="zh-CN" noProof="0" smtClean="0"/>
+              <a:rPr lang="en-US" altLang="zh-CN" noProof="0"/>
               <a:t>Fifth level</a:t>
             </a:r>
             <a:endParaRPr lang="en-GB" noProof="0" dirty="0"/>
@@ -2043,10 +2038,9 @@
           <a:lstStyle/>
           <a:p>
             <a:r>
-              <a:rPr lang="en-GB" noProof="0" dirty="0" smtClean="0"/>
+              <a:rPr lang="en-GB" noProof="0" dirty="0"/>
               <a:t>Click to add title</a:t>
             </a:r>
-            <a:endParaRPr lang="en-GB" noProof="0" dirty="0"/>
           </a:p>
         </p:txBody>
       </p:sp>
@@ -2100,35 +2094,35 @@
           <a:p>
             <a:pPr lvl="0"/>
             <a:r>
-              <a:rPr lang="en-US" altLang="zh-CN" noProof="0" smtClean="0"/>
+              <a:rPr lang="en-US" altLang="zh-CN" noProof="0"/>
               <a:t>Click to edit Master text styles</a:t>
             </a:r>
           </a:p>
           <a:p>
             <a:pPr lvl="1"/>
             <a:r>
-              <a:rPr lang="en-US" altLang="zh-CN" noProof="0" smtClean="0"/>
+              <a:rPr lang="en-US" altLang="zh-CN" noProof="0"/>
               <a:t>Second level</a:t>
             </a:r>
           </a:p>
           <a:p>
             <a:pPr lvl="2"/>
             <a:r>
-              <a:rPr lang="en-US" altLang="zh-CN" noProof="0" smtClean="0"/>
+              <a:rPr lang="en-US" altLang="zh-CN" noProof="0"/>
               <a:t>Third level</a:t>
             </a:r>
           </a:p>
           <a:p>
             <a:pPr lvl="3"/>
             <a:r>
-              <a:rPr lang="en-US" altLang="zh-CN" noProof="0" smtClean="0"/>
+              <a:rPr lang="en-US" altLang="zh-CN" noProof="0"/>
               <a:t>Fourth level</a:t>
             </a:r>
           </a:p>
           <a:p>
             <a:pPr lvl="4"/>
             <a:r>
-              <a:rPr lang="en-US" altLang="zh-CN" noProof="0" smtClean="0"/>
+              <a:rPr lang="en-US" altLang="zh-CN" noProof="0"/>
               <a:t>Fifth level</a:t>
             </a:r>
             <a:endParaRPr lang="en-GB" noProof="0" dirty="0"/>
@@ -2185,35 +2179,35 @@
           <a:p>
             <a:pPr lvl="0"/>
             <a:r>
-              <a:rPr lang="en-US" altLang="zh-CN" noProof="0" smtClean="0"/>
+              <a:rPr lang="en-US" altLang="zh-CN" noProof="0"/>
               <a:t>Click to edit Master text styles</a:t>
             </a:r>
           </a:p>
           <a:p>
             <a:pPr lvl="1"/>
             <a:r>
-              <a:rPr lang="en-US" altLang="zh-CN" noProof="0" smtClean="0"/>
+              <a:rPr lang="en-US" altLang="zh-CN" noProof="0"/>
               <a:t>Second level</a:t>
             </a:r>
           </a:p>
           <a:p>
             <a:pPr lvl="2"/>
             <a:r>
-              <a:rPr lang="en-US" altLang="zh-CN" noProof="0" smtClean="0"/>
+              <a:rPr lang="en-US" altLang="zh-CN" noProof="0"/>
               <a:t>Third level</a:t>
             </a:r>
           </a:p>
           <a:p>
             <a:pPr lvl="3"/>
             <a:r>
-              <a:rPr lang="en-US" altLang="zh-CN" noProof="0" smtClean="0"/>
+              <a:rPr lang="en-US" altLang="zh-CN" noProof="0"/>
               <a:t>Fourth level</a:t>
             </a:r>
           </a:p>
           <a:p>
             <a:pPr lvl="4"/>
             <a:r>
-              <a:rPr lang="en-US" altLang="zh-CN" noProof="0" smtClean="0"/>
+              <a:rPr lang="en-US" altLang="zh-CN" noProof="0"/>
               <a:t>Fifth level</a:t>
             </a:r>
             <a:endParaRPr lang="en-GB" noProof="0" dirty="0"/>
@@ -2359,10 +2353,9 @@
           <a:p>
             <a:pPr marL="0" lvl="0" indent="0" defTabSz="457200"/>
             <a:r>
-              <a:rPr lang="en-GB" noProof="0" dirty="0" smtClean="0"/>
+              <a:rPr lang="en-GB" noProof="0" dirty="0"/>
               <a:t>Click to add headline</a:t>
             </a:r>
-            <a:endParaRPr lang="en-GB" noProof="0" dirty="0"/>
           </a:p>
         </p:txBody>
       </p:sp>
@@ -2404,10 +2397,9 @@
           <a:p>
             <a:pPr marL="0" lvl="0" indent="0" defTabSz="457200"/>
             <a:r>
-              <a:rPr lang="en-GB" noProof="0" dirty="0" smtClean="0"/>
+              <a:rPr lang="en-GB" noProof="0" dirty="0"/>
               <a:t>Click to add subtitle</a:t>
             </a:r>
-            <a:endParaRPr lang="en-GB" noProof="0" dirty="0"/>
           </a:p>
         </p:txBody>
       </p:sp>
@@ -2458,10 +2450,9 @@
           <a:lstStyle/>
           <a:p>
             <a:r>
-              <a:rPr lang="en-GB" noProof="0" dirty="0" smtClean="0"/>
+              <a:rPr lang="en-GB" noProof="0" dirty="0"/>
               <a:t>Click to add title</a:t>
             </a:r>
-            <a:endParaRPr lang="en-GB" noProof="0" dirty="0"/>
           </a:p>
         </p:txBody>
       </p:sp>
@@ -2546,38 +2537,37 @@
           <a:p>
             <a:pPr lvl="0"/>
             <a:r>
-              <a:rPr lang="en-GB" noProof="0" dirty="0" smtClean="0"/>
+              <a:rPr lang="en-GB" noProof="0" dirty="0"/>
               <a:t>Click to add text</a:t>
             </a:r>
           </a:p>
           <a:p>
             <a:pPr lvl="1"/>
             <a:r>
-              <a:rPr lang="en-GB" noProof="0" dirty="0" smtClean="0"/>
+              <a:rPr lang="en-GB" noProof="0" dirty="0"/>
               <a:t>Second level</a:t>
             </a:r>
           </a:p>
           <a:p>
             <a:pPr lvl="2"/>
             <a:r>
-              <a:rPr lang="en-GB" noProof="0" dirty="0" smtClean="0"/>
+              <a:rPr lang="en-GB" noProof="0" dirty="0"/>
               <a:t>Third level</a:t>
             </a:r>
           </a:p>
           <a:p>
             <a:pPr lvl="3"/>
             <a:r>
-              <a:rPr lang="en-GB" noProof="0" dirty="0" smtClean="0"/>
+              <a:rPr lang="en-GB" noProof="0" dirty="0"/>
               <a:t>Fourth level</a:t>
             </a:r>
           </a:p>
           <a:p>
             <a:pPr lvl="4"/>
             <a:r>
-              <a:rPr lang="en-GB" noProof="0" dirty="0" smtClean="0"/>
+              <a:rPr lang="en-GB" noProof="0" dirty="0"/>
               <a:t>Fifth level</a:t>
             </a:r>
-            <a:endParaRPr lang="en-GB" noProof="0" dirty="0"/>
           </a:p>
         </p:txBody>
       </p:sp>
@@ -2768,17 +2758,17 @@
           <a:p>
             <a:pPr lvl="0"/>
             <a:r>
-              <a:rPr lang="en-GB" dirty="0" smtClean="0"/>
+              <a:rPr lang="en-GB" dirty="0"/>
               <a:t>Click to add quote or</a:t>
             </a:r>
             <a:br>
-              <a:rPr lang="en-GB" dirty="0" smtClean="0"/>
+              <a:rPr lang="en-GB" dirty="0"/>
             </a:br>
             <a:r>
-              <a:rPr lang="en-GB" dirty="0" smtClean="0"/>
+              <a:rPr lang="en-GB" dirty="0"/>
               <a:t>big text</a:t>
             </a:r>
-            <a:endParaRPr lang="en-US" dirty="0" smtClean="0"/>
+            <a:endParaRPr lang="en-US" dirty="0"/>
           </a:p>
         </p:txBody>
       </p:sp>
@@ -2958,10 +2948,9 @@
           <a:p>
             <a:pPr marL="0" lvl="0" indent="0" defTabSz="457200"/>
             <a:r>
-              <a:rPr lang="en-GB" noProof="0" dirty="0" smtClean="0"/>
+              <a:rPr lang="en-GB" noProof="0" dirty="0"/>
               <a:t>Click to add front page headline</a:t>
             </a:r>
-            <a:endParaRPr lang="en-GB" noProof="0" dirty="0"/>
           </a:p>
         </p:txBody>
       </p:sp>
@@ -3003,10 +2992,9 @@
           <a:p>
             <a:pPr marL="0" lvl="0" indent="0" defTabSz="457200"/>
             <a:r>
-              <a:rPr lang="en-GB" noProof="0" dirty="0" smtClean="0"/>
+              <a:rPr lang="en-GB" noProof="0" dirty="0"/>
               <a:t>Click to add subtitle</a:t>
             </a:r>
-            <a:endParaRPr lang="en-GB" noProof="0" dirty="0"/>
           </a:p>
         </p:txBody>
       </p:sp>
@@ -3125,10 +3113,9 @@
           <a:p>
             <a:pPr marL="0" lvl="0" indent="0" defTabSz="457200"/>
             <a:r>
-              <a:rPr lang="en-GB" noProof="0" dirty="0" smtClean="0"/>
+              <a:rPr lang="en-GB" noProof="0" dirty="0"/>
               <a:t>Click to add headline</a:t>
             </a:r>
-            <a:endParaRPr lang="en-GB" noProof="0" dirty="0"/>
           </a:p>
         </p:txBody>
       </p:sp>
@@ -3170,10 +3157,9 @@
           <a:p>
             <a:pPr marL="0" lvl="0" indent="0" defTabSz="457200"/>
             <a:r>
-              <a:rPr lang="en-GB" noProof="0" dirty="0" smtClean="0"/>
+              <a:rPr lang="en-GB" noProof="0" dirty="0"/>
               <a:t>Click to add subtitle</a:t>
             </a:r>
-            <a:endParaRPr lang="en-GB" noProof="0" dirty="0"/>
           </a:p>
         </p:txBody>
       </p:sp>
@@ -3284,7 +3270,7 @@
           <a:p>
             <a:pPr marL="0" lvl="0" indent="0" defTabSz="457200"/>
             <a:r>
-              <a:rPr lang="en-GB" noProof="0" dirty="0" smtClean="0"/>
+              <a:rPr lang="en-GB" noProof="0" dirty="0"/>
               <a:t>Click to add title</a:t>
             </a:r>
           </a:p>
@@ -3330,10 +3316,9 @@
           <a:p>
             <a:pPr marL="0" lvl="0" indent="0" defTabSz="457200"/>
             <a:r>
-              <a:rPr lang="en-GB" noProof="0" dirty="0" smtClean="0"/>
+              <a:rPr lang="en-GB" noProof="0" dirty="0"/>
               <a:t>Click to add subtitle</a:t>
             </a:r>
-            <a:endParaRPr lang="en-GB" noProof="0" dirty="0"/>
           </a:p>
         </p:txBody>
       </p:sp>
@@ -3434,10 +3419,9 @@
               </a:lnSpc>
             </a:pPr>
             <a:r>
-              <a:rPr lang="en-GB" noProof="0" dirty="0" smtClean="0"/>
+              <a:rPr lang="en-GB" noProof="0" dirty="0"/>
               <a:t>Click to add title</a:t>
             </a:r>
-            <a:endParaRPr lang="en-GB" noProof="0" dirty="0"/>
           </a:p>
         </p:txBody>
       </p:sp>
@@ -3482,10 +3466,9 @@
           <a:p>
             <a:pPr lvl="0"/>
             <a:r>
-              <a:rPr lang="en-GB" noProof="0" dirty="0" smtClean="0"/>
+              <a:rPr lang="en-GB" noProof="0" dirty="0"/>
               <a:t>Click to add text</a:t>
             </a:r>
-            <a:endParaRPr lang="en-GB" noProof="0" dirty="0"/>
           </a:p>
         </p:txBody>
       </p:sp>
@@ -3586,10 +3569,9 @@
               </a:lnSpc>
             </a:pPr>
             <a:r>
-              <a:rPr lang="en-GB" noProof="0" dirty="0" smtClean="0"/>
+              <a:rPr lang="en-GB" noProof="0" dirty="0"/>
               <a:t>Click to add title</a:t>
             </a:r>
-            <a:endParaRPr lang="en-GB" noProof="0" dirty="0"/>
           </a:p>
         </p:txBody>
       </p:sp>
@@ -3634,10 +3616,9 @@
           <a:p>
             <a:pPr lvl="0"/>
             <a:r>
-              <a:rPr lang="en-GB" noProof="0" dirty="0" smtClean="0"/>
+              <a:rPr lang="en-GB" noProof="0" dirty="0"/>
               <a:t>Click to add text</a:t>
             </a:r>
-            <a:endParaRPr lang="en-GB" noProof="0" dirty="0"/>
           </a:p>
         </p:txBody>
       </p:sp>
@@ -3748,7 +3729,7 @@
           <a:p>
             <a:pPr marL="0" lvl="0" indent="0" defTabSz="457200"/>
             <a:r>
-              <a:rPr lang="en-GB" dirty="0" smtClean="0"/>
+              <a:rPr lang="en-GB" dirty="0"/>
               <a:t>Click to add title</a:t>
             </a:r>
           </a:p>
@@ -3794,10 +3775,9 @@
           <a:p>
             <a:pPr marL="0" lvl="0" indent="0" defTabSz="457200"/>
             <a:r>
-              <a:rPr lang="en-GB" noProof="0" dirty="0" smtClean="0"/>
+              <a:rPr lang="en-GB" noProof="0" dirty="0"/>
               <a:t>Click to add subtitle</a:t>
             </a:r>
-            <a:endParaRPr lang="en-GB" noProof="0" dirty="0"/>
           </a:p>
         </p:txBody>
       </p:sp>
@@ -3852,10 +3832,9 @@
           </a:lstStyle>
           <a:p>
             <a:r>
-              <a:rPr lang="en-GB" noProof="0" dirty="0" smtClean="0"/>
+              <a:rPr lang="en-GB" noProof="0" dirty="0"/>
               <a:t>Click to add title</a:t>
             </a:r>
-            <a:endParaRPr lang="en-GB" noProof="0" dirty="0"/>
           </a:p>
         </p:txBody>
       </p:sp>
@@ -3876,35 +3855,35 @@
           <a:p>
             <a:pPr lvl="0"/>
             <a:r>
-              <a:rPr lang="en-US" altLang="zh-CN" noProof="0" smtClean="0"/>
+              <a:rPr lang="en-US" altLang="zh-CN" noProof="0"/>
               <a:t>Click to edit Master text styles</a:t>
             </a:r>
           </a:p>
           <a:p>
             <a:pPr lvl="1"/>
             <a:r>
-              <a:rPr lang="en-US" altLang="zh-CN" noProof="0" smtClean="0"/>
+              <a:rPr lang="en-US" altLang="zh-CN" noProof="0"/>
               <a:t>Second level</a:t>
             </a:r>
           </a:p>
           <a:p>
             <a:pPr lvl="2"/>
             <a:r>
-              <a:rPr lang="en-US" altLang="zh-CN" noProof="0" smtClean="0"/>
+              <a:rPr lang="en-US" altLang="zh-CN" noProof="0"/>
               <a:t>Third level</a:t>
             </a:r>
           </a:p>
           <a:p>
             <a:pPr lvl="3"/>
             <a:r>
-              <a:rPr lang="en-US" altLang="zh-CN" noProof="0" smtClean="0"/>
+              <a:rPr lang="en-US" altLang="zh-CN" noProof="0"/>
               <a:t>Fourth level</a:t>
             </a:r>
           </a:p>
           <a:p>
             <a:pPr lvl="4"/>
             <a:r>
-              <a:rPr lang="en-US" altLang="zh-CN" noProof="0" smtClean="0"/>
+              <a:rPr lang="en-US" altLang="zh-CN" noProof="0"/>
               <a:t>Fifth level</a:t>
             </a:r>
             <a:endParaRPr lang="en-GB" noProof="0" dirty="0"/>
@@ -3982,10 +3961,9 @@
           <a:lstStyle/>
           <a:p>
             <a:r>
-              <a:rPr lang="en-GB" noProof="0" dirty="0" smtClean="0"/>
+              <a:rPr lang="en-GB" noProof="0" dirty="0"/>
               <a:t>Click to add title</a:t>
             </a:r>
-            <a:endParaRPr lang="en-GB" noProof="0" dirty="0"/>
           </a:p>
         </p:txBody>
       </p:sp>
@@ -4039,35 +4017,35 @@
           <a:p>
             <a:pPr lvl="0"/>
             <a:r>
-              <a:rPr lang="en-US" altLang="zh-CN" noProof="0" smtClean="0"/>
+              <a:rPr lang="en-US" altLang="zh-CN" noProof="0"/>
               <a:t>Click to edit Master text styles</a:t>
             </a:r>
           </a:p>
           <a:p>
             <a:pPr lvl="1"/>
             <a:r>
-              <a:rPr lang="en-US" altLang="zh-CN" noProof="0" smtClean="0"/>
+              <a:rPr lang="en-US" altLang="zh-CN" noProof="0"/>
               <a:t>Second level</a:t>
             </a:r>
           </a:p>
           <a:p>
             <a:pPr lvl="2"/>
             <a:r>
-              <a:rPr lang="en-US" altLang="zh-CN" noProof="0" smtClean="0"/>
+              <a:rPr lang="en-US" altLang="zh-CN" noProof="0"/>
               <a:t>Third level</a:t>
             </a:r>
           </a:p>
           <a:p>
             <a:pPr lvl="3"/>
             <a:r>
-              <a:rPr lang="en-US" altLang="zh-CN" noProof="0" smtClean="0"/>
+              <a:rPr lang="en-US" altLang="zh-CN" noProof="0"/>
               <a:t>Fourth level</a:t>
             </a:r>
           </a:p>
           <a:p>
             <a:pPr lvl="4"/>
             <a:r>
-              <a:rPr lang="en-US" altLang="zh-CN" noProof="0" smtClean="0"/>
+              <a:rPr lang="en-US" altLang="zh-CN" noProof="0"/>
               <a:t>Fifth level</a:t>
             </a:r>
             <a:endParaRPr lang="en-GB" noProof="0" dirty="0"/>
@@ -4124,35 +4102,35 @@
           <a:p>
             <a:pPr lvl="0"/>
             <a:r>
-              <a:rPr lang="en-US" altLang="zh-CN" noProof="0" smtClean="0"/>
+              <a:rPr lang="en-US" altLang="zh-CN" noProof="0"/>
               <a:t>Click to edit Master text styles</a:t>
             </a:r>
           </a:p>
           <a:p>
             <a:pPr lvl="1"/>
             <a:r>
-              <a:rPr lang="en-US" altLang="zh-CN" noProof="0" smtClean="0"/>
+              <a:rPr lang="en-US" altLang="zh-CN" noProof="0"/>
               <a:t>Second level</a:t>
             </a:r>
           </a:p>
           <a:p>
             <a:pPr lvl="2"/>
             <a:r>
-              <a:rPr lang="en-US" altLang="zh-CN" noProof="0" smtClean="0"/>
+              <a:rPr lang="en-US" altLang="zh-CN" noProof="0"/>
               <a:t>Third level</a:t>
             </a:r>
           </a:p>
           <a:p>
             <a:pPr lvl="3"/>
             <a:r>
-              <a:rPr lang="en-US" altLang="zh-CN" noProof="0" smtClean="0"/>
+              <a:rPr lang="en-US" altLang="zh-CN" noProof="0"/>
               <a:t>Fourth level</a:t>
             </a:r>
           </a:p>
           <a:p>
             <a:pPr lvl="4"/>
             <a:r>
-              <a:rPr lang="en-US" altLang="zh-CN" noProof="0" smtClean="0"/>
+              <a:rPr lang="en-US" altLang="zh-CN" noProof="0"/>
               <a:t>Fifth level</a:t>
             </a:r>
             <a:endParaRPr lang="en-GB" noProof="0" dirty="0"/>
@@ -4230,10 +4208,9 @@
           <a:lstStyle/>
           <a:p>
             <a:r>
-              <a:rPr lang="en-GB" noProof="0" dirty="0" smtClean="0"/>
+              <a:rPr lang="en-GB" noProof="0" dirty="0"/>
               <a:t>Click to add title</a:t>
             </a:r>
-            <a:endParaRPr lang="en-GB" noProof="0" dirty="0"/>
           </a:p>
         </p:txBody>
       </p:sp>
@@ -4318,38 +4295,37 @@
           <a:p>
             <a:pPr lvl="0"/>
             <a:r>
-              <a:rPr lang="en-GB" noProof="0" dirty="0" smtClean="0"/>
+              <a:rPr lang="en-GB" noProof="0" dirty="0"/>
               <a:t>Click to add text</a:t>
             </a:r>
           </a:p>
           <a:p>
             <a:pPr lvl="1"/>
             <a:r>
-              <a:rPr lang="en-GB" noProof="0" dirty="0" smtClean="0"/>
+              <a:rPr lang="en-GB" noProof="0" dirty="0"/>
               <a:t>Second level</a:t>
             </a:r>
           </a:p>
           <a:p>
             <a:pPr lvl="2"/>
             <a:r>
-              <a:rPr lang="en-GB" noProof="0" dirty="0" smtClean="0"/>
+              <a:rPr lang="en-GB" noProof="0" dirty="0"/>
               <a:t>Third level</a:t>
             </a:r>
           </a:p>
           <a:p>
             <a:pPr lvl="3"/>
             <a:r>
-              <a:rPr lang="en-GB" noProof="0" dirty="0" smtClean="0"/>
+              <a:rPr lang="en-GB" noProof="0" dirty="0"/>
               <a:t>Fourth level</a:t>
             </a:r>
           </a:p>
           <a:p>
             <a:pPr lvl="4"/>
             <a:r>
-              <a:rPr lang="en-GB" noProof="0" dirty="0" smtClean="0"/>
+              <a:rPr lang="en-GB" noProof="0" dirty="0"/>
               <a:t>Fifth level</a:t>
             </a:r>
-            <a:endParaRPr lang="en-GB" noProof="0" dirty="0"/>
           </a:p>
         </p:txBody>
       </p:sp>
@@ -4540,17 +4516,17 @@
           <a:p>
             <a:pPr lvl="0"/>
             <a:r>
-              <a:rPr lang="en-GB" dirty="0" smtClean="0"/>
+              <a:rPr lang="en-GB" dirty="0"/>
               <a:t>Click to add quote or</a:t>
             </a:r>
             <a:br>
-              <a:rPr lang="en-GB" dirty="0" smtClean="0"/>
+              <a:rPr lang="en-GB" dirty="0"/>
             </a:br>
             <a:r>
-              <a:rPr lang="en-GB" dirty="0" smtClean="0"/>
+              <a:rPr lang="en-GB" dirty="0"/>
               <a:t>big text</a:t>
             </a:r>
-            <a:endParaRPr lang="en-US" dirty="0" smtClean="0"/>
+            <a:endParaRPr lang="en-US" dirty="0"/>
           </a:p>
         </p:txBody>
       </p:sp>
@@ -4730,10 +4706,9 @@
           <a:p>
             <a:pPr marL="0" lvl="0" indent="0" defTabSz="457200"/>
             <a:r>
-              <a:rPr lang="en-GB" noProof="0" dirty="0" smtClean="0"/>
+              <a:rPr lang="en-GB" noProof="0" dirty="0"/>
               <a:t>Click to add front page headline</a:t>
             </a:r>
-            <a:endParaRPr lang="en-GB" noProof="0" dirty="0"/>
           </a:p>
         </p:txBody>
       </p:sp>
@@ -4775,10 +4750,9 @@
           <a:p>
             <a:pPr marL="0" lvl="0" indent="0" defTabSz="457200"/>
             <a:r>
-              <a:rPr lang="en-GB" noProof="0" dirty="0" smtClean="0"/>
+              <a:rPr lang="en-GB" noProof="0" dirty="0"/>
               <a:t>Click to add subtitle</a:t>
             </a:r>
-            <a:endParaRPr lang="en-GB" noProof="0" dirty="0"/>
           </a:p>
         </p:txBody>
       </p:sp>
@@ -4897,10 +4871,9 @@
           <a:p>
             <a:pPr marL="0" lvl="0" indent="0" defTabSz="457200"/>
             <a:r>
-              <a:rPr lang="en-GB" noProof="0" dirty="0" smtClean="0"/>
+              <a:rPr lang="en-GB" noProof="0" dirty="0"/>
               <a:t>Click to add headline</a:t>
             </a:r>
-            <a:endParaRPr lang="en-GB" noProof="0" dirty="0"/>
           </a:p>
         </p:txBody>
       </p:sp>
@@ -4942,10 +4915,9 @@
           <a:p>
             <a:pPr marL="0" lvl="0" indent="0" defTabSz="457200"/>
             <a:r>
-              <a:rPr lang="en-GB" noProof="0" dirty="0" smtClean="0"/>
+              <a:rPr lang="en-GB" noProof="0" dirty="0"/>
               <a:t>Click to add subtitle</a:t>
             </a:r>
-            <a:endParaRPr lang="en-GB" noProof="0" dirty="0"/>
           </a:p>
         </p:txBody>
       </p:sp>
@@ -5056,7 +5028,7 @@
           <a:p>
             <a:pPr marL="0" lvl="0" indent="0" defTabSz="457200"/>
             <a:r>
-              <a:rPr lang="en-GB" noProof="0" dirty="0" smtClean="0"/>
+              <a:rPr lang="en-GB" noProof="0" dirty="0"/>
               <a:t>Click to add title</a:t>
             </a:r>
           </a:p>
@@ -5102,10 +5074,9 @@
           <a:p>
             <a:pPr marL="0" lvl="0" indent="0" defTabSz="457200"/>
             <a:r>
-              <a:rPr lang="en-GB" noProof="0" dirty="0" smtClean="0"/>
+              <a:rPr lang="en-GB" noProof="0" dirty="0"/>
               <a:t>Click to add subtitle</a:t>
             </a:r>
-            <a:endParaRPr lang="en-GB" noProof="0" dirty="0"/>
           </a:p>
         </p:txBody>
       </p:sp>
@@ -5206,10 +5177,9 @@
               </a:lnSpc>
             </a:pPr>
             <a:r>
-              <a:rPr lang="en-GB" noProof="0" dirty="0" smtClean="0"/>
+              <a:rPr lang="en-GB" noProof="0" dirty="0"/>
               <a:t>Click to add title</a:t>
             </a:r>
-            <a:endParaRPr lang="en-GB" noProof="0" dirty="0"/>
           </a:p>
         </p:txBody>
       </p:sp>
@@ -5254,10 +5224,9 @@
           <a:p>
             <a:pPr lvl="0"/>
             <a:r>
-              <a:rPr lang="en-GB" noProof="0" dirty="0" smtClean="0"/>
+              <a:rPr lang="en-GB" noProof="0" dirty="0"/>
               <a:t>Click to add the story</a:t>
             </a:r>
-            <a:endParaRPr lang="en-GB" noProof="0" dirty="0"/>
           </a:p>
         </p:txBody>
       </p:sp>
@@ -5358,10 +5327,9 @@
               </a:lnSpc>
             </a:pPr>
             <a:r>
-              <a:rPr lang="en-GB" noProof="0" dirty="0" smtClean="0"/>
+              <a:rPr lang="en-GB" noProof="0" dirty="0"/>
               <a:t>Click to add title</a:t>
             </a:r>
-            <a:endParaRPr lang="en-GB" noProof="0" dirty="0"/>
           </a:p>
         </p:txBody>
       </p:sp>
@@ -5406,10 +5374,9 @@
           <a:p>
             <a:pPr lvl="0"/>
             <a:r>
-              <a:rPr lang="en-GB" noProof="0" dirty="0" smtClean="0"/>
+              <a:rPr lang="en-GB" noProof="0" dirty="0"/>
               <a:t>Click to add text</a:t>
             </a:r>
-            <a:endParaRPr lang="en-GB" noProof="0" dirty="0"/>
           </a:p>
         </p:txBody>
       </p:sp>
@@ -5510,10 +5477,9 @@
               </a:lnSpc>
             </a:pPr>
             <a:r>
-              <a:rPr lang="en-GB" noProof="0" dirty="0" smtClean="0"/>
+              <a:rPr lang="en-GB" noProof="0" dirty="0"/>
               <a:t>Click to add title</a:t>
             </a:r>
-            <a:endParaRPr lang="en-GB" noProof="0" dirty="0"/>
           </a:p>
         </p:txBody>
       </p:sp>
@@ -5558,10 +5524,9 @@
           <a:p>
             <a:pPr lvl="0"/>
             <a:r>
-              <a:rPr lang="en-GB" noProof="0" dirty="0" smtClean="0"/>
+              <a:rPr lang="en-GB" noProof="0" dirty="0"/>
               <a:t>Click to add text</a:t>
             </a:r>
-            <a:endParaRPr lang="en-GB" noProof="0" dirty="0"/>
           </a:p>
         </p:txBody>
       </p:sp>
@@ -5616,10 +5581,9 @@
           </a:lstStyle>
           <a:p>
             <a:r>
-              <a:rPr lang="en-GB" noProof="0" dirty="0" smtClean="0"/>
+              <a:rPr lang="en-GB" noProof="0" dirty="0"/>
               <a:t>Click to add title</a:t>
             </a:r>
-            <a:endParaRPr lang="en-GB" noProof="0" dirty="0"/>
           </a:p>
         </p:txBody>
       </p:sp>
@@ -5640,35 +5604,35 @@
           <a:p>
             <a:pPr lvl="0"/>
             <a:r>
-              <a:rPr lang="en-US" altLang="zh-CN" noProof="0" smtClean="0"/>
+              <a:rPr lang="en-US" altLang="zh-CN" noProof="0"/>
               <a:t>Click to edit Master text styles</a:t>
             </a:r>
           </a:p>
           <a:p>
             <a:pPr lvl="1"/>
             <a:r>
-              <a:rPr lang="en-US" altLang="zh-CN" noProof="0" smtClean="0"/>
+              <a:rPr lang="en-US" altLang="zh-CN" noProof="0"/>
               <a:t>Second level</a:t>
             </a:r>
           </a:p>
           <a:p>
             <a:pPr lvl="2"/>
             <a:r>
-              <a:rPr lang="en-US" altLang="zh-CN" noProof="0" smtClean="0"/>
+              <a:rPr lang="en-US" altLang="zh-CN" noProof="0"/>
               <a:t>Third level</a:t>
             </a:r>
           </a:p>
           <a:p>
             <a:pPr lvl="3"/>
             <a:r>
-              <a:rPr lang="en-US" altLang="zh-CN" noProof="0" smtClean="0"/>
+              <a:rPr lang="en-US" altLang="zh-CN" noProof="0"/>
               <a:t>Fourth level</a:t>
             </a:r>
           </a:p>
           <a:p>
             <a:pPr lvl="4"/>
             <a:r>
-              <a:rPr lang="en-US" altLang="zh-CN" noProof="0" smtClean="0"/>
+              <a:rPr lang="en-US" altLang="zh-CN" noProof="0"/>
               <a:t>Fifth level</a:t>
             </a:r>
             <a:endParaRPr lang="en-GB" noProof="0" dirty="0"/>
@@ -5746,10 +5710,9 @@
           <a:lstStyle/>
           <a:p>
             <a:r>
-              <a:rPr lang="en-GB" noProof="0" dirty="0" smtClean="0"/>
+              <a:rPr lang="en-GB" noProof="0" dirty="0"/>
               <a:t>Click to add title</a:t>
             </a:r>
-            <a:endParaRPr lang="en-GB" noProof="0" dirty="0"/>
           </a:p>
         </p:txBody>
       </p:sp>
@@ -5803,35 +5766,35 @@
           <a:p>
             <a:pPr lvl="0"/>
             <a:r>
-              <a:rPr lang="en-US" altLang="zh-CN" noProof="0" smtClean="0"/>
+              <a:rPr lang="en-US" altLang="zh-CN" noProof="0"/>
               <a:t>Click to edit Master text styles</a:t>
             </a:r>
           </a:p>
           <a:p>
             <a:pPr lvl="1"/>
             <a:r>
-              <a:rPr lang="en-US" altLang="zh-CN" noProof="0" smtClean="0"/>
+              <a:rPr lang="en-US" altLang="zh-CN" noProof="0"/>
               <a:t>Second level</a:t>
             </a:r>
           </a:p>
           <a:p>
             <a:pPr lvl="2"/>
             <a:r>
-              <a:rPr lang="en-US" altLang="zh-CN" noProof="0" smtClean="0"/>
+              <a:rPr lang="en-US" altLang="zh-CN" noProof="0"/>
               <a:t>Third level</a:t>
             </a:r>
           </a:p>
           <a:p>
             <a:pPr lvl="3"/>
             <a:r>
-              <a:rPr lang="en-US" altLang="zh-CN" noProof="0" smtClean="0"/>
+              <a:rPr lang="en-US" altLang="zh-CN" noProof="0"/>
               <a:t>Fourth level</a:t>
             </a:r>
           </a:p>
           <a:p>
             <a:pPr lvl="4"/>
             <a:r>
-              <a:rPr lang="en-US" altLang="zh-CN" noProof="0" smtClean="0"/>
+              <a:rPr lang="en-US" altLang="zh-CN" noProof="0"/>
               <a:t>Fifth level</a:t>
             </a:r>
             <a:endParaRPr lang="en-GB" noProof="0" dirty="0"/>
@@ -5888,35 +5851,35 @@
           <a:p>
             <a:pPr lvl="0"/>
             <a:r>
-              <a:rPr lang="en-US" altLang="zh-CN" noProof="0" smtClean="0"/>
+              <a:rPr lang="en-US" altLang="zh-CN" noProof="0"/>
               <a:t>Click to edit Master text styles</a:t>
             </a:r>
           </a:p>
           <a:p>
             <a:pPr lvl="1"/>
             <a:r>
-              <a:rPr lang="en-US" altLang="zh-CN" noProof="0" smtClean="0"/>
+              <a:rPr lang="en-US" altLang="zh-CN" noProof="0"/>
               <a:t>Second level</a:t>
             </a:r>
           </a:p>
           <a:p>
             <a:pPr lvl="2"/>
             <a:r>
-              <a:rPr lang="en-US" altLang="zh-CN" noProof="0" smtClean="0"/>
+              <a:rPr lang="en-US" altLang="zh-CN" noProof="0"/>
               <a:t>Third level</a:t>
             </a:r>
           </a:p>
           <a:p>
             <a:pPr lvl="3"/>
             <a:r>
-              <a:rPr lang="en-US" altLang="zh-CN" noProof="0" smtClean="0"/>
+              <a:rPr lang="en-US" altLang="zh-CN" noProof="0"/>
               <a:t>Fourth level</a:t>
             </a:r>
           </a:p>
           <a:p>
             <a:pPr lvl="4"/>
             <a:r>
-              <a:rPr lang="en-US" altLang="zh-CN" noProof="0" smtClean="0"/>
+              <a:rPr lang="en-US" altLang="zh-CN" noProof="0"/>
               <a:t>Fifth level</a:t>
             </a:r>
             <a:endParaRPr lang="en-GB" noProof="0" dirty="0"/>
@@ -5994,10 +5957,9 @@
           <a:lstStyle/>
           <a:p>
             <a:r>
-              <a:rPr lang="en-GB" noProof="0" dirty="0" smtClean="0"/>
+              <a:rPr lang="en-GB" noProof="0" dirty="0"/>
               <a:t>Click to add title</a:t>
             </a:r>
-            <a:endParaRPr lang="en-GB" noProof="0" dirty="0"/>
           </a:p>
         </p:txBody>
       </p:sp>
@@ -6082,38 +6044,37 @@
           <a:p>
             <a:pPr lvl="0"/>
             <a:r>
-              <a:rPr lang="en-GB" noProof="0" dirty="0" smtClean="0"/>
+              <a:rPr lang="en-GB" noProof="0" dirty="0"/>
               <a:t>Click to add text</a:t>
             </a:r>
           </a:p>
           <a:p>
             <a:pPr lvl="1"/>
             <a:r>
-              <a:rPr lang="en-GB" noProof="0" dirty="0" smtClean="0"/>
+              <a:rPr lang="en-GB" noProof="0" dirty="0"/>
               <a:t>Second level</a:t>
             </a:r>
           </a:p>
           <a:p>
             <a:pPr lvl="2"/>
             <a:r>
-              <a:rPr lang="en-GB" noProof="0" dirty="0" smtClean="0"/>
+              <a:rPr lang="en-GB" noProof="0" dirty="0"/>
               <a:t>Third level</a:t>
             </a:r>
           </a:p>
           <a:p>
             <a:pPr lvl="3"/>
             <a:r>
-              <a:rPr lang="en-GB" noProof="0" dirty="0" smtClean="0"/>
+              <a:rPr lang="en-GB" noProof="0" dirty="0"/>
               <a:t>Fourth level</a:t>
             </a:r>
           </a:p>
           <a:p>
             <a:pPr lvl="4"/>
             <a:r>
-              <a:rPr lang="en-GB" noProof="0" dirty="0" smtClean="0"/>
+              <a:rPr lang="en-GB" noProof="0" dirty="0"/>
               <a:t>Fifth level</a:t>
             </a:r>
-            <a:endParaRPr lang="en-GB" noProof="0" dirty="0"/>
           </a:p>
         </p:txBody>
       </p:sp>
@@ -6304,17 +6265,17 @@
           <a:p>
             <a:pPr lvl="0"/>
             <a:r>
-              <a:rPr lang="en-GB" dirty="0" smtClean="0"/>
+              <a:rPr lang="en-GB" dirty="0"/>
               <a:t>Click to add quote or</a:t>
             </a:r>
             <a:br>
-              <a:rPr lang="en-GB" dirty="0" smtClean="0"/>
+              <a:rPr lang="en-GB" dirty="0"/>
             </a:br>
             <a:r>
-              <a:rPr lang="en-GB" dirty="0" smtClean="0"/>
+              <a:rPr lang="en-GB" dirty="0"/>
               <a:t>big text</a:t>
             </a:r>
-            <a:endParaRPr lang="en-US" dirty="0" smtClean="0"/>
+            <a:endParaRPr lang="en-US" dirty="0"/>
           </a:p>
         </p:txBody>
       </p:sp>
@@ -6476,10 +6437,9 @@
               </a:lnSpc>
             </a:pPr>
             <a:r>
-              <a:rPr lang="en-GB" noProof="0" dirty="0" smtClean="0"/>
+              <a:rPr lang="en-GB" noProof="0" dirty="0"/>
               <a:t>Click to add title</a:t>
             </a:r>
-            <a:endParaRPr lang="en-GB" noProof="0" dirty="0"/>
           </a:p>
         </p:txBody>
       </p:sp>
@@ -6524,10 +6484,9 @@
           <a:p>
             <a:pPr lvl="0"/>
             <a:r>
-              <a:rPr lang="en-GB" noProof="0" dirty="0" smtClean="0"/>
+              <a:rPr lang="en-GB" noProof="0" dirty="0"/>
               <a:t>Click to add text</a:t>
             </a:r>
-            <a:endParaRPr lang="en-GB" noProof="0" dirty="0"/>
           </a:p>
         </p:txBody>
       </p:sp>
@@ -6587,10 +6546,9 @@
           </a:lstStyle>
           <a:p>
             <a:r>
-              <a:rPr lang="en-GB" noProof="0" dirty="0" smtClean="0"/>
+              <a:rPr lang="en-GB" noProof="0" dirty="0"/>
               <a:t>Click to add title</a:t>
             </a:r>
-            <a:endParaRPr lang="en-GB" noProof="0" dirty="0"/>
           </a:p>
         </p:txBody>
       </p:sp>
@@ -6611,35 +6569,35 @@
           <a:p>
             <a:pPr lvl="0"/>
             <a:r>
-              <a:rPr lang="en-US" altLang="zh-CN" noProof="0" smtClean="0"/>
+              <a:rPr lang="en-US" altLang="zh-CN" noProof="0"/>
               <a:t>Click to edit Master text styles</a:t>
             </a:r>
           </a:p>
           <a:p>
             <a:pPr lvl="1"/>
             <a:r>
-              <a:rPr lang="en-US" altLang="zh-CN" noProof="0" smtClean="0"/>
+              <a:rPr lang="en-US" altLang="zh-CN" noProof="0"/>
               <a:t>Second level</a:t>
             </a:r>
           </a:p>
           <a:p>
             <a:pPr lvl="2"/>
             <a:r>
-              <a:rPr lang="en-US" altLang="zh-CN" noProof="0" smtClean="0"/>
+              <a:rPr lang="en-US" altLang="zh-CN" noProof="0"/>
               <a:t>Third level</a:t>
             </a:r>
           </a:p>
           <a:p>
             <a:pPr lvl="3"/>
             <a:r>
-              <a:rPr lang="en-US" altLang="zh-CN" noProof="0" smtClean="0"/>
+              <a:rPr lang="en-US" altLang="zh-CN" noProof="0"/>
               <a:t>Fourth level</a:t>
             </a:r>
           </a:p>
           <a:p>
             <a:pPr lvl="4"/>
             <a:r>
-              <a:rPr lang="en-US" altLang="zh-CN" noProof="0" smtClean="0"/>
+              <a:rPr lang="en-US" altLang="zh-CN" noProof="0"/>
               <a:t>Fifth level</a:t>
             </a:r>
             <a:endParaRPr lang="en-GB" noProof="0" dirty="0"/>
@@ -6721,10 +6679,9 @@
           <a:lstStyle/>
           <a:p>
             <a:r>
-              <a:rPr lang="en-GB" noProof="0" dirty="0" smtClean="0"/>
+              <a:rPr lang="en-GB" noProof="0" dirty="0"/>
               <a:t>Click to add title</a:t>
             </a:r>
-            <a:endParaRPr lang="en-GB" noProof="0" dirty="0"/>
           </a:p>
         </p:txBody>
       </p:sp>
@@ -6778,35 +6735,35 @@
           <a:p>
             <a:pPr lvl="0"/>
             <a:r>
-              <a:rPr lang="en-US" altLang="zh-CN" noProof="0" smtClean="0"/>
+              <a:rPr lang="en-US" altLang="zh-CN" noProof="0"/>
               <a:t>Click to edit Master text styles</a:t>
             </a:r>
           </a:p>
           <a:p>
             <a:pPr lvl="1"/>
             <a:r>
-              <a:rPr lang="en-US" altLang="zh-CN" noProof="0" smtClean="0"/>
+              <a:rPr lang="en-US" altLang="zh-CN" noProof="0"/>
               <a:t>Second level</a:t>
             </a:r>
           </a:p>
           <a:p>
             <a:pPr lvl="2"/>
             <a:r>
-              <a:rPr lang="en-US" altLang="zh-CN" noProof="0" smtClean="0"/>
+              <a:rPr lang="en-US" altLang="zh-CN" noProof="0"/>
               <a:t>Third level</a:t>
             </a:r>
           </a:p>
           <a:p>
             <a:pPr lvl="3"/>
             <a:r>
-              <a:rPr lang="en-US" altLang="zh-CN" noProof="0" smtClean="0"/>
+              <a:rPr lang="en-US" altLang="zh-CN" noProof="0"/>
               <a:t>Fourth level</a:t>
             </a:r>
           </a:p>
           <a:p>
             <a:pPr lvl="4"/>
             <a:r>
-              <a:rPr lang="en-US" altLang="zh-CN" noProof="0" smtClean="0"/>
+              <a:rPr lang="en-US" altLang="zh-CN" noProof="0"/>
               <a:t>Fifth level</a:t>
             </a:r>
             <a:endParaRPr lang="en-GB" noProof="0" dirty="0"/>
@@ -6863,35 +6820,35 @@
           <a:p>
             <a:pPr lvl="0"/>
             <a:r>
-              <a:rPr lang="en-US" altLang="zh-CN" noProof="0" smtClean="0"/>
+              <a:rPr lang="en-US" altLang="zh-CN" noProof="0"/>
               <a:t>Click to edit Master text styles</a:t>
             </a:r>
           </a:p>
           <a:p>
             <a:pPr lvl="1"/>
             <a:r>
-              <a:rPr lang="en-US" altLang="zh-CN" noProof="0" smtClean="0"/>
+              <a:rPr lang="en-US" altLang="zh-CN" noProof="0"/>
               <a:t>Second level</a:t>
             </a:r>
           </a:p>
           <a:p>
             <a:pPr lvl="2"/>
             <a:r>
-              <a:rPr lang="en-US" altLang="zh-CN" noProof="0" smtClean="0"/>
+              <a:rPr lang="en-US" altLang="zh-CN" noProof="0"/>
               <a:t>Third level</a:t>
             </a:r>
           </a:p>
           <a:p>
             <a:pPr lvl="3"/>
             <a:r>
-              <a:rPr lang="en-US" altLang="zh-CN" noProof="0" smtClean="0"/>
+              <a:rPr lang="en-US" altLang="zh-CN" noProof="0"/>
               <a:t>Fourth level</a:t>
             </a:r>
           </a:p>
           <a:p>
             <a:pPr lvl="4"/>
             <a:r>
-              <a:rPr lang="en-US" altLang="zh-CN" noProof="0" smtClean="0"/>
+              <a:rPr lang="en-US" altLang="zh-CN" noProof="0"/>
               <a:t>Fifth level</a:t>
             </a:r>
             <a:endParaRPr lang="en-GB" noProof="0" dirty="0"/>
@@ -6973,10 +6930,9 @@
           <a:lstStyle/>
           <a:p>
             <a:r>
-              <a:rPr lang="en-GB" noProof="0" dirty="0" smtClean="0"/>
+              <a:rPr lang="en-GB" noProof="0" dirty="0"/>
               <a:t>Click to add title</a:t>
             </a:r>
-            <a:endParaRPr lang="en-GB" noProof="0" dirty="0"/>
           </a:p>
         </p:txBody>
       </p:sp>
@@ -7060,38 +7016,37 @@
           <a:p>
             <a:pPr lvl="0"/>
             <a:r>
-              <a:rPr lang="en-GB" noProof="0" dirty="0" smtClean="0"/>
+              <a:rPr lang="en-GB" noProof="0" dirty="0"/>
               <a:t>Click to add text</a:t>
             </a:r>
           </a:p>
           <a:p>
             <a:pPr lvl="1"/>
             <a:r>
-              <a:rPr lang="en-GB" noProof="0" dirty="0" smtClean="0"/>
+              <a:rPr lang="en-GB" noProof="0" dirty="0"/>
               <a:t>Second level</a:t>
             </a:r>
           </a:p>
           <a:p>
             <a:pPr lvl="2"/>
             <a:r>
-              <a:rPr lang="en-GB" noProof="0" dirty="0" smtClean="0"/>
+              <a:rPr lang="en-GB" noProof="0" dirty="0"/>
               <a:t>Third level</a:t>
             </a:r>
           </a:p>
           <a:p>
             <a:pPr lvl="3"/>
             <a:r>
-              <a:rPr lang="en-GB" noProof="0" dirty="0" smtClean="0"/>
+              <a:rPr lang="en-GB" noProof="0" dirty="0"/>
               <a:t>Fourth level</a:t>
             </a:r>
           </a:p>
           <a:p>
             <a:pPr lvl="4"/>
             <a:r>
-              <a:rPr lang="en-GB" noProof="0" dirty="0" smtClean="0"/>
+              <a:rPr lang="en-GB" noProof="0" dirty="0"/>
               <a:t>Fifth level</a:t>
             </a:r>
-            <a:endParaRPr lang="en-GB" noProof="0" dirty="0"/>
           </a:p>
         </p:txBody>
       </p:sp>
@@ -7195,7 +7150,7 @@
           <a:p>
             <a:pPr lvl="0"/>
             <a:r>
-              <a:rPr lang="en-GB" noProof="0" dirty="0" smtClean="0"/>
+              <a:rPr lang="en-GB" noProof="0" dirty="0"/>
               <a:t>Click to add title</a:t>
             </a:r>
           </a:p>
@@ -7238,35 +7193,35 @@
           <a:p>
             <a:pPr lvl="0"/>
             <a:r>
-              <a:rPr lang="en-GB" noProof="0" dirty="0" smtClean="0"/>
+              <a:rPr lang="en-GB" noProof="0" dirty="0"/>
               <a:t>Click to add text</a:t>
             </a:r>
           </a:p>
           <a:p>
             <a:pPr lvl="1"/>
             <a:r>
-              <a:rPr lang="en-GB" noProof="0" dirty="0" smtClean="0"/>
+              <a:rPr lang="en-GB" noProof="0" dirty="0"/>
               <a:t>Second level</a:t>
             </a:r>
           </a:p>
           <a:p>
             <a:pPr lvl="2"/>
             <a:r>
-              <a:rPr lang="en-GB" noProof="0" dirty="0" smtClean="0"/>
+              <a:rPr lang="en-GB" noProof="0" dirty="0"/>
               <a:t>Third level</a:t>
             </a:r>
           </a:p>
           <a:p>
             <a:pPr lvl="3"/>
             <a:r>
-              <a:rPr lang="en-GB" noProof="0" dirty="0" smtClean="0"/>
+              <a:rPr lang="en-GB" noProof="0" dirty="0"/>
               <a:t>Fourth level</a:t>
             </a:r>
           </a:p>
           <a:p>
             <a:pPr lvl="4"/>
             <a:r>
-              <a:rPr lang="en-GB" noProof="0" dirty="0" smtClean="0"/>
+              <a:rPr lang="en-GB" noProof="0" dirty="0"/>
               <a:t>Fifth level</a:t>
             </a:r>
           </a:p>
@@ -7362,23 +7317,7 @@
                   <a:srgbClr val="62B3E5"/>
                 </a:solidFill>
               </a:rPr>
-              <a:t>© </a:t>
-            </a:r>
-            <a:r>
-              <a:rPr lang="en-US" sz="1100" spc="-40" baseline="0" dirty="0" smtClean="0">
-                <a:solidFill>
-                  <a:srgbClr val="62B3E5"/>
-                </a:solidFill>
-              </a:rPr>
-              <a:t>Tieto </a:t>
-            </a:r>
-            <a:r>
-              <a:rPr lang="en-US" sz="1100" spc="-40" baseline="0" dirty="0">
-                <a:solidFill>
-                  <a:srgbClr val="62B3E5"/>
-                </a:solidFill>
-              </a:rPr>
-              <a:t>Corporation</a:t>
+              <a:t>© Tieto Corporation</a:t>
             </a:r>
             <a:endParaRPr lang="en-GB" sz="1100" spc="-40" baseline="0" dirty="0">
               <a:solidFill>
@@ -7950,7 +7889,7 @@
           <a:p>
             <a:pPr lvl="0"/>
             <a:r>
-              <a:rPr lang="en-GB" noProof="0" dirty="0" smtClean="0"/>
+              <a:rPr lang="en-GB" noProof="0" dirty="0"/>
               <a:t>Click to add title</a:t>
             </a:r>
           </a:p>
@@ -7993,35 +7932,35 @@
           <a:p>
             <a:pPr lvl="0"/>
             <a:r>
-              <a:rPr lang="en-GB" noProof="0" dirty="0" smtClean="0"/>
+              <a:rPr lang="en-GB" noProof="0" dirty="0"/>
               <a:t>Click to add text</a:t>
             </a:r>
           </a:p>
           <a:p>
             <a:pPr lvl="1"/>
             <a:r>
-              <a:rPr lang="en-GB" noProof="0" dirty="0" smtClean="0"/>
+              <a:rPr lang="en-GB" noProof="0" dirty="0"/>
               <a:t>Second level</a:t>
             </a:r>
           </a:p>
           <a:p>
             <a:pPr lvl="2"/>
             <a:r>
-              <a:rPr lang="en-GB" noProof="0" dirty="0" smtClean="0"/>
+              <a:rPr lang="en-GB" noProof="0" dirty="0"/>
               <a:t>Third level</a:t>
             </a:r>
           </a:p>
           <a:p>
             <a:pPr lvl="3"/>
             <a:r>
-              <a:rPr lang="en-GB" noProof="0" dirty="0" smtClean="0"/>
+              <a:rPr lang="en-GB" noProof="0" dirty="0"/>
               <a:t>Fourth level</a:t>
             </a:r>
           </a:p>
           <a:p>
             <a:pPr lvl="4"/>
             <a:r>
-              <a:rPr lang="en-GB" noProof="0" dirty="0" smtClean="0"/>
+              <a:rPr lang="en-GB" noProof="0" dirty="0"/>
               <a:t>Fifth level</a:t>
             </a:r>
           </a:p>
@@ -8118,23 +8057,7 @@
                   <a:srgbClr val="62B3E5"/>
                 </a:solidFill>
               </a:rPr>
-              <a:t>© </a:t>
-            </a:r>
-            <a:r>
-              <a:rPr lang="en-US" sz="1100" spc="-40" baseline="0" dirty="0" smtClean="0">
-                <a:solidFill>
-                  <a:srgbClr val="62B3E5"/>
-                </a:solidFill>
-              </a:rPr>
-              <a:t>Tieto </a:t>
-            </a:r>
-            <a:r>
-              <a:rPr lang="en-US" sz="1100" spc="-40" baseline="0" dirty="0">
-                <a:solidFill>
-                  <a:srgbClr val="62B3E5"/>
-                </a:solidFill>
-              </a:rPr>
-              <a:t>Corporation</a:t>
+              <a:t>© Tieto Corporation</a:t>
             </a:r>
             <a:endParaRPr lang="en-GB" sz="1100" spc="-40" baseline="0" dirty="0">
               <a:solidFill>
@@ -8706,7 +8629,7 @@
           <a:p>
             <a:pPr lvl="0"/>
             <a:r>
-              <a:rPr lang="en-GB" noProof="0" dirty="0" smtClean="0"/>
+              <a:rPr lang="en-GB" noProof="0" dirty="0"/>
               <a:t>Click to add title</a:t>
             </a:r>
           </a:p>
@@ -8749,35 +8672,35 @@
           <a:p>
             <a:pPr lvl="0"/>
             <a:r>
-              <a:rPr lang="en-GB" noProof="0" dirty="0" smtClean="0"/>
+              <a:rPr lang="en-GB" noProof="0" dirty="0"/>
               <a:t>Click to add text</a:t>
             </a:r>
           </a:p>
           <a:p>
             <a:pPr lvl="1"/>
             <a:r>
-              <a:rPr lang="en-GB" noProof="0" dirty="0" smtClean="0"/>
+              <a:rPr lang="en-GB" noProof="0" dirty="0"/>
               <a:t>Second level</a:t>
             </a:r>
           </a:p>
           <a:p>
             <a:pPr lvl="2"/>
             <a:r>
-              <a:rPr lang="en-GB" noProof="0" dirty="0" smtClean="0"/>
+              <a:rPr lang="en-GB" noProof="0" dirty="0"/>
               <a:t>Third level</a:t>
             </a:r>
           </a:p>
           <a:p>
             <a:pPr lvl="3"/>
             <a:r>
-              <a:rPr lang="en-GB" noProof="0" dirty="0" smtClean="0"/>
+              <a:rPr lang="en-GB" noProof="0" dirty="0"/>
               <a:t>Fourth level</a:t>
             </a:r>
           </a:p>
           <a:p>
             <a:pPr lvl="4"/>
             <a:r>
-              <a:rPr lang="en-GB" noProof="0" dirty="0" smtClean="0"/>
+              <a:rPr lang="en-GB" noProof="0" dirty="0"/>
               <a:t>Fifth level</a:t>
             </a:r>
           </a:p>
@@ -8874,23 +8797,7 @@
                   <a:srgbClr val="62B3E5"/>
                 </a:solidFill>
               </a:rPr>
-              <a:t>© </a:t>
-            </a:r>
-            <a:r>
-              <a:rPr lang="en-US" sz="1100" spc="-40" baseline="0" dirty="0" smtClean="0">
-                <a:solidFill>
-                  <a:srgbClr val="62B3E5"/>
-                </a:solidFill>
-              </a:rPr>
-              <a:t>Tieto </a:t>
-            </a:r>
-            <a:r>
-              <a:rPr lang="en-US" sz="1100" spc="-40" baseline="0" dirty="0">
-                <a:solidFill>
-                  <a:srgbClr val="62B3E5"/>
-                </a:solidFill>
-              </a:rPr>
-              <a:t>Corporation</a:t>
+              <a:t>© Tieto Corporation</a:t>
             </a:r>
             <a:endParaRPr lang="en-GB" sz="1100" spc="-40" baseline="0" dirty="0">
               <a:solidFill>
@@ -9462,7 +9369,7 @@
           <a:p>
             <a:pPr lvl="0"/>
             <a:r>
-              <a:rPr lang="en-GB" noProof="0" dirty="0" smtClean="0"/>
+              <a:rPr lang="en-GB" noProof="0" dirty="0"/>
               <a:t>Click to add title</a:t>
             </a:r>
           </a:p>
@@ -9505,35 +9412,35 @@
           <a:p>
             <a:pPr lvl="0"/>
             <a:r>
-              <a:rPr lang="en-GB" noProof="0" dirty="0" smtClean="0"/>
+              <a:rPr lang="en-GB" noProof="0" dirty="0"/>
               <a:t>Click to add text</a:t>
             </a:r>
           </a:p>
           <a:p>
             <a:pPr lvl="1"/>
             <a:r>
-              <a:rPr lang="en-GB" noProof="0" dirty="0" smtClean="0"/>
+              <a:rPr lang="en-GB" noProof="0" dirty="0"/>
               <a:t>Second level</a:t>
             </a:r>
           </a:p>
           <a:p>
             <a:pPr lvl="2"/>
             <a:r>
-              <a:rPr lang="en-GB" noProof="0" dirty="0" smtClean="0"/>
+              <a:rPr lang="en-GB" noProof="0" dirty="0"/>
               <a:t>Third level</a:t>
             </a:r>
           </a:p>
           <a:p>
             <a:pPr lvl="3"/>
             <a:r>
-              <a:rPr lang="en-GB" noProof="0" dirty="0" smtClean="0"/>
+              <a:rPr lang="en-GB" noProof="0" dirty="0"/>
               <a:t>Fourth level</a:t>
             </a:r>
           </a:p>
           <a:p>
             <a:pPr lvl="4"/>
             <a:r>
-              <a:rPr lang="en-GB" noProof="0" dirty="0" smtClean="0"/>
+              <a:rPr lang="en-GB" noProof="0" dirty="0"/>
               <a:t>Fifth level</a:t>
             </a:r>
           </a:p>
@@ -9630,23 +9537,7 @@
                   <a:srgbClr val="62B3E5"/>
                 </a:solidFill>
               </a:rPr>
-              <a:t>© </a:t>
-            </a:r>
-            <a:r>
-              <a:rPr lang="en-US" sz="1100" spc="-40" baseline="0" dirty="0" smtClean="0">
-                <a:solidFill>
-                  <a:srgbClr val="62B3E5"/>
-                </a:solidFill>
-              </a:rPr>
-              <a:t>Tieto </a:t>
-            </a:r>
-            <a:r>
-              <a:rPr lang="en-US" sz="1100" spc="-40" baseline="0" dirty="0">
-                <a:solidFill>
-                  <a:srgbClr val="62B3E5"/>
-                </a:solidFill>
-              </a:rPr>
-              <a:t>Corporation</a:t>
+              <a:t>© Tieto Corporation</a:t>
             </a:r>
             <a:endParaRPr lang="en-GB" sz="1100" spc="-40" baseline="0" dirty="0">
               <a:solidFill>
@@ -10190,7 +10081,7 @@
           <a:lstStyle/>
           <a:p>
             <a:r>
-              <a:rPr lang="en-US" altLang="zh-CN" dirty="0" smtClean="0"/>
+              <a:rPr lang="en-US" altLang="zh-CN" dirty="0"/>
               <a:t>MySQL Index &amp; Orchestrator</a:t>
             </a:r>
             <a:endParaRPr lang="zh-CN" altLang="en-US" dirty="0"/>
@@ -10213,12 +10104,8 @@
           <a:lstStyle/>
           <a:p>
             <a:r>
-              <a:rPr lang="en-US" altLang="zh-CN" dirty="0" smtClean="0"/>
-              <a:t>Hong </a:t>
-            </a:r>
-            <a:r>
-              <a:rPr lang="en-US" altLang="zh-CN" dirty="0" err="1" smtClean="0"/>
-              <a:t>wei</a:t>
+              <a:rPr lang="en-US" altLang="zh-CN" dirty="0"/>
+              <a:t>Hong Wei</a:t>
             </a:r>
             <a:endParaRPr lang="zh-CN" altLang="en-US" dirty="0"/>
           </a:p>
@@ -10234,13 +10121,6 @@
   <p:clrMapOvr>
     <a:masterClrMapping/>
   </p:clrMapOvr>
-  <p:timing>
-    <p:tnLst>
-      <p:par>
-        <p:cTn id="1" dur="indefinite" restart="never" nodeType="tmRoot"/>
-      </p:par>
-    </p:tnLst>
-  </p:timing>
 </p:sld>
 </file>
 
@@ -10277,7 +10157,7 @@
           <a:lstStyle/>
           <a:p>
             <a:r>
-              <a:rPr lang="en-US" altLang="zh-CN" smtClean="0"/>
+              <a:rPr lang="en-US" altLang="zh-CN"/>
               <a:t>Benefits of Indexes</a:t>
             </a:r>
             <a:endParaRPr lang="zh-CN" altLang="en-US" dirty="0"/>
@@ -10300,28 +10180,31 @@
           <a:lstStyle/>
           <a:p>
             <a:r>
-              <a:rPr lang="en-US" altLang="zh-CN" smtClean="0"/>
+              <a:rPr lang="en-US" altLang="zh-CN" dirty="0"/>
               <a:t>Indexes reduce the amount of data the server has to examine.</a:t>
             </a:r>
           </a:p>
           <a:p>
             <a:r>
-              <a:rPr lang="en-US" altLang="zh-CN" smtClean="0"/>
+              <a:rPr lang="en-US" altLang="zh-CN" dirty="0"/>
               <a:t>Indexes help the server avoid sorting and temporary tables.</a:t>
             </a:r>
           </a:p>
           <a:p>
             <a:r>
-              <a:rPr lang="en-US" altLang="zh-CN" smtClean="0"/>
+              <a:rPr lang="en-US" altLang="zh-CN" dirty="0"/>
               <a:t>Indexes turn random I/O into sequential I/O.</a:t>
             </a:r>
           </a:p>
           <a:p>
-            <a:endParaRPr lang="en-US" altLang="zh-CN" smtClean="0"/>
-          </a:p>
-          <a:p>
-            <a:r>
-              <a:rPr lang="en-US" altLang="zh-CN" smtClean="0"/>
+            <a:endParaRPr lang="en-US" altLang="zh-CN" dirty="0"/>
+          </a:p>
+          <a:p>
+            <a:pPr marL="0" indent="0">
+              <a:buNone/>
+            </a:pPr>
+            <a:r>
+              <a:rPr lang="en-US" altLang="zh-CN" dirty="0"/>
               <a:t>Note : An index isn’t always the right tool.</a:t>
             </a:r>
             <a:endParaRPr lang="zh-CN" altLang="en-US" dirty="0"/>
@@ -10338,13 +10221,6 @@
   <p:clrMapOvr>
     <a:masterClrMapping/>
   </p:clrMapOvr>
-  <p:timing>
-    <p:tnLst>
-      <p:par>
-        <p:cTn id="1" dur="indefinite" restart="never" nodeType="tmRoot"/>
-      </p:par>
-    </p:tnLst>
-  </p:timing>
 </p:sld>
 </file>
 
@@ -10383,7 +10259,7 @@
           <a:lstStyle/>
           <a:p>
             <a:r>
-              <a:rPr lang="en-US" altLang="zh-CN" smtClean="0"/>
+              <a:rPr lang="en-US" altLang="zh-CN"/>
               <a:t>Indexing Strategies for High Performance</a:t>
             </a:r>
             <a:endParaRPr lang="zh-CN" altLang="en-US" dirty="0"/>
@@ -10406,32 +10282,38 @@
           <a:lstStyle/>
           <a:p>
             <a:r>
-              <a:rPr lang="en-US" altLang="zh-CN" smtClean="0"/>
+              <a:rPr lang="en-US" altLang="zh-CN" dirty="0"/>
               <a:t>Isolating the Column</a:t>
             </a:r>
           </a:p>
           <a:p>
             <a:r>
-              <a:rPr lang="en-US" altLang="zh-CN" smtClean="0"/>
+              <a:rPr lang="en-US" altLang="zh-CN" dirty="0"/>
               <a:t>Prefix Indexes and Index Selectivity</a:t>
             </a:r>
           </a:p>
           <a:p>
             <a:r>
-              <a:rPr lang="en-US" altLang="zh-CN" smtClean="0"/>
+              <a:rPr lang="en-US" altLang="zh-CN" dirty="0"/>
               <a:t>Multicolumn Indexes</a:t>
             </a:r>
           </a:p>
           <a:p>
             <a:r>
-              <a:rPr lang="en-US" altLang="zh-CN" smtClean="0"/>
+              <a:rPr lang="en-US" altLang="zh-CN" dirty="0"/>
               <a:t>Choosing a Good Column Order</a:t>
             </a:r>
           </a:p>
           <a:p>
             <a:r>
-              <a:rPr lang="en-US" altLang="zh-CN" smtClean="0"/>
+              <a:rPr lang="en-US" altLang="zh-CN" dirty="0"/>
               <a:t>Clustered Indexes</a:t>
+            </a:r>
+          </a:p>
+          <a:p>
+            <a:r>
+              <a:rPr lang="en-US" altLang="zh-CN" dirty="0"/>
+              <a:t>Others</a:t>
             </a:r>
             <a:endParaRPr lang="zh-CN" altLang="en-US" dirty="0"/>
           </a:p>
@@ -10447,13 +10329,6 @@
   <p:clrMapOvr>
     <a:masterClrMapping/>
   </p:clrMapOvr>
-  <p:timing>
-    <p:tnLst>
-      <p:par>
-        <p:cTn id="1" dur="indefinite" restart="never" nodeType="tmRoot"/>
-      </p:par>
-    </p:tnLst>
-  </p:timing>
 </p:sld>
 </file>
 
@@ -10490,7 +10365,7 @@
           <a:lstStyle/>
           <a:p>
             <a:r>
-              <a:rPr lang="en-US" altLang="zh-CN" smtClean="0"/>
+              <a:rPr lang="en-US" altLang="zh-CN"/>
               <a:t>Isolating the Column</a:t>
             </a:r>
             <a:endParaRPr lang="zh-CN" altLang="en-US" dirty="0"/>
@@ -10515,8 +10390,8 @@
         </p:blipFill>
         <p:spPr>
           <a:xfrm>
-            <a:off x="2008059" y="2581263"/>
-            <a:ext cx="5004057" cy="476274"/>
+            <a:off x="396000" y="1697691"/>
+            <a:ext cx="6228263" cy="592791"/>
           </a:xfrm>
         </p:spPr>
       </p:pic>
@@ -10536,8 +10411,8 @@
         </p:blipFill>
         <p:spPr>
           <a:xfrm>
-            <a:off x="1614487" y="2579299"/>
-            <a:ext cx="4198811" cy="475940"/>
+            <a:off x="396000" y="2908750"/>
+            <a:ext cx="6013288" cy="681613"/>
           </a:xfrm>
           <a:prstGeom prst="rect">
             <a:avLst/>
@@ -10554,13 +10429,6 @@
   <p:clrMapOvr>
     <a:masterClrMapping/>
   </p:clrMapOvr>
-  <p:timing>
-    <p:tnLst>
-      <p:par>
-        <p:cTn id="1" dur="indefinite" restart="never" nodeType="tmRoot"/>
-      </p:par>
-    </p:tnLst>
-  </p:timing>
 </p:sld>
 </file>
 
@@ -10597,7 +10465,7 @@
           <a:lstStyle/>
           <a:p>
             <a:r>
-              <a:rPr lang="en-US" altLang="zh-CN" smtClean="0"/>
+              <a:rPr lang="en-US" altLang="zh-CN"/>
               <a:t>Prefix Indexes and Index Selectivity</a:t>
             </a:r>
             <a:endParaRPr lang="zh-CN" altLang="en-US" dirty="0"/>
@@ -10620,16 +10488,16 @@
           <a:lstStyle/>
           <a:p>
             <a:r>
-              <a:rPr lang="en-US" altLang="zh-CN" smtClean="0"/>
+              <a:rPr lang="en-US" altLang="zh-CN" sz="2000" dirty="0"/>
               <a:t>A prefix of the column is often selective enough to give good performance. If you’re indexing BLOB or TEXT columns, or very long VARCHAR columns, you must define prefix indexes, because MySQL disallows indexing their full length.</a:t>
             </a:r>
           </a:p>
           <a:p>
             <a:r>
-              <a:rPr lang="en-US" altLang="zh-CN" smtClean="0"/>
+              <a:rPr lang="en-US" altLang="zh-CN" sz="2000" dirty="0"/>
               <a:t>The trick is to choose a prefix that’s long enough to give good selectivity, but short enough to save space. The prefix should be long enough to make the index nearly as useful as it would be if you’d indexed the whole column. In other words, you’d like the prefix’s cardinality to be close to the full column’s cardinality.</a:t>
             </a:r>
-            <a:endParaRPr lang="zh-CN" altLang="en-US" dirty="0"/>
+            <a:endParaRPr lang="zh-CN" altLang="en-US" sz="2000" dirty="0"/>
           </a:p>
         </p:txBody>
       </p:sp>
@@ -10679,7 +10547,7 @@
           <a:lstStyle/>
           <a:p>
             <a:r>
-              <a:rPr lang="en-US" altLang="zh-CN" smtClean="0"/>
+              <a:rPr lang="en-US" altLang="zh-CN"/>
               <a:t>Index Selectivity case</a:t>
             </a:r>
             <a:endParaRPr lang="zh-CN" altLang="en-US" dirty="0"/>
@@ -10704,7 +10572,7 @@
         </p:blipFill>
         <p:spPr>
           <a:xfrm>
-            <a:off x="2112840" y="2311374"/>
+            <a:off x="336818" y="1108427"/>
             <a:ext cx="4794496" cy="1016052"/>
           </a:xfrm>
         </p:spPr>
@@ -10725,8 +10593,8 @@
         </p:blipFill>
         <p:spPr>
           <a:xfrm>
-            <a:off x="5059247" y="1492741"/>
-            <a:ext cx="2885856" cy="1208885"/>
+            <a:off x="5332894" y="1079552"/>
+            <a:ext cx="3351888" cy="1404106"/>
           </a:xfrm>
           <a:prstGeom prst="rect">
             <a:avLst/>
@@ -10749,8 +10617,8 @@
         </p:blipFill>
         <p:spPr>
           <a:xfrm>
-            <a:off x="4992839" y="2777450"/>
-            <a:ext cx="2786206" cy="1543130"/>
+            <a:off x="5361165" y="2647188"/>
+            <a:ext cx="3859306" cy="2137463"/>
           </a:xfrm>
           <a:prstGeom prst="rect">
             <a:avLst/>
@@ -10773,8 +10641,8 @@
         </p:blipFill>
         <p:spPr>
           <a:xfrm>
-            <a:off x="1649777" y="2777450"/>
-            <a:ext cx="2800494" cy="1025181"/>
+            <a:off x="430947" y="2483658"/>
+            <a:ext cx="3671617" cy="1344074"/>
           </a:xfrm>
           <a:prstGeom prst="rect">
             <a:avLst/>
@@ -10797,8 +10665,8 @@
         </p:blipFill>
         <p:spPr>
           <a:xfrm>
-            <a:off x="1614488" y="4049216"/>
-            <a:ext cx="2436144" cy="192892"/>
+            <a:off x="267829" y="4142284"/>
+            <a:ext cx="4863485" cy="385087"/>
           </a:xfrm>
           <a:prstGeom prst="rect">
             <a:avLst/>
@@ -10815,13 +10683,6 @@
   <p:clrMapOvr>
     <a:masterClrMapping/>
   </p:clrMapOvr>
-  <p:timing>
-    <p:tnLst>
-      <p:par>
-        <p:cTn id="1" dur="indefinite" restart="never" nodeType="tmRoot"/>
-      </p:par>
-    </p:tnLst>
-  </p:timing>
 </p:sld>
 </file>
 
@@ -10858,7 +10719,7 @@
           <a:lstStyle/>
           <a:p>
             <a:r>
-              <a:rPr lang="en-US" altLang="zh-CN" smtClean="0"/>
+              <a:rPr lang="en-US" altLang="zh-CN"/>
               <a:t>Multicolumn Indexes</a:t>
             </a:r>
             <a:endParaRPr lang="zh-CN" altLang="en-US" dirty="0"/>
@@ -10880,59 +10741,76 @@
           <a:bodyPr/>
           <a:lstStyle/>
           <a:p>
-            <a:r>
-              <a:rPr lang="en-US" altLang="zh-CN" smtClean="0"/>
+            <a:pPr marL="0" indent="0">
+              <a:buNone/>
+            </a:pPr>
+            <a:r>
+              <a:rPr lang="en-US" altLang="zh-CN" sz="1800" dirty="0"/>
               <a:t>CREATE TABLE t (</a:t>
             </a:r>
           </a:p>
           <a:p>
-            <a:pPr lvl="1"/>
-            <a:r>
-              <a:rPr lang="en-US" altLang="zh-CN" smtClean="0"/>
+            <a:pPr marL="457200" lvl="1" indent="0">
+              <a:buNone/>
+            </a:pPr>
+            <a:r>
+              <a:rPr lang="en-US" altLang="zh-CN" sz="1800" dirty="0"/>
               <a:t>c1 INT,</a:t>
             </a:r>
           </a:p>
           <a:p>
-            <a:pPr lvl="1"/>
-            <a:r>
-              <a:rPr lang="en-US" altLang="zh-CN" smtClean="0"/>
+            <a:pPr marL="457200" lvl="1" indent="0">
+              <a:buNone/>
+            </a:pPr>
+            <a:r>
+              <a:rPr lang="en-US" altLang="zh-CN" sz="1800" dirty="0"/>
               <a:t>c2 INT, </a:t>
             </a:r>
           </a:p>
           <a:p>
-            <a:pPr lvl="1"/>
-            <a:r>
-              <a:rPr lang="en-US" altLang="zh-CN" smtClean="0"/>
+            <a:pPr marL="457200" lvl="1" indent="0">
+              <a:buNone/>
+            </a:pPr>
+            <a:r>
+              <a:rPr lang="en-US" altLang="zh-CN" sz="1800" dirty="0"/>
               <a:t>c3 INT,</a:t>
             </a:r>
           </a:p>
           <a:p>
-            <a:pPr lvl="1"/>
-            <a:r>
-              <a:rPr lang="en-US" altLang="zh-CN" smtClean="0"/>
+            <a:pPr marL="457200" lvl="1" indent="0">
+              <a:buNone/>
+            </a:pPr>
+            <a:r>
+              <a:rPr lang="en-US" altLang="zh-CN" sz="1800" dirty="0"/>
               <a:t>KEY(c1),  </a:t>
             </a:r>
           </a:p>
           <a:p>
-            <a:pPr lvl="1"/>
-            <a:r>
-              <a:rPr lang="en-US" altLang="zh-CN" smtClean="0"/>
+            <a:pPr marL="457200" lvl="1" indent="0">
+              <a:buNone/>
+            </a:pPr>
+            <a:r>
+              <a:rPr lang="en-US" altLang="zh-CN" sz="1800" dirty="0"/>
               <a:t>KEY(c2),</a:t>
             </a:r>
           </a:p>
           <a:p>
-            <a:pPr lvl="1"/>
-            <a:r>
-              <a:rPr lang="en-US" altLang="zh-CN" smtClean="0"/>
+            <a:pPr marL="457200" lvl="1" indent="0">
+              <a:buNone/>
+            </a:pPr>
+            <a:r>
+              <a:rPr lang="en-US" altLang="zh-CN" sz="1800" dirty="0"/>
               <a:t>KEY(c3)</a:t>
             </a:r>
           </a:p>
           <a:p>
-            <a:r>
-              <a:rPr lang="en-US" altLang="zh-CN" smtClean="0"/>
+            <a:pPr marL="0" indent="0">
+              <a:buNone/>
+            </a:pPr>
+            <a:r>
+              <a:rPr lang="en-US" altLang="zh-CN" sz="1800" dirty="0"/>
               <a:t>);</a:t>
             </a:r>
-            <a:endParaRPr lang="en-US" altLang="zh-CN" dirty="0" smtClean="0"/>
           </a:p>
         </p:txBody>
       </p:sp>
@@ -10944,8 +10822,8 @@
         </p:nvSpPr>
         <p:spPr>
           <a:xfrm>
-            <a:off x="3349563" y="1669852"/>
-            <a:ext cx="4398961" cy="455959"/>
+            <a:off x="2832046" y="1417312"/>
+            <a:ext cx="6123695" cy="307777"/>
           </a:xfrm>
           <a:prstGeom prst="rect">
             <a:avLst/>
@@ -10953,26 +10831,15 @@
           <a:noFill/>
         </p:spPr>
         <p:txBody>
-          <a:bodyPr wrap="none" rtlCol="0">
+          <a:bodyPr wrap="square" rtlCol="0">
             <a:spAutoFit/>
           </a:bodyPr>
           <a:lstStyle/>
           <a:p>
             <a:r>
-              <a:rPr lang="en-US" altLang="zh-CN" sz="1013" dirty="0"/>
-              <a:t>“</a:t>
-            </a:r>
-            <a:r>
-              <a:rPr lang="en-US" altLang="zh-CN" sz="1350" dirty="0"/>
-              <a:t>create</a:t>
-            </a:r>
-            <a:r>
-              <a:rPr lang="en-US" altLang="zh-CN" sz="1013" dirty="0"/>
-              <a:t> indexes on columns that appear in the WHERE clause.” -wrong</a:t>
-            </a:r>
-          </a:p>
-          <a:p>
-            <a:endParaRPr lang="zh-CN" altLang="en-US" sz="1013" dirty="0"/>
+              <a:rPr lang="en-US" altLang="zh-CN" sz="1400" dirty="0"/>
+              <a:t>“create indexes on columns that appear in the WHERE clause.” -wrong</a:t>
+            </a:r>
           </a:p>
         </p:txBody>
       </p:sp>
@@ -10992,8 +10859,8 @@
         </p:blipFill>
         <p:spPr>
           <a:xfrm>
-            <a:off x="3298127" y="2365416"/>
-            <a:ext cx="4309845" cy="1080730"/>
+            <a:off x="2695799" y="2171939"/>
+            <a:ext cx="6026748" cy="1511258"/>
           </a:xfrm>
           <a:prstGeom prst="rect">
             <a:avLst/>
@@ -11010,13 +10877,6 @@
   <p:clrMapOvr>
     <a:masterClrMapping/>
   </p:clrMapOvr>
-  <p:timing>
-    <p:tnLst>
-      <p:par>
-        <p:cTn id="1" dur="indefinite" restart="never" nodeType="tmRoot"/>
-      </p:par>
-    </p:tnLst>
-  </p:timing>
 </p:sld>
 </file>
 
@@ -11053,7 +10913,7 @@
           <a:lstStyle/>
           <a:p>
             <a:r>
-              <a:rPr lang="en-US" altLang="zh-CN" smtClean="0"/>
+              <a:rPr lang="en-US" altLang="zh-CN"/>
               <a:t>Choosing a Good Column Order</a:t>
             </a:r>
             <a:endParaRPr lang="zh-CN" altLang="en-US" dirty="0"/>
@@ -11075,13 +10935,13 @@
           <a:bodyPr/>
           <a:lstStyle/>
           <a:p>
-            <a:r>
-              <a:rPr lang="en-US" altLang="zh-CN" smtClean="0"/>
+            <a:pPr marL="0" indent="0">
+              <a:buNone/>
+            </a:pPr>
+            <a:r>
+              <a:rPr lang="en-US" altLang="zh-CN" sz="1600" dirty="0"/>
               <a:t>Placing the most selective columns first can be a good idea when there is no sorting or grouping to consider, and thus the purpose of the index is only to optimize WHERE lookups. In such cases, it might indeed work well to design the index so that it filters out rows as quickly as possible, so it’s more selective for queries that specify only a prefix of the index in the WHERE clause.</a:t>
             </a:r>
-          </a:p>
-          <a:p>
-            <a:endParaRPr lang="zh-CN" altLang="en-US" dirty="0"/>
           </a:p>
         </p:txBody>
       </p:sp>
@@ -11101,8 +10961,8 @@
         </p:blipFill>
         <p:spPr>
           <a:xfrm>
-            <a:off x="1744933" y="2661454"/>
-            <a:ext cx="3820262" cy="464424"/>
+            <a:off x="342212" y="2343015"/>
+            <a:ext cx="4758892" cy="578532"/>
           </a:xfrm>
           <a:prstGeom prst="rect">
             <a:avLst/>
@@ -11125,8 +10985,8 @@
         </p:blipFill>
         <p:spPr>
           <a:xfrm>
-            <a:off x="1744934" y="3130560"/>
-            <a:ext cx="3720465" cy="1096943"/>
+            <a:off x="396000" y="2908589"/>
+            <a:ext cx="4532347" cy="1336319"/>
           </a:xfrm>
           <a:prstGeom prst="rect">
             <a:avLst/>
@@ -11149,8 +11009,8 @@
         </p:blipFill>
         <p:spPr>
           <a:xfrm>
-            <a:off x="1676864" y="4193382"/>
-            <a:ext cx="3170522" cy="205940"/>
+            <a:off x="342212" y="4246394"/>
+            <a:ext cx="3866718" cy="251161"/>
           </a:xfrm>
           <a:prstGeom prst="rect">
             <a:avLst/>
@@ -11167,13 +11027,6 @@
   <p:clrMapOvr>
     <a:masterClrMapping/>
   </p:clrMapOvr>
-  <p:timing>
-    <p:tnLst>
-      <p:par>
-        <p:cTn id="1" dur="indefinite" restart="never" nodeType="tmRoot"/>
-      </p:par>
-    </p:tnLst>
-  </p:timing>
 </p:sld>
 </file>
 
@@ -11210,7 +11063,7 @@
           <a:lstStyle/>
           <a:p>
             <a:r>
-              <a:rPr lang="en-US" altLang="zh-CN" smtClean="0"/>
+              <a:rPr lang="en-US" altLang="zh-CN"/>
               <a:t>Clustered Indexes</a:t>
             </a:r>
             <a:endParaRPr lang="zh-CN" altLang="en-US" dirty="0"/>
@@ -11235,114 +11088,11 @@
         </p:blipFill>
         <p:spPr>
           <a:xfrm>
-            <a:off x="2407207" y="1266825"/>
-            <a:ext cx="4205762" cy="3105150"/>
+            <a:off x="395999" y="1019174"/>
+            <a:ext cx="4586135" cy="3385983"/>
           </a:xfrm>
         </p:spPr>
       </p:pic>
-      <p:sp>
-        <p:nvSpPr>
-          <p:cNvPr id="5" name="TextBox 4"/>
-          <p:cNvSpPr txBox="1"/>
-          <p:nvPr/>
-        </p:nvSpPr>
-        <p:spPr>
-          <a:xfrm>
-            <a:off x="5345240" y="1769364"/>
-            <a:ext cx="2949846" cy="1027589"/>
-          </a:xfrm>
-          <a:prstGeom prst="rect">
-            <a:avLst/>
-          </a:prstGeom>
-          <a:noFill/>
-        </p:spPr>
-        <p:txBody>
-          <a:bodyPr wrap="none" rtlCol="0">
-            <a:spAutoFit/>
-          </a:bodyPr>
-          <a:lstStyle/>
-          <a:p>
-            <a:r>
-              <a:rPr lang="en-US" altLang="zh-CN" sz="1013" dirty="0"/>
-              <a:t>Advantages</a:t>
-            </a:r>
-          </a:p>
-          <a:p>
-            <a:r>
-              <a:rPr lang="en-US" altLang="zh-CN" sz="1013" dirty="0"/>
-              <a:t>You can keep related data close together</a:t>
-            </a:r>
-            <a:r>
-              <a:rPr lang="en-US" altLang="zh-CN" sz="1013" dirty="0"/>
-              <a:t>.</a:t>
-            </a:r>
-          </a:p>
-          <a:p>
-            <a:r>
-              <a:rPr lang="en-US" altLang="zh-CN" sz="1013" dirty="0"/>
-              <a:t>Data access is fast</a:t>
-            </a:r>
-            <a:r>
-              <a:rPr lang="en-US" altLang="zh-CN" sz="1013" dirty="0"/>
-              <a:t>.</a:t>
-            </a:r>
-          </a:p>
-          <a:p>
-            <a:r>
-              <a:rPr lang="en-US" altLang="zh-CN" sz="1013" dirty="0"/>
-              <a:t>Queries that use covering indexes </a:t>
-            </a:r>
-            <a:endParaRPr lang="en-US" altLang="zh-CN" sz="1013" dirty="0"/>
-          </a:p>
-          <a:p>
-            <a:r>
-              <a:rPr lang="en-US" altLang="zh-CN" sz="1013" dirty="0"/>
-              <a:t>can </a:t>
-            </a:r>
-            <a:r>
-              <a:rPr lang="en-US" altLang="zh-CN" sz="1013" dirty="0"/>
-              <a:t>use the primary key values contained at the</a:t>
-            </a:r>
-          </a:p>
-          <a:p>
-            <a:r>
-              <a:rPr lang="en-US" altLang="zh-CN" sz="1013" dirty="0"/>
-              <a:t>leaf node.</a:t>
-            </a:r>
-            <a:endParaRPr lang="zh-CN" altLang="en-US" sz="1013" dirty="0"/>
-          </a:p>
-        </p:txBody>
-      </p:sp>
-      <p:sp>
-        <p:nvSpPr>
-          <p:cNvPr id="6" name="TextBox 5"/>
-          <p:cNvSpPr txBox="1"/>
-          <p:nvPr/>
-        </p:nvSpPr>
-        <p:spPr>
-          <a:xfrm>
-            <a:off x="5380381" y="2931587"/>
-            <a:ext cx="1024639" cy="248209"/>
-          </a:xfrm>
-          <a:prstGeom prst="rect">
-            <a:avLst/>
-          </a:prstGeom>
-          <a:noFill/>
-        </p:spPr>
-        <p:txBody>
-          <a:bodyPr wrap="none" rtlCol="0">
-            <a:spAutoFit/>
-          </a:bodyPr>
-          <a:lstStyle/>
-          <a:p>
-            <a:r>
-              <a:rPr lang="en-US" altLang="zh-CN" sz="1013" dirty="0"/>
-              <a:t>disadvantages</a:t>
-            </a:r>
-            <a:endParaRPr lang="zh-CN" altLang="en-US" sz="1013" dirty="0"/>
-          </a:p>
-        </p:txBody>
-      </p:sp>
     </p:spTree>
     <p:extLst>
       <p:ext uri="{BB962C8B-B14F-4D97-AF65-F5344CB8AC3E}">
@@ -11389,7 +11139,7 @@
           <a:lstStyle/>
           <a:p>
             <a:r>
-              <a:rPr lang="en-US" altLang="zh-CN" smtClean="0"/>
+              <a:rPr lang="en-US" altLang="zh-CN"/>
               <a:t>Clustered Indexes-Advantages</a:t>
             </a:r>
             <a:endParaRPr lang="zh-CN" altLang="en-US" dirty="0"/>
@@ -11412,22 +11162,38 @@
           <a:lstStyle/>
           <a:p>
             <a:r>
-              <a:rPr lang="en-US" altLang="zh-CN" smtClean="0"/>
-              <a:t>You can keep related data close together. For example, when implementing a mailbox, you can cluster by user_id, so you can retrieve all of a single user’s messages by fetching only a few pages from disk. If you didn’t use clustering, each message might require its own disk I/O.</a:t>
-            </a:r>
-          </a:p>
-          <a:p>
-            <a:r>
-              <a:rPr lang="en-US" altLang="zh-CN" smtClean="0"/>
-              <a:t>Data access is fast. A clustered index holds both the index and the data together in one B-Tree, so retrieving rows from a clustered index is normally faster than a comparable lookup in a nonclustered index.</a:t>
-            </a:r>
-          </a:p>
-          <a:p>
-            <a:r>
-              <a:rPr lang="en-US" altLang="zh-CN" smtClean="0"/>
+              <a:rPr lang="en-US" altLang="zh-CN" sz="1800" dirty="0"/>
+              <a:t>You can keep related data close together. For example, when implementing a mailbox, you can cluster by </a:t>
+            </a:r>
+            <a:r>
+              <a:rPr lang="en-US" altLang="zh-CN" sz="1800" dirty="0" err="1"/>
+              <a:t>user_id</a:t>
+            </a:r>
+            <a:r>
+              <a:rPr lang="en-US" altLang="zh-CN" sz="1800" dirty="0"/>
+              <a:t>, so you can retrieve all of a single user’s messages by fetching only a few pages from disk. If you didn’t use clustering, each message might require its own disk I/O.</a:t>
+            </a:r>
+          </a:p>
+          <a:p>
+            <a:r>
+              <a:rPr lang="en-US" altLang="zh-CN" sz="1800" dirty="0"/>
+              <a:t>Data access is fast. A clustered index holds both the index and the data together in one B-Tree, so retrieving rows from a clustered index is normally faster than a comparable lookup in a </a:t>
+            </a:r>
+            <a:r>
+              <a:rPr lang="en-US" altLang="zh-CN" sz="1800" dirty="0" err="1"/>
+              <a:t>nonclustered</a:t>
+            </a:r>
+            <a:r>
+              <a:rPr lang="en-US" altLang="zh-CN" sz="1800" dirty="0"/>
+              <a:t> index.</a:t>
+            </a:r>
+          </a:p>
+          <a:p>
+            <a:r>
+              <a:rPr lang="en-US" altLang="zh-CN" sz="1800" dirty="0"/>
               <a:t>Queries that use covering indexes can use the primary key values contained at the leaf node.</a:t>
             </a:r>
-            <a:endParaRPr lang="zh-CN" altLang="en-US" dirty="0"/>
+            <a:endParaRPr lang="zh-CN" altLang="en-US" sz="1800" dirty="0"/>
           </a:p>
         </p:txBody>
       </p:sp>
@@ -11441,13 +11207,6 @@
   <p:clrMapOvr>
     <a:masterClrMapping/>
   </p:clrMapOvr>
-  <p:timing>
-    <p:tnLst>
-      <p:par>
-        <p:cTn id="1" dur="indefinite" restart="never" nodeType="tmRoot"/>
-      </p:par>
-    </p:tnLst>
-  </p:timing>
 </p:sld>
 </file>
 
@@ -11484,7 +11243,7 @@
           <a:lstStyle/>
           <a:p>
             <a:r>
-              <a:rPr lang="en-US" altLang="zh-CN" smtClean="0"/>
+              <a:rPr lang="en-US" altLang="zh-CN" dirty="0"/>
               <a:t>Clustered Indexes-Disadvantages</a:t>
             </a:r>
             <a:endParaRPr lang="zh-CN" altLang="en-US" dirty="0"/>
@@ -11501,52 +11260,89 @@
             <p:ph idx="1"/>
           </p:nvPr>
         </p:nvSpPr>
-        <p:spPr/>
+        <p:spPr>
+          <a:xfrm>
+            <a:off x="457200" y="1019175"/>
+            <a:ext cx="8229600" cy="3105149"/>
+          </a:xfrm>
+        </p:spPr>
         <p:txBody>
           <a:bodyPr/>
           <a:lstStyle/>
           <a:p>
             <a:r>
-              <a:rPr lang="en-US" altLang="zh-CN" smtClean="0"/>
-              <a:t>Clustering gives the largest improvement for I/O-bound workloads. </a:t>
-            </a:r>
-          </a:p>
-          <a:p>
-            <a:r>
-              <a:rPr lang="en-US" altLang="zh-CN" smtClean="0"/>
+              <a:rPr lang="en-US" altLang="zh-CN" sz="1800" dirty="0"/>
+              <a:t>Clustering gives the largest improvement for I/O-bound workloads</a:t>
+            </a:r>
+            <a:r>
+              <a:rPr lang="en-US" altLang="zh-CN" sz="1200" dirty="0"/>
+              <a:t>(fits in memory not benefit)</a:t>
+            </a:r>
+            <a:r>
+              <a:rPr lang="en-US" altLang="zh-CN" sz="1800" dirty="0"/>
+              <a:t>. </a:t>
+            </a:r>
+          </a:p>
+          <a:p>
+            <a:r>
+              <a:rPr lang="en-US" altLang="zh-CN" sz="1800" dirty="0"/>
               <a:t>Insert speeds depend heavily on insertion order.</a:t>
             </a:r>
           </a:p>
           <a:p>
             <a:r>
-              <a:rPr lang="en-US" altLang="zh-CN" smtClean="0"/>
-              <a:t>Updating the clustered index columns is expensive, because it forces InnoDB to move each updated row to a new location.</a:t>
-            </a:r>
-          </a:p>
-          <a:p>
-            <a:r>
-              <a:rPr lang="en-US" altLang="zh-CN" smtClean="0"/>
+              <a:rPr lang="en-US" altLang="zh-CN" sz="1800" dirty="0"/>
+              <a:t>Updating the clustered index columns is expensive, because it forces </a:t>
+            </a:r>
+            <a:r>
+              <a:rPr lang="en-US" altLang="zh-CN" sz="1800" dirty="0" err="1"/>
+              <a:t>InnoDB</a:t>
+            </a:r>
+            <a:r>
+              <a:rPr lang="en-US" altLang="zh-CN" sz="1800" dirty="0"/>
+              <a:t> to move each updated row to a new location.</a:t>
+            </a:r>
+          </a:p>
+          <a:p>
+            <a:r>
+              <a:rPr lang="en-US" altLang="zh-CN" sz="1800" dirty="0"/>
               <a:t>Tables built upon clustered indexes are subject to page splits when new rows are inserted, or when a row’s primary key is updated such that the row must be moved.</a:t>
             </a:r>
           </a:p>
           <a:p>
             <a:r>
-              <a:rPr lang="en-US" altLang="zh-CN" smtClean="0"/>
-              <a:t>Clustered tables can be slower for full table scans, especially if rows are less densely packed or stored nonsequentially because of page splits.</a:t>
-            </a:r>
-          </a:p>
-          <a:p>
-            <a:r>
-              <a:rPr lang="en-US" altLang="zh-CN" smtClean="0"/>
-              <a:t>Secondary (nonclustered) indexes can be larger than you might expect, because their leaf nodes contain the primary key columns of the referenced rows.</a:t>
-            </a:r>
-          </a:p>
-          <a:p>
-            <a:r>
-              <a:rPr lang="en-US" altLang="zh-CN" smtClean="0"/>
+              <a:rPr lang="en-US" altLang="zh-CN" sz="1800" dirty="0"/>
+              <a:t>Clustered tables can be slower for full table scans, especially if rows are less densely packed or stored </a:t>
+            </a:r>
+            <a:r>
+              <a:rPr lang="en-US" altLang="zh-CN" sz="1800" dirty="0" err="1"/>
+              <a:t>nonsequentially</a:t>
+            </a:r>
+            <a:r>
+              <a:rPr lang="en-US" altLang="zh-CN" sz="1800" dirty="0"/>
+              <a:t> because of page splits.</a:t>
+            </a:r>
+          </a:p>
+          <a:p>
+            <a:r>
+              <a:rPr lang="en-US" altLang="zh-CN" sz="1800" dirty="0"/>
+              <a:t>Secondary (</a:t>
+            </a:r>
+            <a:r>
+              <a:rPr lang="en-US" altLang="zh-CN" sz="1800" dirty="0" err="1"/>
+              <a:t>nonclustered</a:t>
+            </a:r>
+            <a:r>
+              <a:rPr lang="en-US" altLang="zh-CN" sz="1800" dirty="0"/>
+              <a:t>) indexes can be larger than you might expect, because their leaf nodes contain the primary key columns of the referenced rows.</a:t>
+            </a:r>
+          </a:p>
+          <a:p>
+            <a:r>
+              <a:rPr lang="en-US" altLang="zh-CN" sz="1800" dirty="0"/>
               <a:t>Secondary index accesses require two index lookups instead of one.</a:t>
             </a:r>
-            <a:endParaRPr lang="zh-CN" altLang="en-US" dirty="0"/>
+            <a:endParaRPr lang="zh-CN" altLang="en-US" sz="1800" dirty="0"/>
           </a:p>
         </p:txBody>
       </p:sp>
@@ -11560,13 +11356,6 @@
   <p:clrMapOvr>
     <a:masterClrMapping/>
   </p:clrMapOvr>
-  <p:timing>
-    <p:tnLst>
-      <p:par>
-        <p:cTn id="1" dur="indefinite" restart="never" nodeType="tmRoot"/>
-      </p:par>
-    </p:tnLst>
-  </p:timing>
 </p:sld>
 </file>
 
@@ -11603,7 +11392,7 @@
           <a:lstStyle/>
           <a:p>
             <a:r>
-              <a:rPr lang="en-US" altLang="zh-CN" smtClean="0"/>
+              <a:rPr lang="en-US" altLang="zh-CN"/>
               <a:t>Agenda</a:t>
             </a:r>
             <a:endParaRPr lang="zh-CN" altLang="en-US" dirty="0"/>
@@ -11626,19 +11415,19 @@
           <a:lstStyle/>
           <a:p>
             <a:r>
-              <a:rPr lang="en-US" altLang="zh-CN" smtClean="0"/>
+              <a:rPr lang="en-US" altLang="zh-CN"/>
               <a:t>MySQL Index</a:t>
             </a:r>
           </a:p>
           <a:p>
             <a:r>
-              <a:rPr lang="en-US" altLang="zh-CN" smtClean="0"/>
+              <a:rPr lang="en-US" altLang="zh-CN"/>
               <a:t>Orchestrator</a:t>
             </a:r>
           </a:p>
           <a:p>
             <a:r>
-              <a:rPr lang="en-US" altLang="zh-CN" smtClean="0"/>
+              <a:rPr lang="en-US" altLang="zh-CN"/>
               <a:t>ProxySQL</a:t>
             </a:r>
             <a:endParaRPr lang="zh-CN" altLang="en-US" dirty="0"/>
@@ -11655,13 +11444,6 @@
   <p:clrMapOvr>
     <a:masterClrMapping/>
   </p:clrMapOvr>
-  <p:timing>
-    <p:tnLst>
-      <p:par>
-        <p:cTn id="1" dur="indefinite" restart="never" nodeType="tmRoot"/>
-      </p:par>
-    </p:tnLst>
-  </p:timing>
 </p:sld>
 </file>
 
@@ -11700,7 +11482,7 @@
           <a:lstStyle/>
           <a:p>
             <a:r>
-              <a:rPr lang="en-US" altLang="zh-CN" smtClean="0"/>
+              <a:rPr lang="en-US" altLang="zh-CN"/>
               <a:t>Comparison of InnoDB and MyISAM data layout</a:t>
             </a:r>
             <a:endParaRPr lang="zh-CN" altLang="en-US" dirty="0"/>
@@ -11722,42 +11504,80 @@
           <a:bodyPr/>
           <a:lstStyle/>
           <a:p>
-            <a:r>
-              <a:rPr lang="en-US" altLang="zh-CN" smtClean="0"/>
-              <a:t>CREATE TABLE layout_test (</a:t>
-            </a:r>
-          </a:p>
-          <a:p>
-            <a:pPr lvl="1"/>
-            <a:r>
-              <a:rPr lang="en-US" altLang="zh-CN" smtClean="0"/>
-              <a:t>col1 int NOT NULL,</a:t>
-            </a:r>
-          </a:p>
-          <a:p>
-            <a:pPr lvl="1"/>
-            <a:r>
-              <a:rPr lang="en-US" altLang="zh-CN" smtClean="0"/>
-              <a:t>col2 int NOT NULL,</a:t>
-            </a:r>
-          </a:p>
-          <a:p>
-            <a:pPr lvl="1"/>
-            <a:r>
-              <a:rPr lang="en-US" altLang="zh-CN" smtClean="0"/>
+            <a:pPr marL="0" indent="0">
+              <a:buNone/>
+            </a:pPr>
+            <a:r>
+              <a:rPr lang="en-US" altLang="zh-CN" dirty="0"/>
+              <a:t>CREATE TABLE </a:t>
+            </a:r>
+            <a:r>
+              <a:rPr lang="en-US" altLang="zh-CN" dirty="0" err="1"/>
+              <a:t>layout_test</a:t>
+            </a:r>
+            <a:r>
+              <a:rPr lang="en-US" altLang="zh-CN" dirty="0"/>
+              <a:t> (</a:t>
+            </a:r>
+          </a:p>
+          <a:p>
+            <a:pPr marL="457200" lvl="1" indent="0">
+              <a:buNone/>
+            </a:pPr>
+            <a:r>
+              <a:rPr lang="en-US" altLang="zh-CN" dirty="0"/>
+              <a:t>col1 </a:t>
+            </a:r>
+            <a:r>
+              <a:rPr lang="en-US" altLang="zh-CN" dirty="0" err="1"/>
+              <a:t>int</a:t>
+            </a:r>
+            <a:r>
+              <a:rPr lang="en-US" altLang="zh-CN" dirty="0"/>
+              <a:t> NOT NULL,</a:t>
+            </a:r>
+          </a:p>
+          <a:p>
+            <a:pPr marL="457200" lvl="1" indent="0">
+              <a:buNone/>
+            </a:pPr>
+            <a:r>
+              <a:rPr lang="en-US" altLang="zh-CN" dirty="0"/>
+              <a:t>col2 </a:t>
+            </a:r>
+            <a:r>
+              <a:rPr lang="en-US" altLang="zh-CN" dirty="0" err="1"/>
+              <a:t>int</a:t>
+            </a:r>
+            <a:r>
+              <a:rPr lang="en-US" altLang="zh-CN" dirty="0"/>
+              <a:t> NOT NULL,</a:t>
+            </a:r>
+          </a:p>
+          <a:p>
+            <a:pPr marL="457200" lvl="1" indent="0">
+              <a:buNone/>
+            </a:pPr>
+            <a:r>
+              <a:rPr lang="en-US" altLang="zh-CN" dirty="0"/>
               <a:t>PRIMARY KEY(col1),</a:t>
             </a:r>
           </a:p>
           <a:p>
-            <a:pPr lvl="1"/>
-            <a:r>
-              <a:rPr lang="en-US" altLang="zh-CN" smtClean="0"/>
+            <a:pPr marL="457200" lvl="1" indent="0">
+              <a:buNone/>
+            </a:pPr>
+            <a:r>
+              <a:rPr lang="en-US" altLang="zh-CN" dirty="0"/>
               <a:t>KEY(col2)</a:t>
             </a:r>
           </a:p>
           <a:p>
-            <a:r>
-              <a:rPr lang="en-US" altLang="zh-CN" smtClean="0"/>
+            <a:pPr marL="0" indent="0">
+              <a:buNone/>
+            </a:pPr>
+            <a:r>
+              <a:rPr lang="en-US" altLang="zh-CN" dirty="0"/>
               <a:t>);</a:t>
             </a:r>
             <a:endParaRPr lang="zh-CN" altLang="en-US" dirty="0"/>
@@ -11774,13 +11594,6 @@
   <p:clrMapOvr>
     <a:masterClrMapping/>
   </p:clrMapOvr>
-  <p:timing>
-    <p:tnLst>
-      <p:par>
-        <p:cTn id="1" dur="indefinite" restart="never" nodeType="tmRoot"/>
-      </p:par>
-    </p:tnLst>
-  </p:timing>
 </p:sld>
 </file>
 
@@ -11817,7 +11630,7 @@
           <a:lstStyle/>
           <a:p>
             <a:r>
-              <a:rPr lang="en-US" altLang="zh-CN" smtClean="0"/>
+              <a:rPr lang="en-US" altLang="zh-CN"/>
               <a:t>MyISAM’s data layout</a:t>
             </a:r>
             <a:endParaRPr lang="zh-CN" altLang="en-US" dirty="0"/>
@@ -11842,7 +11655,7 @@
         </p:blipFill>
         <p:spPr>
           <a:xfrm>
-            <a:off x="3646443" y="1828749"/>
+            <a:off x="518400" y="1152718"/>
             <a:ext cx="1727289" cy="1981302"/>
           </a:xfrm>
         </p:spPr>
@@ -11863,8 +11676,8 @@
         </p:blipFill>
         <p:spPr>
           <a:xfrm>
-            <a:off x="4070073" y="1282191"/>
-            <a:ext cx="3146872" cy="1351282"/>
+            <a:off x="2968683" y="1298248"/>
+            <a:ext cx="3928507" cy="1686920"/>
           </a:xfrm>
           <a:prstGeom prst="rect">
             <a:avLst/>
@@ -11879,7 +11692,7 @@
         </p:nvSpPr>
         <p:spPr>
           <a:xfrm>
-            <a:off x="4193517" y="1043625"/>
+            <a:off x="3158091" y="1025291"/>
             <a:ext cx="1774845" cy="248209"/>
           </a:xfrm>
           <a:prstGeom prst="rect">
@@ -11921,8 +11734,8 @@
         </p:blipFill>
         <p:spPr>
           <a:xfrm>
-            <a:off x="4193517" y="3110600"/>
-            <a:ext cx="2532590" cy="1257365"/>
+            <a:off x="3158091" y="3159243"/>
+            <a:ext cx="3146871" cy="1562340"/>
           </a:xfrm>
           <a:prstGeom prst="rect">
             <a:avLst/>
@@ -11937,7 +11750,7 @@
         </p:nvSpPr>
         <p:spPr>
           <a:xfrm>
-            <a:off x="4193517" y="2768161"/>
+            <a:off x="3158091" y="2885811"/>
             <a:ext cx="1686680" cy="248209"/>
           </a:xfrm>
           <a:prstGeom prst="rect">
@@ -11973,313 +11786,10 @@
   <p:clrMapOvr>
     <a:masterClrMapping/>
   </p:clrMapOvr>
-  <p:timing>
-    <p:tnLst>
-      <p:par>
-        <p:cTn id="1" dur="indefinite" restart="never" nodeType="tmRoot"/>
-      </p:par>
-    </p:tnLst>
-  </p:timing>
 </p:sld>
 </file>
 
 <file path=ppt/slides/slide22.xml><?xml version="1.0" encoding="utf-8"?>
-<p:sld xmlns:a="http://schemas.openxmlformats.org/drawingml/2006/main" xmlns:r="http://schemas.openxmlformats.org/officeDocument/2006/relationships" xmlns:p="http://schemas.openxmlformats.org/presentationml/2006/main">
-  <p:cSld>
-    <p:spTree>
-      <p:nvGrpSpPr>
-        <p:cNvPr id="1" name=""/>
-        <p:cNvGrpSpPr/>
-        <p:nvPr/>
-      </p:nvGrpSpPr>
-      <p:grpSpPr>
-        <a:xfrm>
-          <a:off x="0" y="0"/>
-          <a:ext cx="0" cy="0"/>
-          <a:chOff x="0" y="0"/>
-          <a:chExt cx="0" cy="0"/>
-        </a:xfrm>
-      </p:grpSpPr>
-      <p:sp>
-        <p:nvSpPr>
-          <p:cNvPr id="14" name="Title 13"/>
-          <p:cNvSpPr>
-            <a:spLocks noGrp="1"/>
-          </p:cNvSpPr>
-          <p:nvPr>
-            <p:ph type="title"/>
-          </p:nvPr>
-        </p:nvSpPr>
-        <p:spPr/>
-        <p:txBody>
-          <a:bodyPr/>
-          <a:lstStyle/>
-          <a:p>
-            <a:endParaRPr lang="zh-CN" altLang="en-US"/>
-          </a:p>
-        </p:txBody>
-      </p:sp>
-      <p:pic>
-        <p:nvPicPr>
-          <p:cNvPr id="4" name="Content Placeholder 3"/>
-          <p:cNvPicPr>
-            <a:picLocks noGrp="1" noChangeAspect="1"/>
-          </p:cNvPicPr>
-          <p:nvPr>
-            <p:ph idx="1"/>
-          </p:nvPr>
-        </p:nvPicPr>
-        <p:blipFill>
-          <a:blip r:embed="rId2"/>
-          <a:stretch>
-            <a:fillRect/>
-          </a:stretch>
-        </p:blipFill>
-        <p:spPr>
-          <a:xfrm>
-            <a:off x="1531785" y="1422328"/>
-            <a:ext cx="5956606" cy="2794144"/>
-          </a:xfrm>
-        </p:spPr>
-      </p:pic>
-      <p:pic>
-        <p:nvPicPr>
-          <p:cNvPr id="5" name="Picture 4"/>
-          <p:cNvPicPr>
-            <a:picLocks noChangeAspect="1"/>
-          </p:cNvPicPr>
-          <p:nvPr/>
-        </p:nvPicPr>
-        <p:blipFill>
-          <a:blip r:embed="rId3"/>
-          <a:stretch>
-            <a:fillRect/>
-          </a:stretch>
-        </p:blipFill>
-        <p:spPr>
-          <a:xfrm>
-            <a:off x="3806048" y="3103447"/>
-            <a:ext cx="3339875" cy="1275225"/>
-          </a:xfrm>
-          <a:prstGeom prst="rect">
-            <a:avLst/>
-          </a:prstGeom>
-        </p:spPr>
-      </p:pic>
-      <p:sp>
-        <p:nvSpPr>
-          <p:cNvPr id="7" name="TextBox 6"/>
-          <p:cNvSpPr txBox="1"/>
-          <p:nvPr/>
-        </p:nvSpPr>
-        <p:spPr>
-          <a:xfrm>
-            <a:off x="3678745" y="830718"/>
-            <a:ext cx="1715534" cy="248209"/>
-          </a:xfrm>
-          <a:prstGeom prst="rect">
-            <a:avLst/>
-          </a:prstGeom>
-          <a:noFill/>
-        </p:spPr>
-        <p:txBody>
-          <a:bodyPr wrap="none" rtlCol="0">
-            <a:spAutoFit/>
-          </a:bodyPr>
-          <a:lstStyle/>
-          <a:p>
-            <a:r>
-              <a:rPr lang="en-US" altLang="zh-CN" sz="1013" i="1" dirty="0" err="1"/>
-              <a:t>InnoDB</a:t>
-            </a:r>
-            <a:r>
-              <a:rPr lang="en-US" altLang="zh-CN" sz="1013" i="1" dirty="0"/>
-              <a:t> primary key layout</a:t>
-            </a:r>
-            <a:endParaRPr lang="zh-CN" altLang="en-US" sz="1013" dirty="0"/>
-          </a:p>
-        </p:txBody>
-      </p:sp>
-      <p:sp>
-        <p:nvSpPr>
-          <p:cNvPr id="8" name="TextBox 7"/>
-          <p:cNvSpPr txBox="1"/>
-          <p:nvPr/>
-        </p:nvSpPr>
-        <p:spPr>
-          <a:xfrm>
-            <a:off x="3754841" y="2850411"/>
-            <a:ext cx="1989647" cy="248209"/>
-          </a:xfrm>
-          <a:prstGeom prst="rect">
-            <a:avLst/>
-          </a:prstGeom>
-          <a:noFill/>
-        </p:spPr>
-        <p:txBody>
-          <a:bodyPr wrap="none" rtlCol="0">
-            <a:spAutoFit/>
-          </a:bodyPr>
-          <a:lstStyle/>
-          <a:p>
-            <a:r>
-              <a:rPr lang="en-US" altLang="zh-CN" sz="1013" i="1" dirty="0" err="1"/>
-              <a:t>InnoDB</a:t>
-            </a:r>
-            <a:r>
-              <a:rPr lang="en-US" altLang="zh-CN" sz="1013" i="1" dirty="0"/>
-              <a:t> secondary index layout</a:t>
-            </a:r>
-            <a:endParaRPr lang="zh-CN" altLang="en-US" sz="1013" dirty="0"/>
-          </a:p>
-        </p:txBody>
-      </p:sp>
-      <p:sp>
-        <p:nvSpPr>
-          <p:cNvPr id="9" name="TextBox 8"/>
-          <p:cNvSpPr txBox="1"/>
-          <p:nvPr/>
-        </p:nvSpPr>
-        <p:spPr>
-          <a:xfrm>
-            <a:off x="1348740" y="1193293"/>
-            <a:ext cx="2160270" cy="1304203"/>
-          </a:xfrm>
-          <a:prstGeom prst="rect">
-            <a:avLst/>
-          </a:prstGeom>
-          <a:noFill/>
-        </p:spPr>
-        <p:txBody>
-          <a:bodyPr wrap="square" rtlCol="0">
-            <a:spAutoFit/>
-          </a:bodyPr>
-          <a:lstStyle/>
-          <a:p>
-            <a:r>
-              <a:rPr lang="en-US" altLang="zh-CN" sz="1575" dirty="0" err="1"/>
-              <a:t>InnoDB</a:t>
-            </a:r>
-            <a:r>
-              <a:rPr lang="en-US" altLang="zh-CN" sz="1575" dirty="0"/>
-              <a:t> stores the same data very differently because of its clustered</a:t>
-            </a:r>
-          </a:p>
-          <a:p>
-            <a:r>
-              <a:rPr lang="en-US" altLang="zh-CN" sz="1575" dirty="0"/>
-              <a:t>organization.</a:t>
-            </a:r>
-            <a:endParaRPr lang="zh-CN" altLang="en-US" sz="1575" dirty="0"/>
-          </a:p>
-        </p:txBody>
-      </p:sp>
-    </p:spTree>
-    <p:extLst>
-      <p:ext uri="{BB962C8B-B14F-4D97-AF65-F5344CB8AC3E}">
-        <p14:creationId xmlns:p14="http://schemas.microsoft.com/office/powerpoint/2010/main" val="4181588694"/>
-      </p:ext>
-    </p:extLst>
-  </p:cSld>
-  <p:clrMapOvr>
-    <a:masterClrMapping/>
-  </p:clrMapOvr>
-  <p:timing>
-    <p:tnLst>
-      <p:par>
-        <p:cTn id="1" dur="indefinite" restart="never" nodeType="tmRoot"/>
-      </p:par>
-    </p:tnLst>
-  </p:timing>
-</p:sld>
-</file>
-
-<file path=ppt/slides/slide23.xml><?xml version="1.0" encoding="utf-8"?>
-<p:sld xmlns:a="http://schemas.openxmlformats.org/drawingml/2006/main" xmlns:r="http://schemas.openxmlformats.org/officeDocument/2006/relationships" xmlns:p="http://schemas.openxmlformats.org/presentationml/2006/main">
-  <p:cSld>
-    <p:spTree>
-      <p:nvGrpSpPr>
-        <p:cNvPr id="1" name=""/>
-        <p:cNvGrpSpPr/>
-        <p:nvPr/>
-      </p:nvGrpSpPr>
-      <p:grpSpPr>
-        <a:xfrm>
-          <a:off x="0" y="0"/>
-          <a:ext cx="0" cy="0"/>
-          <a:chOff x="0" y="0"/>
-          <a:chExt cx="0" cy="0"/>
-        </a:xfrm>
-      </p:grpSpPr>
-      <p:sp>
-        <p:nvSpPr>
-          <p:cNvPr id="2" name="Title 1"/>
-          <p:cNvSpPr>
-            <a:spLocks noGrp="1"/>
-          </p:cNvSpPr>
-          <p:nvPr>
-            <p:ph type="title"/>
-          </p:nvPr>
-        </p:nvSpPr>
-        <p:spPr/>
-        <p:txBody>
-          <a:bodyPr>
-            <a:normAutofit fontScale="90000"/>
-          </a:bodyPr>
-          <a:lstStyle/>
-          <a:p>
-            <a:r>
-              <a:rPr lang="en-US" altLang="zh-CN" smtClean="0"/>
-              <a:t>Inserting rows in primary key order with InnoDB</a:t>
-            </a:r>
-            <a:endParaRPr lang="zh-CN" altLang="en-US" dirty="0"/>
-          </a:p>
-        </p:txBody>
-      </p:sp>
-      <p:pic>
-        <p:nvPicPr>
-          <p:cNvPr id="4" name="Content Placeholder 3"/>
-          <p:cNvPicPr>
-            <a:picLocks noGrp="1" noChangeAspect="1"/>
-          </p:cNvPicPr>
-          <p:nvPr>
-            <p:ph idx="1"/>
-          </p:nvPr>
-        </p:nvPicPr>
-        <p:blipFill>
-          <a:blip r:embed="rId2"/>
-          <a:stretch>
-            <a:fillRect/>
-          </a:stretch>
-        </p:blipFill>
-        <p:spPr>
-          <a:xfrm>
-            <a:off x="2716204" y="1266825"/>
-            <a:ext cx="3587768" cy="3105150"/>
-          </a:xfrm>
-        </p:spPr>
-      </p:pic>
-    </p:spTree>
-    <p:extLst>
-      <p:ext uri="{BB962C8B-B14F-4D97-AF65-F5344CB8AC3E}">
-        <p14:creationId xmlns:p14="http://schemas.microsoft.com/office/powerpoint/2010/main" val="2211456814"/>
-      </p:ext>
-    </p:extLst>
-  </p:cSld>
-  <p:clrMapOvr>
-    <a:masterClrMapping/>
-  </p:clrMapOvr>
-  <p:timing>
-    <p:tnLst>
-      <p:par>
-        <p:cTn id="1" dur="indefinite" restart="never" nodeType="tmRoot"/>
-      </p:par>
-    </p:tnLst>
-  </p:timing>
-</p:sld>
-</file>
-
-<file path=ppt/slides/slide24.xml><?xml version="1.0" encoding="utf-8"?>
 <p:sld xmlns:a="http://schemas.openxmlformats.org/drawingml/2006/main" xmlns:r="http://schemas.openxmlformats.org/officeDocument/2006/relationships" xmlns:p="http://schemas.openxmlformats.org/presentationml/2006/main">
   <p:cSld>
     <p:spTree>
@@ -12312,8 +11822,8 @@
         </p:blipFill>
         <p:spPr>
           <a:xfrm>
-            <a:off x="4798314" y="1529745"/>
-            <a:ext cx="3136612" cy="1850079"/>
+            <a:off x="358007" y="2810707"/>
+            <a:ext cx="4422422" cy="1688561"/>
           </a:xfrm>
           <a:prstGeom prst="rect">
             <a:avLst/>
@@ -12322,6 +11832,220 @@
       </p:pic>
       <p:sp>
         <p:nvSpPr>
+          <p:cNvPr id="7" name="TextBox 6"/>
+          <p:cNvSpPr txBox="1"/>
+          <p:nvPr/>
+        </p:nvSpPr>
+        <p:spPr>
+          <a:xfrm>
+            <a:off x="3454715" y="423918"/>
+            <a:ext cx="1715534" cy="248209"/>
+          </a:xfrm>
+          <a:prstGeom prst="rect">
+            <a:avLst/>
+          </a:prstGeom>
+          <a:noFill/>
+        </p:spPr>
+        <p:txBody>
+          <a:bodyPr wrap="none" rtlCol="0">
+            <a:spAutoFit/>
+          </a:bodyPr>
+          <a:lstStyle/>
+          <a:p>
+            <a:r>
+              <a:rPr lang="en-US" altLang="zh-CN" sz="1013" i="1" dirty="0" err="1"/>
+              <a:t>InnoDB</a:t>
+            </a:r>
+            <a:r>
+              <a:rPr lang="en-US" altLang="zh-CN" sz="1013" i="1" dirty="0"/>
+              <a:t> primary key layout</a:t>
+            </a:r>
+            <a:endParaRPr lang="zh-CN" altLang="en-US" sz="1013" dirty="0"/>
+          </a:p>
+        </p:txBody>
+      </p:sp>
+      <p:sp>
+        <p:nvSpPr>
+          <p:cNvPr id="8" name="TextBox 7"/>
+          <p:cNvSpPr txBox="1"/>
+          <p:nvPr/>
+        </p:nvSpPr>
+        <p:spPr>
+          <a:xfrm>
+            <a:off x="358007" y="2323541"/>
+            <a:ext cx="2030519" cy="248209"/>
+          </a:xfrm>
+          <a:prstGeom prst="rect">
+            <a:avLst/>
+          </a:prstGeom>
+          <a:noFill/>
+        </p:spPr>
+        <p:txBody>
+          <a:bodyPr wrap="square" rtlCol="0">
+            <a:spAutoFit/>
+          </a:bodyPr>
+          <a:lstStyle/>
+          <a:p>
+            <a:r>
+              <a:rPr lang="en-US" altLang="zh-CN" sz="1013" i="1" dirty="0" err="1"/>
+              <a:t>InnoDB</a:t>
+            </a:r>
+            <a:r>
+              <a:rPr lang="en-US" altLang="zh-CN" sz="1013" i="1" dirty="0"/>
+              <a:t> secondary index layout</a:t>
+            </a:r>
+            <a:endParaRPr lang="zh-CN" altLang="en-US" sz="1013" dirty="0"/>
+          </a:p>
+        </p:txBody>
+      </p:sp>
+      <p:sp>
+        <p:nvSpPr>
+          <p:cNvPr id="9" name="TextBox 8"/>
+          <p:cNvSpPr txBox="1"/>
+          <p:nvPr/>
+        </p:nvSpPr>
+        <p:spPr>
+          <a:xfrm>
+            <a:off x="358007" y="423918"/>
+            <a:ext cx="2474947" cy="1477328"/>
+          </a:xfrm>
+          <a:prstGeom prst="rect">
+            <a:avLst/>
+          </a:prstGeom>
+          <a:noFill/>
+        </p:spPr>
+        <p:txBody>
+          <a:bodyPr wrap="square" rtlCol="0">
+            <a:spAutoFit/>
+          </a:bodyPr>
+          <a:lstStyle/>
+          <a:p>
+            <a:r>
+              <a:rPr lang="en-US" altLang="zh-CN" dirty="0" err="1"/>
+              <a:t>InnoDB</a:t>
+            </a:r>
+            <a:r>
+              <a:rPr lang="en-US" altLang="zh-CN" dirty="0"/>
+              <a:t> stores the same data very differently because of its clustered</a:t>
+            </a:r>
+          </a:p>
+          <a:p>
+            <a:r>
+              <a:rPr lang="en-US" altLang="zh-CN" dirty="0"/>
+              <a:t>organization.</a:t>
+            </a:r>
+            <a:endParaRPr lang="zh-CN" altLang="en-US" dirty="0"/>
+          </a:p>
+        </p:txBody>
+      </p:sp>
+      <p:pic>
+        <p:nvPicPr>
+          <p:cNvPr id="4" name="Content Placeholder 3"/>
+          <p:cNvPicPr>
+            <a:picLocks noGrp="1" noChangeAspect="1"/>
+          </p:cNvPicPr>
+          <p:nvPr>
+            <p:ph idx="1"/>
+          </p:nvPr>
+        </p:nvPicPr>
+        <p:blipFill>
+          <a:blip r:embed="rId3"/>
+          <a:stretch>
+            <a:fillRect/>
+          </a:stretch>
+        </p:blipFill>
+        <p:spPr>
+          <a:xfrm>
+            <a:off x="3454715" y="809879"/>
+            <a:ext cx="5526286" cy="2592288"/>
+          </a:xfrm>
+        </p:spPr>
+      </p:pic>
+    </p:spTree>
+    <p:extLst>
+      <p:ext uri="{BB962C8B-B14F-4D97-AF65-F5344CB8AC3E}">
+        <p14:creationId xmlns:p14="http://schemas.microsoft.com/office/powerpoint/2010/main" val="4181588694"/>
+      </p:ext>
+    </p:extLst>
+  </p:cSld>
+  <p:clrMapOvr>
+    <a:masterClrMapping/>
+  </p:clrMapOvr>
+</p:sld>
+</file>
+
+<file path=ppt/slides/slide23.xml><?xml version="1.0" encoding="utf-8"?>
+<p:sld xmlns:a="http://schemas.openxmlformats.org/drawingml/2006/main" xmlns:r="http://schemas.openxmlformats.org/officeDocument/2006/relationships" xmlns:p="http://schemas.openxmlformats.org/presentationml/2006/main">
+  <p:cSld>
+    <p:spTree>
+      <p:nvGrpSpPr>
+        <p:cNvPr id="1" name=""/>
+        <p:cNvGrpSpPr/>
+        <p:nvPr/>
+      </p:nvGrpSpPr>
+      <p:grpSpPr>
+        <a:xfrm>
+          <a:off x="0" y="0"/>
+          <a:ext cx="0" cy="0"/>
+          <a:chOff x="0" y="0"/>
+          <a:chExt cx="0" cy="0"/>
+        </a:xfrm>
+      </p:grpSpPr>
+      <p:pic>
+        <p:nvPicPr>
+          <p:cNvPr id="4" name="Content Placeholder 3"/>
+          <p:cNvPicPr>
+            <a:picLocks noGrp="1" noChangeAspect="1"/>
+          </p:cNvPicPr>
+          <p:nvPr>
+            <p:ph idx="1"/>
+          </p:nvPr>
+        </p:nvPicPr>
+        <p:blipFill>
+          <a:blip r:embed="rId2"/>
+          <a:stretch>
+            <a:fillRect/>
+          </a:stretch>
+        </p:blipFill>
+        <p:spPr>
+          <a:xfrm>
+            <a:off x="1734569" y="217216"/>
+            <a:ext cx="4995684" cy="4323676"/>
+          </a:xfrm>
+        </p:spPr>
+      </p:pic>
+    </p:spTree>
+    <p:extLst>
+      <p:ext uri="{BB962C8B-B14F-4D97-AF65-F5344CB8AC3E}">
+        <p14:creationId xmlns:p14="http://schemas.microsoft.com/office/powerpoint/2010/main" val="2211456814"/>
+      </p:ext>
+    </p:extLst>
+  </p:cSld>
+  <p:clrMapOvr>
+    <a:masterClrMapping/>
+  </p:clrMapOvr>
+</p:sld>
+</file>
+
+<file path=ppt/slides/slide24.xml><?xml version="1.0" encoding="utf-8"?>
+<p:sld xmlns:a="http://schemas.openxmlformats.org/drawingml/2006/main" xmlns:r="http://schemas.openxmlformats.org/officeDocument/2006/relationships" xmlns:p="http://schemas.openxmlformats.org/presentationml/2006/main">
+  <p:cSld>
+    <p:spTree>
+      <p:nvGrpSpPr>
+        <p:cNvPr id="1" name=""/>
+        <p:cNvGrpSpPr/>
+        <p:nvPr/>
+      </p:nvGrpSpPr>
+      <p:grpSpPr>
+        <a:xfrm>
+          <a:off x="0" y="0"/>
+          <a:ext cx="0" cy="0"/>
+          <a:chOff x="0" y="0"/>
+          <a:chExt cx="0" cy="0"/>
+        </a:xfrm>
+      </p:grpSpPr>
+      <p:sp>
+        <p:nvSpPr>
           <p:cNvPr id="2" name="Title 1"/>
           <p:cNvSpPr>
             <a:spLocks noGrp="1"/>
@@ -12336,7 +12060,7 @@
           <a:lstStyle/>
           <a:p>
             <a:r>
-              <a:rPr lang="en-US" altLang="zh-CN" smtClean="0"/>
+              <a:rPr lang="en-US" altLang="zh-CN"/>
               <a:t>orchestrator</a:t>
             </a:r>
             <a:endParaRPr lang="zh-CN" altLang="en-US" dirty="0"/>
@@ -12353,73 +12077,123 @@
             <p:ph idx="1"/>
           </p:nvPr>
         </p:nvSpPr>
-        <p:spPr/>
+        <p:spPr>
+          <a:xfrm>
+            <a:off x="396000" y="1266826"/>
+            <a:ext cx="5547600" cy="3105149"/>
+          </a:xfrm>
+        </p:spPr>
         <p:txBody>
           <a:bodyPr/>
           <a:lstStyle/>
           <a:p>
             <a:r>
-              <a:rPr lang="en-US" altLang="zh-CN" smtClean="0"/>
+              <a:rPr lang="en-US" altLang="zh-CN" sz="1800" dirty="0"/>
               <a:t>Discovery</a:t>
             </a:r>
           </a:p>
           <a:p>
-            <a:r>
-              <a:rPr lang="en-US" altLang="zh-CN" smtClean="0"/>
+            <a:pPr marL="0" indent="0">
+              <a:buNone/>
+            </a:pPr>
+            <a:r>
+              <a:rPr lang="en-US" altLang="zh-CN" sz="1800" dirty="0"/>
               <a:t>Probe, read instances, build topology </a:t>
             </a:r>
           </a:p>
           <a:p>
-            <a:r>
-              <a:rPr lang="en-US" altLang="zh-CN" smtClean="0"/>
+            <a:pPr marL="0" indent="0">
+              <a:buNone/>
+            </a:pPr>
+            <a:r>
+              <a:rPr lang="en-US" altLang="zh-CN" sz="1800" dirty="0"/>
               <a:t>graph, attributes, queries</a:t>
             </a:r>
           </a:p>
           <a:p>
             <a:r>
-              <a:rPr lang="en-US" altLang="zh-CN" smtClean="0"/>
+              <a:rPr lang="en-US" altLang="zh-CN" sz="1800" dirty="0"/>
               <a:t>Refactoring</a:t>
             </a:r>
           </a:p>
           <a:p>
-            <a:r>
-              <a:rPr lang="en-US" altLang="zh-CN" smtClean="0"/>
+            <a:pPr marL="0" indent="0">
+              <a:buNone/>
+            </a:pPr>
+            <a:r>
+              <a:rPr lang="en-US" altLang="zh-CN" sz="1800" dirty="0"/>
               <a:t>Relocate replicas, manipulate, detach, </a:t>
             </a:r>
           </a:p>
           <a:p>
-            <a:r>
-              <a:rPr lang="en-US" altLang="zh-CN" smtClean="0"/>
+            <a:pPr marL="0" indent="0">
+              <a:buNone/>
+            </a:pPr>
+            <a:r>
+              <a:rPr lang="en-US" altLang="zh-CN" sz="1800" dirty="0"/>
               <a:t>reorganize</a:t>
             </a:r>
           </a:p>
           <a:p>
             <a:r>
-              <a:rPr lang="en-US" altLang="zh-CN" smtClean="0"/>
+              <a:rPr lang="en-US" altLang="zh-CN" sz="1800" dirty="0"/>
               <a:t>Recovery</a:t>
             </a:r>
           </a:p>
           <a:p>
-            <a:r>
-              <a:rPr lang="en-US" altLang="zh-CN" smtClean="0"/>
+            <a:pPr marL="0" indent="0">
+              <a:buNone/>
+            </a:pPr>
+            <a:r>
+              <a:rPr lang="en-US" altLang="zh-CN" sz="1800" dirty="0"/>
               <a:t>Analyze, detect crash scenarios, structure </a:t>
             </a:r>
           </a:p>
           <a:p>
-            <a:r>
-              <a:rPr lang="en-US" altLang="zh-CN" smtClean="0"/>
+            <a:pPr marL="0" indent="0">
+              <a:buNone/>
+            </a:pPr>
+            <a:r>
+              <a:rPr lang="en-US" altLang="zh-CN" sz="1800" dirty="0"/>
               <a:t>warnings, failovers, promotions, </a:t>
             </a:r>
           </a:p>
           <a:p>
-            <a:r>
-              <a:rPr lang="en-US" altLang="zh-CN" smtClean="0"/>
+            <a:pPr marL="0" indent="0">
+              <a:buNone/>
+            </a:pPr>
+            <a:r>
+              <a:rPr lang="en-US" altLang="zh-CN" sz="1800" dirty="0"/>
               <a:t>acknowledgements, flap control, downtime, hooks</a:t>
             </a:r>
-            <a:endParaRPr lang="zh-CN" altLang="en-US" dirty="0"/>
-          </a:p>
-        </p:txBody>
-      </p:sp>
+            <a:endParaRPr lang="zh-CN" altLang="en-US" sz="1800" dirty="0"/>
+          </a:p>
+        </p:txBody>
+      </p:sp>
+      <p:pic>
+        <p:nvPicPr>
+          <p:cNvPr id="5" name="Picture 4"/>
+          <p:cNvPicPr>
+            <a:picLocks noChangeAspect="1"/>
+          </p:cNvPicPr>
+          <p:nvPr/>
+        </p:nvPicPr>
+        <p:blipFill>
+          <a:blip r:embed="rId2"/>
+          <a:stretch>
+            <a:fillRect/>
+          </a:stretch>
+        </p:blipFill>
+        <p:spPr>
+          <a:xfrm>
+            <a:off x="4652683" y="697566"/>
+            <a:ext cx="4443788" cy="2621096"/>
+          </a:xfrm>
+          <a:prstGeom prst="rect">
+            <a:avLst/>
+          </a:prstGeom>
+        </p:spPr>
+      </p:pic>
     </p:spTree>
     <p:extLst>
       <p:ext uri="{BB962C8B-B14F-4D97-AF65-F5344CB8AC3E}">
@@ -12430,13 +12204,6 @@
   <p:clrMapOvr>
     <a:masterClrMapping/>
   </p:clrMapOvr>
-  <p:timing>
-    <p:tnLst>
-      <p:par>
-        <p:cTn id="1" dur="indefinite" restart="never" nodeType="tmRoot"/>
-      </p:par>
-    </p:tnLst>
-  </p:timing>
 </p:sld>
 </file>
 
@@ -12473,7 +12240,7 @@
           <a:lstStyle/>
           <a:p>
             <a:r>
-              <a:rPr lang="en-US" altLang="zh-CN" smtClean="0"/>
+              <a:rPr lang="en-US" altLang="zh-CN" dirty="0"/>
               <a:t>Detection</a:t>
             </a:r>
             <a:endParaRPr lang="zh-CN" altLang="en-US" dirty="0"/>
@@ -12490,22 +12257,27 @@
             <p:ph idx="1"/>
           </p:nvPr>
         </p:nvSpPr>
-        <p:spPr/>
+        <p:spPr>
+          <a:xfrm>
+            <a:off x="396000" y="1082488"/>
+            <a:ext cx="8229600" cy="3402106"/>
+          </a:xfrm>
+        </p:spPr>
         <p:txBody>
           <a:bodyPr/>
           <a:lstStyle/>
           <a:p>
             <a:r>
-              <a:rPr lang="en-US" altLang="zh-CN" smtClean="0"/>
+              <a:rPr lang="en-US" altLang="zh-CN" sz="1800" dirty="0"/>
               <a:t>orchestrator continuously probes all MySQL topology servers</a:t>
             </a:r>
           </a:p>
           <a:p>
             <a:r>
-              <a:rPr lang="en-US" altLang="zh-CN" smtClean="0"/>
+              <a:rPr lang="en-US" altLang="zh-CN" sz="1800" dirty="0"/>
               <a:t>At time of crash, orchestrator knows what the topology should look like, because it knows how it looked like a moment ago</a:t>
             </a:r>
-            <a:endParaRPr lang="zh-CN" altLang="en-US" dirty="0"/>
+            <a:endParaRPr lang="zh-CN" altLang="en-US" sz="1800" dirty="0"/>
           </a:p>
         </p:txBody>
       </p:sp>
@@ -12555,7 +12327,7 @@
           <a:lstStyle/>
           <a:p>
             <a:r>
-              <a:rPr lang="en-US" altLang="zh-CN" smtClean="0"/>
+              <a:rPr lang="en-US" altLang="zh-CN"/>
               <a:t>Promotion constraints</a:t>
             </a:r>
             <a:endParaRPr lang="zh-CN" altLang="en-US" dirty="0"/>
@@ -12572,19 +12344,24 @@
             <p:ph idx="1"/>
           </p:nvPr>
         </p:nvSpPr>
-        <p:spPr/>
+        <p:spPr>
+          <a:xfrm>
+            <a:off x="2864223" y="1600200"/>
+            <a:ext cx="5512606" cy="1581710"/>
+          </a:xfrm>
+        </p:spPr>
         <p:txBody>
           <a:bodyPr/>
           <a:lstStyle/>
           <a:p>
             <a:r>
-              <a:rPr lang="en-US" altLang="zh-CN" smtClean="0"/>
+              <a:rPr lang="en-US" altLang="zh-CN" dirty="0"/>
               <a:t>You wish to promote the most up to date replica,</a:t>
             </a:r>
           </a:p>
           <a:p>
             <a:r>
-              <a:rPr lang="en-US" altLang="zh-CN" smtClean="0"/>
+              <a:rPr lang="en-US" altLang="zh-CN" dirty="0"/>
               <a:t>otherwise you give up on any replica that is more advanced</a:t>
             </a:r>
             <a:endParaRPr lang="zh-CN" altLang="en-US" dirty="0"/>
@@ -12607,8 +12384,8 @@
         </p:blipFill>
         <p:spPr>
           <a:xfrm>
-            <a:off x="1521906" y="1855427"/>
-            <a:ext cx="1877188" cy="706037"/>
+            <a:off x="201017" y="1600200"/>
+            <a:ext cx="2341794" cy="880782"/>
           </a:xfrm>
           <a:prstGeom prst="rect">
             <a:avLst/>
@@ -12661,7 +12438,7 @@
           <a:lstStyle/>
           <a:p>
             <a:r>
-              <a:rPr lang="en-US" altLang="zh-CN" smtClean="0"/>
+              <a:rPr lang="en-US" altLang="zh-CN"/>
               <a:t>Failover configuration</a:t>
             </a:r>
             <a:endParaRPr lang="zh-CN" altLang="en-US" dirty="0"/>
@@ -12683,50 +12460,121 @@
           <a:bodyPr/>
           <a:lstStyle/>
           <a:p>
-            <a:r>
-              <a:rPr lang="en-US" altLang="zh-CN" smtClean="0"/>
-              <a:t>"ApplyMySQLPromotionAfterMasterFailover": true,</a:t>
-            </a:r>
-          </a:p>
-          <a:p>
-            <a:r>
-              <a:rPr lang="en-US" altLang="zh-CN" smtClean="0"/>
-              <a:t>"MasterFailoverLostInstancesDowntimeMinutes": 10,</a:t>
-            </a:r>
-          </a:p>
-          <a:p>
-            <a:r>
-              <a:rPr lang="en-US" altLang="zh-CN" smtClean="0"/>
-              <a:t>"FailMasterPromotionIfSQLThreadNotUpToDate": true,</a:t>
-            </a:r>
-          </a:p>
-          <a:p>
-            <a:r>
-              <a:rPr lang="en-US" altLang="zh-CN" smtClean="0"/>
-              <a:t>"DetachLostReplicasAfterMasterFailover": true,</a:t>
-            </a:r>
-          </a:p>
-          <a:p>
-            <a:endParaRPr lang="en-US" altLang="zh-CN" smtClean="0"/>
-          </a:p>
-          <a:p>
-            <a:r>
-              <a:rPr lang="en-US" altLang="zh-CN" smtClean="0"/>
-              <a:t>Special note for ApplyMySQLPromotionAfterMasterFailover:</a:t>
-            </a:r>
-          </a:p>
-          <a:p>
-            <a:r>
-              <a:rPr lang="en-US" altLang="zh-CN" smtClean="0"/>
+            <a:pPr marL="0" indent="0">
+              <a:buNone/>
+            </a:pPr>
+            <a:r>
+              <a:rPr lang="en-US" altLang="zh-CN" sz="1800" dirty="0"/>
+              <a:t>"</a:t>
+            </a:r>
+            <a:r>
+              <a:rPr lang="en-US" altLang="zh-CN" sz="1800" dirty="0" err="1"/>
+              <a:t>ApplyMySQLPromotionAfterMasterFailover</a:t>
+            </a:r>
+            <a:r>
+              <a:rPr lang="en-US" altLang="zh-CN" sz="1800" dirty="0"/>
+              <a:t>": true,</a:t>
+            </a:r>
+          </a:p>
+          <a:p>
+            <a:pPr marL="0" indent="0">
+              <a:buNone/>
+            </a:pPr>
+            <a:r>
+              <a:rPr lang="en-US" altLang="zh-CN" sz="1800" dirty="0"/>
+              <a:t>"</a:t>
+            </a:r>
+            <a:r>
+              <a:rPr lang="en-US" altLang="zh-CN" sz="1800" dirty="0" err="1"/>
+              <a:t>MasterFailoverLostInstancesDowntimeMinutes</a:t>
+            </a:r>
+            <a:r>
+              <a:rPr lang="en-US" altLang="zh-CN" sz="1800" dirty="0"/>
+              <a:t>": 10,</a:t>
+            </a:r>
+          </a:p>
+          <a:p>
+            <a:pPr marL="0" indent="0">
+              <a:buNone/>
+            </a:pPr>
+            <a:r>
+              <a:rPr lang="en-US" altLang="zh-CN" sz="1800" dirty="0"/>
+              <a:t>"</a:t>
+            </a:r>
+            <a:r>
+              <a:rPr lang="en-US" altLang="zh-CN" sz="1800" dirty="0" err="1"/>
+              <a:t>FailMasterPromotionIfSQLThreadNotUpToDate</a:t>
+            </a:r>
+            <a:r>
+              <a:rPr lang="en-US" altLang="zh-CN" sz="1800" dirty="0"/>
+              <a:t>": true,</a:t>
+            </a:r>
+          </a:p>
+          <a:p>
+            <a:pPr marL="0" indent="0">
+              <a:buNone/>
+            </a:pPr>
+            <a:r>
+              <a:rPr lang="en-US" altLang="zh-CN" sz="1800" dirty="0"/>
+              <a:t>"</a:t>
+            </a:r>
+            <a:r>
+              <a:rPr lang="en-US" altLang="zh-CN" sz="1800" dirty="0" err="1"/>
+              <a:t>DetachLostReplicasAfterMasterFailover</a:t>
+            </a:r>
+            <a:r>
+              <a:rPr lang="en-US" altLang="zh-CN" sz="1800" dirty="0"/>
+              <a:t>": true,</a:t>
+            </a:r>
+          </a:p>
+          <a:p>
+            <a:pPr marL="0" indent="0">
+              <a:buNone/>
+            </a:pPr>
+            <a:endParaRPr lang="en-US" altLang="zh-CN" sz="1800" dirty="0"/>
+          </a:p>
+          <a:p>
+            <a:pPr marL="0" indent="0">
+              <a:buNone/>
+            </a:pPr>
+            <a:r>
+              <a:rPr lang="en-US" altLang="zh-CN" sz="1800" dirty="0"/>
+              <a:t>Special note for </a:t>
+            </a:r>
+            <a:r>
+              <a:rPr lang="en-US" altLang="zh-CN" sz="1800" dirty="0" err="1"/>
+              <a:t>ApplyMySQLPromotionAfterMasterFailover</a:t>
+            </a:r>
+            <a:r>
+              <a:rPr lang="en-US" altLang="zh-CN" sz="1800" dirty="0"/>
+              <a:t>:</a:t>
+            </a:r>
+          </a:p>
+          <a:p>
+            <a:pPr marL="0" indent="0">
+              <a:buNone/>
+            </a:pPr>
+            <a:r>
+              <a:rPr lang="en-US" altLang="zh-CN" sz="1800" dirty="0"/>
               <a:t>RESET SLAVE ALL</a:t>
             </a:r>
           </a:p>
           <a:p>
-            <a:r>
-              <a:rPr lang="en-US" altLang="zh-CN" smtClean="0"/>
-              <a:t>SET GLOBAL read_only = 0</a:t>
-            </a:r>
-            <a:endParaRPr lang="en-US" altLang="zh-CN" dirty="0"/>
+            <a:pPr marL="0" indent="0">
+              <a:buNone/>
+            </a:pPr>
+            <a:r>
+              <a:rPr lang="en-US" altLang="zh-CN" sz="1800" dirty="0"/>
+              <a:t>SET GLOBAL </a:t>
+            </a:r>
+            <a:r>
+              <a:rPr lang="en-US" altLang="zh-CN" sz="1800" dirty="0" err="1"/>
+              <a:t>read_only</a:t>
+            </a:r>
+            <a:r>
+              <a:rPr lang="en-US" altLang="zh-CN" sz="1800" dirty="0"/>
+              <a:t> = 0</a:t>
+            </a:r>
           </a:p>
         </p:txBody>
       </p:sp>
@@ -12776,7 +12624,7 @@
           <a:lstStyle/>
           <a:p>
             <a:r>
-              <a:rPr lang="en-US" altLang="zh-CN" smtClean="0"/>
+              <a:rPr lang="en-US" altLang="zh-CN"/>
               <a:t>Commands</a:t>
             </a:r>
             <a:endParaRPr lang="en-US" altLang="zh-CN" dirty="0"/>
@@ -12798,41 +12646,151 @@
           <a:bodyPr/>
           <a:lstStyle/>
           <a:p>
-            <a:r>
-              <a:rPr lang="en-US" altLang="zh-CN" smtClean="0"/>
-              <a:t>cd /usr/local/orchestrator &amp;&amp; ./orchestrator --debug --stack http</a:t>
-            </a:r>
-          </a:p>
-          <a:p>
-            <a:r>
-              <a:rPr lang="en-US" altLang="zh-CN" smtClean="0"/>
-              <a:t>    the above looks for configuration in /etc/orchestrator.conf.json, 	conf/orchestrator.conf.json, orchestrator.conf.json in that order</a:t>
-            </a:r>
-          </a:p>
-          <a:p>
-            <a:r>
-              <a:rPr lang="en-US" altLang="zh-CN" smtClean="0"/>
-              <a:t>orchestrator -c which-cluster -i some.instance.in.cluster</a:t>
-            </a:r>
-          </a:p>
-          <a:p>
-            <a:r>
-              <a:rPr lang="en-US" altLang="zh-CN" smtClean="0"/>
-              <a:t>orchestrator -c which-replicas -i $master | shuf | head -1</a:t>
-            </a:r>
-          </a:p>
-          <a:p>
-            <a:r>
-              <a:rPr lang="en-US" altLang="zh-CN" smtClean="0"/>
-              <a:t>orchestrator -c graceful-master-takeover -alias mycluster</a:t>
-            </a:r>
-          </a:p>
-          <a:p>
-            <a:r>
-              <a:rPr lang="en-US" altLang="zh-CN" smtClean="0"/>
-              <a:t>orchestrator -c force-master-failover -alias mycluster</a:t>
-            </a:r>
-            <a:endParaRPr lang="zh-CN" altLang="en-US" dirty="0"/>
+            <a:pPr marL="0" indent="0">
+              <a:buNone/>
+            </a:pPr>
+            <a:r>
+              <a:rPr lang="en-US" altLang="zh-CN" sz="1800" dirty="0"/>
+              <a:t>cd /</a:t>
+            </a:r>
+            <a:r>
+              <a:rPr lang="en-US" altLang="zh-CN" sz="1800" dirty="0" err="1"/>
+              <a:t>usr</a:t>
+            </a:r>
+            <a:r>
+              <a:rPr lang="en-US" altLang="zh-CN" sz="1800" dirty="0"/>
+              <a:t>/local/orchestrator &amp;&amp; ./orchestrator --debug --stack http</a:t>
+            </a:r>
+          </a:p>
+          <a:p>
+            <a:pPr marL="0" indent="0">
+              <a:buNone/>
+            </a:pPr>
+            <a:r>
+              <a:rPr lang="en-US" altLang="zh-CN" sz="1800" dirty="0"/>
+              <a:t>    the above looks for configuration in /</a:t>
+            </a:r>
+            <a:r>
+              <a:rPr lang="en-US" altLang="zh-CN" sz="1800" dirty="0" err="1"/>
+              <a:t>etc</a:t>
+            </a:r>
+            <a:r>
+              <a:rPr lang="en-US" altLang="zh-CN" sz="1800" dirty="0"/>
+              <a:t>/</a:t>
+            </a:r>
+            <a:r>
+              <a:rPr lang="en-US" altLang="zh-CN" sz="1800" dirty="0" err="1"/>
+              <a:t>orchestrator.conf.json</a:t>
+            </a:r>
+            <a:r>
+              <a:rPr lang="en-US" altLang="zh-CN" sz="1800" dirty="0"/>
+              <a:t>, 	</a:t>
+            </a:r>
+            <a:r>
+              <a:rPr lang="en-US" altLang="zh-CN" sz="1800" dirty="0" err="1"/>
+              <a:t>conf</a:t>
+            </a:r>
+            <a:r>
+              <a:rPr lang="en-US" altLang="zh-CN" sz="1800" dirty="0"/>
+              <a:t>/</a:t>
+            </a:r>
+            <a:r>
+              <a:rPr lang="en-US" altLang="zh-CN" sz="1800" dirty="0" err="1"/>
+              <a:t>orchestrator.conf.json</a:t>
+            </a:r>
+            <a:r>
+              <a:rPr lang="en-US" altLang="zh-CN" sz="1800" dirty="0"/>
+              <a:t>, </a:t>
+            </a:r>
+            <a:r>
+              <a:rPr lang="en-US" altLang="zh-CN" sz="1800" dirty="0" err="1"/>
+              <a:t>orchestrator.conf.json</a:t>
+            </a:r>
+            <a:r>
+              <a:rPr lang="en-US" altLang="zh-CN" sz="1800" dirty="0"/>
+              <a:t> in that order</a:t>
+            </a:r>
+          </a:p>
+          <a:p>
+            <a:pPr marL="0" indent="0">
+              <a:buNone/>
+            </a:pPr>
+            <a:endParaRPr lang="en-US" altLang="zh-CN" sz="1800" dirty="0"/>
+          </a:p>
+          <a:p>
+            <a:pPr marL="0" indent="0">
+              <a:buNone/>
+            </a:pPr>
+            <a:r>
+              <a:rPr lang="en-US" altLang="zh-CN" sz="1800" dirty="0"/>
+              <a:t>orchestrator -c which-cluster -</a:t>
+            </a:r>
+            <a:r>
+              <a:rPr lang="en-US" altLang="zh-CN" sz="1800" dirty="0" err="1"/>
+              <a:t>i</a:t>
+            </a:r>
+            <a:r>
+              <a:rPr lang="en-US" altLang="zh-CN" sz="1800" dirty="0"/>
+              <a:t> </a:t>
+            </a:r>
+            <a:r>
+              <a:rPr lang="en-US" altLang="zh-CN" sz="1800" dirty="0" err="1"/>
+              <a:t>some.instance.in.cluster</a:t>
+            </a:r>
+            <a:endParaRPr lang="en-US" altLang="zh-CN" sz="1800" dirty="0"/>
+          </a:p>
+          <a:p>
+            <a:pPr marL="0" indent="0">
+              <a:buNone/>
+            </a:pPr>
+            <a:r>
+              <a:rPr lang="en-US" altLang="zh-CN" sz="1800" dirty="0"/>
+              <a:t>orchestrator -c which-replicas -</a:t>
+            </a:r>
+            <a:r>
+              <a:rPr lang="en-US" altLang="zh-CN" sz="1800" dirty="0" err="1"/>
+              <a:t>i</a:t>
+            </a:r>
+            <a:r>
+              <a:rPr lang="en-US" altLang="zh-CN" sz="1800" dirty="0"/>
+              <a:t> $master | </a:t>
+            </a:r>
+            <a:r>
+              <a:rPr lang="en-US" altLang="zh-CN" sz="1800" dirty="0" err="1"/>
+              <a:t>shuf</a:t>
+            </a:r>
+            <a:r>
+              <a:rPr lang="en-US" altLang="zh-CN" sz="1800" dirty="0"/>
+              <a:t> | head -1</a:t>
+            </a:r>
+          </a:p>
+          <a:p>
+            <a:pPr marL="0" indent="0">
+              <a:buNone/>
+            </a:pPr>
+            <a:r>
+              <a:rPr lang="en-US" altLang="zh-CN" sz="1800" dirty="0"/>
+              <a:t>orchestrator -c graceful-master-takeover -alias </a:t>
+            </a:r>
+            <a:r>
+              <a:rPr lang="en-US" altLang="zh-CN" sz="1800" dirty="0" err="1"/>
+              <a:t>mycluster</a:t>
+            </a:r>
+            <a:endParaRPr lang="en-US" altLang="zh-CN" sz="1800" dirty="0"/>
+          </a:p>
+          <a:p>
+            <a:pPr marL="0" indent="0">
+              <a:buNone/>
+            </a:pPr>
+            <a:r>
+              <a:rPr lang="en-US" altLang="zh-CN" sz="1800" dirty="0"/>
+              <a:t>orchestrator -c force-master-failover -alias </a:t>
+            </a:r>
+            <a:r>
+              <a:rPr lang="en-US" altLang="zh-CN" sz="1800" dirty="0" err="1"/>
+              <a:t>mycluster</a:t>
+            </a:r>
+            <a:endParaRPr lang="zh-CN" altLang="en-US" sz="1800" dirty="0"/>
           </a:p>
         </p:txBody>
       </p:sp>
@@ -12882,7 +12840,7 @@
           <a:lstStyle/>
           <a:p>
             <a:r>
-              <a:rPr lang="en-US" altLang="zh-CN" smtClean="0"/>
+              <a:rPr lang="en-US" altLang="zh-CN"/>
               <a:t>ProxySQL</a:t>
             </a:r>
             <a:endParaRPr lang="zh-CN" altLang="en-US" dirty="0"/>
@@ -12904,74 +12862,209 @@
           <a:bodyPr/>
           <a:lstStyle/>
           <a:p>
-            <a:r>
-              <a:rPr lang="en-US" altLang="zh-CN" smtClean="0"/>
-              <a:t>ProxySQL is a high performance, high availability, protocol aware proxy for MySQL and forks (like Percona Server and MariaDB). All the while getting the unlimited freedom that comes with a GPL license.</a:t>
-            </a:r>
-          </a:p>
-          <a:p>
-            <a:endParaRPr lang="en-US" altLang="zh-CN" smtClean="0"/>
-          </a:p>
-          <a:p>
-            <a:r>
-              <a:rPr lang="en-US" altLang="zh-CN" smtClean="0"/>
+            <a:pPr marL="0" indent="0">
+              <a:buNone/>
+            </a:pPr>
+            <a:r>
+              <a:rPr lang="en-US" altLang="zh-CN" sz="1800" dirty="0" err="1"/>
+              <a:t>ProxySQL</a:t>
+            </a:r>
+            <a:r>
+              <a:rPr lang="en-US" altLang="zh-CN" sz="1800" dirty="0"/>
+              <a:t> is a high performance, high availability, protocol aware proxy for MySQL and forks (like </a:t>
+            </a:r>
+            <a:r>
+              <a:rPr lang="en-US" altLang="zh-CN" sz="1800" dirty="0" err="1"/>
+              <a:t>Percona</a:t>
+            </a:r>
+            <a:r>
+              <a:rPr lang="en-US" altLang="zh-CN" sz="1800" dirty="0"/>
+              <a:t> Server and MariaDB). All the while getting the unlimited freedom that comes with a GPL license.</a:t>
+            </a:r>
+            <a:endParaRPr lang="en-US" altLang="zh-CN" sz="1200" dirty="0"/>
+          </a:p>
+          <a:p>
+            <a:pPr marL="0" indent="0">
+              <a:buNone/>
+            </a:pPr>
+            <a:r>
+              <a:rPr lang="en-US" altLang="zh-CN" sz="1200" dirty="0"/>
               <a:t>Test:</a:t>
             </a:r>
           </a:p>
           <a:p>
-            <a:r>
-              <a:rPr lang="en-US" altLang="zh-CN" smtClean="0"/>
-              <a:t>mysql -u admin -padmin -h 127.0.0.1 -P6032 --prompt='Admin&gt; ‘</a:t>
-            </a:r>
-          </a:p>
-          <a:p>
-            <a:r>
-              <a:rPr lang="en-US" altLang="zh-CN" smtClean="0"/>
+            <a:pPr marL="0" indent="0">
+              <a:buNone/>
+            </a:pPr>
+            <a:r>
+              <a:rPr lang="en-US" altLang="zh-CN" sz="1200" dirty="0" err="1"/>
+              <a:t>mysql</a:t>
+            </a:r>
+            <a:r>
+              <a:rPr lang="en-US" altLang="zh-CN" sz="1200" dirty="0"/>
+              <a:t> -u admin -</a:t>
+            </a:r>
+            <a:r>
+              <a:rPr lang="en-US" altLang="zh-CN" sz="1200" dirty="0" err="1"/>
+              <a:t>padmin</a:t>
+            </a:r>
+            <a:r>
+              <a:rPr lang="en-US" altLang="zh-CN" sz="1200" dirty="0"/>
+              <a:t> -h 127.0.0.1 -P6032 --prompt='Admin&gt; ‘</a:t>
+            </a:r>
+          </a:p>
+          <a:p>
+            <a:pPr marL="0" indent="0">
+              <a:buNone/>
+            </a:pPr>
+            <a:r>
+              <a:rPr lang="en-US" altLang="zh-CN" sz="1200" dirty="0"/>
               <a:t>Admin&gt; SHOW DATABASES;</a:t>
             </a:r>
           </a:p>
           <a:p>
-            <a:r>
-              <a:rPr lang="en-US" altLang="zh-CN" smtClean="0"/>
-              <a:t>Admin&gt; SELECT * FROM mysql_servers;</a:t>
-            </a:r>
-          </a:p>
-          <a:p>
-            <a:r>
-              <a:rPr lang="en-US" altLang="zh-CN" smtClean="0"/>
-              <a:t>Admin&gt; SELECT * from mysql_replication_hostgroups;</a:t>
-            </a:r>
-          </a:p>
-          <a:p>
-            <a:r>
-              <a:rPr lang="en-US" altLang="zh-CN" smtClean="0"/>
-              <a:t>Admin&gt; SELECT * from mysql_query_rules;</a:t>
-            </a:r>
-          </a:p>
-          <a:p>
-            <a:r>
-              <a:rPr lang="en-US" altLang="zh-CN" smtClean="0"/>
-              <a:t>Admin&gt; INSERT INTO mysql_query_rules (rule_id,active,match_digest,destination_hostgroup,apply)</a:t>
-            </a:r>
-          </a:p>
-          <a:p>
-            <a:r>
-              <a:rPr lang="en-US" altLang="zh-CN" smtClean="0"/>
+            <a:pPr marL="0" indent="0">
+              <a:buNone/>
+            </a:pPr>
+            <a:r>
+              <a:rPr lang="en-US" altLang="zh-CN" sz="1200" dirty="0"/>
+              <a:t>Admin&gt; SELECT * FROM </a:t>
+            </a:r>
+            <a:r>
+              <a:rPr lang="en-US" altLang="zh-CN" sz="1200" dirty="0" err="1"/>
+              <a:t>mysql_servers</a:t>
+            </a:r>
+            <a:r>
+              <a:rPr lang="en-US" altLang="zh-CN" sz="1200" dirty="0"/>
+              <a:t>;</a:t>
+            </a:r>
+          </a:p>
+          <a:p>
+            <a:pPr marL="0" indent="0">
+              <a:buNone/>
+            </a:pPr>
+            <a:r>
+              <a:rPr lang="en-US" altLang="zh-CN" sz="1200" dirty="0"/>
+              <a:t>Admin&gt; SELECT * from </a:t>
+            </a:r>
+            <a:r>
+              <a:rPr lang="en-US" altLang="zh-CN" sz="1200" dirty="0" err="1"/>
+              <a:t>mysql_replication_hostgroups</a:t>
+            </a:r>
+            <a:r>
+              <a:rPr lang="en-US" altLang="zh-CN" sz="1200" dirty="0"/>
+              <a:t>;</a:t>
+            </a:r>
+          </a:p>
+          <a:p>
+            <a:pPr marL="0" indent="0">
+              <a:buNone/>
+            </a:pPr>
+            <a:r>
+              <a:rPr lang="en-US" altLang="zh-CN" sz="1200" dirty="0"/>
+              <a:t>Admin&gt; SELECT * from </a:t>
+            </a:r>
+            <a:r>
+              <a:rPr lang="en-US" altLang="zh-CN" sz="1200" dirty="0" err="1"/>
+              <a:t>mysql_query_rules</a:t>
+            </a:r>
+            <a:r>
+              <a:rPr lang="en-US" altLang="zh-CN" sz="1200" dirty="0"/>
+              <a:t>;</a:t>
+            </a:r>
+          </a:p>
+          <a:p>
+            <a:pPr marL="0" indent="0">
+              <a:buNone/>
+            </a:pPr>
+            <a:r>
+              <a:rPr lang="en-US" altLang="zh-CN" sz="1200" dirty="0"/>
+              <a:t>Admin&gt; INSERT INTO </a:t>
+            </a:r>
+            <a:r>
+              <a:rPr lang="en-US" altLang="zh-CN" sz="1200" dirty="0" err="1"/>
+              <a:t>mysql_query_rules</a:t>
+            </a:r>
+            <a:r>
+              <a:rPr lang="en-US" altLang="zh-CN" sz="1200" dirty="0"/>
+              <a:t> (</a:t>
+            </a:r>
+            <a:r>
+              <a:rPr lang="en-US" altLang="zh-CN" sz="1200" dirty="0" err="1"/>
+              <a:t>rule_id,active,match_digest,destination_hostgroup,apply</a:t>
+            </a:r>
+            <a:r>
+              <a:rPr lang="en-US" altLang="zh-CN" sz="1200" dirty="0"/>
+              <a:t>)</a:t>
+            </a:r>
+          </a:p>
+          <a:p>
+            <a:pPr marL="0" indent="0">
+              <a:buNone/>
+            </a:pPr>
+            <a:r>
+              <a:rPr lang="en-US" altLang="zh-CN" sz="1200" dirty="0"/>
               <a:t>VALUES</a:t>
             </a:r>
           </a:p>
           <a:p>
-            <a:r>
-              <a:rPr lang="en-US" altLang="zh-CN" smtClean="0"/>
+            <a:pPr marL="0" indent="0">
+              <a:buNone/>
+            </a:pPr>
+            <a:r>
+              <a:rPr lang="en-US" altLang="zh-CN" sz="1200" dirty="0"/>
               <a:t>(1,1,'^SELECT COUNT\(\*\)',2,1);</a:t>
             </a:r>
           </a:p>
           <a:p>
-            <a:r>
-              <a:rPr lang="en-US" altLang="zh-CN" smtClean="0"/>
-              <a:t>Admin&gt; SELECT hostgroup hg, sum_time, count_star, digest_text FROM stats_mysql_query_digest;</a:t>
-            </a:r>
-            <a:endParaRPr lang="zh-CN" altLang="en-US" dirty="0"/>
+            <a:pPr marL="0" indent="0">
+              <a:buNone/>
+            </a:pPr>
+            <a:r>
+              <a:rPr lang="en-US" altLang="zh-CN" sz="1200" dirty="0"/>
+              <a:t>Admin&gt; SELECT </a:t>
+            </a:r>
+            <a:r>
+              <a:rPr lang="en-US" altLang="zh-CN" sz="1200" dirty="0" err="1"/>
+              <a:t>hostgroup</a:t>
+            </a:r>
+            <a:r>
+              <a:rPr lang="en-US" altLang="zh-CN" sz="1200" dirty="0"/>
+              <a:t> hg, </a:t>
+            </a:r>
+            <a:r>
+              <a:rPr lang="en-US" altLang="zh-CN" sz="1200" dirty="0" err="1"/>
+              <a:t>sum_time</a:t>
+            </a:r>
+            <a:r>
+              <a:rPr lang="en-US" altLang="zh-CN" sz="1200" dirty="0"/>
+              <a:t>, </a:t>
+            </a:r>
+            <a:r>
+              <a:rPr lang="en-US" altLang="zh-CN" sz="1200" dirty="0" err="1"/>
+              <a:t>count_star</a:t>
+            </a:r>
+            <a:r>
+              <a:rPr lang="en-US" altLang="zh-CN" sz="1200" dirty="0"/>
+              <a:t>, </a:t>
+            </a:r>
+            <a:r>
+              <a:rPr lang="en-US" altLang="zh-CN" sz="1200" dirty="0" err="1"/>
+              <a:t>digest_text</a:t>
+            </a:r>
+            <a:r>
+              <a:rPr lang="en-US" altLang="zh-CN" sz="1200" dirty="0"/>
+              <a:t> FROM </a:t>
+            </a:r>
+            <a:r>
+              <a:rPr lang="en-US" altLang="zh-CN" sz="1200" dirty="0" err="1"/>
+              <a:t>stats_mysql_query_digest</a:t>
+            </a:r>
+            <a:r>
+              <a:rPr lang="en-US" altLang="zh-CN" sz="1200" dirty="0"/>
+              <a:t>;</a:t>
+            </a:r>
+            <a:endParaRPr lang="zh-CN" altLang="en-US" sz="1200" dirty="0"/>
           </a:p>
         </p:txBody>
       </p:sp>
@@ -12985,13 +13078,6 @@
   <p:clrMapOvr>
     <a:masterClrMapping/>
   </p:clrMapOvr>
-  <p:timing>
-    <p:tnLst>
-      <p:par>
-        <p:cTn id="1" dur="indefinite" restart="never" nodeType="tmRoot"/>
-      </p:par>
-    </p:tnLst>
-  </p:timing>
 </p:sld>
 </file>
 
@@ -13028,7 +13114,7 @@
           <a:lstStyle/>
           <a:p>
             <a:r>
-              <a:rPr lang="en-US" altLang="zh-CN" dirty="0" smtClean="0"/>
+              <a:rPr lang="en-US" altLang="zh-CN" dirty="0"/>
               <a:t>MySQL Index</a:t>
             </a:r>
             <a:endParaRPr lang="zh-CN" altLang="en-US" dirty="0"/>
@@ -13051,31 +13137,31 @@
           <a:lstStyle/>
           <a:p>
             <a:r>
-              <a:rPr lang="en-US" altLang="zh-CN" dirty="0" smtClean="0"/>
+              <a:rPr lang="en-US" altLang="zh-CN" dirty="0"/>
               <a:t>B-Tree indexes</a:t>
             </a:r>
           </a:p>
           <a:p>
             <a:r>
-              <a:rPr lang="en-US" altLang="zh-CN" dirty="0" smtClean="0"/>
+              <a:rPr lang="en-US" altLang="zh-CN" dirty="0"/>
               <a:t>Hash indexes</a:t>
             </a:r>
           </a:p>
           <a:p>
             <a:r>
-              <a:rPr lang="en-US" altLang="zh-CN" dirty="0" smtClean="0"/>
+              <a:rPr lang="en-US" altLang="zh-CN" dirty="0"/>
               <a:t>Spatial (R-Tree) indexes</a:t>
             </a:r>
           </a:p>
           <a:p>
             <a:r>
-              <a:rPr lang="en-US" altLang="zh-CN" dirty="0" smtClean="0"/>
+              <a:rPr lang="en-US" altLang="zh-CN" dirty="0"/>
               <a:t>Full-text indexes</a:t>
             </a:r>
           </a:p>
           <a:p>
             <a:r>
-              <a:rPr lang="en-US" altLang="zh-CN" dirty="0" smtClean="0"/>
+              <a:rPr lang="en-US" altLang="zh-CN" dirty="0"/>
               <a:t>Other types of index</a:t>
             </a:r>
             <a:endParaRPr lang="zh-CN" altLang="en-US" dirty="0"/>
@@ -13092,13 +13178,6 @@
   <p:clrMapOvr>
     <a:masterClrMapping/>
   </p:clrMapOvr>
-  <p:timing>
-    <p:tnLst>
-      <p:par>
-        <p:cTn id="1" dur="indefinite" restart="never" nodeType="tmRoot"/>
-      </p:par>
-    </p:tnLst>
-  </p:timing>
 </p:sld>
 </file>
 
@@ -13135,7 +13214,7 @@
           <a:lstStyle/>
           <a:p>
             <a:r>
-              <a:rPr lang="en-US" altLang="zh-CN" smtClean="0"/>
+              <a:rPr lang="en-US" altLang="zh-CN"/>
               <a:t>Orchestrator &amp; proxySQL</a:t>
             </a:r>
             <a:endParaRPr lang="zh-CN" altLang="en-US" dirty="0"/>
@@ -13157,47 +13236,108 @@
           <a:bodyPr/>
           <a:lstStyle/>
           <a:p>
-            <a:r>
-              <a:rPr lang="en-US" altLang="zh-CN" smtClean="0"/>
-              <a:t>"ApplyMySQLPromotionAfterMasterFailover": true,</a:t>
-            </a:r>
-          </a:p>
-          <a:p>
-            <a:r>
-              <a:rPr lang="en-US" altLang="zh-CN" smtClean="0"/>
-              <a:t>"PreGracefulTakeoverProcesses": [</a:t>
-            </a:r>
-          </a:p>
-          <a:p>
-            <a:r>
-              <a:rPr lang="en-US" altLang="zh-CN" smtClean="0"/>
-              <a:t>	 "/tmp/prefailover.sh"</a:t>
-            </a:r>
-          </a:p>
-          <a:p>
-            <a:r>
-              <a:rPr lang="en-US" altLang="zh-CN" smtClean="0"/>
+            <a:pPr marL="0" indent="0">
+              <a:buNone/>
+            </a:pPr>
+            <a:r>
+              <a:rPr lang="en-US" altLang="zh-CN" sz="1800" dirty="0"/>
+              <a:t>"</a:t>
+            </a:r>
+            <a:r>
+              <a:rPr lang="en-US" altLang="zh-CN" sz="1800" dirty="0" err="1"/>
+              <a:t>ApplyMySQLPromotionAfterMasterFailover</a:t>
+            </a:r>
+            <a:r>
+              <a:rPr lang="en-US" altLang="zh-CN" sz="1800" dirty="0"/>
+              <a:t>": true,</a:t>
+            </a:r>
+          </a:p>
+          <a:p>
+            <a:pPr marL="0" indent="0">
+              <a:buNone/>
+            </a:pPr>
+            <a:r>
+              <a:rPr lang="en-US" altLang="zh-CN" sz="1800" dirty="0"/>
+              <a:t>"</a:t>
+            </a:r>
+            <a:r>
+              <a:rPr lang="en-US" altLang="zh-CN" sz="1800" dirty="0" err="1"/>
+              <a:t>PreGracefulTakeoverProcesses</a:t>
+            </a:r>
+            <a:r>
+              <a:rPr lang="en-US" altLang="zh-CN" sz="1800" dirty="0"/>
+              <a:t>": [</a:t>
+            </a:r>
+          </a:p>
+          <a:p>
+            <a:pPr marL="0" indent="0">
+              <a:buNone/>
+            </a:pPr>
+            <a:r>
+              <a:rPr lang="en-US" altLang="zh-CN" sz="1800" dirty="0"/>
+              <a:t>	 "/</a:t>
+            </a:r>
+            <a:r>
+              <a:rPr lang="en-US" altLang="zh-CN" sz="1800" dirty="0" err="1"/>
+              <a:t>tmp</a:t>
+            </a:r>
+            <a:r>
+              <a:rPr lang="en-US" altLang="zh-CN" sz="1800" dirty="0"/>
+              <a:t>/prefailover.sh"</a:t>
+            </a:r>
+          </a:p>
+          <a:p>
+            <a:pPr marL="0" indent="0">
+              <a:buNone/>
+            </a:pPr>
+            <a:r>
+              <a:rPr lang="en-US" altLang="zh-CN" sz="1800" dirty="0"/>
               <a:t>],</a:t>
             </a:r>
           </a:p>
           <a:p>
-            <a:r>
-              <a:rPr lang="en-US" altLang="zh-CN" smtClean="0"/>
-              <a:t>"PostMasterFailoverProcesses": [</a:t>
-            </a:r>
-          </a:p>
-          <a:p>
-            <a:r>
-              <a:rPr lang="en-US" altLang="zh-CN" smtClean="0"/>
-              <a:t>	"/tmp/postfailover.sh"</a:t>
-            </a:r>
-          </a:p>
-          <a:p>
-            <a:r>
-              <a:rPr lang="en-US" altLang="zh-CN" smtClean="0"/>
+            <a:pPr marL="0" indent="0">
+              <a:buNone/>
+            </a:pPr>
+            <a:r>
+              <a:rPr lang="en-US" altLang="zh-CN" sz="1800" dirty="0"/>
+              <a:t>"</a:t>
+            </a:r>
+            <a:r>
+              <a:rPr lang="en-US" altLang="zh-CN" sz="1800" dirty="0" err="1"/>
+              <a:t>PostMasterFailoverProcesses</a:t>
+            </a:r>
+            <a:r>
+              <a:rPr lang="en-US" altLang="zh-CN" sz="1800" dirty="0"/>
+              <a:t>": [</a:t>
+            </a:r>
+          </a:p>
+          <a:p>
+            <a:pPr marL="0" indent="0">
+              <a:buNone/>
+            </a:pPr>
+            <a:r>
+              <a:rPr lang="en-US" altLang="zh-CN" sz="1800" dirty="0"/>
+              <a:t>	"/</a:t>
+            </a:r>
+            <a:r>
+              <a:rPr lang="en-US" altLang="zh-CN" sz="1800" dirty="0" err="1"/>
+              <a:t>tmp</a:t>
+            </a:r>
+            <a:r>
+              <a:rPr lang="en-US" altLang="zh-CN" sz="1800" dirty="0"/>
+              <a:t>/postfailover.sh"</a:t>
+            </a:r>
+          </a:p>
+          <a:p>
+            <a:pPr marL="0" indent="0">
+              <a:buNone/>
+            </a:pPr>
+            <a:r>
+              <a:rPr lang="en-US" altLang="zh-CN" sz="1800" dirty="0"/>
               <a:t>]</a:t>
             </a:r>
-            <a:endParaRPr lang="zh-CN" altLang="en-US" dirty="0"/>
+            <a:endParaRPr lang="zh-CN" altLang="en-US" sz="1800" dirty="0"/>
           </a:p>
         </p:txBody>
       </p:sp>
@@ -13237,13 +13377,6 @@
   <p:clrMapOvr>
     <a:masterClrMapping/>
   </p:clrMapOvr>
-  <p:timing>
-    <p:tnLst>
-      <p:par>
-        <p:cTn id="1" dur="indefinite" restart="never" nodeType="tmRoot"/>
-      </p:par>
-    </p:tnLst>
-  </p:timing>
 </p:sld>
 </file>
 
@@ -13274,35 +13407,23 @@
             <p:ph type="title"/>
           </p:nvPr>
         </p:nvSpPr>
-        <p:spPr/>
-        <p:txBody>
-          <a:bodyPr/>
+        <p:spPr>
+          <a:xfrm>
+            <a:off x="396000" y="144718"/>
+            <a:ext cx="7737347" cy="460298"/>
+          </a:xfrm>
+        </p:spPr>
+        <p:txBody>
+          <a:bodyPr>
+            <a:normAutofit/>
+          </a:bodyPr>
           <a:lstStyle/>
           <a:p>
             <a:r>
-              <a:rPr lang="en-US" altLang="zh-CN" smtClean="0"/>
+              <a:rPr lang="en-US" altLang="zh-CN" sz="1800" dirty="0"/>
               <a:t>/tmp/prefialover.sh</a:t>
             </a:r>
-            <a:endParaRPr lang="zh-CN" altLang="en-US" dirty="0"/>
-          </a:p>
-        </p:txBody>
-      </p:sp>
-      <p:sp>
-        <p:nvSpPr>
-          <p:cNvPr id="7" name="Content Placeholder 6"/>
-          <p:cNvSpPr>
-            <a:spLocks noGrp="1"/>
-          </p:cNvSpPr>
-          <p:nvPr>
-            <p:ph idx="1"/>
-          </p:nvPr>
-        </p:nvSpPr>
-        <p:spPr/>
-        <p:txBody>
-          <a:bodyPr/>
-          <a:lstStyle/>
-          <a:p>
-            <a:endParaRPr lang="zh-CN" altLang="en-US"/>
+            <a:endParaRPr lang="zh-CN" altLang="en-US" sz="1800" dirty="0"/>
           </a:p>
         </p:txBody>
       </p:sp>
@@ -13314,8 +13435,8 @@
         </p:nvSpPr>
         <p:spPr>
           <a:xfrm>
-            <a:off x="1518047" y="1228218"/>
-            <a:ext cx="9805335" cy="3123612"/>
+            <a:off x="309384" y="433136"/>
+            <a:ext cx="11041499" cy="4131900"/>
           </a:xfrm>
           <a:prstGeom prst="rect">
             <a:avLst/>
@@ -13329,294 +13450,294 @@
           <a:lstStyle/>
           <a:p>
             <a:r>
-              <a:rPr lang="en-US" altLang="zh-CN" sz="788" dirty="0"/>
+              <a:rPr lang="en-US" altLang="zh-CN" sz="1050" dirty="0"/>
               <a:t>#!/bin/bash</a:t>
             </a:r>
           </a:p>
           <a:p>
             <a:r>
-              <a:rPr lang="en-US" altLang="zh-CN" sz="788" dirty="0"/>
+              <a:rPr lang="en-US" altLang="zh-CN" sz="1050" dirty="0"/>
               <a:t> </a:t>
             </a:r>
           </a:p>
           <a:p>
             <a:r>
-              <a:rPr lang="en-US" altLang="zh-CN" sz="788" dirty="0"/>
+              <a:rPr lang="en-US" altLang="zh-CN" sz="1050" dirty="0"/>
               <a:t># Variable exposed by Orchestrator</a:t>
             </a:r>
           </a:p>
           <a:p>
             <a:r>
-              <a:rPr lang="en-US" altLang="zh-CN" sz="788" dirty="0" err="1"/>
+              <a:rPr lang="en-US" altLang="zh-CN" sz="1050" dirty="0" err="1"/>
               <a:t>OldMaster</a:t>
             </a:r>
             <a:r>
-              <a:rPr lang="en-US" altLang="zh-CN" sz="788" dirty="0"/>
+              <a:rPr lang="en-US" altLang="zh-CN" sz="1050" dirty="0"/>
               <a:t>=$ORC_FAILED_HOST</a:t>
             </a:r>
           </a:p>
           <a:p>
             <a:r>
-              <a:rPr lang="en-US" altLang="zh-CN" sz="788" dirty="0"/>
+              <a:rPr lang="en-US" altLang="zh-CN" sz="1050" dirty="0"/>
               <a:t>PROXYSQL_HOST=“mysql3"</a:t>
             </a:r>
           </a:p>
           <a:p>
             <a:r>
-              <a:rPr lang="en-US" altLang="zh-CN" sz="788" dirty="0"/>
+              <a:rPr lang="en-US" altLang="zh-CN" sz="1050" dirty="0"/>
               <a:t> </a:t>
             </a:r>
           </a:p>
           <a:p>
             <a:r>
-              <a:rPr lang="en-US" altLang="zh-CN" sz="788" dirty="0"/>
+              <a:rPr lang="en-US" altLang="zh-CN" sz="1050" dirty="0"/>
               <a:t># stop accepting connections to old master</a:t>
             </a:r>
           </a:p>
           <a:p>
             <a:r>
-              <a:rPr lang="en-US" altLang="zh-CN" sz="788" dirty="0"/>
+              <a:rPr lang="en-US" altLang="zh-CN" sz="1050" dirty="0"/>
               <a:t>(</a:t>
             </a:r>
           </a:p>
           <a:p>
             <a:r>
-              <a:rPr lang="en-US" altLang="zh-CN" sz="788" dirty="0"/>
+              <a:rPr lang="en-US" altLang="zh-CN" sz="1050" dirty="0"/>
               <a:t>echo 'UPDATE </a:t>
             </a:r>
             <a:r>
-              <a:rPr lang="en-US" altLang="zh-CN" sz="788" dirty="0" err="1"/>
+              <a:rPr lang="en-US" altLang="zh-CN" sz="1050" dirty="0" err="1"/>
               <a:t>mysql_servers</a:t>
             </a:r>
             <a:r>
-              <a:rPr lang="en-US" altLang="zh-CN" sz="788" dirty="0"/>
+              <a:rPr lang="en-US" altLang="zh-CN" sz="1050" dirty="0"/>
               <a:t> SET STATUS="OFFLINE_SOFT" WHERE hostname="'"$</a:t>
             </a:r>
             <a:r>
-              <a:rPr lang="en-US" altLang="zh-CN" sz="788" dirty="0" err="1"/>
+              <a:rPr lang="en-US" altLang="zh-CN" sz="1050" dirty="0" err="1"/>
               <a:t>OldMaster</a:t>
             </a:r>
             <a:r>
-              <a:rPr lang="en-US" altLang="zh-CN" sz="788" dirty="0"/>
+              <a:rPr lang="en-US" altLang="zh-CN" sz="1050" dirty="0"/>
               <a:t>"'";'</a:t>
             </a:r>
           </a:p>
           <a:p>
             <a:r>
-              <a:rPr lang="en-US" altLang="zh-CN" sz="788" dirty="0"/>
+              <a:rPr lang="en-US" altLang="zh-CN" sz="1050" dirty="0"/>
               <a:t>echo "LOAD MYSQL SERVERS TO RUNTIME;"</a:t>
             </a:r>
           </a:p>
           <a:p>
             <a:r>
-              <a:rPr lang="en-US" altLang="zh-CN" sz="788" dirty="0"/>
+              <a:rPr lang="en-US" altLang="zh-CN" sz="1050" dirty="0"/>
               <a:t>) | </a:t>
             </a:r>
             <a:r>
-              <a:rPr lang="en-US" altLang="zh-CN" sz="788" dirty="0" err="1"/>
+              <a:rPr lang="en-US" altLang="zh-CN" sz="1050" dirty="0" err="1"/>
               <a:t>mysql</a:t>
             </a:r>
             <a:r>
-              <a:rPr lang="en-US" altLang="zh-CN" sz="788" dirty="0"/>
+              <a:rPr lang="en-US" altLang="zh-CN" sz="1050" dirty="0"/>
               <a:t> -</a:t>
             </a:r>
             <a:r>
-              <a:rPr lang="en-US" altLang="zh-CN" sz="788" dirty="0" err="1"/>
+              <a:rPr lang="en-US" altLang="zh-CN" sz="1050" dirty="0" err="1"/>
               <a:t>vvv</a:t>
             </a:r>
             <a:r>
-              <a:rPr lang="en-US" altLang="zh-CN" sz="788" dirty="0"/>
+              <a:rPr lang="en-US" altLang="zh-CN" sz="1050" dirty="0"/>
               <a:t> -</a:t>
             </a:r>
             <a:r>
-              <a:rPr lang="en-US" altLang="zh-CN" sz="788" dirty="0" err="1"/>
+              <a:rPr lang="en-US" altLang="zh-CN" sz="1050" dirty="0" err="1"/>
               <a:t>uivan</a:t>
             </a:r>
             <a:r>
-              <a:rPr lang="en-US" altLang="zh-CN" sz="788" dirty="0"/>
+              <a:rPr lang="en-US" altLang="zh-CN" sz="1050" dirty="0"/>
               <a:t> -p**** -h ${PROXYSQL_HOST} -P6032</a:t>
             </a:r>
           </a:p>
           <a:p>
             <a:r>
-              <a:rPr lang="en-US" altLang="zh-CN" sz="788" dirty="0"/>
+              <a:rPr lang="en-US" altLang="zh-CN" sz="1050" dirty="0"/>
               <a:t> </a:t>
             </a:r>
           </a:p>
           <a:p>
             <a:r>
-              <a:rPr lang="en-US" altLang="zh-CN" sz="788" dirty="0"/>
+              <a:rPr lang="en-US" altLang="zh-CN" sz="1050" dirty="0"/>
               <a:t># wait while connections are still active and we are in the grace period</a:t>
             </a:r>
           </a:p>
           <a:p>
             <a:r>
-              <a:rPr lang="en-US" altLang="zh-CN" sz="788" dirty="0"/>
+              <a:rPr lang="en-US" altLang="zh-CN" sz="1050" dirty="0"/>
               <a:t>CONNUSED=`</a:t>
             </a:r>
             <a:r>
-              <a:rPr lang="en-US" altLang="zh-CN" sz="788" dirty="0" err="1"/>
+              <a:rPr lang="en-US" altLang="zh-CN" sz="1050" dirty="0" err="1"/>
               <a:t>mysql</a:t>
             </a:r>
             <a:r>
-              <a:rPr lang="en-US" altLang="zh-CN" sz="788" dirty="0"/>
+              <a:rPr lang="en-US" altLang="zh-CN" sz="1050" dirty="0"/>
               <a:t> -</a:t>
             </a:r>
             <a:r>
-              <a:rPr lang="en-US" altLang="zh-CN" sz="788" dirty="0" err="1"/>
+              <a:rPr lang="en-US" altLang="zh-CN" sz="1050" dirty="0" err="1"/>
               <a:t>uivan</a:t>
             </a:r>
             <a:r>
-              <a:rPr lang="en-US" altLang="zh-CN" sz="788" dirty="0"/>
+              <a:rPr lang="en-US" altLang="zh-CN" sz="1050" dirty="0"/>
               <a:t> -p**** -h ${PROXYSQL_HOST} -P6032 -e 'SELECT IFNULL(SUM(</a:t>
             </a:r>
             <a:r>
-              <a:rPr lang="en-US" altLang="zh-CN" sz="788" dirty="0" err="1"/>
+              <a:rPr lang="en-US" altLang="zh-CN" sz="1050" dirty="0" err="1"/>
               <a:t>ConnUsed</a:t>
             </a:r>
             <a:r>
-              <a:rPr lang="en-US" altLang="zh-CN" sz="788" dirty="0"/>
+              <a:rPr lang="en-US" altLang="zh-CN" sz="1050" dirty="0"/>
               <a:t>),0) FROM </a:t>
             </a:r>
             <a:r>
-              <a:rPr lang="en-US" altLang="zh-CN" sz="788" dirty="0" err="1"/>
+              <a:rPr lang="en-US" altLang="zh-CN" sz="1050" dirty="0" err="1"/>
               <a:t>stats_mysql_connection_pool</a:t>
             </a:r>
             <a:r>
-              <a:rPr lang="en-US" altLang="zh-CN" sz="788" dirty="0"/>
+              <a:rPr lang="en-US" altLang="zh-CN" sz="1050" dirty="0"/>
               <a:t> </a:t>
             </a:r>
           </a:p>
           <a:p>
             <a:r>
-              <a:rPr lang="en-US" altLang="zh-CN" sz="788" dirty="0"/>
+              <a:rPr lang="en-US" altLang="zh-CN" sz="1050" dirty="0"/>
               <a:t>	WHERE status="OFFLINE_SOFT" AND </a:t>
             </a:r>
             <a:r>
-              <a:rPr lang="en-US" altLang="zh-CN" sz="788" dirty="0" err="1"/>
+              <a:rPr lang="en-US" altLang="zh-CN" sz="1050" dirty="0" err="1"/>
               <a:t>srv_host</a:t>
             </a:r>
             <a:r>
-              <a:rPr lang="en-US" altLang="zh-CN" sz="788" dirty="0"/>
+              <a:rPr lang="en-US" altLang="zh-CN" sz="1050" dirty="0"/>
               <a:t>="'"$</a:t>
             </a:r>
             <a:r>
-              <a:rPr lang="en-US" altLang="zh-CN" sz="788" dirty="0" err="1"/>
+              <a:rPr lang="en-US" altLang="zh-CN" sz="1050" dirty="0" err="1"/>
               <a:t>OldMaster</a:t>
             </a:r>
             <a:r>
-              <a:rPr lang="en-US" altLang="zh-CN" sz="788" dirty="0"/>
+              <a:rPr lang="en-US" altLang="zh-CN" sz="1050" dirty="0"/>
               <a:t>"'"' -B -N 2&amp;gt; /dev/null`</a:t>
             </a:r>
           </a:p>
           <a:p>
             <a:r>
-              <a:rPr lang="en-US" altLang="zh-CN" sz="788" dirty="0"/>
+              <a:rPr lang="en-US" altLang="zh-CN" sz="1050" dirty="0"/>
               <a:t>TRIES=0</a:t>
             </a:r>
           </a:p>
           <a:p>
             <a:r>
-              <a:rPr lang="en-US" altLang="zh-CN" sz="788" dirty="0"/>
+              <a:rPr lang="en-US" altLang="zh-CN" sz="1050" dirty="0"/>
               <a:t>while [ $CONNUSED -ne 0 -a $TRIES -ne 20 ]</a:t>
             </a:r>
           </a:p>
           <a:p>
             <a:r>
-              <a:rPr lang="en-US" altLang="zh-CN" sz="788" dirty="0"/>
+              <a:rPr lang="en-US" altLang="zh-CN" sz="1050" dirty="0"/>
               <a:t>do</a:t>
             </a:r>
           </a:p>
           <a:p>
             <a:r>
-              <a:rPr lang="en-US" altLang="zh-CN" sz="788" dirty="0"/>
+              <a:rPr lang="en-US" altLang="zh-CN" sz="1050" dirty="0"/>
               <a:t>  CONNUSED=`</a:t>
             </a:r>
             <a:r>
-              <a:rPr lang="en-US" altLang="zh-CN" sz="788" dirty="0" err="1"/>
+              <a:rPr lang="en-US" altLang="zh-CN" sz="1050" dirty="0" err="1"/>
               <a:t>mysql</a:t>
             </a:r>
             <a:r>
-              <a:rPr lang="en-US" altLang="zh-CN" sz="788" dirty="0"/>
+              <a:rPr lang="en-US" altLang="zh-CN" sz="1050" dirty="0"/>
               <a:t> -</a:t>
             </a:r>
             <a:r>
-              <a:rPr lang="en-US" altLang="zh-CN" sz="788" dirty="0" err="1"/>
+              <a:rPr lang="en-US" altLang="zh-CN" sz="1050" dirty="0" err="1"/>
               <a:t>uivan</a:t>
             </a:r>
             <a:r>
-              <a:rPr lang="en-US" altLang="zh-CN" sz="788" dirty="0"/>
+              <a:rPr lang="en-US" altLang="zh-CN" sz="1050" dirty="0"/>
               <a:t> -p**** -h ${PROXYSQL_HOST} -P6032 -e 'SELECT IFNULL(SUM(</a:t>
             </a:r>
             <a:r>
-              <a:rPr lang="en-US" altLang="zh-CN" sz="788" dirty="0" err="1"/>
+              <a:rPr lang="en-US" altLang="zh-CN" sz="1050" dirty="0" err="1"/>
               <a:t>ConnUsed</a:t>
             </a:r>
             <a:r>
-              <a:rPr lang="en-US" altLang="zh-CN" sz="788" dirty="0"/>
+              <a:rPr lang="en-US" altLang="zh-CN" sz="1050" dirty="0"/>
               <a:t>),0) FROM </a:t>
             </a:r>
             <a:r>
-              <a:rPr lang="en-US" altLang="zh-CN" sz="788" dirty="0" err="1"/>
+              <a:rPr lang="en-US" altLang="zh-CN" sz="1050" dirty="0" err="1"/>
               <a:t>stats_mysql_connection_pool</a:t>
             </a:r>
             <a:r>
-              <a:rPr lang="en-US" altLang="zh-CN" sz="788" dirty="0"/>
+              <a:rPr lang="en-US" altLang="zh-CN" sz="1050" dirty="0"/>
               <a:t> </a:t>
             </a:r>
           </a:p>
           <a:p>
             <a:r>
-              <a:rPr lang="en-US" altLang="zh-CN" sz="788" dirty="0"/>
+              <a:rPr lang="en-US" altLang="zh-CN" sz="1050" dirty="0"/>
               <a:t>	WHERE status="OFFLINE_SOFT" AND </a:t>
             </a:r>
             <a:r>
-              <a:rPr lang="en-US" altLang="zh-CN" sz="788" dirty="0" err="1"/>
+              <a:rPr lang="en-US" altLang="zh-CN" sz="1050" dirty="0" err="1"/>
               <a:t>srv_host</a:t>
             </a:r>
             <a:r>
-              <a:rPr lang="en-US" altLang="zh-CN" sz="788" dirty="0"/>
+              <a:rPr lang="en-US" altLang="zh-CN" sz="1050" dirty="0"/>
               <a:t>="'"$</a:t>
             </a:r>
             <a:r>
-              <a:rPr lang="en-US" altLang="zh-CN" sz="788" dirty="0" err="1"/>
+              <a:rPr lang="en-US" altLang="zh-CN" sz="1050" dirty="0" err="1"/>
               <a:t>OldMaster</a:t>
             </a:r>
             <a:r>
-              <a:rPr lang="en-US" altLang="zh-CN" sz="788" dirty="0"/>
+              <a:rPr lang="en-US" altLang="zh-CN" sz="1050" dirty="0"/>
               <a:t>"'"' -B -N 2&amp;gt; /dev/null`</a:t>
             </a:r>
           </a:p>
           <a:p>
             <a:r>
-              <a:rPr lang="en-US" altLang="zh-CN" sz="788" dirty="0"/>
+              <a:rPr lang="en-US" altLang="zh-CN" sz="1050" dirty="0"/>
               <a:t>  TRIES=$(($TRIES+1))</a:t>
             </a:r>
           </a:p>
           <a:p>
             <a:r>
-              <a:rPr lang="en-US" altLang="zh-CN" sz="788" dirty="0"/>
+              <a:rPr lang="en-US" altLang="zh-CN" sz="1050" dirty="0"/>
               <a:t>  if [ $CONNUSED -ne "0" ]; then</a:t>
             </a:r>
           </a:p>
           <a:p>
             <a:r>
-              <a:rPr lang="en-US" altLang="zh-CN" sz="788" dirty="0"/>
+              <a:rPr lang="en-US" altLang="zh-CN" sz="1050" dirty="0"/>
               <a:t>    sleep 0.05</a:t>
             </a:r>
           </a:p>
           <a:p>
             <a:r>
-              <a:rPr lang="en-US" altLang="zh-CN" sz="788" dirty="0"/>
+              <a:rPr lang="en-US" altLang="zh-CN" sz="1050" dirty="0"/>
               <a:t>  fi</a:t>
             </a:r>
           </a:p>
           <a:p>
             <a:r>
-              <a:rPr lang="en-US" altLang="zh-CN" sz="788" dirty="0"/>
+              <a:rPr lang="en-US" altLang="zh-CN" sz="1050" dirty="0"/>
               <a:t>done</a:t>
             </a:r>
-            <a:endParaRPr lang="zh-CN" altLang="en-US" sz="788" dirty="0"/>
+            <a:endParaRPr lang="zh-CN" altLang="en-US" sz="1050" dirty="0"/>
           </a:p>
         </p:txBody>
       </p:sp>
@@ -13630,13 +13751,6 @@
   <p:clrMapOvr>
     <a:masterClrMapping/>
   </p:clrMapOvr>
-  <p:timing>
-    <p:tnLst>
-      <p:par>
-        <p:cTn id="1" dur="indefinite" restart="never" nodeType="tmRoot"/>
-      </p:par>
-    </p:tnLst>
-  </p:timing>
 </p:sld>
 </file>
 
@@ -13667,35 +13781,23 @@
             <p:ph type="title"/>
           </p:nvPr>
         </p:nvSpPr>
-        <p:spPr/>
-        <p:txBody>
-          <a:bodyPr/>
+        <p:spPr>
+          <a:xfrm>
+            <a:off x="396000" y="144718"/>
+            <a:ext cx="7652065" cy="339376"/>
+          </a:xfrm>
+        </p:spPr>
+        <p:txBody>
+          <a:bodyPr>
+            <a:normAutofit/>
+          </a:bodyPr>
           <a:lstStyle/>
           <a:p>
             <a:r>
-              <a:rPr lang="en-US" altLang="zh-CN" smtClean="0"/>
+              <a:rPr lang="en-US" altLang="zh-CN" sz="1800" dirty="0"/>
               <a:t>/tmp/postfailover.sh</a:t>
             </a:r>
-            <a:endParaRPr lang="zh-CN" altLang="en-US" dirty="0"/>
-          </a:p>
-        </p:txBody>
-      </p:sp>
-      <p:sp>
-        <p:nvSpPr>
-          <p:cNvPr id="9" name="Content Placeholder 8"/>
-          <p:cNvSpPr>
-            <a:spLocks noGrp="1"/>
-          </p:cNvSpPr>
-          <p:nvPr>
-            <p:ph idx="1"/>
-          </p:nvPr>
-        </p:nvSpPr>
-        <p:spPr/>
-        <p:txBody>
-          <a:bodyPr/>
-          <a:lstStyle/>
-          <a:p>
-            <a:endParaRPr lang="zh-CN" altLang="en-US"/>
+            <a:endParaRPr lang="zh-CN" altLang="en-US" sz="1800" dirty="0"/>
           </a:p>
         </p:txBody>
       </p:sp>
@@ -13707,8 +13809,8 @@
         </p:nvSpPr>
         <p:spPr>
           <a:xfrm>
-            <a:off x="1518047" y="860822"/>
-            <a:ext cx="5068491" cy="3972370"/>
+            <a:off x="396000" y="484094"/>
+            <a:ext cx="7349505" cy="4455066"/>
           </a:xfrm>
           <a:prstGeom prst="rect">
             <a:avLst/>
@@ -13722,394 +13824,330 @@
           <a:lstStyle/>
           <a:p>
             <a:r>
-              <a:rPr lang="en-US" altLang="zh-CN" sz="788" dirty="0"/>
+              <a:rPr lang="en-US" altLang="zh-CN" sz="1050" dirty="0"/>
               <a:t>#!/bin/bash</a:t>
             </a:r>
           </a:p>
           <a:p>
             <a:r>
-              <a:rPr lang="en-US" altLang="zh-CN" sz="788" dirty="0"/>
+              <a:rPr lang="en-US" altLang="zh-CN" sz="1050" dirty="0"/>
               <a:t> </a:t>
             </a:r>
           </a:p>
           <a:p>
             <a:r>
-              <a:rPr lang="en-US" altLang="zh-CN" sz="788" dirty="0" err="1"/>
+              <a:rPr lang="en-US" altLang="zh-CN" sz="1050" dirty="0" err="1"/>
               <a:t>OldMaster</a:t>
             </a:r>
             <a:r>
-              <a:rPr lang="en-US" altLang="zh-CN" sz="788" dirty="0"/>
+              <a:rPr lang="en-US" altLang="zh-CN" sz="1050" dirty="0"/>
               <a:t>=$ORC_FAILED_HOST</a:t>
             </a:r>
           </a:p>
           <a:p>
             <a:r>
-              <a:rPr lang="en-US" altLang="zh-CN" sz="788" dirty="0" err="1"/>
+              <a:rPr lang="en-US" altLang="zh-CN" sz="1050" dirty="0" err="1"/>
               <a:t>NewMaster</a:t>
             </a:r>
             <a:r>
-              <a:rPr lang="en-US" altLang="zh-CN" sz="788" dirty="0"/>
+              <a:rPr lang="en-US" altLang="zh-CN" sz="1050" dirty="0"/>
               <a:t>=$ORC_SUCCESSOR_HOST</a:t>
             </a:r>
           </a:p>
           <a:p>
             <a:r>
-              <a:rPr lang="en-US" altLang="zh-CN" sz="788" dirty="0"/>
+              <a:rPr lang="en-US" altLang="zh-CN" sz="1050" dirty="0"/>
               <a:t>PROXYSQL_HOST="mysql3"</a:t>
             </a:r>
           </a:p>
           <a:p>
             <a:r>
-              <a:rPr lang="en-US" altLang="zh-CN" sz="788" dirty="0"/>
+              <a:rPr lang="en-US" altLang="zh-CN" sz="1050" dirty="0"/>
               <a:t> </a:t>
             </a:r>
           </a:p>
           <a:p>
             <a:r>
-              <a:rPr lang="en-US" altLang="zh-CN" sz="788" dirty="0"/>
+              <a:rPr lang="en-US" altLang="zh-CN" sz="1050" dirty="0"/>
               <a:t># remove old master from writers </a:t>
             </a:r>
             <a:r>
-              <a:rPr lang="en-US" altLang="zh-CN" sz="788" dirty="0" err="1"/>
+              <a:rPr lang="en-US" altLang="zh-CN" sz="1050" dirty="0" err="1"/>
               <a:t>hostgroup</a:t>
             </a:r>
-            <a:endParaRPr lang="en-US" altLang="zh-CN" sz="788" dirty="0"/>
-          </a:p>
-          <a:p>
-            <a:r>
-              <a:rPr lang="en-US" altLang="zh-CN" sz="788" dirty="0"/>
+            <a:endParaRPr lang="en-US" altLang="zh-CN" sz="1050" dirty="0"/>
+          </a:p>
+          <a:p>
+            <a:r>
+              <a:rPr lang="en-US" altLang="zh-CN" sz="1050" dirty="0"/>
               <a:t>(</a:t>
             </a:r>
           </a:p>
           <a:p>
             <a:r>
-              <a:rPr lang="en-US" altLang="zh-CN" sz="788" dirty="0"/>
+              <a:rPr lang="en-US" altLang="zh-CN" sz="1050" dirty="0"/>
               <a:t>echo 'DELETE FROM </a:t>
             </a:r>
             <a:r>
-              <a:rPr lang="en-US" altLang="zh-CN" sz="788" dirty="0" err="1"/>
+              <a:rPr lang="en-US" altLang="zh-CN" sz="1050" dirty="0" err="1"/>
               <a:t>mysql_servers</a:t>
             </a:r>
             <a:r>
-              <a:rPr lang="en-US" altLang="zh-CN" sz="788" dirty="0"/>
+              <a:rPr lang="en-US" altLang="zh-CN" sz="1050" dirty="0"/>
               <a:t> WHERE </a:t>
             </a:r>
             <a:r>
-              <a:rPr lang="en-US" altLang="zh-CN" sz="788" dirty="0" err="1"/>
+              <a:rPr lang="en-US" altLang="zh-CN" sz="1050" dirty="0" err="1"/>
               <a:t>hostgroup_id</a:t>
             </a:r>
             <a:r>
-              <a:rPr lang="en-US" altLang="zh-CN" sz="788" dirty="0"/>
+              <a:rPr lang="en-US" altLang="zh-CN" sz="1050" dirty="0"/>
               <a:t>=0 AND hostname="'"$</a:t>
             </a:r>
             <a:r>
-              <a:rPr lang="en-US" altLang="zh-CN" sz="788" dirty="0" err="1"/>
+              <a:rPr lang="en-US" altLang="zh-CN" sz="1050" dirty="0" err="1"/>
               <a:t>OldMaster</a:t>
             </a:r>
             <a:r>
-              <a:rPr lang="en-US" altLang="zh-CN" sz="788" dirty="0"/>
+              <a:rPr lang="en-US" altLang="zh-CN" sz="1050" dirty="0"/>
               <a:t>"'";'</a:t>
             </a:r>
           </a:p>
           <a:p>
             <a:r>
-              <a:rPr lang="en-US" altLang="zh-CN" sz="788" dirty="0"/>
+              <a:rPr lang="en-US" altLang="zh-CN" sz="1050" dirty="0"/>
               <a:t>echo 'LOAD MYSQL SERVERS TO RUNTIME; SAVE MYSQL SERVERS TO DISK;'</a:t>
             </a:r>
           </a:p>
           <a:p>
             <a:r>
-              <a:rPr lang="en-US" altLang="zh-CN" sz="788" dirty="0"/>
+              <a:rPr lang="en-US" altLang="zh-CN" sz="1050" dirty="0"/>
               <a:t>) | </a:t>
             </a:r>
             <a:r>
-              <a:rPr lang="en-US" altLang="zh-CN" sz="788" dirty="0" err="1"/>
+              <a:rPr lang="en-US" altLang="zh-CN" sz="1050" dirty="0" err="1"/>
               <a:t>mysql</a:t>
             </a:r>
             <a:r>
-              <a:rPr lang="en-US" altLang="zh-CN" sz="788" dirty="0"/>
+              <a:rPr lang="en-US" altLang="zh-CN" sz="1050" dirty="0"/>
               <a:t> -</a:t>
             </a:r>
             <a:r>
-              <a:rPr lang="en-US" altLang="zh-CN" sz="788" dirty="0" err="1"/>
+              <a:rPr lang="en-US" altLang="zh-CN" sz="1050" dirty="0" err="1"/>
               <a:t>vvv</a:t>
             </a:r>
             <a:r>
-              <a:rPr lang="en-US" altLang="zh-CN" sz="788" dirty="0"/>
+              <a:rPr lang="en-US" altLang="zh-CN" sz="1050" dirty="0"/>
               <a:t> -</a:t>
             </a:r>
             <a:r>
-              <a:rPr lang="en-US" altLang="zh-CN" sz="788" dirty="0" err="1"/>
+              <a:rPr lang="en-US" altLang="zh-CN" sz="1050" dirty="0" err="1"/>
               <a:t>uivan</a:t>
             </a:r>
             <a:r>
-              <a:rPr lang="en-US" altLang="zh-CN" sz="788" dirty="0"/>
+              <a:rPr lang="en-US" altLang="zh-CN" sz="1050" dirty="0"/>
               <a:t> -p**** -h ${PROXYSQL_HOST} -P6032</a:t>
             </a:r>
           </a:p>
           <a:p>
             <a:r>
-              <a:rPr lang="en-US" altLang="zh-CN" sz="788" dirty="0"/>
+              <a:rPr lang="en-US" altLang="zh-CN" sz="1050" dirty="0"/>
               <a:t> </a:t>
             </a:r>
           </a:p>
           <a:p>
             <a:r>
-              <a:rPr lang="en-US" altLang="zh-CN" sz="788" dirty="0"/>
+              <a:rPr lang="en-US" altLang="zh-CN" sz="1050" dirty="0"/>
               <a:t># promote the new master by adding to the writers </a:t>
             </a:r>
             <a:r>
-              <a:rPr lang="en-US" altLang="zh-CN" sz="788" dirty="0" err="1"/>
+              <a:rPr lang="en-US" altLang="zh-CN" sz="1050" dirty="0" err="1"/>
               <a:t>hostgroup</a:t>
             </a:r>
-            <a:endParaRPr lang="en-US" altLang="zh-CN" sz="788" dirty="0"/>
-          </a:p>
-          <a:p>
-            <a:r>
-              <a:rPr lang="en-US" altLang="zh-CN" sz="788" dirty="0"/>
+            <a:endParaRPr lang="en-US" altLang="zh-CN" sz="1050" dirty="0"/>
+          </a:p>
+          <a:p>
+            <a:r>
+              <a:rPr lang="en-US" altLang="zh-CN" sz="1050" dirty="0"/>
               <a:t>(</a:t>
             </a:r>
           </a:p>
           <a:p>
             <a:r>
-              <a:rPr lang="en-US" altLang="zh-CN" sz="788" dirty="0"/>
+              <a:rPr lang="en-US" altLang="zh-CN" sz="1050" dirty="0"/>
               <a:t>echo 'INSERT INTO </a:t>
             </a:r>
             <a:r>
-              <a:rPr lang="en-US" altLang="zh-CN" sz="788" dirty="0" err="1"/>
+              <a:rPr lang="en-US" altLang="zh-CN" sz="1050" dirty="0" err="1"/>
               <a:t>mysql_servers</a:t>
             </a:r>
             <a:r>
-              <a:rPr lang="en-US" altLang="zh-CN" sz="788" dirty="0"/>
+              <a:rPr lang="en-US" altLang="zh-CN" sz="1050" dirty="0"/>
               <a:t>(</a:t>
             </a:r>
             <a:r>
-              <a:rPr lang="en-US" altLang="zh-CN" sz="788" dirty="0" err="1"/>
+              <a:rPr lang="en-US" altLang="zh-CN" sz="1050" dirty="0" err="1"/>
               <a:t>hostgroup_id,hostname,port,status</a:t>
             </a:r>
             <a:r>
-              <a:rPr lang="en-US" altLang="zh-CN" sz="788" dirty="0"/>
+              <a:rPr lang="en-US" altLang="zh-CN" sz="1050" dirty="0"/>
               <a:t>) values (0, "'"$</a:t>
             </a:r>
             <a:r>
-              <a:rPr lang="en-US" altLang="zh-CN" sz="788" dirty="0" err="1"/>
+              <a:rPr lang="en-US" altLang="zh-CN" sz="1050" dirty="0" err="1"/>
               <a:t>NewMaster</a:t>
             </a:r>
             <a:r>
-              <a:rPr lang="en-US" altLang="zh-CN" sz="788" dirty="0"/>
+              <a:rPr lang="en-US" altLang="zh-CN" sz="1050" dirty="0"/>
               <a:t>"'", 3306, "ONLINE");'</a:t>
             </a:r>
           </a:p>
           <a:p>
             <a:r>
-              <a:rPr lang="en-US" altLang="zh-CN" sz="788" dirty="0"/>
+              <a:rPr lang="en-US" altLang="zh-CN" sz="1050" dirty="0"/>
               <a:t>echo 'LOAD MYSQL SERVERS TO RUNTIME; SAVE MYSQL SERVERS TO DISK;'</a:t>
             </a:r>
           </a:p>
           <a:p>
             <a:r>
-              <a:rPr lang="en-US" altLang="zh-CN" sz="788" dirty="0"/>
+              <a:rPr lang="en-US" altLang="zh-CN" sz="1050" dirty="0"/>
               <a:t>) | </a:t>
             </a:r>
             <a:r>
-              <a:rPr lang="en-US" altLang="zh-CN" sz="788" dirty="0" err="1"/>
+              <a:rPr lang="en-US" altLang="zh-CN" sz="1050" dirty="0" err="1"/>
               <a:t>mysql</a:t>
             </a:r>
             <a:r>
-              <a:rPr lang="en-US" altLang="zh-CN" sz="788" dirty="0"/>
+              <a:rPr lang="en-US" altLang="zh-CN" sz="1050" dirty="0"/>
               <a:t> -</a:t>
             </a:r>
             <a:r>
-              <a:rPr lang="en-US" altLang="zh-CN" sz="788" dirty="0" err="1"/>
+              <a:rPr lang="en-US" altLang="zh-CN" sz="1050" dirty="0" err="1"/>
               <a:t>vvv</a:t>
             </a:r>
             <a:r>
-              <a:rPr lang="en-US" altLang="zh-CN" sz="788" dirty="0"/>
+              <a:rPr lang="en-US" altLang="zh-CN" sz="1050" dirty="0"/>
               <a:t> -</a:t>
             </a:r>
             <a:r>
-              <a:rPr lang="en-US" altLang="zh-CN" sz="788" dirty="0" err="1"/>
+              <a:rPr lang="en-US" altLang="zh-CN" sz="1050" dirty="0" err="1"/>
               <a:t>uivan</a:t>
             </a:r>
             <a:r>
-              <a:rPr lang="en-US" altLang="zh-CN" sz="788" dirty="0"/>
+              <a:rPr lang="en-US" altLang="zh-CN" sz="1050" dirty="0"/>
               <a:t> -p**** -h ${PROXYSQL_HOST} -P6032</a:t>
             </a:r>
           </a:p>
           <a:p>
             <a:r>
-              <a:rPr lang="en-US" altLang="zh-CN" sz="788" dirty="0"/>
+              <a:rPr lang="en-US" altLang="zh-CN" sz="1050" dirty="0"/>
               <a:t> </a:t>
             </a:r>
           </a:p>
           <a:p>
             <a:r>
-              <a:rPr lang="en-US" altLang="zh-CN" sz="788" dirty="0"/>
+              <a:rPr lang="en-US" altLang="zh-CN" sz="1050" dirty="0"/>
               <a:t># if graceful then set old master ONLINE in read </a:t>
             </a:r>
             <a:r>
-              <a:rPr lang="en-US" altLang="zh-CN" sz="788" dirty="0" err="1"/>
+              <a:rPr lang="en-US" altLang="zh-CN" sz="1050" dirty="0" err="1"/>
               <a:t>hostgroup</a:t>
             </a:r>
             <a:r>
-              <a:rPr lang="en-US" altLang="zh-CN" sz="788" dirty="0"/>
+              <a:rPr lang="en-US" altLang="zh-CN" sz="1050" dirty="0"/>
               <a:t> and start replication</a:t>
             </a:r>
           </a:p>
           <a:p>
             <a:r>
-              <a:rPr lang="en-US" altLang="zh-CN" sz="788" dirty="0"/>
+              <a:rPr lang="en-US" altLang="zh-CN" sz="1050" dirty="0"/>
               <a:t>if [ "$ORC_COMMAND" == "graceful-master-takeover" ]</a:t>
             </a:r>
           </a:p>
           <a:p>
             <a:r>
-              <a:rPr lang="en-US" altLang="zh-CN" sz="788" dirty="0"/>
+              <a:rPr lang="en-US" altLang="zh-CN" sz="1050" dirty="0"/>
               <a:t>then</a:t>
             </a:r>
           </a:p>
           <a:p>
             <a:r>
-              <a:rPr lang="en-US" altLang="zh-CN" sz="788" dirty="0"/>
+              <a:rPr lang="en-US" altLang="zh-CN" sz="1050" dirty="0"/>
               <a:t>(</a:t>
             </a:r>
           </a:p>
           <a:p>
             <a:r>
-              <a:rPr lang="en-US" altLang="zh-CN" sz="788" dirty="0"/>
+              <a:rPr lang="en-US" altLang="zh-CN" sz="1050" dirty="0"/>
               <a:t>echo 'UPDATE </a:t>
             </a:r>
             <a:r>
-              <a:rPr lang="en-US" altLang="zh-CN" sz="788" dirty="0" err="1"/>
+              <a:rPr lang="en-US" altLang="zh-CN" sz="1050" dirty="0" err="1"/>
               <a:t>mysql_servers</a:t>
             </a:r>
             <a:r>
-              <a:rPr lang="en-US" altLang="zh-CN" sz="788" dirty="0"/>
+              <a:rPr lang="en-US" altLang="zh-CN" sz="1050" dirty="0"/>
               <a:t> SET status="ONLINE" WHERE </a:t>
             </a:r>
             <a:r>
-              <a:rPr lang="en-US" altLang="zh-CN" sz="788" dirty="0" err="1"/>
+              <a:rPr lang="en-US" altLang="zh-CN" sz="1050" dirty="0" err="1"/>
               <a:t>hostgroup_id</a:t>
             </a:r>
             <a:r>
-              <a:rPr lang="en-US" altLang="zh-CN" sz="788" dirty="0"/>
+              <a:rPr lang="en-US" altLang="zh-CN" sz="1050" dirty="0"/>
               <a:t>=1 AND hostname="'"$</a:t>
             </a:r>
             <a:r>
-              <a:rPr lang="en-US" altLang="zh-CN" sz="788" dirty="0" err="1"/>
+              <a:rPr lang="en-US" altLang="zh-CN" sz="1050" dirty="0" err="1"/>
               <a:t>OldMaster</a:t>
             </a:r>
             <a:r>
-              <a:rPr lang="en-US" altLang="zh-CN" sz="788" dirty="0"/>
+              <a:rPr lang="en-US" altLang="zh-CN" sz="1050" dirty="0"/>
               <a:t>"'";'</a:t>
             </a:r>
           </a:p>
           <a:p>
             <a:r>
-              <a:rPr lang="en-US" altLang="zh-CN" sz="788" dirty="0"/>
+              <a:rPr lang="en-US" altLang="zh-CN" sz="1050" dirty="0"/>
               <a:t>echo 'LOAD MYSQL SERVERS TO RUNTIME; SAVE MYSQL SERVERS TO DISK;'</a:t>
             </a:r>
           </a:p>
           <a:p>
             <a:r>
-              <a:rPr lang="en-US" altLang="zh-CN" sz="788" dirty="0"/>
+              <a:rPr lang="en-US" altLang="zh-CN" sz="1050" dirty="0"/>
               <a:t>) | </a:t>
             </a:r>
             <a:r>
-              <a:rPr lang="en-US" altLang="zh-CN" sz="788" dirty="0" err="1"/>
+              <a:rPr lang="en-US" altLang="zh-CN" sz="1050" dirty="0" err="1"/>
               <a:t>mysql</a:t>
             </a:r>
             <a:r>
-              <a:rPr lang="en-US" altLang="zh-CN" sz="788" dirty="0"/>
+              <a:rPr lang="en-US" altLang="zh-CN" sz="1050" dirty="0"/>
               <a:t> -</a:t>
             </a:r>
             <a:r>
-              <a:rPr lang="en-US" altLang="zh-CN" sz="788" dirty="0" err="1"/>
+              <a:rPr lang="en-US" altLang="zh-CN" sz="1050" dirty="0" err="1"/>
               <a:t>vvv</a:t>
             </a:r>
             <a:r>
-              <a:rPr lang="en-US" altLang="zh-CN" sz="788" dirty="0"/>
+              <a:rPr lang="en-US" altLang="zh-CN" sz="1050" dirty="0"/>
               <a:t> -</a:t>
             </a:r>
             <a:r>
-              <a:rPr lang="en-US" altLang="zh-CN" sz="788" dirty="0" err="1"/>
+              <a:rPr lang="en-US" altLang="zh-CN" sz="1050" dirty="0" err="1"/>
               <a:t>uivan</a:t>
             </a:r>
             <a:r>
-              <a:rPr lang="en-US" altLang="zh-CN" sz="788" dirty="0"/>
+              <a:rPr lang="en-US" altLang="zh-CN" sz="1050" dirty="0"/>
               <a:t> -p**** -h ${PROXYSQL_HOST} -P6032</a:t>
             </a:r>
           </a:p>
           <a:p>
             <a:r>
-              <a:rPr lang="en-US" altLang="zh-CN" sz="788" dirty="0"/>
-              <a:t> </a:t>
-            </a:r>
-          </a:p>
-          <a:p>
-            <a:r>
-              <a:rPr lang="en-US" altLang="zh-CN" sz="788" dirty="0"/>
-              <a:t># start replication threads on the old master</a:t>
-            </a:r>
-          </a:p>
-          <a:p>
-            <a:r>
-              <a:rPr lang="en-US" altLang="zh-CN" sz="788" dirty="0"/>
-              <a:t># not working for now as hook is fired too soon https://github.com/github/orchestrator/issues/453</a:t>
-            </a:r>
-          </a:p>
-          <a:p>
-            <a:r>
-              <a:rPr lang="en-US" altLang="zh-CN" sz="788" dirty="0"/>
-              <a:t>#</a:t>
-            </a:r>
-            <a:r>
-              <a:rPr lang="en-US" altLang="zh-CN" sz="788" dirty="0" err="1"/>
-              <a:t>mysql</a:t>
-            </a:r>
-            <a:r>
-              <a:rPr lang="en-US" altLang="zh-CN" sz="788" dirty="0"/>
-              <a:t> -</a:t>
-            </a:r>
-            <a:r>
-              <a:rPr lang="en-US" altLang="zh-CN" sz="788" dirty="0" err="1"/>
-              <a:t>vvv</a:t>
-            </a:r>
-            <a:r>
-              <a:rPr lang="en-US" altLang="zh-CN" sz="788" dirty="0"/>
-              <a:t> -</a:t>
-            </a:r>
-            <a:r>
-              <a:rPr lang="en-US" altLang="zh-CN" sz="788" dirty="0" err="1"/>
-              <a:t>h$OldMaster</a:t>
-            </a:r>
-            <a:r>
-              <a:rPr lang="en-US" altLang="zh-CN" sz="788" dirty="0"/>
-              <a:t> -</a:t>
-            </a:r>
-            <a:r>
-              <a:rPr lang="en-US" altLang="zh-CN" sz="788" dirty="0" err="1"/>
-              <a:t>uorchestrator</a:t>
-            </a:r>
-            <a:r>
-              <a:rPr lang="en-US" altLang="zh-CN" sz="788" dirty="0"/>
-              <a:t> -p**** -</a:t>
-            </a:r>
-            <a:r>
-              <a:rPr lang="en-US" altLang="zh-CN" sz="788" dirty="0" err="1"/>
-              <a:t>e'start</a:t>
-            </a:r>
-            <a:r>
-              <a:rPr lang="en-US" altLang="zh-CN" sz="788" dirty="0"/>
-              <a:t> slave;'</a:t>
-            </a:r>
-          </a:p>
-          <a:p>
-            <a:r>
-              <a:rPr lang="en-US" altLang="zh-CN" sz="788" dirty="0"/>
-              <a:t>fi</a:t>
-            </a:r>
-            <a:endParaRPr lang="zh-CN" altLang="en-US" sz="788" dirty="0"/>
+              <a:rPr lang="en-US" altLang="zh-CN" sz="1050" dirty="0"/>
+              <a:t> fi</a:t>
+            </a:r>
+            <a:endParaRPr lang="zh-CN" altLang="en-US" sz="1050" dirty="0"/>
           </a:p>
         </p:txBody>
       </p:sp>
@@ -14123,13 +14161,6 @@
   <p:clrMapOvr>
     <a:masterClrMapping/>
   </p:clrMapOvr>
-  <p:timing>
-    <p:tnLst>
-      <p:par>
-        <p:cTn id="1" dur="indefinite" restart="never" nodeType="tmRoot"/>
-      </p:par>
-    </p:tnLst>
-  </p:timing>
 </p:sld>
 </file>
 
@@ -14166,7 +14197,7 @@
           <a:lstStyle/>
           <a:p>
             <a:r>
-              <a:rPr lang="en-US" altLang="zh-CN" smtClean="0"/>
+              <a:rPr lang="en-US" altLang="zh-CN"/>
               <a:t>References</a:t>
             </a:r>
             <a:endParaRPr lang="zh-CN" altLang="en-US" dirty="0"/>
@@ -14189,48 +14220,63 @@
           <a:lstStyle/>
           <a:p>
             <a:r>
-              <a:rPr lang="en-US" altLang="zh-CN" smtClean="0">
+              <a:rPr lang="en-US" altLang="zh-CN" dirty="0">
                 <a:hlinkClick r:id="rId2"/>
               </a:rPr>
               <a:t>https://github.com/github/orchestrator</a:t>
             </a:r>
-            <a:endParaRPr lang="en-US" altLang="zh-CN" smtClean="0"/>
-          </a:p>
-          <a:p>
-            <a:r>
-              <a:rPr lang="en-US" altLang="zh-CN" smtClean="0">
+            <a:endParaRPr lang="en-US" altLang="zh-CN" dirty="0"/>
+          </a:p>
+          <a:p>
+            <a:r>
+              <a:rPr lang="en-US" altLang="zh-CN" dirty="0">
                 <a:hlinkClick r:id="rId3"/>
               </a:rPr>
               <a:t>https://github.com/sysown/proxysql</a:t>
             </a:r>
-            <a:endParaRPr lang="en-US" altLang="zh-CN" smtClean="0"/>
-          </a:p>
-          <a:p>
-            <a:r>
-              <a:rPr lang="en-US" altLang="zh-CN" smtClean="0">
+            <a:endParaRPr lang="en-US" altLang="zh-CN" dirty="0"/>
+          </a:p>
+          <a:p>
+            <a:r>
+              <a:rPr lang="en-US" altLang="zh-CN" dirty="0">
                 <a:hlinkClick r:id="rId4"/>
               </a:rPr>
               <a:t>https://blog.pythian.com/graceful-master-switchover-proxysql-orchestrator/</a:t>
             </a:r>
-            <a:endParaRPr lang="en-US" altLang="zh-CN" smtClean="0"/>
-          </a:p>
-          <a:p>
-            <a:r>
-              <a:rPr lang="en-US" altLang="zh-CN" smtClean="0">
+            <a:endParaRPr lang="en-US" altLang="zh-CN" dirty="0"/>
+          </a:p>
+          <a:p>
+            <a:r>
+              <a:rPr lang="en-US" altLang="zh-CN" dirty="0">
                 <a:hlinkClick r:id="rId5"/>
               </a:rPr>
               <a:t>https://www.percona.com/blog/2016/11/03/orchestrator-moving-vips-during-failover/</a:t>
             </a:r>
-            <a:endParaRPr lang="en-US" altLang="zh-CN" smtClean="0"/>
-          </a:p>
-          <a:p>
-            <a:r>
-              <a:rPr lang="en-US" altLang="zh-CN" smtClean="0">
+            <a:endParaRPr lang="en-US" altLang="zh-CN" dirty="0"/>
+          </a:p>
+          <a:p>
+            <a:r>
+              <a:rPr lang="en-US" altLang="zh-CN" dirty="0">
                 <a:hlinkClick r:id="rId6"/>
               </a:rPr>
               <a:t>https://vitess.io/</a:t>
             </a:r>
-            <a:endParaRPr lang="en-US" altLang="zh-CN" smtClean="0"/>
+            <a:endParaRPr lang="en-US" altLang="zh-CN" dirty="0"/>
+          </a:p>
+          <a:p>
+            <a:r>
+              <a:rPr lang="en-US" altLang="zh-CN" dirty="0">
+                <a:hlinkClick r:id="rId7"/>
+              </a:rPr>
+              <a:t>https://me.net.nz/blog/</a:t>
+            </a:r>
+            <a:r>
+              <a:rPr lang="en-US" altLang="zh-CN">
+                <a:hlinkClick r:id="rId7"/>
+              </a:rPr>
+              <a:t>btrees-are-the-new-black/</a:t>
+            </a:r>
+            <a:endParaRPr lang="en-US" altLang="zh-CN" dirty="0"/>
           </a:p>
           <a:p>
             <a:endParaRPr lang="zh-CN" altLang="en-US" dirty="0"/>
@@ -14247,13 +14293,6 @@
   <p:clrMapOvr>
     <a:masterClrMapping/>
   </p:clrMapOvr>
-  <p:timing>
-    <p:tnLst>
-      <p:par>
-        <p:cTn id="1" dur="indefinite" restart="never" nodeType="tmRoot"/>
-      </p:par>
-    </p:tnLst>
-  </p:timing>
 </p:sld>
 </file>
 
@@ -14290,7 +14329,7 @@
           <a:lstStyle/>
           <a:p>
             <a:r>
-              <a:rPr lang="en-US" altLang="zh-CN" dirty="0" smtClean="0"/>
+              <a:rPr lang="en-US" altLang="zh-CN" dirty="0"/>
               <a:t>B-Tree index query types</a:t>
             </a:r>
             <a:endParaRPr lang="zh-CN" altLang="en-US" dirty="0"/>
@@ -14313,37 +14352,37 @@
           <a:lstStyle/>
           <a:p>
             <a:r>
-              <a:rPr lang="en-US" altLang="zh-CN" dirty="0" smtClean="0"/>
+              <a:rPr lang="en-US" altLang="zh-CN" dirty="0"/>
               <a:t>Match the full value</a:t>
             </a:r>
           </a:p>
           <a:p>
             <a:r>
-              <a:rPr lang="en-US" altLang="zh-CN" dirty="0" smtClean="0"/>
+              <a:rPr lang="en-US" altLang="zh-CN" dirty="0"/>
               <a:t>Match a leftmost prefix</a:t>
             </a:r>
           </a:p>
           <a:p>
             <a:r>
-              <a:rPr lang="en-US" altLang="zh-CN" dirty="0" smtClean="0"/>
+              <a:rPr lang="en-US" altLang="zh-CN" dirty="0"/>
               <a:t>Match a column prefix</a:t>
             </a:r>
           </a:p>
           <a:p>
             <a:r>
-              <a:rPr lang="en-US" altLang="zh-CN" dirty="0" smtClean="0"/>
+              <a:rPr lang="en-US" altLang="zh-CN" dirty="0"/>
               <a:t>Match a range of values</a:t>
             </a:r>
           </a:p>
           <a:p>
             <a:r>
-              <a:rPr lang="en-US" altLang="zh-CN" dirty="0" smtClean="0"/>
+              <a:rPr lang="en-US" altLang="zh-CN" dirty="0"/>
               <a:t>Match one part exactly and match a range on another part</a:t>
             </a:r>
           </a:p>
           <a:p>
             <a:r>
-              <a:rPr lang="en-US" altLang="zh-CN" dirty="0" smtClean="0"/>
+              <a:rPr lang="en-US" altLang="zh-CN" dirty="0"/>
               <a:t>Index-only queries</a:t>
             </a:r>
             <a:endParaRPr lang="zh-CN" altLang="en-US" dirty="0"/>
@@ -14360,13 +14399,6 @@
   <p:clrMapOvr>
     <a:masterClrMapping/>
   </p:clrMapOvr>
-  <p:timing>
-    <p:tnLst>
-      <p:par>
-        <p:cTn id="1" dur="indefinite" restart="never" nodeType="tmRoot"/>
-      </p:par>
-    </p:tnLst>
-  </p:timing>
 </p:sld>
 </file>
 
@@ -14403,7 +14435,7 @@
           <a:lstStyle/>
           <a:p>
             <a:r>
-              <a:rPr lang="en-US" altLang="zh-CN" dirty="0" smtClean="0"/>
+              <a:rPr lang="en-US" altLang="zh-CN" dirty="0"/>
               <a:t>B-Tree index limitations</a:t>
             </a:r>
             <a:endParaRPr lang="zh-CN" altLang="en-US" dirty="0"/>
@@ -14426,66 +14458,69 @@
           <a:lstStyle/>
           <a:p>
             <a:r>
-              <a:rPr lang="en-US" altLang="zh-CN" dirty="0" smtClean="0"/>
+              <a:rPr lang="en-US" altLang="zh-CN" dirty="0"/>
               <a:t>Not useful for the lookup does not start from the leftmost side of the indexed columns</a:t>
             </a:r>
           </a:p>
           <a:p>
             <a:r>
-              <a:rPr lang="en-US" altLang="zh-CN" dirty="0" smtClean="0"/>
+              <a:rPr lang="en-US" altLang="zh-CN" dirty="0"/>
               <a:t>Can’t skip columns in the index</a:t>
             </a:r>
           </a:p>
           <a:p>
             <a:r>
-              <a:rPr lang="en-US" altLang="zh-CN" dirty="0" smtClean="0"/>
-              <a:t>storage engine can’t optimize accesses with any columns to the right of the first range condition </a:t>
-            </a:r>
-          </a:p>
-          <a:p>
-            <a:r>
-              <a:rPr lang="en-US" altLang="zh-CN" dirty="0" err="1" smtClean="0"/>
+              <a:rPr lang="en-US" altLang="zh-CN" dirty="0"/>
+              <a:t>Storage engine can’t optimize accesses with any columns to the right of the first range condition </a:t>
+            </a:r>
+          </a:p>
+          <a:p>
+            <a:pPr marL="0" indent="0">
+              <a:buNone/>
+            </a:pPr>
+            <a:r>
+              <a:rPr lang="en-US" altLang="zh-CN" sz="2000" dirty="0" err="1"/>
               <a:t>eg</a:t>
             </a:r>
             <a:r>
-              <a:rPr lang="en-US" altLang="zh-CN" dirty="0" smtClean="0"/>
+              <a:rPr lang="en-US" altLang="zh-CN" sz="2000" dirty="0"/>
               <a:t>. WHERE </a:t>
             </a:r>
             <a:r>
-              <a:rPr lang="en-US" altLang="zh-CN" dirty="0" err="1" smtClean="0"/>
+              <a:rPr lang="en-US" altLang="zh-CN" sz="2000" dirty="0" err="1"/>
               <a:t>last_name</a:t>
             </a:r>
             <a:r>
-              <a:rPr lang="en-US" altLang="zh-CN" dirty="0" smtClean="0"/>
+              <a:rPr lang="en-US" altLang="zh-CN" sz="2000" dirty="0"/>
               <a:t>=“Smith” AND </a:t>
             </a:r>
             <a:r>
-              <a:rPr lang="en-US" altLang="zh-CN" dirty="0" err="1" smtClean="0"/>
+              <a:rPr lang="en-US" altLang="zh-CN" sz="2000" dirty="0" err="1"/>
               <a:t>first_name</a:t>
             </a:r>
             <a:r>
-              <a:rPr lang="en-US" altLang="zh-CN" dirty="0" smtClean="0"/>
+              <a:rPr lang="en-US" altLang="zh-CN" sz="2000" dirty="0"/>
               <a:t> LIKE ‘J%’ AND </a:t>
             </a:r>
             <a:r>
-              <a:rPr lang="en-US" altLang="zh-CN" dirty="0" err="1" smtClean="0"/>
+              <a:rPr lang="en-US" altLang="zh-CN" sz="2000" dirty="0" err="1"/>
               <a:t>dob</a:t>
             </a:r>
             <a:r>
-              <a:rPr lang="en-US" altLang="zh-CN" dirty="0" smtClean="0"/>
+              <a:rPr lang="en-US" altLang="zh-CN" sz="2000" dirty="0"/>
               <a:t>=‘1976-12-23’ the index access will use only </a:t>
             </a:r>
             <a:r>
-              <a:rPr lang="en-US" altLang="zh-CN" dirty="0" err="1" smtClean="0"/>
+              <a:rPr lang="en-US" altLang="zh-CN" sz="2000" dirty="0" err="1"/>
               <a:t>thefirst</a:t>
             </a:r>
             <a:r>
-              <a:rPr lang="en-US" altLang="zh-CN" dirty="0" smtClean="0"/>
+              <a:rPr lang="en-US" altLang="zh-CN" sz="2000" dirty="0"/>
               <a:t> two columns in the index, because the LIKE is a range condition.</a:t>
             </a:r>
           </a:p>
           <a:p>
-            <a:endParaRPr lang="en-US" altLang="zh-CN" dirty="0" smtClean="0"/>
+            <a:endParaRPr lang="en-US" altLang="zh-CN" dirty="0"/>
           </a:p>
           <a:p>
             <a:endParaRPr lang="zh-CN" altLang="en-US" dirty="0"/>
@@ -14502,13 +14537,6 @@
   <p:clrMapOvr>
     <a:masterClrMapping/>
   </p:clrMapOvr>
-  <p:timing>
-    <p:tnLst>
-      <p:par>
-        <p:cTn id="1" dur="indefinite" restart="never" nodeType="tmRoot"/>
-      </p:par>
-    </p:tnLst>
-  </p:timing>
 </p:sld>
 </file>
 
@@ -14545,7 +14573,7 @@
           <a:lstStyle/>
           <a:p>
             <a:r>
-              <a:rPr lang="en-US" altLang="zh-CN" smtClean="0"/>
+              <a:rPr lang="en-US" altLang="zh-CN" dirty="0"/>
               <a:t>Hash indexes</a:t>
             </a:r>
             <a:endParaRPr lang="zh-CN" altLang="en-US" dirty="0"/>
@@ -14568,16 +14596,16 @@
           <a:lstStyle/>
           <a:p>
             <a:r>
-              <a:rPr lang="en-US" altLang="zh-CN" smtClean="0"/>
+              <a:rPr lang="en-US" altLang="zh-CN" sz="2000" dirty="0"/>
               <a:t>A hash index is built on a hash table and is useful only for exact lookups that use every column in the index. For each row, the storage engine computes a hash code of the indexed columns, which is a small value that will probably differ from the hash codes computed for other rows with different key values. It stores the hash codes in the index and stores a pointer to each row in a hash table.</a:t>
             </a:r>
           </a:p>
           <a:p>
             <a:r>
-              <a:rPr lang="en-US" altLang="zh-CN" smtClean="0"/>
+              <a:rPr lang="en-US" altLang="zh-CN" sz="2000" dirty="0"/>
               <a:t>In MySQL, only the Memory storage engine supports explicit hash indexes. They are the default index type for Memory tables, though Memory tables can have B-Tree indexes, too.</a:t>
             </a:r>
-            <a:endParaRPr lang="zh-CN" altLang="en-US" dirty="0"/>
+            <a:endParaRPr lang="zh-CN" altLang="en-US" sz="2000" dirty="0"/>
           </a:p>
         </p:txBody>
       </p:sp>
@@ -14591,13 +14619,6 @@
   <p:clrMapOvr>
     <a:masterClrMapping/>
   </p:clrMapOvr>
-  <p:timing>
-    <p:tnLst>
-      <p:par>
-        <p:cTn id="1" dur="indefinite" restart="never" nodeType="tmRoot"/>
-      </p:par>
-    </p:tnLst>
-  </p:timing>
 </p:sld>
 </file>
 
@@ -14634,7 +14655,7 @@
           <a:lstStyle/>
           <a:p>
             <a:r>
-              <a:rPr lang="en-US" altLang="zh-CN" smtClean="0"/>
+              <a:rPr lang="en-US" altLang="zh-CN" dirty="0"/>
               <a:t>Hash index table</a:t>
             </a:r>
             <a:endParaRPr lang="zh-CN" altLang="en-US" dirty="0"/>
@@ -14656,35 +14677,71 @@
           <a:bodyPr/>
           <a:lstStyle/>
           <a:p>
-            <a:r>
-              <a:rPr lang="en-US" altLang="zh-CN" smtClean="0"/>
-              <a:t>CREATE TABLE testhash (</a:t>
-            </a:r>
-          </a:p>
-          <a:p>
-            <a:pPr lvl="1"/>
-            <a:r>
-              <a:rPr lang="en-US" altLang="zh-CN" smtClean="0"/>
-              <a:t>fname VARCHAR(50) NOT NULL,</a:t>
-            </a:r>
-          </a:p>
-          <a:p>
-            <a:pPr lvl="1"/>
-            <a:r>
-              <a:rPr lang="en-US" altLang="zh-CN" smtClean="0"/>
-              <a:t>lname VARCHAR(50) NOT NULL,</a:t>
-            </a:r>
-          </a:p>
-          <a:p>
-            <a:pPr lvl="1"/>
-            <a:r>
-              <a:rPr lang="en-US" altLang="zh-CN" smtClean="0"/>
-              <a:t>KEY USING HASH(fname)</a:t>
-            </a:r>
-          </a:p>
-          <a:p>
-            <a:r>
-              <a:rPr lang="en-US" altLang="zh-CN" smtClean="0"/>
+            <a:pPr marL="0" indent="0">
+              <a:buNone/>
+            </a:pPr>
+            <a:r>
+              <a:rPr lang="en-US" altLang="zh-CN" sz="1800" dirty="0"/>
+              <a:t>CREATE TABLE </a:t>
+            </a:r>
+            <a:r>
+              <a:rPr lang="en-US" altLang="zh-CN" sz="1800" dirty="0" err="1"/>
+              <a:t>testhash</a:t>
+            </a:r>
+            <a:r>
+              <a:rPr lang="en-US" altLang="zh-CN" sz="1800" dirty="0"/>
+              <a:t> (</a:t>
+            </a:r>
+          </a:p>
+          <a:p>
+            <a:pPr marL="457200" lvl="1" indent="0">
+              <a:buNone/>
+            </a:pPr>
+            <a:r>
+              <a:rPr lang="en-US" altLang="zh-CN" sz="1800" dirty="0" err="1"/>
+              <a:t>fname</a:t>
+            </a:r>
+            <a:r>
+              <a:rPr lang="en-US" altLang="zh-CN" sz="1800" dirty="0"/>
+              <a:t> VARCHAR(50) NOT NULL,</a:t>
+            </a:r>
+          </a:p>
+          <a:p>
+            <a:pPr marL="457200" lvl="1" indent="0">
+              <a:buNone/>
+            </a:pPr>
+            <a:r>
+              <a:rPr lang="en-US" altLang="zh-CN" sz="1800" dirty="0" err="1"/>
+              <a:t>lname</a:t>
+            </a:r>
+            <a:r>
+              <a:rPr lang="en-US" altLang="zh-CN" sz="1800" dirty="0"/>
+              <a:t> VARCHAR(50) NOT NULL,</a:t>
+            </a:r>
+          </a:p>
+          <a:p>
+            <a:pPr marL="457200" lvl="1" indent="0">
+              <a:buNone/>
+            </a:pPr>
+            <a:r>
+              <a:rPr lang="en-US" altLang="zh-CN" sz="1800" dirty="0"/>
+              <a:t>KEY USING HASH(</a:t>
+            </a:r>
+            <a:r>
+              <a:rPr lang="en-US" altLang="zh-CN" sz="1800" dirty="0" err="1"/>
+              <a:t>fname</a:t>
+            </a:r>
+            <a:r>
+              <a:rPr lang="en-US" altLang="zh-CN" sz="1800" dirty="0"/>
+              <a:t>)</a:t>
+            </a:r>
+          </a:p>
+          <a:p>
+            <a:pPr marL="0" indent="0">
+              <a:buNone/>
+            </a:pPr>
+            <a:r>
+              <a:rPr lang="en-US" altLang="zh-CN" sz="1800" dirty="0"/>
               <a:t>) ENGINE=MEMORY;</a:t>
             </a:r>
           </a:p>
@@ -14709,7 +14766,7 @@
         </p:blipFill>
         <p:spPr>
           <a:xfrm>
-            <a:off x="5292090" y="1431970"/>
+            <a:off x="4881954" y="1407118"/>
             <a:ext cx="1689466" cy="1164632"/>
           </a:xfrm>
           <a:prstGeom prst="rect">
@@ -14733,7 +14790,7 @@
         </p:blipFill>
         <p:spPr>
           <a:xfrm>
-            <a:off x="1448558" y="2893666"/>
+            <a:off x="452954" y="3061754"/>
             <a:ext cx="2116515" cy="1187089"/>
           </a:xfrm>
           <a:prstGeom prst="rect">
@@ -14757,7 +14814,7 @@
         </p:blipFill>
         <p:spPr>
           <a:xfrm>
-            <a:off x="3678062" y="2740090"/>
+            <a:off x="2890556" y="2871453"/>
             <a:ext cx="1513356" cy="1377390"/>
           </a:xfrm>
           <a:prstGeom prst="rect">
@@ -14773,8 +14830,8 @@
         </p:nvSpPr>
         <p:spPr>
           <a:xfrm>
-            <a:off x="5292090" y="2854642"/>
-            <a:ext cx="2511743" cy="1806970"/>
+            <a:off x="4740089" y="2793012"/>
+            <a:ext cx="4061012" cy="1384995"/>
           </a:xfrm>
           <a:prstGeom prst="rect">
             <a:avLst/>
@@ -14788,70 +14845,48 @@
           <a:lstStyle/>
           <a:p>
             <a:r>
-              <a:rPr lang="en-US" altLang="zh-CN" sz="1013" dirty="0" err="1"/>
+              <a:rPr lang="en-US" altLang="zh-CN" sz="1200" dirty="0" err="1"/>
               <a:t>mysql</a:t>
             </a:r>
             <a:r>
-              <a:rPr lang="en-US" altLang="zh-CN" sz="1013" dirty="0"/>
+              <a:rPr lang="en-US" altLang="zh-CN" sz="1200" dirty="0"/>
               <a:t>&gt; </a:t>
             </a:r>
             <a:r>
-              <a:rPr lang="en-US" altLang="zh-CN" sz="1013" b="1" dirty="0"/>
+              <a:rPr lang="en-US" altLang="zh-CN" sz="1200" b="1" dirty="0"/>
               <a:t>SELECT </a:t>
             </a:r>
             <a:r>
-              <a:rPr lang="en-US" altLang="zh-CN" sz="1013" b="1" dirty="0" err="1"/>
+              <a:rPr lang="en-US" altLang="zh-CN" sz="1200" b="1" dirty="0" err="1"/>
               <a:t>lname</a:t>
             </a:r>
             <a:r>
-              <a:rPr lang="en-US" altLang="zh-CN" sz="1013" b="1" dirty="0"/>
+              <a:rPr lang="en-US" altLang="zh-CN" sz="1200" b="1" dirty="0"/>
               <a:t> FROM </a:t>
             </a:r>
             <a:r>
-              <a:rPr lang="en-US" altLang="zh-CN" sz="1013" b="1" dirty="0" err="1"/>
+              <a:rPr lang="en-US" altLang="zh-CN" sz="1200" b="1" dirty="0" err="1"/>
               <a:t>testhash</a:t>
             </a:r>
             <a:r>
-              <a:rPr lang="en-US" altLang="zh-CN" sz="1013" b="1" dirty="0"/>
+              <a:rPr lang="en-US" altLang="zh-CN" sz="1200" b="1" dirty="0"/>
               <a:t> WHERE </a:t>
             </a:r>
             <a:r>
-              <a:rPr lang="en-US" altLang="zh-CN" sz="1013" b="1" dirty="0" err="1"/>
+              <a:rPr lang="en-US" altLang="zh-CN" sz="1200" b="1" dirty="0" err="1"/>
               <a:t>fname</a:t>
             </a:r>
             <a:r>
-              <a:rPr lang="en-US" altLang="zh-CN" sz="1013" b="1" dirty="0"/>
-              <a:t>='Peter</a:t>
-            </a:r>
-            <a:r>
-              <a:rPr lang="en-US" altLang="zh-CN" sz="1013" b="1" dirty="0"/>
-              <a:t>';</a:t>
-            </a:r>
-          </a:p>
-          <a:p>
-            <a:r>
-              <a:rPr lang="en-US" altLang="zh-CN" sz="1013" dirty="0"/>
-              <a:t>MySQL will calculate the hash of 'Peter' and use that to look up the pointer in the</a:t>
-            </a:r>
-          </a:p>
-          <a:p>
-            <a:r>
-              <a:rPr lang="en-US" altLang="zh-CN" sz="1013" dirty="0"/>
-              <a:t>index. Because f('Peter') = 8784, MySQL will look in the index for 8784 and find the</a:t>
-            </a:r>
-          </a:p>
-          <a:p>
-            <a:r>
-              <a:rPr lang="en-US" altLang="zh-CN" sz="1013" dirty="0"/>
-              <a:t>pointer to row 3. The final step is to compare the value in row 3 to 'Peter', to make</a:t>
-            </a:r>
-          </a:p>
-          <a:p>
-            <a:r>
-              <a:rPr lang="en-US" altLang="zh-CN" sz="1013" dirty="0"/>
-              <a:t>sure it’s the right row.</a:t>
-            </a:r>
-            <a:endParaRPr lang="zh-CN" altLang="en-US" sz="1013" dirty="0"/>
+              <a:rPr lang="en-US" altLang="zh-CN" sz="1200" b="1" dirty="0"/>
+              <a:t>='Peter';</a:t>
+            </a:r>
+          </a:p>
+          <a:p>
+            <a:r>
+              <a:rPr lang="en-US" altLang="zh-CN" sz="1200" dirty="0"/>
+              <a:t>MySQL will calculate the hash of 'Peter' and use that to look up the pointer in the index. Because f('Peter') = 8784, MySQL will look in the index for 8784 and find the pointer to row 3. The final step is to compare the value in row 3 to 'Peter', to make sure it’s the right row.</a:t>
+            </a:r>
+            <a:endParaRPr lang="zh-CN" altLang="en-US" sz="1200" dirty="0"/>
           </a:p>
         </p:txBody>
       </p:sp>
@@ -14865,13 +14900,6 @@
   <p:clrMapOvr>
     <a:masterClrMapping/>
   </p:clrMapOvr>
-  <p:timing>
-    <p:tnLst>
-      <p:par>
-        <p:cTn id="1" dur="indefinite" restart="never" nodeType="tmRoot"/>
-      </p:par>
-    </p:tnLst>
-  </p:timing>
 </p:sld>
 </file>
 
@@ -14908,7 +14936,7 @@
           <a:lstStyle/>
           <a:p>
             <a:r>
-              <a:rPr lang="en-US" altLang="zh-CN" smtClean="0"/>
+              <a:rPr lang="en-US" altLang="zh-CN"/>
               <a:t>Building your own hash indexes</a:t>
             </a:r>
             <a:endParaRPr lang="zh-CN" altLang="en-US" dirty="0"/>
@@ -14931,16 +14959,32 @@
           <a:lstStyle/>
           <a:p>
             <a:r>
-              <a:rPr lang="en-US" altLang="zh-CN" smtClean="0"/>
-              <a:t>If your storage engine doesn’t support hash indexes, you can emulate them yourself in a manner similar to that InnoDB uses. This will give you access to some of the desirable properties of hash indexes, such as a very small index size for very long keys.</a:t>
-            </a:r>
-          </a:p>
-          <a:p>
-            <a:r>
-              <a:rPr lang="en-US" altLang="zh-CN" smtClean="0"/>
-              <a:t>The idea is simple: create a pseudohash index on top of a standard B-Tree index. It will not be exactly the same thing as a real hash index, because it will still use the B-Tree index for lookups. However, it will use the keys’ hash values for lookups, instead of the keys themselves. All you need to do is specify the hash function manually in the query’s WHERE clause.</a:t>
-            </a:r>
-            <a:endParaRPr lang="zh-CN" altLang="en-US" dirty="0"/>
+              <a:rPr lang="en-US" altLang="zh-CN" sz="2000" dirty="0"/>
+              <a:t>If your storage engine doesn’t support hash indexes, you can emulate them yourself in a manner similar to that </a:t>
+            </a:r>
+            <a:r>
+              <a:rPr lang="en-US" altLang="zh-CN" sz="2000" dirty="0" err="1"/>
+              <a:t>InnoDB</a:t>
+            </a:r>
+            <a:r>
+              <a:rPr lang="en-US" altLang="zh-CN" sz="2000" dirty="0"/>
+              <a:t> uses. This will give you access to some of the desirable properties of hash indexes, such as a very small index size for very long keys.</a:t>
+            </a:r>
+          </a:p>
+          <a:p>
+            <a:r>
+              <a:rPr lang="en-US" altLang="zh-CN" sz="2000" dirty="0"/>
+              <a:t>The idea is simple: create a </a:t>
+            </a:r>
+            <a:r>
+              <a:rPr lang="en-US" altLang="zh-CN" sz="2000" dirty="0" err="1"/>
+              <a:t>pseudohash</a:t>
+            </a:r>
+            <a:r>
+              <a:rPr lang="en-US" altLang="zh-CN" sz="2000" dirty="0"/>
+              <a:t> index on top of a standard B-Tree index. It will not be exactly the same thing as a real hash index, because it will still use the B-Tree index for lookups. However, it will use the keys’ hash values for lookups, instead of the keys themselves. All you need to do is specify the hash function manually in the query’s WHERE clause.</a:t>
+            </a:r>
+            <a:endParaRPr lang="zh-CN" altLang="en-US" sz="2000" dirty="0"/>
           </a:p>
         </p:txBody>
       </p:sp>
@@ -14954,13 +14998,6 @@
   <p:clrMapOvr>
     <a:masterClrMapping/>
   </p:clrMapOvr>
-  <p:timing>
-    <p:tnLst>
-      <p:par>
-        <p:cTn id="1" dur="indefinite" restart="never" nodeType="tmRoot"/>
-      </p:par>
-    </p:tnLst>
-  </p:timing>
 </p:sld>
 </file>
 
@@ -14997,7 +15034,7 @@
           <a:lstStyle/>
           <a:p>
             <a:r>
-              <a:rPr lang="en-US" altLang="zh-CN" smtClean="0"/>
+              <a:rPr lang="en-US" altLang="zh-CN"/>
               <a:t>Building custom index case</a:t>
             </a:r>
             <a:endParaRPr lang="zh-CN" altLang="en-US" dirty="0"/>
@@ -15022,8 +15059,8 @@
         </p:blipFill>
         <p:spPr>
           <a:xfrm>
-            <a:off x="2382728" y="2660642"/>
-            <a:ext cx="4254719" cy="317516"/>
+            <a:off x="816146" y="1206551"/>
+            <a:ext cx="4478262" cy="334198"/>
           </a:xfrm>
         </p:spPr>
       </p:pic>
@@ -15043,8 +15080,8 @@
         </p:blipFill>
         <p:spPr>
           <a:xfrm>
-            <a:off x="5166718" y="1741769"/>
-            <a:ext cx="2313179" cy="813476"/>
+            <a:off x="5294408" y="1152718"/>
+            <a:ext cx="2866323" cy="1008000"/>
           </a:xfrm>
           <a:prstGeom prst="rect">
             <a:avLst/>
@@ -15067,8 +15104,8 @@
         </p:blipFill>
         <p:spPr>
           <a:xfrm>
-            <a:off x="1614488" y="2267309"/>
-            <a:ext cx="2949483" cy="269339"/>
+            <a:off x="742187" y="1731814"/>
+            <a:ext cx="4438632" cy="405324"/>
           </a:xfrm>
           <a:prstGeom prst="rect">
             <a:avLst/>
@@ -15083,8 +15120,8 @@
         </p:nvSpPr>
         <p:spPr>
           <a:xfrm>
-            <a:off x="1716286" y="2891875"/>
-            <a:ext cx="4674201" cy="1806970"/>
+            <a:off x="742187" y="2518882"/>
+            <a:ext cx="7016766" cy="1384995"/>
           </a:xfrm>
           <a:prstGeom prst="rect">
             <a:avLst/>
@@ -15098,56 +15135,56 @@
           <a:lstStyle/>
           <a:p>
             <a:r>
-              <a:rPr lang="en-US" altLang="zh-CN" sz="1013" dirty="0"/>
+              <a:rPr lang="en-US" altLang="zh-CN" sz="1400" dirty="0"/>
               <a:t>This works well because the MySQL query optimizer notices there’s a small, highly</a:t>
             </a:r>
           </a:p>
           <a:p>
             <a:r>
-              <a:rPr lang="en-US" altLang="zh-CN" sz="1013" dirty="0"/>
+              <a:rPr lang="en-US" altLang="zh-CN" sz="1400" dirty="0"/>
               <a:t>selective index on the </a:t>
             </a:r>
             <a:r>
-              <a:rPr lang="en-US" altLang="zh-CN" sz="1013" dirty="0" err="1"/>
+              <a:rPr lang="en-US" altLang="zh-CN" sz="1400" dirty="0" err="1"/>
               <a:t>url_crc</a:t>
             </a:r>
             <a:r>
-              <a:rPr lang="en-US" altLang="zh-CN" sz="1013" dirty="0"/>
+              <a:rPr lang="en-US" altLang="zh-CN" sz="1400" dirty="0"/>
               <a:t> column and does an index lookup for entries with that</a:t>
             </a:r>
           </a:p>
           <a:p>
             <a:r>
-              <a:rPr lang="en-US" altLang="zh-CN" sz="1013" dirty="0"/>
+              <a:rPr lang="en-US" altLang="zh-CN" sz="1400" dirty="0"/>
               <a:t>value (1560514994, in this case). Even if several rows have the same </a:t>
             </a:r>
             <a:r>
-              <a:rPr lang="en-US" altLang="zh-CN" sz="1013" dirty="0" err="1"/>
+              <a:rPr lang="en-US" altLang="zh-CN" sz="1400" dirty="0" err="1"/>
               <a:t>url_crc</a:t>
             </a:r>
             <a:r>
-              <a:rPr lang="en-US" altLang="zh-CN" sz="1013" dirty="0"/>
+              <a:rPr lang="en-US" altLang="zh-CN" sz="1400" dirty="0"/>
               <a:t> value, it’s</a:t>
             </a:r>
           </a:p>
           <a:p>
             <a:r>
-              <a:rPr lang="en-US" altLang="zh-CN" sz="1013" dirty="0"/>
+              <a:rPr lang="en-US" altLang="zh-CN" sz="1400" dirty="0"/>
               <a:t>very easy to find these rows with a fast integer comparison and then examine them to</a:t>
             </a:r>
           </a:p>
           <a:p>
             <a:r>
-              <a:rPr lang="en-US" altLang="zh-CN" sz="1013" dirty="0"/>
+              <a:rPr lang="en-US" altLang="zh-CN" sz="1400" dirty="0"/>
               <a:t>find the one that matches the full URL exactly. The alternative is to index the full URL</a:t>
             </a:r>
           </a:p>
           <a:p>
             <a:r>
-              <a:rPr lang="en-US" altLang="zh-CN" sz="1013" dirty="0"/>
+              <a:rPr lang="en-US" altLang="zh-CN" sz="1400" dirty="0"/>
               <a:t>as a string, which is much slower.</a:t>
             </a:r>
-            <a:endParaRPr lang="zh-CN" altLang="en-US" sz="1013" dirty="0"/>
+            <a:endParaRPr lang="zh-CN" altLang="en-US" sz="1400" dirty="0"/>
           </a:p>
         </p:txBody>
       </p:sp>
@@ -15161,13 +15198,6 @@
   <p:clrMapOvr>
     <a:masterClrMapping/>
   </p:clrMapOvr>
-  <p:timing>
-    <p:tnLst>
-      <p:par>
-        <p:cTn id="1" dur="indefinite" restart="never" nodeType="tmRoot"/>
-      </p:par>
-    </p:tnLst>
-  </p:timing>
 </p:sld>
 </file>
 

--- a/vitess/MySQL Index & Orchestrator.pptx
+++ b/vitess/MySQL Index & Orchestrator.pptx
@@ -242,7 +242,7 @@
           <a:p>
             <a:fld id="{4BD4AD5A-3C79-4C81-81A6-615F3C28CB68}" type="datetimeFigureOut">
               <a:rPr lang="zh-CN" altLang="en-US" smtClean="0"/>
-              <a:t>2018-08-14</a:t>
+              <a:t>2018/8/15</a:t>
             </a:fld>
             <a:endParaRPr lang="zh-CN" altLang="en-US"/>
           </a:p>
@@ -408,7 +408,7 @@
           <a:p>
             <a:fld id="{ECB65501-F968-4A9F-99EE-A10D6BC145F0}" type="datetimeFigureOut">
               <a:rPr lang="zh-CN" altLang="en-US" smtClean="0"/>
-              <a:t>2018-08-14</a:t>
+              <a:t>2018/8/15</a:t>
             </a:fld>
             <a:endParaRPr lang="zh-CN" altLang="en-US"/>
           </a:p>
@@ -10121,6 +10121,13 @@
   <p:clrMapOvr>
     <a:masterClrMapping/>
   </p:clrMapOvr>
+  <p:timing>
+    <p:tnLst>
+      <p:par>
+        <p:cTn id="1" dur="indefinite" restart="never" nodeType="tmRoot"/>
+      </p:par>
+    </p:tnLst>
+  </p:timing>
 </p:sld>
 </file>
 
@@ -11444,6 +11451,13 @@
   <p:clrMapOvr>
     <a:masterClrMapping/>
   </p:clrMapOvr>
+  <p:timing>
+    <p:tnLst>
+      <p:par>
+        <p:cTn id="1" dur="indefinite" restart="never" nodeType="tmRoot"/>
+      </p:par>
+    </p:tnLst>
+  </p:timing>
 </p:sld>
 </file>
 
@@ -12910,8 +12924,17 @@
             </a:r>
             <a:r>
               <a:rPr lang="en-US" altLang="zh-CN" sz="1200" dirty="0"/>
-              <a:t> -h 127.0.0.1 -P6032 --prompt='Admin&gt; ‘</a:t>
-            </a:r>
+              <a:t> -h 127.0.0.1 -P6032 --</a:t>
+            </a:r>
+            <a:r>
+              <a:rPr lang="en-US" altLang="zh-CN" sz="1200" dirty="0" smtClean="0"/>
+              <a:t>prompt=‘Admin&gt;</a:t>
+            </a:r>
+            <a:r>
+              <a:rPr lang="en-US" altLang="zh-CN" sz="1200" dirty="0" smtClean="0"/>
+              <a:t>’</a:t>
+            </a:r>
+            <a:endParaRPr lang="en-US" altLang="zh-CN" sz="1200" dirty="0"/>
           </a:p>
           <a:p>
             <a:pPr marL="0" indent="0">
@@ -13162,7 +13185,15 @@
           <a:p>
             <a:r>
               <a:rPr lang="en-US" altLang="zh-CN" dirty="0"/>
-              <a:t>Other types of index</a:t>
+              <a:t>Other types </a:t>
+            </a:r>
+            <a:r>
+              <a:rPr lang="en-US" altLang="zh-CN"/>
+              <a:t>of </a:t>
+            </a:r>
+            <a:r>
+              <a:rPr lang="en-US" altLang="zh-CN" smtClean="0"/>
+              <a:t>index</a:t>
             </a:r>
             <a:endParaRPr lang="zh-CN" altLang="en-US" dirty="0"/>
           </a:p>
